--- a/020_RPA技術実施/20210218_RPA概要とUiPath環境構築/20210218_RPA概要とUiPath環境構築.pptx
+++ b/020_RPA技術実施/20210218_RPA概要とUiPath環境構築/20210218_RPA概要とUiPath環境構築.pptx
@@ -8,7 +8,12 @@
     <p:sldId id="256" r:id="rId2"/>
     <p:sldId id="264" r:id="rId3"/>
     <p:sldId id="266" r:id="rId4"/>
-    <p:sldId id="265" r:id="rId5"/>
+    <p:sldId id="270" r:id="rId5"/>
+    <p:sldId id="269" r:id="rId6"/>
+    <p:sldId id="271" r:id="rId7"/>
+    <p:sldId id="268" r:id="rId8"/>
+    <p:sldId id="272" r:id="rId9"/>
+    <p:sldId id="265" r:id="rId10"/>
   </p:sldIdLst>
   <p:sldSz cx="12192000" cy="6858000"/>
   <p:notesSz cx="6858000" cy="9144000"/>
@@ -860,7 +865,7 @@
           <a:p>
             <a:fld id="{AAB59A01-E176-48C0-AF9F-86A0987CE66A}" type="datetimeFigureOut">
               <a:rPr lang="en-US" smtClean="0"/>
-              <a:t>2/14/2021</a:t>
+              <a:t>3/2/2021</a:t>
             </a:fld>
             <a:endParaRPr lang="en-US"/>
           </a:p>
@@ -1111,7 +1116,7 @@
           <a:p>
             <a:fld id="{AAB59A01-E176-48C0-AF9F-86A0987CE66A}" type="datetimeFigureOut">
               <a:rPr lang="en-US" smtClean="0"/>
-              <a:t>2/14/2021</a:t>
+              <a:t>3/2/2021</a:t>
             </a:fld>
             <a:endParaRPr lang="en-US"/>
           </a:p>
@@ -1425,7 +1430,7 @@
           <a:p>
             <a:fld id="{AAB59A01-E176-48C0-AF9F-86A0987CE66A}" type="datetimeFigureOut">
               <a:rPr lang="en-US" smtClean="0"/>
-              <a:t>2/14/2021</a:t>
+              <a:t>3/2/2021</a:t>
             </a:fld>
             <a:endParaRPr lang="en-US"/>
           </a:p>
@@ -1758,7 +1763,7 @@
           <a:p>
             <a:fld id="{AAB59A01-E176-48C0-AF9F-86A0987CE66A}" type="datetimeFigureOut">
               <a:rPr lang="en-US" smtClean="0"/>
-              <a:t>2/14/2021</a:t>
+              <a:t>3/2/2021</a:t>
             </a:fld>
             <a:endParaRPr lang="en-US"/>
           </a:p>
@@ -2072,7 +2077,7 @@
           <a:p>
             <a:fld id="{AAB59A01-E176-48C0-AF9F-86A0987CE66A}" type="datetimeFigureOut">
               <a:rPr lang="en-US" smtClean="0"/>
-              <a:t>2/14/2021</a:t>
+              <a:t>3/2/2021</a:t>
             </a:fld>
             <a:endParaRPr lang="en-US"/>
           </a:p>
@@ -2465,7 +2470,7 @@
           <a:p>
             <a:fld id="{AAB59A01-E176-48C0-AF9F-86A0987CE66A}" type="datetimeFigureOut">
               <a:rPr lang="en-US" smtClean="0"/>
-              <a:t>2/14/2021</a:t>
+              <a:t>3/2/2021</a:t>
             </a:fld>
             <a:endParaRPr lang="en-US"/>
           </a:p>
@@ -2635,7 +2640,7 @@
           <a:p>
             <a:fld id="{AAB59A01-E176-48C0-AF9F-86A0987CE66A}" type="datetimeFigureOut">
               <a:rPr lang="en-US" smtClean="0"/>
-              <a:t>2/14/2021</a:t>
+              <a:t>3/2/2021</a:t>
             </a:fld>
             <a:endParaRPr lang="en-US"/>
           </a:p>
@@ -2815,7 +2820,7 @@
           <a:p>
             <a:fld id="{AAB59A01-E176-48C0-AF9F-86A0987CE66A}" type="datetimeFigureOut">
               <a:rPr lang="en-US" smtClean="0"/>
-              <a:t>2/14/2021</a:t>
+              <a:t>3/2/2021</a:t>
             </a:fld>
             <a:endParaRPr lang="en-US"/>
           </a:p>
@@ -2985,7 +2990,7 @@
           <a:p>
             <a:fld id="{AAB59A01-E176-48C0-AF9F-86A0987CE66A}" type="datetimeFigureOut">
               <a:rPr lang="en-US" smtClean="0"/>
-              <a:t>2/14/2021</a:t>
+              <a:t>3/2/2021</a:t>
             </a:fld>
             <a:endParaRPr lang="en-US"/>
           </a:p>
@@ -3232,7 +3237,7 @@
           <a:p>
             <a:fld id="{AAB59A01-E176-48C0-AF9F-86A0987CE66A}" type="datetimeFigureOut">
               <a:rPr lang="en-US" smtClean="0"/>
-              <a:t>2/14/2021</a:t>
+              <a:t>3/2/2021</a:t>
             </a:fld>
             <a:endParaRPr lang="en-US"/>
           </a:p>
@@ -3464,7 +3469,7 @@
           <a:p>
             <a:fld id="{AAB59A01-E176-48C0-AF9F-86A0987CE66A}" type="datetimeFigureOut">
               <a:rPr lang="en-US" smtClean="0"/>
-              <a:t>2/14/2021</a:t>
+              <a:t>3/2/2021</a:t>
             </a:fld>
             <a:endParaRPr lang="en-US"/>
           </a:p>
@@ -3838,7 +3843,7 @@
           <a:p>
             <a:fld id="{AAB59A01-E176-48C0-AF9F-86A0987CE66A}" type="datetimeFigureOut">
               <a:rPr lang="en-US" smtClean="0"/>
-              <a:t>2/14/2021</a:t>
+              <a:t>3/2/2021</a:t>
             </a:fld>
             <a:endParaRPr lang="en-US"/>
           </a:p>
@@ -3961,7 +3966,7 @@
           <a:p>
             <a:fld id="{AAB59A01-E176-48C0-AF9F-86A0987CE66A}" type="datetimeFigureOut">
               <a:rPr lang="en-US" smtClean="0"/>
-              <a:t>2/14/2021</a:t>
+              <a:t>3/2/2021</a:t>
             </a:fld>
             <a:endParaRPr lang="en-US"/>
           </a:p>
@@ -4056,7 +4061,7 @@
           <a:p>
             <a:fld id="{AAB59A01-E176-48C0-AF9F-86A0987CE66A}" type="datetimeFigureOut">
               <a:rPr lang="en-US" smtClean="0"/>
-              <a:t>2/14/2021</a:t>
+              <a:t>3/2/2021</a:t>
             </a:fld>
             <a:endParaRPr lang="en-US"/>
           </a:p>
@@ -4311,7 +4316,7 @@
           <a:p>
             <a:fld id="{AAB59A01-E176-48C0-AF9F-86A0987CE66A}" type="datetimeFigureOut">
               <a:rPr lang="en-US" smtClean="0"/>
-              <a:t>2/14/2021</a:t>
+              <a:t>3/2/2021</a:t>
             </a:fld>
             <a:endParaRPr lang="en-US"/>
           </a:p>
@@ -4616,7 +4621,7 @@
           <a:p>
             <a:fld id="{AAB59A01-E176-48C0-AF9F-86A0987CE66A}" type="datetimeFigureOut">
               <a:rPr lang="en-US" smtClean="0"/>
-              <a:t>2/14/2021</a:t>
+              <a:t>3/2/2021</a:t>
             </a:fld>
             <a:endParaRPr lang="en-US"/>
           </a:p>
@@ -5318,7 +5323,7 @@
           <a:p>
             <a:fld id="{AAB59A01-E176-48C0-AF9F-86A0987CE66A}" type="datetimeFigureOut">
               <a:rPr lang="en-US" smtClean="0"/>
-              <a:t>2/14/2021</a:t>
+              <a:t>3/2/2021</a:t>
             </a:fld>
             <a:endParaRPr lang="en-US"/>
           </a:p>
@@ -5988,55 +5993,10 @@
         </p:nvSpPr>
         <p:spPr/>
         <p:txBody>
-          <a:bodyPr/>
-          <a:lstStyle/>
-          <a:p>
-            <a:r>
-              <a:rPr lang="ja-JP" altLang="en-US" dirty="0" smtClean="0"/>
-              <a:t>本</a:t>
-            </a:r>
-            <a:r>
-              <a:rPr lang="ja-JP" altLang="en-US" dirty="0"/>
-              <a:t>勉強</a:t>
-            </a:r>
-            <a:r>
-              <a:rPr lang="ja-JP" altLang="en-US" dirty="0" smtClean="0"/>
-              <a:t>会の紹介</a:t>
-            </a:r>
-            <a:endParaRPr lang="en-US" altLang="ja-JP" dirty="0" smtClean="0"/>
-          </a:p>
-          <a:p>
-            <a:pPr lvl="1"/>
-            <a:r>
-              <a:rPr lang="ja-JP" altLang="en-US" dirty="0" smtClean="0"/>
-              <a:t>講義の格納場所</a:t>
-            </a:r>
-            <a:endParaRPr lang="en-US" altLang="ja-JP" dirty="0" smtClean="0"/>
-          </a:p>
-          <a:p>
-            <a:pPr lvl="1"/>
-            <a:r>
-              <a:rPr lang="ja-JP" altLang="en-US" dirty="0"/>
-              <a:t>宿</a:t>
-            </a:r>
-            <a:r>
-              <a:rPr lang="ja-JP" altLang="en-US" dirty="0" smtClean="0"/>
-              <a:t>題の格納場所</a:t>
-            </a:r>
-            <a:endParaRPr lang="en-US" altLang="ja-JP" dirty="0" smtClean="0"/>
-          </a:p>
-          <a:p>
-            <a:pPr lvl="1"/>
-            <a:r>
-              <a:rPr lang="ja-JP" altLang="en-US" dirty="0"/>
-              <a:t>採</a:t>
-            </a:r>
-            <a:r>
-              <a:rPr lang="ja-JP" altLang="en-US" dirty="0" smtClean="0"/>
-              <a:t>点基準</a:t>
-            </a:r>
-            <a:endParaRPr lang="en-US" altLang="ja-JP" dirty="0" smtClean="0"/>
-          </a:p>
+          <a:bodyPr>
+            <a:normAutofit/>
+          </a:bodyPr>
+          <a:lstStyle/>
           <a:p>
             <a:r>
               <a:rPr lang="en-US" altLang="ja-JP" dirty="0" smtClean="0"/>
@@ -6049,21 +6009,100 @@
             <a:endParaRPr lang="en-US" altLang="ja-JP" dirty="0" smtClean="0"/>
           </a:p>
           <a:p>
+            <a:pPr lvl="1"/>
+            <a:r>
+              <a:rPr lang="en-US" altLang="ja-JP" dirty="0" smtClean="0"/>
+              <a:t>RPA</a:t>
+            </a:r>
             <a:r>
               <a:rPr lang="ja-JP" altLang="en-US" dirty="0" smtClean="0"/>
-              <a:t>無料の</a:t>
-            </a:r>
+              <a:t>とは</a:t>
+            </a:r>
+            <a:endParaRPr lang="en-US" altLang="ja-JP" dirty="0" smtClean="0"/>
+          </a:p>
+          <a:p>
+            <a:pPr lvl="1"/>
+            <a:r>
+              <a:rPr lang="en-US" altLang="ja-JP" dirty="0" smtClean="0"/>
+              <a:t>RPA</a:t>
+            </a:r>
+            <a:r>
+              <a:rPr lang="ja-JP" altLang="en-US" dirty="0" smtClean="0"/>
+              <a:t>デモ</a:t>
+            </a:r>
+            <a:endParaRPr lang="en-US" altLang="ja-JP" dirty="0" smtClean="0"/>
+          </a:p>
+          <a:p>
+            <a:pPr lvl="1"/>
+            <a:r>
+              <a:rPr lang="en-US" altLang="ja-JP" dirty="0" smtClean="0"/>
+              <a:t>RPA</a:t>
+            </a:r>
+            <a:r>
+              <a:rPr lang="ja-JP" altLang="en-US" dirty="0" smtClean="0"/>
+              <a:t>の強みと弱み</a:t>
+            </a:r>
+            <a:endParaRPr lang="en-US" altLang="ja-JP" dirty="0" smtClean="0"/>
+          </a:p>
+          <a:p>
+            <a:pPr lvl="1"/>
+            <a:r>
+              <a:rPr lang="en-US" altLang="ja-JP" dirty="0" smtClean="0"/>
+              <a:t>RPA</a:t>
+            </a:r>
+            <a:r>
+              <a:rPr lang="ja-JP" altLang="en-US" dirty="0" smtClean="0"/>
+              <a:t>が求められる背景と理由</a:t>
+            </a:r>
+            <a:endParaRPr lang="en-US" altLang="ja-JP" dirty="0" smtClean="0"/>
+          </a:p>
+          <a:p>
+            <a:pPr lvl="1"/>
+            <a:r>
+              <a:rPr lang="en-US" altLang="ja-JP" dirty="0" smtClean="0"/>
+              <a:t>RPA</a:t>
+            </a:r>
+            <a:r>
+              <a:rPr lang="ja-JP" altLang="en-US" dirty="0" smtClean="0"/>
+              <a:t>の隠れた効果</a:t>
+            </a:r>
+            <a:endParaRPr lang="en-US" altLang="ja-JP" dirty="0" smtClean="0"/>
+          </a:p>
+          <a:p>
             <a:r>
               <a:rPr lang="en-US" dirty="0" err="1" smtClean="0"/>
               <a:t>UiPath</a:t>
             </a:r>
             <a:r>
               <a:rPr lang="zh-CN" altLang="en-US" dirty="0"/>
-              <a:t>環境構</a:t>
+              <a:t>環</a:t>
             </a:r>
             <a:r>
               <a:rPr lang="zh-CN" altLang="en-US" dirty="0" smtClean="0"/>
-              <a:t>築</a:t>
+              <a:t>境</a:t>
+            </a:r>
+            <a:r>
+              <a:rPr lang="ja-JP" altLang="en-US" dirty="0" smtClean="0"/>
+              <a:t>を</a:t>
+            </a:r>
+            <a:r>
+              <a:rPr lang="zh-CN" altLang="en-US" dirty="0" smtClean="0"/>
+              <a:t>構築</a:t>
+            </a:r>
+            <a:r>
+              <a:rPr lang="ja-JP" altLang="en-US" dirty="0" smtClean="0"/>
+              <a:t>してみよう</a:t>
+            </a:r>
+            <a:endParaRPr lang="en-US" altLang="zh-CN" dirty="0" smtClean="0"/>
+          </a:p>
+          <a:p>
+            <a:r>
+              <a:rPr lang="en-US" altLang="zh-CN" dirty="0" err="1" smtClean="0"/>
+              <a:t>UiPath</a:t>
+            </a:r>
+            <a:r>
+              <a:rPr lang="ja-JP" altLang="en-US" dirty="0" smtClean="0"/>
+              <a:t>でロボを作ってみよう</a:t>
             </a:r>
             <a:endParaRPr lang="en-US" altLang="zh-CN" dirty="0" smtClean="0"/>
           </a:p>
@@ -6129,7 +6168,30 @@
           <a:bodyPr/>
           <a:lstStyle/>
           <a:p>
-            <a:endParaRPr lang="zh-CN" altLang="en-US"/>
+            <a:r>
+              <a:rPr lang="en-US" altLang="zh-CN" dirty="0" smtClean="0"/>
+              <a:t>RPA</a:t>
+            </a:r>
+            <a:r>
+              <a:rPr lang="ja-JP" altLang="en-US" dirty="0" smtClean="0"/>
+              <a:t>概要</a:t>
+            </a:r>
+            <a:r>
+              <a:rPr lang="ja-JP" altLang="en-US" dirty="0"/>
+              <a:t/>
+            </a:r>
+            <a:br>
+              <a:rPr lang="ja-JP" altLang="en-US" dirty="0"/>
+            </a:br>
+            <a:r>
+              <a:rPr lang="en-US" altLang="ja-JP" sz="2400" dirty="0" smtClean="0"/>
+              <a:t>RPA</a:t>
+            </a:r>
+            <a:r>
+              <a:rPr lang="ja-JP" altLang="en-US" sz="2400" dirty="0" smtClean="0"/>
+              <a:t>とは？</a:t>
+            </a:r>
+            <a:endParaRPr lang="zh-CN" altLang="en-US" dirty="0"/>
           </a:p>
         </p:txBody>
       </p:sp>
@@ -6148,7 +6210,64 @@
           <a:bodyPr/>
           <a:lstStyle/>
           <a:p>
-            <a:endParaRPr lang="zh-CN" altLang="en-US"/>
+            <a:r>
+              <a:rPr lang="en-US" altLang="ja-JP" dirty="0" smtClean="0"/>
+              <a:t>RPA</a:t>
+            </a:r>
+            <a:r>
+              <a:rPr lang="ja-JP" altLang="en-US" dirty="0" smtClean="0"/>
+              <a:t>とは何でしょうか？総務省は以下のように説明しています。</a:t>
+            </a:r>
+            <a:endParaRPr lang="en-US" altLang="ja-JP" dirty="0" smtClean="0"/>
+          </a:p>
+          <a:p>
+            <a:endParaRPr lang="en-US" altLang="zh-CN" dirty="0"/>
+          </a:p>
+          <a:p>
+            <a:pPr marL="0" indent="0">
+              <a:buNone/>
+            </a:pPr>
+            <a:r>
+              <a:rPr lang="en-US" altLang="ja-JP" dirty="0" smtClean="0"/>
+              <a:t>RPA</a:t>
+            </a:r>
+            <a:r>
+              <a:rPr lang="ja-JP" altLang="en-US" dirty="0" smtClean="0"/>
+              <a:t>はこれまで人間が行ってきた定型的なパソコン作業を</a:t>
+            </a:r>
+            <a:r>
+              <a:rPr lang="ja-JP" altLang="en-US" u="sng" dirty="0" smtClean="0"/>
+              <a:t>ソフトウェアのロボット</a:t>
+            </a:r>
+            <a:r>
+              <a:rPr lang="ja-JP" altLang="en-US" dirty="0" smtClean="0"/>
+              <a:t>により自動化するものです。具体的には、</a:t>
+            </a:r>
+            <a:r>
+              <a:rPr lang="ja-JP" altLang="en-US" b="1" dirty="0" smtClean="0">
+                <a:solidFill>
+                  <a:srgbClr val="FF0000"/>
+                </a:solidFill>
+              </a:rPr>
+              <a:t>ユーザ・インターフェース上の操作を認識する技術とワークフロー実行を組み合わせ</a:t>
+            </a:r>
+            <a:r>
+              <a:rPr lang="ja-JP" altLang="en-US" dirty="0" smtClean="0"/>
+              <a:t>、表計算ソフトやメールソフト、基幹業務システムなど複数のアプリケーションを使用する</a:t>
+            </a:r>
+            <a:r>
+              <a:rPr lang="ja-JP" altLang="en-US" b="1" dirty="0" smtClean="0">
+                <a:solidFill>
+                  <a:srgbClr val="FF0000"/>
+                </a:solidFill>
+              </a:rPr>
+              <a:t>業務プロセスをオートメーション化します</a:t>
+            </a:r>
+            <a:r>
+              <a:rPr lang="ja-JP" altLang="en-US" dirty="0" smtClean="0"/>
+              <a:t>。</a:t>
+            </a:r>
+            <a:endParaRPr lang="zh-CN" altLang="en-US" dirty="0"/>
           </a:p>
         </p:txBody>
       </p:sp>
@@ -6166,6 +6285,799 @@
 </file>
 
 <file path=ppt/slides/slide4.xml><?xml version="1.0" encoding="utf-8"?>
+<p:sld xmlns:a="http://schemas.openxmlformats.org/drawingml/2006/main" xmlns:r="http://schemas.openxmlformats.org/officeDocument/2006/relationships" xmlns:p="http://schemas.openxmlformats.org/presentationml/2006/main">
+  <p:cSld>
+    <p:spTree>
+      <p:nvGrpSpPr>
+        <p:cNvPr id="1" name=""/>
+        <p:cNvGrpSpPr/>
+        <p:nvPr/>
+      </p:nvGrpSpPr>
+      <p:grpSpPr>
+        <a:xfrm>
+          <a:off x="0" y="0"/>
+          <a:ext cx="0" cy="0"/>
+          <a:chOff x="0" y="0"/>
+          <a:chExt cx="0" cy="0"/>
+        </a:xfrm>
+      </p:grpSpPr>
+      <p:sp>
+        <p:nvSpPr>
+          <p:cNvPr id="2" name="标题 1"/>
+          <p:cNvSpPr>
+            <a:spLocks noGrp="1"/>
+          </p:cNvSpPr>
+          <p:nvPr>
+            <p:ph type="title"/>
+          </p:nvPr>
+        </p:nvSpPr>
+        <p:spPr/>
+        <p:txBody>
+          <a:bodyPr/>
+          <a:lstStyle/>
+          <a:p>
+            <a:r>
+              <a:rPr lang="en-US" altLang="ja-JP" dirty="0" smtClean="0"/>
+              <a:t>RPA</a:t>
+            </a:r>
+            <a:r>
+              <a:rPr lang="ja-JP" altLang="en-US" dirty="0" smtClean="0"/>
+              <a:t>デモ</a:t>
+            </a:r>
+            <a:r>
+              <a:rPr lang="en-US" altLang="ja-JP" dirty="0" smtClean="0"/>
+              <a:t/>
+            </a:r>
+            <a:br>
+              <a:rPr lang="en-US" altLang="ja-JP" dirty="0" smtClean="0"/>
+            </a:br>
+            <a:r>
+              <a:rPr lang="en-US" altLang="ja-JP" sz="2400" dirty="0" smtClean="0"/>
+              <a:t>WEBSERVE</a:t>
+            </a:r>
+            <a:r>
+              <a:rPr lang="ja-JP" altLang="en-US" sz="2400" dirty="0" smtClean="0"/>
+              <a:t>自動入力ロボ</a:t>
+            </a:r>
+            <a:endParaRPr lang="zh-CN" altLang="en-US" sz="2400" dirty="0"/>
+          </a:p>
+        </p:txBody>
+      </p:sp>
+      <p:sp>
+        <p:nvSpPr>
+          <p:cNvPr id="3" name="内容占位符 2"/>
+          <p:cNvSpPr>
+            <a:spLocks noGrp="1"/>
+          </p:cNvSpPr>
+          <p:nvPr>
+            <p:ph idx="1"/>
+          </p:nvPr>
+        </p:nvSpPr>
+        <p:spPr/>
+        <p:txBody>
+          <a:bodyPr/>
+          <a:lstStyle/>
+          <a:p>
+            <a:r>
+              <a:rPr lang="ja-JP" altLang="en-US" dirty="0" smtClean="0"/>
+              <a:t>エクセルファイルから出退勤時刻を読み込み、</a:t>
+            </a:r>
+            <a:r>
+              <a:rPr lang="en-US" altLang="ja-JP" dirty="0" smtClean="0"/>
+              <a:t>WEBSERVE</a:t>
+            </a:r>
+            <a:r>
+              <a:rPr lang="ja-JP" altLang="en-US" dirty="0" smtClean="0"/>
+              <a:t>に入力するロボです。</a:t>
+            </a:r>
+            <a:endParaRPr lang="zh-CN" altLang="en-US" dirty="0"/>
+          </a:p>
+        </p:txBody>
+      </p:sp>
+      <p:pic>
+        <p:nvPicPr>
+          <p:cNvPr id="4" name="图片 3"/>
+          <p:cNvPicPr>
+            <a:picLocks noChangeAspect="1"/>
+          </p:cNvPicPr>
+          <p:nvPr/>
+        </p:nvPicPr>
+        <p:blipFill>
+          <a:blip r:embed="rId2"/>
+          <a:stretch>
+            <a:fillRect/>
+          </a:stretch>
+        </p:blipFill>
+        <p:spPr>
+          <a:xfrm>
+            <a:off x="1088769" y="2549347"/>
+            <a:ext cx="6944888" cy="3761814"/>
+          </a:xfrm>
+          <a:prstGeom prst="rect">
+            <a:avLst/>
+          </a:prstGeom>
+        </p:spPr>
+      </p:pic>
+    </p:spTree>
+    <p:extLst>
+      <p:ext uri="{BB962C8B-B14F-4D97-AF65-F5344CB8AC3E}">
+        <p14:creationId xmlns:p14="http://schemas.microsoft.com/office/powerpoint/2010/main" val="2280573352"/>
+      </p:ext>
+    </p:extLst>
+  </p:cSld>
+  <p:clrMapOvr>
+    <a:masterClrMapping/>
+  </p:clrMapOvr>
+</p:sld>
+</file>
+
+<file path=ppt/slides/slide5.xml><?xml version="1.0" encoding="utf-8"?>
+<p:sld xmlns:a="http://schemas.openxmlformats.org/drawingml/2006/main" xmlns:r="http://schemas.openxmlformats.org/officeDocument/2006/relationships" xmlns:p="http://schemas.openxmlformats.org/presentationml/2006/main">
+  <p:cSld>
+    <p:spTree>
+      <p:nvGrpSpPr>
+        <p:cNvPr id="1" name=""/>
+        <p:cNvGrpSpPr/>
+        <p:nvPr/>
+      </p:nvGrpSpPr>
+      <p:grpSpPr>
+        <a:xfrm>
+          <a:off x="0" y="0"/>
+          <a:ext cx="0" cy="0"/>
+          <a:chOff x="0" y="0"/>
+          <a:chExt cx="0" cy="0"/>
+        </a:xfrm>
+      </p:grpSpPr>
+      <p:sp>
+        <p:nvSpPr>
+          <p:cNvPr id="2" name="标题 1"/>
+          <p:cNvSpPr>
+            <a:spLocks noGrp="1"/>
+          </p:cNvSpPr>
+          <p:nvPr>
+            <p:ph type="title"/>
+          </p:nvPr>
+        </p:nvSpPr>
+        <p:spPr/>
+        <p:txBody>
+          <a:bodyPr/>
+          <a:lstStyle/>
+          <a:p>
+            <a:r>
+              <a:rPr lang="en-US" altLang="ja-JP" dirty="0"/>
+              <a:t>RPA</a:t>
+            </a:r>
+            <a:r>
+              <a:rPr lang="ja-JP" altLang="en-US" dirty="0"/>
+              <a:t>が求められる背景と理由</a:t>
+            </a:r>
+            <a:br>
+              <a:rPr lang="ja-JP" altLang="en-US" dirty="0"/>
+            </a:br>
+            <a:endParaRPr lang="zh-CN" altLang="en-US" dirty="0"/>
+          </a:p>
+        </p:txBody>
+      </p:sp>
+      <p:sp>
+        <p:nvSpPr>
+          <p:cNvPr id="3" name="内容占位符 2"/>
+          <p:cNvSpPr>
+            <a:spLocks noGrp="1"/>
+          </p:cNvSpPr>
+          <p:nvPr>
+            <p:ph idx="1"/>
+          </p:nvPr>
+        </p:nvSpPr>
+        <p:spPr/>
+        <p:txBody>
+          <a:bodyPr/>
+          <a:lstStyle/>
+          <a:p>
+            <a:r>
+              <a:rPr lang="ja-JP" altLang="en-US" dirty="0" smtClean="0"/>
+              <a:t>背景</a:t>
+            </a:r>
+            <a:endParaRPr lang="en-US" altLang="ja-JP" dirty="0" smtClean="0"/>
+          </a:p>
+          <a:p>
+            <a:r>
+              <a:rPr lang="ja-JP" altLang="en-US" dirty="0" smtClean="0"/>
+              <a:t>人員不足と働き方改革</a:t>
+            </a:r>
+            <a:endParaRPr lang="en-US" altLang="ja-JP" dirty="0" smtClean="0"/>
+          </a:p>
+          <a:p>
+            <a:r>
+              <a:rPr lang="ja-JP" altLang="en-US" dirty="0" smtClean="0"/>
+              <a:t>システムの乱立とつなぎ業務</a:t>
+            </a:r>
+            <a:endParaRPr lang="en-US" altLang="ja-JP" dirty="0" smtClean="0"/>
+          </a:p>
+          <a:p>
+            <a:r>
+              <a:rPr lang="ja-JP" altLang="en-US" dirty="0" smtClean="0"/>
+              <a:t>製造業の成功</a:t>
+            </a:r>
+            <a:endParaRPr lang="en-US" altLang="ja-JP" dirty="0" smtClean="0"/>
+          </a:p>
+          <a:p>
+            <a:endParaRPr lang="en-US" altLang="zh-CN" dirty="0" smtClean="0"/>
+          </a:p>
+          <a:p>
+            <a:r>
+              <a:rPr lang="ja-JP" altLang="en-US" dirty="0" smtClean="0"/>
+              <a:t>理由</a:t>
+            </a:r>
+            <a:endParaRPr lang="en-US" altLang="ja-JP" dirty="0" smtClean="0"/>
+          </a:p>
+          <a:p>
+            <a:r>
+              <a:rPr lang="ja-JP" altLang="en-US" dirty="0" smtClean="0"/>
+              <a:t>安価に標</a:t>
+            </a:r>
+            <a:r>
+              <a:rPr lang="ja-JP" altLang="en-US" dirty="0"/>
+              <a:t>準</a:t>
+            </a:r>
+            <a:r>
+              <a:rPr lang="ja-JP" altLang="en-US" dirty="0" smtClean="0"/>
+              <a:t>化が進む</a:t>
+            </a:r>
+            <a:endParaRPr lang="en-US" altLang="ja-JP" dirty="0" smtClean="0"/>
+          </a:p>
+          <a:p>
+            <a:r>
+              <a:rPr lang="ja-JP" altLang="en-US" dirty="0"/>
+              <a:t>実務</a:t>
+            </a:r>
+            <a:r>
+              <a:rPr lang="ja-JP" altLang="en-US" dirty="0" smtClean="0"/>
+              <a:t>者が自分達で進められる</a:t>
+            </a:r>
+            <a:endParaRPr lang="en-US" altLang="ja-JP" dirty="0" smtClean="0"/>
+          </a:p>
+          <a:p>
+            <a:r>
+              <a:rPr lang="ja-JP" altLang="en-US" dirty="0"/>
+              <a:t>今</a:t>
+            </a:r>
+            <a:r>
+              <a:rPr lang="ja-JP" altLang="en-US" dirty="0" smtClean="0"/>
+              <a:t>の仕事のやり方を大きく変えずに改善できる。</a:t>
+            </a:r>
+            <a:endParaRPr lang="en-US" altLang="ja-JP" dirty="0" smtClean="0"/>
+          </a:p>
+          <a:p>
+            <a:endParaRPr lang="en-US" altLang="zh-CN" dirty="0"/>
+          </a:p>
+          <a:p>
+            <a:endParaRPr lang="zh-CN" altLang="en-US" dirty="0"/>
+          </a:p>
+        </p:txBody>
+      </p:sp>
+    </p:spTree>
+    <p:extLst>
+      <p:ext uri="{BB962C8B-B14F-4D97-AF65-F5344CB8AC3E}">
+        <p14:creationId xmlns:p14="http://schemas.microsoft.com/office/powerpoint/2010/main" val="1793497674"/>
+      </p:ext>
+    </p:extLst>
+  </p:cSld>
+  <p:clrMapOvr>
+    <a:masterClrMapping/>
+  </p:clrMapOvr>
+</p:sld>
+</file>
+
+<file path=ppt/slides/slide6.xml><?xml version="1.0" encoding="utf-8"?>
+<p:sld xmlns:a="http://schemas.openxmlformats.org/drawingml/2006/main" xmlns:r="http://schemas.openxmlformats.org/officeDocument/2006/relationships" xmlns:p="http://schemas.openxmlformats.org/presentationml/2006/main">
+  <p:cSld>
+    <p:spTree>
+      <p:nvGrpSpPr>
+        <p:cNvPr id="1" name=""/>
+        <p:cNvGrpSpPr/>
+        <p:nvPr/>
+      </p:nvGrpSpPr>
+      <p:grpSpPr>
+        <a:xfrm>
+          <a:off x="0" y="0"/>
+          <a:ext cx="0" cy="0"/>
+          <a:chOff x="0" y="0"/>
+          <a:chExt cx="0" cy="0"/>
+        </a:xfrm>
+      </p:grpSpPr>
+      <p:sp>
+        <p:nvSpPr>
+          <p:cNvPr id="2" name="标题 1"/>
+          <p:cNvSpPr>
+            <a:spLocks noGrp="1"/>
+          </p:cNvSpPr>
+          <p:nvPr>
+            <p:ph type="title"/>
+          </p:nvPr>
+        </p:nvSpPr>
+        <p:spPr/>
+        <p:txBody>
+          <a:bodyPr/>
+          <a:lstStyle/>
+          <a:p>
+            <a:r>
+              <a:rPr lang="en-US" altLang="zh-CN" dirty="0" smtClean="0"/>
+              <a:t>RPA</a:t>
+            </a:r>
+            <a:r>
+              <a:rPr lang="ja-JP" altLang="en-US" dirty="0" smtClean="0"/>
+              <a:t>の事例１</a:t>
+            </a:r>
+            <a:endParaRPr lang="zh-CN" altLang="en-US" dirty="0"/>
+          </a:p>
+        </p:txBody>
+      </p:sp>
+      <p:sp>
+        <p:nvSpPr>
+          <p:cNvPr id="3" name="内容占位符 2"/>
+          <p:cNvSpPr>
+            <a:spLocks noGrp="1"/>
+          </p:cNvSpPr>
+          <p:nvPr>
+            <p:ph idx="1"/>
+          </p:nvPr>
+        </p:nvSpPr>
+        <p:spPr/>
+        <p:txBody>
+          <a:bodyPr/>
+          <a:lstStyle/>
+          <a:p>
+            <a:endParaRPr lang="zh-CN" altLang="en-US" dirty="0"/>
+          </a:p>
+        </p:txBody>
+      </p:sp>
+    </p:spTree>
+    <p:extLst>
+      <p:ext uri="{BB962C8B-B14F-4D97-AF65-F5344CB8AC3E}">
+        <p14:creationId xmlns:p14="http://schemas.microsoft.com/office/powerpoint/2010/main" val="2758489212"/>
+      </p:ext>
+    </p:extLst>
+  </p:cSld>
+  <p:clrMapOvr>
+    <a:masterClrMapping/>
+  </p:clrMapOvr>
+</p:sld>
+</file>
+
+<file path=ppt/slides/slide7.xml><?xml version="1.0" encoding="utf-8"?>
+<p:sld xmlns:a="http://schemas.openxmlformats.org/drawingml/2006/main" xmlns:r="http://schemas.openxmlformats.org/officeDocument/2006/relationships" xmlns:p="http://schemas.openxmlformats.org/presentationml/2006/main">
+  <p:cSld>
+    <p:spTree>
+      <p:nvGrpSpPr>
+        <p:cNvPr id="1" name=""/>
+        <p:cNvGrpSpPr/>
+        <p:nvPr/>
+      </p:nvGrpSpPr>
+      <p:grpSpPr>
+        <a:xfrm>
+          <a:off x="0" y="0"/>
+          <a:ext cx="0" cy="0"/>
+          <a:chOff x="0" y="0"/>
+          <a:chExt cx="0" cy="0"/>
+        </a:xfrm>
+      </p:grpSpPr>
+      <p:sp>
+        <p:nvSpPr>
+          <p:cNvPr id="2" name="标题 1"/>
+          <p:cNvSpPr>
+            <a:spLocks noGrp="1"/>
+          </p:cNvSpPr>
+          <p:nvPr>
+            <p:ph type="title"/>
+          </p:nvPr>
+        </p:nvSpPr>
+        <p:spPr/>
+        <p:txBody>
+          <a:bodyPr/>
+          <a:lstStyle/>
+          <a:p>
+            <a:r>
+              <a:rPr lang="en-US" altLang="zh-CN" dirty="0" smtClean="0"/>
+              <a:t>RPA</a:t>
+            </a:r>
+            <a:r>
+              <a:rPr lang="ja-JP" altLang="en-US" dirty="0" smtClean="0"/>
+              <a:t>概要</a:t>
+            </a:r>
+            <a:br>
+              <a:rPr lang="ja-JP" altLang="en-US" dirty="0" smtClean="0"/>
+            </a:br>
+            <a:r>
+              <a:rPr lang="ja-JP" altLang="en-US" sz="2400" dirty="0" smtClean="0"/>
+              <a:t>あなたが日常業務を行う際のステップ</a:t>
+            </a:r>
+            <a:endParaRPr lang="zh-CN" altLang="en-US" dirty="0"/>
+          </a:p>
+        </p:txBody>
+      </p:sp>
+      <p:sp>
+        <p:nvSpPr>
+          <p:cNvPr id="5" name="矩形 4"/>
+          <p:cNvSpPr/>
+          <p:nvPr/>
+        </p:nvSpPr>
+        <p:spPr>
+          <a:xfrm>
+            <a:off x="2179166" y="2438400"/>
+            <a:ext cx="6820746" cy="914400"/>
+          </a:xfrm>
+          <a:prstGeom prst="rect">
+            <a:avLst/>
+          </a:prstGeom>
+        </p:spPr>
+        <p:style>
+          <a:lnRef idx="2">
+            <a:schemeClr val="accent1">
+              <a:shade val="50000"/>
+            </a:schemeClr>
+          </a:lnRef>
+          <a:fillRef idx="1">
+            <a:schemeClr val="accent1"/>
+          </a:fillRef>
+          <a:effectRef idx="0">
+            <a:schemeClr val="accent1"/>
+          </a:effectRef>
+          <a:fontRef idx="minor">
+            <a:schemeClr val="lt1"/>
+          </a:fontRef>
+        </p:style>
+        <p:txBody>
+          <a:bodyPr rtlCol="0" anchor="ctr"/>
+          <a:lstStyle/>
+          <a:p>
+            <a:pPr algn="ctr"/>
+            <a:r>
+              <a:rPr lang="en-US" altLang="ja-JP" sz="2800" dirty="0"/>
+              <a:t>PC</a:t>
+            </a:r>
+            <a:r>
+              <a:rPr lang="ja-JP" altLang="en-US" sz="2800" dirty="0" smtClean="0"/>
+              <a:t>画面を見る</a:t>
+            </a:r>
+            <a:endParaRPr lang="zh-CN" altLang="en-US" sz="2800" dirty="0"/>
+          </a:p>
+        </p:txBody>
+      </p:sp>
+      <p:sp>
+        <p:nvSpPr>
+          <p:cNvPr id="6" name="矩形 5"/>
+          <p:cNvSpPr/>
+          <p:nvPr/>
+        </p:nvSpPr>
+        <p:spPr>
+          <a:xfrm>
+            <a:off x="2179166" y="3624349"/>
+            <a:ext cx="6820746" cy="914400"/>
+          </a:xfrm>
+          <a:prstGeom prst="rect">
+            <a:avLst/>
+          </a:prstGeom>
+        </p:spPr>
+        <p:style>
+          <a:lnRef idx="2">
+            <a:schemeClr val="accent1">
+              <a:shade val="50000"/>
+            </a:schemeClr>
+          </a:lnRef>
+          <a:fillRef idx="1">
+            <a:schemeClr val="accent1"/>
+          </a:fillRef>
+          <a:effectRef idx="0">
+            <a:schemeClr val="accent1"/>
+          </a:effectRef>
+          <a:fontRef idx="minor">
+            <a:schemeClr val="lt1"/>
+          </a:fontRef>
+        </p:style>
+        <p:txBody>
+          <a:bodyPr rtlCol="0" anchor="ctr"/>
+          <a:lstStyle/>
+          <a:p>
+            <a:pPr algn="ctr"/>
+            <a:r>
+              <a:rPr lang="ja-JP" altLang="en-US" sz="2800" dirty="0" smtClean="0"/>
+              <a:t>画面</a:t>
+            </a:r>
+            <a:r>
+              <a:rPr lang="ja-JP" altLang="en-US" sz="2800" smtClean="0"/>
+              <a:t>情報から判断</a:t>
+            </a:r>
+            <a:r>
+              <a:rPr lang="ja-JP" altLang="en-US" sz="2800" dirty="0" smtClean="0"/>
+              <a:t>する</a:t>
+            </a:r>
+            <a:endParaRPr lang="zh-CN" altLang="en-US" sz="2800" dirty="0"/>
+          </a:p>
+        </p:txBody>
+      </p:sp>
+      <p:sp>
+        <p:nvSpPr>
+          <p:cNvPr id="7" name="矩形 6"/>
+          <p:cNvSpPr/>
+          <p:nvPr/>
+        </p:nvSpPr>
+        <p:spPr>
+          <a:xfrm>
+            <a:off x="2179166" y="4810298"/>
+            <a:ext cx="6820746" cy="914400"/>
+          </a:xfrm>
+          <a:prstGeom prst="rect">
+            <a:avLst/>
+          </a:prstGeom>
+        </p:spPr>
+        <p:style>
+          <a:lnRef idx="2">
+            <a:schemeClr val="accent1">
+              <a:shade val="50000"/>
+            </a:schemeClr>
+          </a:lnRef>
+          <a:fillRef idx="1">
+            <a:schemeClr val="accent1"/>
+          </a:fillRef>
+          <a:effectRef idx="0">
+            <a:schemeClr val="accent1"/>
+          </a:effectRef>
+          <a:fontRef idx="minor">
+            <a:schemeClr val="lt1"/>
+          </a:fontRef>
+        </p:style>
+        <p:txBody>
+          <a:bodyPr rtlCol="0" anchor="ctr"/>
+          <a:lstStyle/>
+          <a:p>
+            <a:pPr algn="ctr"/>
+            <a:r>
+              <a:rPr lang="ja-JP" altLang="en-US" sz="2800" dirty="0" smtClean="0"/>
+              <a:t>操作する</a:t>
+            </a:r>
+            <a:endParaRPr lang="zh-CN" altLang="en-US" sz="2800" dirty="0"/>
+          </a:p>
+        </p:txBody>
+      </p:sp>
+      <p:sp>
+        <p:nvSpPr>
+          <p:cNvPr id="8" name="下箭头 7"/>
+          <p:cNvSpPr/>
+          <p:nvPr/>
+        </p:nvSpPr>
+        <p:spPr>
+          <a:xfrm>
+            <a:off x="4621876" y="3280757"/>
+            <a:ext cx="2056014" cy="415636"/>
+          </a:xfrm>
+          <a:prstGeom prst="downArrow">
+            <a:avLst/>
+          </a:prstGeom>
+        </p:spPr>
+        <p:style>
+          <a:lnRef idx="2">
+            <a:schemeClr val="accent3">
+              <a:shade val="50000"/>
+            </a:schemeClr>
+          </a:lnRef>
+          <a:fillRef idx="1">
+            <a:schemeClr val="accent3"/>
+          </a:fillRef>
+          <a:effectRef idx="0">
+            <a:schemeClr val="accent3"/>
+          </a:effectRef>
+          <a:fontRef idx="minor">
+            <a:schemeClr val="lt1"/>
+          </a:fontRef>
+        </p:style>
+        <p:txBody>
+          <a:bodyPr rtlCol="0" anchor="ctr"/>
+          <a:lstStyle/>
+          <a:p>
+            <a:pPr algn="ctr"/>
+            <a:endParaRPr lang="zh-CN" altLang="en-US"/>
+          </a:p>
+        </p:txBody>
+      </p:sp>
+      <p:sp>
+        <p:nvSpPr>
+          <p:cNvPr id="9" name="下箭头 8"/>
+          <p:cNvSpPr/>
+          <p:nvPr/>
+        </p:nvSpPr>
+        <p:spPr>
+          <a:xfrm>
+            <a:off x="4621876" y="4466706"/>
+            <a:ext cx="2056014" cy="415636"/>
+          </a:xfrm>
+          <a:prstGeom prst="downArrow">
+            <a:avLst/>
+          </a:prstGeom>
+        </p:spPr>
+        <p:style>
+          <a:lnRef idx="2">
+            <a:schemeClr val="accent3">
+              <a:shade val="50000"/>
+            </a:schemeClr>
+          </a:lnRef>
+          <a:fillRef idx="1">
+            <a:schemeClr val="accent3"/>
+          </a:fillRef>
+          <a:effectRef idx="0">
+            <a:schemeClr val="accent3"/>
+          </a:effectRef>
+          <a:fontRef idx="minor">
+            <a:schemeClr val="lt1"/>
+          </a:fontRef>
+        </p:style>
+        <p:txBody>
+          <a:bodyPr rtlCol="0" anchor="ctr"/>
+          <a:lstStyle/>
+          <a:p>
+            <a:pPr algn="ctr"/>
+            <a:endParaRPr lang="zh-CN" altLang="en-US"/>
+          </a:p>
+        </p:txBody>
+      </p:sp>
+      <p:sp>
+        <p:nvSpPr>
+          <p:cNvPr id="10" name="手杖形箭头 9"/>
+          <p:cNvSpPr/>
+          <p:nvPr/>
+        </p:nvSpPr>
+        <p:spPr>
+          <a:xfrm rot="16200000">
+            <a:off x="180725" y="3568314"/>
+            <a:ext cx="2970413" cy="1026468"/>
+          </a:xfrm>
+          <a:prstGeom prst="uturnArrow">
+            <a:avLst>
+              <a:gd name="adj1" fmla="val 27242"/>
+              <a:gd name="adj2" fmla="val 25000"/>
+              <a:gd name="adj3" fmla="val 16874"/>
+              <a:gd name="adj4" fmla="val 43750"/>
+              <a:gd name="adj5" fmla="val 100000"/>
+            </a:avLst>
+          </a:prstGeom>
+        </p:spPr>
+        <p:style>
+          <a:lnRef idx="2">
+            <a:schemeClr val="accent3">
+              <a:shade val="50000"/>
+            </a:schemeClr>
+          </a:lnRef>
+          <a:fillRef idx="1">
+            <a:schemeClr val="accent3"/>
+          </a:fillRef>
+          <a:effectRef idx="0">
+            <a:schemeClr val="accent3"/>
+          </a:effectRef>
+          <a:fontRef idx="minor">
+            <a:schemeClr val="lt1"/>
+          </a:fontRef>
+        </p:style>
+        <p:txBody>
+          <a:bodyPr rtlCol="0" anchor="ctr"/>
+          <a:lstStyle/>
+          <a:p>
+            <a:pPr algn="ctr"/>
+            <a:endParaRPr lang="zh-CN" altLang="en-US">
+              <a:solidFill>
+                <a:schemeClr val="tx1"/>
+              </a:solidFill>
+            </a:endParaRPr>
+          </a:p>
+        </p:txBody>
+      </p:sp>
+    </p:spTree>
+    <p:extLst>
+      <p:ext uri="{BB962C8B-B14F-4D97-AF65-F5344CB8AC3E}">
+        <p14:creationId xmlns:p14="http://schemas.microsoft.com/office/powerpoint/2010/main" val="1777659268"/>
+      </p:ext>
+    </p:extLst>
+  </p:cSld>
+  <p:clrMapOvr>
+    <a:masterClrMapping/>
+  </p:clrMapOvr>
+</p:sld>
+</file>
+
+<file path=ppt/slides/slide8.xml><?xml version="1.0" encoding="utf-8"?>
+<p:sld xmlns:a="http://schemas.openxmlformats.org/drawingml/2006/main" xmlns:r="http://schemas.openxmlformats.org/officeDocument/2006/relationships" xmlns:p="http://schemas.openxmlformats.org/presentationml/2006/main">
+  <p:cSld>
+    <p:spTree>
+      <p:nvGrpSpPr>
+        <p:cNvPr id="1" name=""/>
+        <p:cNvGrpSpPr/>
+        <p:nvPr/>
+      </p:nvGrpSpPr>
+      <p:grpSpPr>
+        <a:xfrm>
+          <a:off x="0" y="0"/>
+          <a:ext cx="0" cy="0"/>
+          <a:chOff x="0" y="0"/>
+          <a:chExt cx="0" cy="0"/>
+        </a:xfrm>
+      </p:grpSpPr>
+      <p:sp>
+        <p:nvSpPr>
+          <p:cNvPr id="2" name="标题 1"/>
+          <p:cNvSpPr>
+            <a:spLocks noGrp="1"/>
+          </p:cNvSpPr>
+          <p:nvPr>
+            <p:ph type="title"/>
+          </p:nvPr>
+        </p:nvSpPr>
+        <p:spPr/>
+        <p:txBody>
+          <a:bodyPr/>
+          <a:lstStyle/>
+          <a:p>
+            <a:r>
+              <a:rPr lang="en-US" altLang="ja-JP" dirty="0" smtClean="0"/>
+              <a:t>5</a:t>
+            </a:r>
+            <a:r>
+              <a:rPr lang="ja-JP" altLang="en-US" dirty="0" smtClean="0"/>
+              <a:t>分間でロボットを作ってみよう</a:t>
+            </a:r>
+            <a:r>
+              <a:rPr lang="en-US" altLang="ja-JP" dirty="0" smtClean="0"/>
+              <a:t/>
+            </a:r>
+            <a:br>
+              <a:rPr lang="en-US" altLang="ja-JP" dirty="0" smtClean="0"/>
+            </a:br>
+            <a:r>
+              <a:rPr lang="ja-JP" altLang="en-US" sz="2400" dirty="0" smtClean="0"/>
+              <a:t>レコ</a:t>
+            </a:r>
+            <a:r>
+              <a:rPr lang="ja-JP" altLang="en-US" sz="2400" dirty="0"/>
+              <a:t>ー</a:t>
+            </a:r>
+            <a:r>
+              <a:rPr lang="ja-JP" altLang="en-US" sz="2400" dirty="0" smtClean="0"/>
+              <a:t>ディング機能</a:t>
+            </a:r>
+            <a:endParaRPr lang="zh-CN" altLang="en-US" dirty="0"/>
+          </a:p>
+        </p:txBody>
+      </p:sp>
+      <p:sp>
+        <p:nvSpPr>
+          <p:cNvPr id="3" name="内容占位符 2"/>
+          <p:cNvSpPr>
+            <a:spLocks noGrp="1"/>
+          </p:cNvSpPr>
+          <p:nvPr>
+            <p:ph idx="1"/>
+          </p:nvPr>
+        </p:nvSpPr>
+        <p:spPr/>
+        <p:txBody>
+          <a:bodyPr/>
+          <a:lstStyle/>
+          <a:p>
+            <a:endParaRPr lang="zh-CN" altLang="en-US" dirty="0"/>
+          </a:p>
+        </p:txBody>
+      </p:sp>
+    </p:spTree>
+    <p:extLst>
+      <p:ext uri="{BB962C8B-B14F-4D97-AF65-F5344CB8AC3E}">
+        <p14:creationId xmlns:p14="http://schemas.microsoft.com/office/powerpoint/2010/main" val="1549364869"/>
+      </p:ext>
+    </p:extLst>
+  </p:cSld>
+  <p:clrMapOvr>
+    <a:masterClrMapping/>
+  </p:clrMapOvr>
+</p:sld>
+</file>
+
+<file path=ppt/slides/slide9.xml><?xml version="1.0" encoding="utf-8"?>
 <p:sld xmlns:a="http://schemas.openxmlformats.org/drawingml/2006/main" xmlns:r="http://schemas.openxmlformats.org/officeDocument/2006/relationships" xmlns:p="http://schemas.openxmlformats.org/presentationml/2006/main">
   <p:cSld>
     <p:spTree>

--- a/020_RPA技術実施/20210218_RPA概要とUiPath環境構築/20210218_RPA概要とUiPath環境構築.pptx
+++ b/020_RPA技術実施/20210218_RPA概要とUiPath環境構築/20210218_RPA概要とUiPath環境構築.pptx
@@ -12,8 +12,12 @@
     <p:sldId id="269" r:id="rId6"/>
     <p:sldId id="271" r:id="rId7"/>
     <p:sldId id="268" r:id="rId8"/>
-    <p:sldId id="272" r:id="rId9"/>
-    <p:sldId id="265" r:id="rId10"/>
+    <p:sldId id="273" r:id="rId9"/>
+    <p:sldId id="274" r:id="rId10"/>
+    <p:sldId id="272" r:id="rId11"/>
+    <p:sldId id="276" r:id="rId12"/>
+    <p:sldId id="275" r:id="rId13"/>
+    <p:sldId id="265" r:id="rId14"/>
   </p:sldIdLst>
   <p:sldSz cx="12192000" cy="6858000"/>
   <p:notesSz cx="6858000" cy="9144000"/>
@@ -865,7 +869,7 @@
           <a:p>
             <a:fld id="{AAB59A01-E176-48C0-AF9F-86A0987CE66A}" type="datetimeFigureOut">
               <a:rPr lang="en-US" smtClean="0"/>
-              <a:t>3/2/2021</a:t>
+              <a:t>3/3/2021</a:t>
             </a:fld>
             <a:endParaRPr lang="en-US"/>
           </a:p>
@@ -1116,7 +1120,7 @@
           <a:p>
             <a:fld id="{AAB59A01-E176-48C0-AF9F-86A0987CE66A}" type="datetimeFigureOut">
               <a:rPr lang="en-US" smtClean="0"/>
-              <a:t>3/2/2021</a:t>
+              <a:t>3/3/2021</a:t>
             </a:fld>
             <a:endParaRPr lang="en-US"/>
           </a:p>
@@ -1430,7 +1434,7 @@
           <a:p>
             <a:fld id="{AAB59A01-E176-48C0-AF9F-86A0987CE66A}" type="datetimeFigureOut">
               <a:rPr lang="en-US" smtClean="0"/>
-              <a:t>3/2/2021</a:t>
+              <a:t>3/3/2021</a:t>
             </a:fld>
             <a:endParaRPr lang="en-US"/>
           </a:p>
@@ -1763,7 +1767,7 @@
           <a:p>
             <a:fld id="{AAB59A01-E176-48C0-AF9F-86A0987CE66A}" type="datetimeFigureOut">
               <a:rPr lang="en-US" smtClean="0"/>
-              <a:t>3/2/2021</a:t>
+              <a:t>3/3/2021</a:t>
             </a:fld>
             <a:endParaRPr lang="en-US"/>
           </a:p>
@@ -2077,7 +2081,7 @@
           <a:p>
             <a:fld id="{AAB59A01-E176-48C0-AF9F-86A0987CE66A}" type="datetimeFigureOut">
               <a:rPr lang="en-US" smtClean="0"/>
-              <a:t>3/2/2021</a:t>
+              <a:t>3/3/2021</a:t>
             </a:fld>
             <a:endParaRPr lang="en-US"/>
           </a:p>
@@ -2470,7 +2474,7 @@
           <a:p>
             <a:fld id="{AAB59A01-E176-48C0-AF9F-86A0987CE66A}" type="datetimeFigureOut">
               <a:rPr lang="en-US" smtClean="0"/>
-              <a:t>3/2/2021</a:t>
+              <a:t>3/3/2021</a:t>
             </a:fld>
             <a:endParaRPr lang="en-US"/>
           </a:p>
@@ -2640,7 +2644,7 @@
           <a:p>
             <a:fld id="{AAB59A01-E176-48C0-AF9F-86A0987CE66A}" type="datetimeFigureOut">
               <a:rPr lang="en-US" smtClean="0"/>
-              <a:t>3/2/2021</a:t>
+              <a:t>3/3/2021</a:t>
             </a:fld>
             <a:endParaRPr lang="en-US"/>
           </a:p>
@@ -2820,7 +2824,7 @@
           <a:p>
             <a:fld id="{AAB59A01-E176-48C0-AF9F-86A0987CE66A}" type="datetimeFigureOut">
               <a:rPr lang="en-US" smtClean="0"/>
-              <a:t>3/2/2021</a:t>
+              <a:t>3/3/2021</a:t>
             </a:fld>
             <a:endParaRPr lang="en-US"/>
           </a:p>
@@ -2990,7 +2994,7 @@
           <a:p>
             <a:fld id="{AAB59A01-E176-48C0-AF9F-86A0987CE66A}" type="datetimeFigureOut">
               <a:rPr lang="en-US" smtClean="0"/>
-              <a:t>3/2/2021</a:t>
+              <a:t>3/3/2021</a:t>
             </a:fld>
             <a:endParaRPr lang="en-US"/>
           </a:p>
@@ -3237,7 +3241,7 @@
           <a:p>
             <a:fld id="{AAB59A01-E176-48C0-AF9F-86A0987CE66A}" type="datetimeFigureOut">
               <a:rPr lang="en-US" smtClean="0"/>
-              <a:t>3/2/2021</a:t>
+              <a:t>3/3/2021</a:t>
             </a:fld>
             <a:endParaRPr lang="en-US"/>
           </a:p>
@@ -3469,7 +3473,7 @@
           <a:p>
             <a:fld id="{AAB59A01-E176-48C0-AF9F-86A0987CE66A}" type="datetimeFigureOut">
               <a:rPr lang="en-US" smtClean="0"/>
-              <a:t>3/2/2021</a:t>
+              <a:t>3/3/2021</a:t>
             </a:fld>
             <a:endParaRPr lang="en-US"/>
           </a:p>
@@ -3843,7 +3847,7 @@
           <a:p>
             <a:fld id="{AAB59A01-E176-48C0-AF9F-86A0987CE66A}" type="datetimeFigureOut">
               <a:rPr lang="en-US" smtClean="0"/>
-              <a:t>3/2/2021</a:t>
+              <a:t>3/3/2021</a:t>
             </a:fld>
             <a:endParaRPr lang="en-US"/>
           </a:p>
@@ -3966,7 +3970,7 @@
           <a:p>
             <a:fld id="{AAB59A01-E176-48C0-AF9F-86A0987CE66A}" type="datetimeFigureOut">
               <a:rPr lang="en-US" smtClean="0"/>
-              <a:t>3/2/2021</a:t>
+              <a:t>3/3/2021</a:t>
             </a:fld>
             <a:endParaRPr lang="en-US"/>
           </a:p>
@@ -4061,7 +4065,7 @@
           <a:p>
             <a:fld id="{AAB59A01-E176-48C0-AF9F-86A0987CE66A}" type="datetimeFigureOut">
               <a:rPr lang="en-US" smtClean="0"/>
-              <a:t>3/2/2021</a:t>
+              <a:t>3/3/2021</a:t>
             </a:fld>
             <a:endParaRPr lang="en-US"/>
           </a:p>
@@ -4316,7 +4320,7 @@
           <a:p>
             <a:fld id="{AAB59A01-E176-48C0-AF9F-86A0987CE66A}" type="datetimeFigureOut">
               <a:rPr lang="en-US" smtClean="0"/>
-              <a:t>3/2/2021</a:t>
+              <a:t>3/3/2021</a:t>
             </a:fld>
             <a:endParaRPr lang="en-US"/>
           </a:p>
@@ -4621,7 +4625,7 @@
           <a:p>
             <a:fld id="{AAB59A01-E176-48C0-AF9F-86A0987CE66A}" type="datetimeFigureOut">
               <a:rPr lang="en-US" smtClean="0"/>
-              <a:t>3/2/2021</a:t>
+              <a:t>3/3/2021</a:t>
             </a:fld>
             <a:endParaRPr lang="en-US"/>
           </a:p>
@@ -5323,7 +5327,7 @@
           <a:p>
             <a:fld id="{AAB59A01-E176-48C0-AF9F-86A0987CE66A}" type="datetimeFigureOut">
               <a:rPr lang="en-US" smtClean="0"/>
-              <a:t>3/2/2021</a:t>
+              <a:t>3/3/2021</a:t>
             </a:fld>
             <a:endParaRPr lang="en-US"/>
           </a:p>
@@ -5907,15 +5911,47 @@
           <a:lstStyle/>
           <a:p>
             <a:r>
+              <a:rPr lang="en-US" altLang="ja-JP" dirty="0" smtClean="0"/>
+              <a:t>2021</a:t>
+            </a:r>
+            <a:r>
               <a:rPr lang="ja-JP" altLang="en-US" dirty="0" smtClean="0"/>
-              <a:t>２０２１年２月１８日</a:t>
+              <a:t>年</a:t>
+            </a:r>
+            <a:r>
+              <a:rPr lang="en-US" altLang="ja-JP" dirty="0" smtClean="0"/>
+              <a:t>3</a:t>
+            </a:r>
+            <a:r>
+              <a:rPr lang="ja-JP" altLang="en-US" dirty="0" smtClean="0"/>
+              <a:t>月</a:t>
+            </a:r>
+            <a:r>
+              <a:rPr lang="en-US" altLang="ja-JP" dirty="0" smtClean="0"/>
+              <a:t>4</a:t>
+            </a:r>
+            <a:r>
+              <a:rPr lang="ja-JP" altLang="en-US" dirty="0" smtClean="0"/>
+              <a:t>日</a:t>
             </a:r>
             <a:endParaRPr lang="en-US" altLang="zh-CN" dirty="0"/>
           </a:p>
           <a:p>
             <a:r>
               <a:rPr lang="zh-CN" altLang="en-US" dirty="0" smtClean="0"/>
-              <a:t>黄蔚菁</a:t>
+              <a:t>黄</a:t>
+            </a:r>
+            <a:r>
+              <a:rPr lang="ja-JP" altLang="en-US" dirty="0" smtClean="0"/>
+              <a:t>　</a:t>
+            </a:r>
+            <a:r>
+              <a:rPr lang="zh-CN" altLang="en-US" dirty="0" smtClean="0"/>
+              <a:t>蔚</a:t>
+            </a:r>
+            <a:r>
+              <a:rPr lang="zh-CN" altLang="en-US" dirty="0" smtClean="0"/>
+              <a:t>菁</a:t>
             </a:r>
             <a:endParaRPr lang="en-US" dirty="0"/>
           </a:p>
@@ -5938,6 +5974,1211 @@
       </p:par>
     </p:tnLst>
   </p:timing>
+</p:sld>
+</file>
+
+<file path=ppt/slides/slide10.xml><?xml version="1.0" encoding="utf-8"?>
+<p:sld xmlns:a="http://schemas.openxmlformats.org/drawingml/2006/main" xmlns:r="http://schemas.openxmlformats.org/officeDocument/2006/relationships" xmlns:p="http://schemas.openxmlformats.org/presentationml/2006/main">
+  <p:cSld>
+    <p:spTree>
+      <p:nvGrpSpPr>
+        <p:cNvPr id="1" name=""/>
+        <p:cNvGrpSpPr/>
+        <p:nvPr/>
+      </p:nvGrpSpPr>
+      <p:grpSpPr>
+        <a:xfrm>
+          <a:off x="0" y="0"/>
+          <a:ext cx="0" cy="0"/>
+          <a:chOff x="0" y="0"/>
+          <a:chExt cx="0" cy="0"/>
+        </a:xfrm>
+      </p:grpSpPr>
+      <p:sp>
+        <p:nvSpPr>
+          <p:cNvPr id="2" name="标题 1"/>
+          <p:cNvSpPr>
+            <a:spLocks noGrp="1"/>
+          </p:cNvSpPr>
+          <p:nvPr>
+            <p:ph type="title"/>
+          </p:nvPr>
+        </p:nvSpPr>
+        <p:spPr/>
+        <p:txBody>
+          <a:bodyPr/>
+          <a:lstStyle/>
+          <a:p>
+            <a:r>
+              <a:rPr lang="ja-JP" altLang="en-US" dirty="0" smtClean="0"/>
+              <a:t>初めてのロボを</a:t>
+            </a:r>
+            <a:r>
+              <a:rPr lang="ja-JP" altLang="en-US" dirty="0" smtClean="0"/>
+              <a:t>作ってみよう</a:t>
+            </a:r>
+            <a:r>
+              <a:rPr lang="en-US" altLang="ja-JP" dirty="0" smtClean="0"/>
+              <a:t/>
+            </a:r>
+            <a:br>
+              <a:rPr lang="en-US" altLang="ja-JP" dirty="0" smtClean="0"/>
+            </a:br>
+            <a:r>
+              <a:rPr lang="ja-JP" altLang="en-US" sz="2400" dirty="0" smtClean="0"/>
+              <a:t>レコ</a:t>
+            </a:r>
+            <a:r>
+              <a:rPr lang="ja-JP" altLang="en-US" sz="2400" dirty="0"/>
+              <a:t>ー</a:t>
+            </a:r>
+            <a:r>
+              <a:rPr lang="ja-JP" altLang="en-US" sz="2400" dirty="0" smtClean="0"/>
+              <a:t>ディング機</a:t>
+            </a:r>
+            <a:r>
+              <a:rPr lang="ja-JP" altLang="en-US" sz="2400" dirty="0" smtClean="0"/>
+              <a:t>能でサクッと</a:t>
+            </a:r>
+            <a:endParaRPr lang="zh-CN" altLang="en-US" dirty="0"/>
+          </a:p>
+        </p:txBody>
+      </p:sp>
+      <p:pic>
+        <p:nvPicPr>
+          <p:cNvPr id="4" name="图片 3"/>
+          <p:cNvPicPr>
+            <a:picLocks noChangeAspect="1"/>
+          </p:cNvPicPr>
+          <p:nvPr/>
+        </p:nvPicPr>
+        <p:blipFill>
+          <a:blip r:embed="rId2"/>
+          <a:stretch>
+            <a:fillRect/>
+          </a:stretch>
+        </p:blipFill>
+        <p:spPr>
+          <a:xfrm>
+            <a:off x="2467793" y="4428013"/>
+            <a:ext cx="1450726" cy="2407051"/>
+          </a:xfrm>
+          <a:prstGeom prst="rect">
+            <a:avLst/>
+          </a:prstGeom>
+        </p:spPr>
+      </p:pic>
+      <p:pic>
+        <p:nvPicPr>
+          <p:cNvPr id="6" name="图片 5"/>
+          <p:cNvPicPr>
+            <a:picLocks noChangeAspect="1"/>
+          </p:cNvPicPr>
+          <p:nvPr/>
+        </p:nvPicPr>
+        <p:blipFill>
+          <a:blip r:embed="rId3"/>
+          <a:stretch>
+            <a:fillRect/>
+          </a:stretch>
+        </p:blipFill>
+        <p:spPr>
+          <a:xfrm>
+            <a:off x="385992" y="1820983"/>
+            <a:ext cx="8153400" cy="895350"/>
+          </a:xfrm>
+          <a:prstGeom prst="rect">
+            <a:avLst/>
+          </a:prstGeom>
+          <a:ln>
+            <a:solidFill>
+              <a:srgbClr val="FF0000"/>
+            </a:solidFill>
+          </a:ln>
+          <a:effectLst>
+            <a:outerShdw blurRad="292100" dist="139700" dir="2700000" algn="tl" rotWithShape="0">
+              <a:srgbClr val="333333">
+                <a:alpha val="65000"/>
+              </a:srgbClr>
+            </a:outerShdw>
+          </a:effectLst>
+        </p:spPr>
+      </p:pic>
+      <p:sp>
+        <p:nvSpPr>
+          <p:cNvPr id="7" name="矩形 6"/>
+          <p:cNvSpPr/>
+          <p:nvPr/>
+        </p:nvSpPr>
+        <p:spPr>
+          <a:xfrm>
+            <a:off x="6741335" y="1652227"/>
+            <a:ext cx="1210791" cy="1191873"/>
+          </a:xfrm>
+          <a:prstGeom prst="rect">
+            <a:avLst/>
+          </a:prstGeom>
+          <a:noFill/>
+          <a:ln>
+            <a:solidFill>
+              <a:srgbClr val="FF0000"/>
+            </a:solidFill>
+          </a:ln>
+        </p:spPr>
+        <p:style>
+          <a:lnRef idx="2">
+            <a:schemeClr val="accent1">
+              <a:shade val="50000"/>
+            </a:schemeClr>
+          </a:lnRef>
+          <a:fillRef idx="1">
+            <a:schemeClr val="accent1"/>
+          </a:fillRef>
+          <a:effectRef idx="0">
+            <a:schemeClr val="accent1"/>
+          </a:effectRef>
+          <a:fontRef idx="minor">
+            <a:schemeClr val="lt1"/>
+          </a:fontRef>
+        </p:style>
+        <p:txBody>
+          <a:bodyPr rtlCol="0" anchor="ctr"/>
+          <a:lstStyle/>
+          <a:p>
+            <a:pPr algn="ctr"/>
+            <a:endParaRPr kumimoji="1" lang="ja-JP" altLang="en-US"/>
+          </a:p>
+        </p:txBody>
+      </p:sp>
+      <p:sp>
+        <p:nvSpPr>
+          <p:cNvPr id="9" name="文本框 8"/>
+          <p:cNvSpPr txBox="1"/>
+          <p:nvPr/>
+        </p:nvSpPr>
+        <p:spPr>
+          <a:xfrm>
+            <a:off x="6678629" y="1367273"/>
+            <a:ext cx="3416320" cy="369332"/>
+          </a:xfrm>
+          <a:prstGeom prst="rect">
+            <a:avLst/>
+          </a:prstGeom>
+          <a:noFill/>
+        </p:spPr>
+        <p:txBody>
+          <a:bodyPr wrap="none" rtlCol="0">
+            <a:spAutoFit/>
+          </a:bodyPr>
+          <a:lstStyle/>
+          <a:p>
+            <a:r>
+              <a:rPr kumimoji="1" lang="ja-JP" altLang="en-US" dirty="0" smtClean="0">
+                <a:solidFill>
+                  <a:srgbClr val="FF0000"/>
+                </a:solidFill>
+              </a:rPr>
+              <a:t>②レコーディングメニュー開く</a:t>
+            </a:r>
+            <a:endParaRPr kumimoji="1" lang="ja-JP" altLang="en-US" dirty="0">
+              <a:solidFill>
+                <a:srgbClr val="FF0000"/>
+              </a:solidFill>
+            </a:endParaRPr>
+          </a:p>
+        </p:txBody>
+      </p:sp>
+      <p:pic>
+        <p:nvPicPr>
+          <p:cNvPr id="10" name="图片 9"/>
+          <p:cNvPicPr>
+            <a:picLocks noChangeAspect="1"/>
+          </p:cNvPicPr>
+          <p:nvPr/>
+        </p:nvPicPr>
+        <p:blipFill>
+          <a:blip r:embed="rId4"/>
+          <a:stretch>
+            <a:fillRect/>
+          </a:stretch>
+        </p:blipFill>
+        <p:spPr>
+          <a:xfrm>
+            <a:off x="2441205" y="3095655"/>
+            <a:ext cx="4010550" cy="1193451"/>
+          </a:xfrm>
+          <a:prstGeom prst="rect">
+            <a:avLst/>
+          </a:prstGeom>
+          <a:ln>
+            <a:noFill/>
+          </a:ln>
+          <a:effectLst>
+            <a:outerShdw blurRad="292100" dist="139700" dir="2700000" algn="tl" rotWithShape="0">
+              <a:srgbClr val="333333">
+                <a:alpha val="65000"/>
+              </a:srgbClr>
+            </a:outerShdw>
+          </a:effectLst>
+        </p:spPr>
+      </p:pic>
+      <p:sp>
+        <p:nvSpPr>
+          <p:cNvPr id="11" name="矩形 10"/>
+          <p:cNvSpPr/>
+          <p:nvPr/>
+        </p:nvSpPr>
+        <p:spPr>
+          <a:xfrm>
+            <a:off x="2922381" y="3193981"/>
+            <a:ext cx="636927" cy="882869"/>
+          </a:xfrm>
+          <a:prstGeom prst="rect">
+            <a:avLst/>
+          </a:prstGeom>
+          <a:noFill/>
+          <a:ln>
+            <a:solidFill>
+              <a:srgbClr val="FF0000"/>
+            </a:solidFill>
+          </a:ln>
+        </p:spPr>
+        <p:style>
+          <a:lnRef idx="2">
+            <a:schemeClr val="accent1">
+              <a:shade val="50000"/>
+            </a:schemeClr>
+          </a:lnRef>
+          <a:fillRef idx="1">
+            <a:schemeClr val="accent1"/>
+          </a:fillRef>
+          <a:effectRef idx="0">
+            <a:schemeClr val="accent1"/>
+          </a:effectRef>
+          <a:fontRef idx="minor">
+            <a:schemeClr val="lt1"/>
+          </a:fontRef>
+        </p:style>
+        <p:txBody>
+          <a:bodyPr rtlCol="0" anchor="ctr"/>
+          <a:lstStyle/>
+          <a:p>
+            <a:pPr algn="ctr"/>
+            <a:endParaRPr kumimoji="1" lang="ja-JP" altLang="en-US"/>
+          </a:p>
+        </p:txBody>
+      </p:sp>
+      <p:sp>
+        <p:nvSpPr>
+          <p:cNvPr id="12" name="文本框 11"/>
+          <p:cNvSpPr txBox="1"/>
+          <p:nvPr/>
+        </p:nvSpPr>
+        <p:spPr>
+          <a:xfrm>
+            <a:off x="2825346" y="2847367"/>
+            <a:ext cx="5032147" cy="369332"/>
+          </a:xfrm>
+          <a:prstGeom prst="rect">
+            <a:avLst/>
+          </a:prstGeom>
+          <a:noFill/>
+        </p:spPr>
+        <p:txBody>
+          <a:bodyPr wrap="none" rtlCol="0">
+            <a:spAutoFit/>
+          </a:bodyPr>
+          <a:lstStyle/>
+          <a:p>
+            <a:r>
+              <a:rPr kumimoji="1" lang="ja-JP" altLang="en-US" dirty="0" smtClean="0">
+                <a:solidFill>
+                  <a:srgbClr val="FF0000"/>
+                </a:solidFill>
+              </a:rPr>
+              <a:t>③表示された画面でレコーディングボタン押す</a:t>
+            </a:r>
+            <a:endParaRPr kumimoji="1" lang="ja-JP" altLang="en-US" dirty="0">
+              <a:solidFill>
+                <a:srgbClr val="FF0000"/>
+              </a:solidFill>
+            </a:endParaRPr>
+          </a:p>
+        </p:txBody>
+      </p:sp>
+      <p:pic>
+        <p:nvPicPr>
+          <p:cNvPr id="13" name="图片 12"/>
+          <p:cNvPicPr>
+            <a:picLocks noChangeAspect="1"/>
+          </p:cNvPicPr>
+          <p:nvPr/>
+        </p:nvPicPr>
+        <p:blipFill>
+          <a:blip r:embed="rId5"/>
+          <a:stretch>
+            <a:fillRect/>
+          </a:stretch>
+        </p:blipFill>
+        <p:spPr>
+          <a:xfrm>
+            <a:off x="7171385" y="3129054"/>
+            <a:ext cx="3873025" cy="1139125"/>
+          </a:xfrm>
+          <a:prstGeom prst="rect">
+            <a:avLst/>
+          </a:prstGeom>
+        </p:spPr>
+      </p:pic>
+      <p:sp>
+        <p:nvSpPr>
+          <p:cNvPr id="14" name="文本框 13"/>
+          <p:cNvSpPr txBox="1"/>
+          <p:nvPr/>
+        </p:nvSpPr>
+        <p:spPr>
+          <a:xfrm>
+            <a:off x="2782226" y="5262206"/>
+            <a:ext cx="4108817" cy="369332"/>
+          </a:xfrm>
+          <a:prstGeom prst="rect">
+            <a:avLst/>
+          </a:prstGeom>
+          <a:noFill/>
+        </p:spPr>
+        <p:txBody>
+          <a:bodyPr wrap="none" rtlCol="0">
+            <a:spAutoFit/>
+          </a:bodyPr>
+          <a:lstStyle/>
+          <a:p>
+            <a:r>
+              <a:rPr kumimoji="1" lang="ja-JP" altLang="en-US" dirty="0" smtClean="0">
+                <a:solidFill>
+                  <a:srgbClr val="FF0000"/>
+                </a:solidFill>
+              </a:rPr>
+              <a:t>④計算機ボタンを適当にガチャガチャ</a:t>
+            </a:r>
+            <a:endParaRPr kumimoji="1" lang="ja-JP" altLang="en-US" dirty="0">
+              <a:solidFill>
+                <a:srgbClr val="FF0000"/>
+              </a:solidFill>
+            </a:endParaRPr>
+          </a:p>
+        </p:txBody>
+      </p:sp>
+      <p:sp>
+        <p:nvSpPr>
+          <p:cNvPr id="15" name="文本框 14"/>
+          <p:cNvSpPr txBox="1"/>
+          <p:nvPr/>
+        </p:nvSpPr>
+        <p:spPr>
+          <a:xfrm>
+            <a:off x="7280231" y="3920214"/>
+            <a:ext cx="1800493" cy="369332"/>
+          </a:xfrm>
+          <a:prstGeom prst="rect">
+            <a:avLst/>
+          </a:prstGeom>
+          <a:noFill/>
+        </p:spPr>
+        <p:txBody>
+          <a:bodyPr wrap="none" rtlCol="0">
+            <a:spAutoFit/>
+          </a:bodyPr>
+          <a:lstStyle/>
+          <a:p>
+            <a:r>
+              <a:rPr kumimoji="1" lang="ja-JP" altLang="en-US" dirty="0">
+                <a:solidFill>
+                  <a:srgbClr val="FF0000"/>
+                </a:solidFill>
+              </a:rPr>
+              <a:t>⑤</a:t>
+            </a:r>
+            <a:r>
+              <a:rPr kumimoji="1" lang="ja-JP" altLang="en-US" dirty="0" smtClean="0">
+                <a:solidFill>
+                  <a:srgbClr val="FF0000"/>
+                </a:solidFill>
+              </a:rPr>
+              <a:t>保存して終了</a:t>
+            </a:r>
+            <a:endParaRPr kumimoji="1" lang="ja-JP" altLang="en-US" dirty="0">
+              <a:solidFill>
+                <a:srgbClr val="FF0000"/>
+              </a:solidFill>
+            </a:endParaRPr>
+          </a:p>
+        </p:txBody>
+      </p:sp>
+      <p:pic>
+        <p:nvPicPr>
+          <p:cNvPr id="17" name="图片 16"/>
+          <p:cNvPicPr>
+            <a:picLocks noChangeAspect="1"/>
+          </p:cNvPicPr>
+          <p:nvPr/>
+        </p:nvPicPr>
+        <p:blipFill>
+          <a:blip r:embed="rId6"/>
+          <a:stretch>
+            <a:fillRect/>
+          </a:stretch>
+        </p:blipFill>
+        <p:spPr>
+          <a:xfrm>
+            <a:off x="7171385" y="4289106"/>
+            <a:ext cx="3970042" cy="2544692"/>
+          </a:xfrm>
+          <a:prstGeom prst="rect">
+            <a:avLst/>
+          </a:prstGeom>
+        </p:spPr>
+      </p:pic>
+      <p:pic>
+        <p:nvPicPr>
+          <p:cNvPr id="18" name="图片 17"/>
+          <p:cNvPicPr>
+            <a:picLocks noChangeAspect="1"/>
+          </p:cNvPicPr>
+          <p:nvPr/>
+        </p:nvPicPr>
+        <p:blipFill>
+          <a:blip r:embed="rId7"/>
+          <a:stretch>
+            <a:fillRect/>
+          </a:stretch>
+        </p:blipFill>
+        <p:spPr>
+          <a:xfrm>
+            <a:off x="263659" y="3197522"/>
+            <a:ext cx="1902662" cy="3156904"/>
+          </a:xfrm>
+          <a:prstGeom prst="rect">
+            <a:avLst/>
+          </a:prstGeom>
+        </p:spPr>
+      </p:pic>
+      <p:sp>
+        <p:nvSpPr>
+          <p:cNvPr id="19" name="文本框 18"/>
+          <p:cNvSpPr txBox="1"/>
+          <p:nvPr/>
+        </p:nvSpPr>
+        <p:spPr>
+          <a:xfrm>
+            <a:off x="175852" y="2828190"/>
+            <a:ext cx="1569660" cy="369332"/>
+          </a:xfrm>
+          <a:prstGeom prst="rect">
+            <a:avLst/>
+          </a:prstGeom>
+          <a:noFill/>
+        </p:spPr>
+        <p:txBody>
+          <a:bodyPr wrap="none" rtlCol="0">
+            <a:spAutoFit/>
+          </a:bodyPr>
+          <a:lstStyle/>
+          <a:p>
+            <a:r>
+              <a:rPr kumimoji="1" lang="ja-JP" altLang="en-US" dirty="0" smtClean="0">
+                <a:solidFill>
+                  <a:srgbClr val="FF0000"/>
+                </a:solidFill>
+              </a:rPr>
+              <a:t>①計算機開く</a:t>
+            </a:r>
+            <a:endParaRPr kumimoji="1" lang="ja-JP" altLang="en-US" dirty="0">
+              <a:solidFill>
+                <a:srgbClr val="FF0000"/>
+              </a:solidFill>
+            </a:endParaRPr>
+          </a:p>
+        </p:txBody>
+      </p:sp>
+      <p:sp>
+        <p:nvSpPr>
+          <p:cNvPr id="20" name="文本框 19"/>
+          <p:cNvSpPr txBox="1"/>
+          <p:nvPr/>
+        </p:nvSpPr>
+        <p:spPr>
+          <a:xfrm>
+            <a:off x="9696951" y="5881444"/>
+            <a:ext cx="1569660" cy="369332"/>
+          </a:xfrm>
+          <a:prstGeom prst="rect">
+            <a:avLst/>
+          </a:prstGeom>
+          <a:noFill/>
+        </p:spPr>
+        <p:txBody>
+          <a:bodyPr wrap="none" rtlCol="0">
+            <a:spAutoFit/>
+          </a:bodyPr>
+          <a:lstStyle/>
+          <a:p>
+            <a:r>
+              <a:rPr kumimoji="1" lang="ja-JP" altLang="en-US" dirty="0" smtClean="0">
+                <a:solidFill>
+                  <a:srgbClr val="FF0000"/>
+                </a:solidFill>
+              </a:rPr>
+              <a:t>⑥できた！？</a:t>
+            </a:r>
+            <a:endParaRPr kumimoji="1" lang="ja-JP" altLang="en-US" dirty="0">
+              <a:solidFill>
+                <a:srgbClr val="FF0000"/>
+              </a:solidFill>
+            </a:endParaRPr>
+          </a:p>
+        </p:txBody>
+      </p:sp>
+      <p:sp>
+        <p:nvSpPr>
+          <p:cNvPr id="21" name="矩形 20"/>
+          <p:cNvSpPr/>
+          <p:nvPr/>
+        </p:nvSpPr>
+        <p:spPr>
+          <a:xfrm>
+            <a:off x="7605948" y="3396341"/>
+            <a:ext cx="692356" cy="592078"/>
+          </a:xfrm>
+          <a:prstGeom prst="rect">
+            <a:avLst/>
+          </a:prstGeom>
+          <a:noFill/>
+          <a:ln>
+            <a:solidFill>
+              <a:srgbClr val="FF0000"/>
+            </a:solidFill>
+          </a:ln>
+        </p:spPr>
+        <p:style>
+          <a:lnRef idx="2">
+            <a:schemeClr val="accent1">
+              <a:shade val="50000"/>
+            </a:schemeClr>
+          </a:lnRef>
+          <a:fillRef idx="1">
+            <a:schemeClr val="accent1"/>
+          </a:fillRef>
+          <a:effectRef idx="0">
+            <a:schemeClr val="accent1"/>
+          </a:effectRef>
+          <a:fontRef idx="minor">
+            <a:schemeClr val="lt1"/>
+          </a:fontRef>
+        </p:style>
+        <p:txBody>
+          <a:bodyPr rtlCol="0" anchor="ctr"/>
+          <a:lstStyle/>
+          <a:p>
+            <a:pPr algn="ctr"/>
+            <a:endParaRPr kumimoji="1" lang="ja-JP" altLang="en-US"/>
+          </a:p>
+        </p:txBody>
+      </p:sp>
+    </p:spTree>
+    <p:extLst>
+      <p:ext uri="{BB962C8B-B14F-4D97-AF65-F5344CB8AC3E}">
+        <p14:creationId xmlns:p14="http://schemas.microsoft.com/office/powerpoint/2010/main" val="1549364869"/>
+      </p:ext>
+    </p:extLst>
+  </p:cSld>
+  <p:clrMapOvr>
+    <a:masterClrMapping/>
+  </p:clrMapOvr>
+</p:sld>
+</file>
+
+<file path=ppt/slides/slide11.xml><?xml version="1.0" encoding="utf-8"?>
+<p:sld xmlns:a="http://schemas.openxmlformats.org/drawingml/2006/main" xmlns:r="http://schemas.openxmlformats.org/officeDocument/2006/relationships" xmlns:p="http://schemas.openxmlformats.org/presentationml/2006/main">
+  <p:cSld>
+    <p:spTree>
+      <p:nvGrpSpPr>
+        <p:cNvPr id="1" name=""/>
+        <p:cNvGrpSpPr/>
+        <p:nvPr/>
+      </p:nvGrpSpPr>
+      <p:grpSpPr>
+        <a:xfrm>
+          <a:off x="0" y="0"/>
+          <a:ext cx="0" cy="0"/>
+          <a:chOff x="0" y="0"/>
+          <a:chExt cx="0" cy="0"/>
+        </a:xfrm>
+      </p:grpSpPr>
+      <p:sp>
+        <p:nvSpPr>
+          <p:cNvPr id="4" name="标题 1"/>
+          <p:cNvSpPr>
+            <a:spLocks noGrp="1"/>
+          </p:cNvSpPr>
+          <p:nvPr>
+            <p:ph type="title"/>
+          </p:nvPr>
+        </p:nvSpPr>
+        <p:spPr>
+          <a:xfrm>
+            <a:off x="677334" y="609600"/>
+            <a:ext cx="8596668" cy="1320800"/>
+          </a:xfrm>
+        </p:spPr>
+        <p:txBody>
+          <a:bodyPr/>
+          <a:lstStyle/>
+          <a:p>
+            <a:r>
+              <a:rPr lang="ja-JP" altLang="en-US" dirty="0" smtClean="0"/>
+              <a:t>初めてのロボを</a:t>
+            </a:r>
+            <a:r>
+              <a:rPr lang="ja-JP" altLang="en-US" dirty="0" smtClean="0"/>
+              <a:t>作</a:t>
+            </a:r>
+            <a:r>
+              <a:rPr lang="ja-JP" altLang="en-US" dirty="0" smtClean="0"/>
+              <a:t>ってみよう</a:t>
+            </a:r>
+            <a:r>
+              <a:rPr lang="en-US" altLang="ja-JP" dirty="0" smtClean="0"/>
+              <a:t/>
+            </a:r>
+            <a:br>
+              <a:rPr lang="en-US" altLang="ja-JP" dirty="0" smtClean="0"/>
+            </a:br>
+            <a:r>
+              <a:rPr lang="ja-JP" altLang="en-US" sz="2400" dirty="0" smtClean="0"/>
+              <a:t>よし、動かしてみよう</a:t>
+            </a:r>
+            <a:endParaRPr lang="zh-CN" altLang="en-US" dirty="0"/>
+          </a:p>
+        </p:txBody>
+      </p:sp>
+    </p:spTree>
+    <p:extLst>
+      <p:ext uri="{BB962C8B-B14F-4D97-AF65-F5344CB8AC3E}">
+        <p14:creationId xmlns:p14="http://schemas.microsoft.com/office/powerpoint/2010/main" val="3954055824"/>
+      </p:ext>
+    </p:extLst>
+  </p:cSld>
+  <p:clrMapOvr>
+    <a:masterClrMapping/>
+  </p:clrMapOvr>
+</p:sld>
+</file>
+
+<file path=ppt/slides/slide12.xml><?xml version="1.0" encoding="utf-8"?>
+<p:sld xmlns:a="http://schemas.openxmlformats.org/drawingml/2006/main" xmlns:r="http://schemas.openxmlformats.org/officeDocument/2006/relationships" xmlns:p="http://schemas.openxmlformats.org/presentationml/2006/main">
+  <p:cSld>
+    <p:spTree>
+      <p:nvGrpSpPr>
+        <p:cNvPr id="1" name=""/>
+        <p:cNvGrpSpPr/>
+        <p:nvPr/>
+      </p:nvGrpSpPr>
+      <p:grpSpPr>
+        <a:xfrm>
+          <a:off x="0" y="0"/>
+          <a:ext cx="0" cy="0"/>
+          <a:chOff x="0" y="0"/>
+          <a:chExt cx="0" cy="0"/>
+        </a:xfrm>
+      </p:grpSpPr>
+      <p:sp>
+        <p:nvSpPr>
+          <p:cNvPr id="2" name="标题 1"/>
+          <p:cNvSpPr>
+            <a:spLocks noGrp="1"/>
+          </p:cNvSpPr>
+          <p:nvPr>
+            <p:ph type="title"/>
+          </p:nvPr>
+        </p:nvSpPr>
+        <p:spPr/>
+        <p:txBody>
+          <a:bodyPr/>
+          <a:lstStyle/>
+          <a:p>
+            <a:r>
+              <a:rPr kumimoji="1" lang="ja-JP" altLang="en-US" dirty="0" smtClean="0"/>
+              <a:t>無料な</a:t>
+            </a:r>
+            <a:r>
+              <a:rPr kumimoji="1" lang="en-US" altLang="ja-JP" dirty="0" err="1" smtClean="0"/>
+              <a:t>UiPath</a:t>
+            </a:r>
+            <a:r>
+              <a:rPr kumimoji="1" lang="ja-JP" altLang="en-US" dirty="0" smtClean="0"/>
+              <a:t>学習リソース</a:t>
+            </a:r>
+            <a:endParaRPr kumimoji="1" lang="ja-JP" altLang="en-US" dirty="0"/>
+          </a:p>
+        </p:txBody>
+      </p:sp>
+      <p:pic>
+        <p:nvPicPr>
+          <p:cNvPr id="4" name="图片 3"/>
+          <p:cNvPicPr>
+            <a:picLocks noChangeAspect="1"/>
+          </p:cNvPicPr>
+          <p:nvPr/>
+        </p:nvPicPr>
+        <p:blipFill>
+          <a:blip r:embed="rId2"/>
+          <a:stretch>
+            <a:fillRect/>
+          </a:stretch>
+        </p:blipFill>
+        <p:spPr>
+          <a:xfrm>
+            <a:off x="620578" y="1930400"/>
+            <a:ext cx="6891203" cy="4628055"/>
+          </a:xfrm>
+          <a:prstGeom prst="rect">
+            <a:avLst/>
+          </a:prstGeom>
+          <a:ln>
+            <a:solidFill>
+              <a:srgbClr val="FF0000"/>
+            </a:solidFill>
+          </a:ln>
+          <a:effectLst>
+            <a:outerShdw blurRad="292100" dist="139700" dir="2700000" algn="tl" rotWithShape="0">
+              <a:srgbClr val="333333">
+                <a:alpha val="65000"/>
+              </a:srgbClr>
+            </a:outerShdw>
+          </a:effectLst>
+        </p:spPr>
+      </p:pic>
+      <p:sp>
+        <p:nvSpPr>
+          <p:cNvPr id="5" name="文本框 4"/>
+          <p:cNvSpPr txBox="1"/>
+          <p:nvPr/>
+        </p:nvSpPr>
+        <p:spPr>
+          <a:xfrm>
+            <a:off x="677334" y="1412591"/>
+            <a:ext cx="3316036" cy="369332"/>
+          </a:xfrm>
+          <a:prstGeom prst="rect">
+            <a:avLst/>
+          </a:prstGeom>
+          <a:noFill/>
+        </p:spPr>
+        <p:txBody>
+          <a:bodyPr wrap="none" rtlCol="0">
+            <a:spAutoFit/>
+          </a:bodyPr>
+          <a:lstStyle/>
+          <a:p>
+            <a:r>
+              <a:rPr lang="en-US" altLang="zh-CN" dirty="0">
+                <a:hlinkClick r:id="rId3"/>
+              </a:rPr>
+              <a:t>https://academy.uipath.com</a:t>
+            </a:r>
+            <a:r>
+              <a:rPr lang="en-US" altLang="zh-CN" dirty="0" smtClean="0">
+                <a:hlinkClick r:id="rId3"/>
+              </a:rPr>
+              <a:t>/</a:t>
+            </a:r>
+            <a:endParaRPr lang="en-US" altLang="zh-CN" dirty="0"/>
+          </a:p>
+        </p:txBody>
+      </p:sp>
+      <p:sp>
+        <p:nvSpPr>
+          <p:cNvPr id="6" name="线形标注 1 5"/>
+          <p:cNvSpPr/>
+          <p:nvPr/>
+        </p:nvSpPr>
+        <p:spPr>
+          <a:xfrm>
+            <a:off x="8664728" y="3005446"/>
+            <a:ext cx="2599022" cy="1122680"/>
+          </a:xfrm>
+          <a:prstGeom prst="borderCallout1">
+            <a:avLst>
+              <a:gd name="adj1" fmla="val 60878"/>
+              <a:gd name="adj2" fmla="val -3683"/>
+              <a:gd name="adj3" fmla="val 115512"/>
+              <a:gd name="adj4" fmla="val -52920"/>
+            </a:avLst>
+          </a:prstGeom>
+          <a:solidFill>
+            <a:schemeClr val="bg1"/>
+          </a:solidFill>
+          <a:ln>
+            <a:solidFill>
+              <a:srgbClr val="FF0000"/>
+            </a:solidFill>
+          </a:ln>
+        </p:spPr>
+        <p:style>
+          <a:lnRef idx="2">
+            <a:schemeClr val="accent1">
+              <a:shade val="50000"/>
+            </a:schemeClr>
+          </a:lnRef>
+          <a:fillRef idx="1">
+            <a:schemeClr val="accent1"/>
+          </a:fillRef>
+          <a:effectRef idx="0">
+            <a:schemeClr val="accent1"/>
+          </a:effectRef>
+          <a:fontRef idx="minor">
+            <a:schemeClr val="lt1"/>
+          </a:fontRef>
+        </p:style>
+        <p:txBody>
+          <a:bodyPr rtlCol="0" anchor="ctr"/>
+          <a:lstStyle/>
+          <a:p>
+            <a:pPr algn="ctr"/>
+            <a:r>
+              <a:rPr kumimoji="1" lang="ja-JP" altLang="en-US" dirty="0" smtClean="0">
+                <a:solidFill>
+                  <a:srgbClr val="FF0000"/>
+                </a:solidFill>
+              </a:rPr>
+              <a:t>日本語コース</a:t>
+            </a:r>
+            <a:endParaRPr kumimoji="1" lang="ja-JP" altLang="en-US" dirty="0">
+              <a:solidFill>
+                <a:srgbClr val="FF0000"/>
+              </a:solidFill>
+            </a:endParaRPr>
+          </a:p>
+        </p:txBody>
+      </p:sp>
+      <p:pic>
+        <p:nvPicPr>
+          <p:cNvPr id="7" name="图片 6"/>
+          <p:cNvPicPr>
+            <a:picLocks noChangeAspect="1"/>
+          </p:cNvPicPr>
+          <p:nvPr/>
+        </p:nvPicPr>
+        <p:blipFill>
+          <a:blip r:embed="rId4"/>
+          <a:stretch>
+            <a:fillRect/>
+          </a:stretch>
+        </p:blipFill>
+        <p:spPr>
+          <a:xfrm>
+            <a:off x="5637748" y="4778439"/>
+            <a:ext cx="6304827" cy="2035417"/>
+          </a:xfrm>
+          <a:prstGeom prst="rect">
+            <a:avLst/>
+          </a:prstGeom>
+          <a:ln>
+            <a:solidFill>
+              <a:srgbClr val="FF0000"/>
+            </a:solidFill>
+          </a:ln>
+          <a:effectLst>
+            <a:outerShdw blurRad="292100" dist="139700" dir="2700000" algn="tl" rotWithShape="0">
+              <a:srgbClr val="333333">
+                <a:alpha val="65000"/>
+              </a:srgbClr>
+            </a:outerShdw>
+          </a:effectLst>
+        </p:spPr>
+      </p:pic>
+    </p:spTree>
+    <p:extLst>
+      <p:ext uri="{BB962C8B-B14F-4D97-AF65-F5344CB8AC3E}">
+        <p14:creationId xmlns:p14="http://schemas.microsoft.com/office/powerpoint/2010/main" val="3779605762"/>
+      </p:ext>
+    </p:extLst>
+  </p:cSld>
+  <p:clrMapOvr>
+    <a:masterClrMapping/>
+  </p:clrMapOvr>
+</p:sld>
+</file>
+
+<file path=ppt/slides/slide13.xml><?xml version="1.0" encoding="utf-8"?>
+<p:sld xmlns:a="http://schemas.openxmlformats.org/drawingml/2006/main" xmlns:r="http://schemas.openxmlformats.org/officeDocument/2006/relationships" xmlns:p="http://schemas.openxmlformats.org/presentationml/2006/main">
+  <p:cSld>
+    <p:spTree>
+      <p:nvGrpSpPr>
+        <p:cNvPr id="1" name=""/>
+        <p:cNvGrpSpPr/>
+        <p:nvPr/>
+      </p:nvGrpSpPr>
+      <p:grpSpPr>
+        <a:xfrm>
+          <a:off x="0" y="0"/>
+          <a:ext cx="0" cy="0"/>
+          <a:chOff x="0" y="0"/>
+          <a:chExt cx="0" cy="0"/>
+        </a:xfrm>
+      </p:grpSpPr>
+      <p:sp>
+        <p:nvSpPr>
+          <p:cNvPr id="2" name="标题 1"/>
+          <p:cNvSpPr>
+            <a:spLocks noGrp="1"/>
+          </p:cNvSpPr>
+          <p:nvPr>
+            <p:ph type="title"/>
+          </p:nvPr>
+        </p:nvSpPr>
+        <p:spPr/>
+        <p:txBody>
+          <a:bodyPr/>
+          <a:lstStyle/>
+          <a:p>
+            <a:r>
+              <a:rPr lang="ja-JP" altLang="en-US" dirty="0" smtClean="0"/>
+              <a:t>宿題</a:t>
+            </a:r>
+            <a:endParaRPr lang="zh-CN" altLang="en-US" dirty="0"/>
+          </a:p>
+        </p:txBody>
+      </p:sp>
+      <p:sp>
+        <p:nvSpPr>
+          <p:cNvPr id="3" name="内容占位符 2"/>
+          <p:cNvSpPr>
+            <a:spLocks noGrp="1"/>
+          </p:cNvSpPr>
+          <p:nvPr>
+            <p:ph idx="1"/>
+          </p:nvPr>
+        </p:nvSpPr>
+        <p:spPr/>
+        <p:txBody>
+          <a:bodyPr/>
+          <a:lstStyle/>
+          <a:p>
+            <a:r>
+              <a:rPr lang="ja-JP" altLang="en-US" dirty="0" smtClean="0"/>
+              <a:t>下記</a:t>
+            </a:r>
+            <a:r>
+              <a:rPr lang="en-US" altLang="ja-JP" dirty="0" smtClean="0"/>
+              <a:t>URL</a:t>
+            </a:r>
+            <a:r>
+              <a:rPr lang="ja-JP" altLang="en-US" dirty="0" smtClean="0"/>
+              <a:t>で</a:t>
+            </a:r>
+            <a:r>
+              <a:rPr lang="en-US" altLang="ja-JP" dirty="0" err="1" smtClean="0"/>
+              <a:t>UiPath</a:t>
+            </a:r>
+            <a:r>
+              <a:rPr lang="en-US" altLang="ja-JP" dirty="0" smtClean="0"/>
+              <a:t> Platform</a:t>
+            </a:r>
+            <a:r>
+              <a:rPr lang="ja-JP" altLang="en-US" dirty="0" smtClean="0"/>
+              <a:t>のアカウントを登録してください。</a:t>
+            </a:r>
+            <a:endParaRPr lang="en-US" altLang="ja-JP" dirty="0" smtClean="0"/>
+          </a:p>
+          <a:p>
+            <a:pPr marL="0" indent="0">
+              <a:buNone/>
+            </a:pPr>
+            <a:r>
+              <a:rPr lang="en-US" altLang="zh-CN" dirty="0">
+                <a:hlinkClick r:id="rId2"/>
+              </a:rPr>
+              <a:t>https://</a:t>
+            </a:r>
+            <a:r>
+              <a:rPr lang="en-US" altLang="zh-CN" dirty="0" smtClean="0">
+                <a:hlinkClick r:id="rId2"/>
+              </a:rPr>
+              <a:t>account.uipath.com/login</a:t>
+            </a:r>
+            <a:endParaRPr lang="en-US" altLang="zh-CN" dirty="0" smtClean="0"/>
+          </a:p>
+          <a:p>
+            <a:pPr marL="0" indent="0">
+              <a:buNone/>
+            </a:pPr>
+            <a:endParaRPr lang="en-US" altLang="zh-CN" dirty="0" smtClean="0"/>
+          </a:p>
+          <a:p>
+            <a:pPr marL="0" indent="0">
+              <a:buNone/>
+            </a:pPr>
+            <a:endParaRPr lang="en-US" altLang="zh-CN" dirty="0"/>
+          </a:p>
+          <a:p>
+            <a:r>
+              <a:rPr lang="ja-JP" altLang="en-US" dirty="0" smtClean="0"/>
+              <a:t>上記ログイン後画面から</a:t>
+            </a:r>
+            <a:r>
+              <a:rPr lang="en-US" altLang="ja-JP" dirty="0" err="1" smtClean="0"/>
+              <a:t>UiPath</a:t>
+            </a:r>
+            <a:r>
+              <a:rPr lang="en-US" altLang="ja-JP" dirty="0" smtClean="0"/>
+              <a:t> Studio</a:t>
+            </a:r>
+            <a:r>
+              <a:rPr lang="ja-JP" altLang="en-US" dirty="0" smtClean="0"/>
+              <a:t>をダウンロードして、ローカル</a:t>
+            </a:r>
+            <a:r>
+              <a:rPr lang="en-US" altLang="ja-JP" dirty="0" smtClean="0"/>
+              <a:t>PC</a:t>
+            </a:r>
+            <a:r>
+              <a:rPr lang="ja-JP" altLang="en-US" dirty="0" smtClean="0"/>
+              <a:t>にインストールしてください。</a:t>
+            </a:r>
+            <a:endParaRPr lang="en-US" altLang="ja-JP" dirty="0" smtClean="0"/>
+          </a:p>
+          <a:p>
+            <a:pPr marL="0" indent="0">
+              <a:buNone/>
+            </a:pPr>
+            <a:endParaRPr lang="en-US" altLang="zh-CN" dirty="0"/>
+          </a:p>
+          <a:p>
+            <a:endParaRPr lang="en-US" altLang="zh-CN" dirty="0" smtClean="0"/>
+          </a:p>
+          <a:p>
+            <a:r>
+              <a:rPr lang="en-US" altLang="ja-JP" dirty="0" smtClean="0"/>
+              <a:t>Studio</a:t>
+            </a:r>
+            <a:r>
+              <a:rPr lang="ja-JP" altLang="en-US" dirty="0" smtClean="0"/>
+              <a:t>のアクティビティ部品を使ってみてください。</a:t>
+            </a:r>
+            <a:endParaRPr lang="zh-CN" altLang="en-US" dirty="0"/>
+          </a:p>
+        </p:txBody>
+      </p:sp>
+      <p:pic>
+        <p:nvPicPr>
+          <p:cNvPr id="5" name="图片 4"/>
+          <p:cNvPicPr>
+            <a:picLocks noChangeAspect="1"/>
+          </p:cNvPicPr>
+          <p:nvPr/>
+        </p:nvPicPr>
+        <p:blipFill>
+          <a:blip r:embed="rId3"/>
+          <a:stretch>
+            <a:fillRect/>
+          </a:stretch>
+        </p:blipFill>
+        <p:spPr>
+          <a:xfrm>
+            <a:off x="6955154" y="4136160"/>
+            <a:ext cx="4548685" cy="2643387"/>
+          </a:xfrm>
+          <a:prstGeom prst="rect">
+            <a:avLst/>
+          </a:prstGeom>
+          <a:ln>
+            <a:noFill/>
+          </a:ln>
+          <a:effectLst>
+            <a:outerShdw blurRad="292100" dist="139700" dir="2700000" algn="tl" rotWithShape="0">
+              <a:srgbClr val="333333">
+                <a:alpha val="65000"/>
+              </a:srgbClr>
+            </a:outerShdw>
+          </a:effectLst>
+        </p:spPr>
+      </p:pic>
+      <p:sp>
+        <p:nvSpPr>
+          <p:cNvPr id="6" name="矩形标注 5"/>
+          <p:cNvSpPr/>
+          <p:nvPr/>
+        </p:nvSpPr>
+        <p:spPr>
+          <a:xfrm>
+            <a:off x="9355455" y="2588895"/>
+            <a:ext cx="2560320" cy="1028700"/>
+          </a:xfrm>
+          <a:prstGeom prst="wedgeRectCallout">
+            <a:avLst>
+              <a:gd name="adj1" fmla="val 10864"/>
+              <a:gd name="adj2" fmla="val 210277"/>
+            </a:avLst>
+          </a:prstGeom>
+          <a:effectLst>
+            <a:outerShdw blurRad="50800" dist="38100" dir="2700000" algn="tl" rotWithShape="0">
+              <a:prstClr val="black">
+                <a:alpha val="40000"/>
+              </a:prstClr>
+            </a:outerShdw>
+          </a:effectLst>
+        </p:spPr>
+        <p:style>
+          <a:lnRef idx="2">
+            <a:schemeClr val="accent1">
+              <a:shade val="50000"/>
+            </a:schemeClr>
+          </a:lnRef>
+          <a:fillRef idx="1">
+            <a:schemeClr val="accent1"/>
+          </a:fillRef>
+          <a:effectRef idx="0">
+            <a:schemeClr val="accent1"/>
+          </a:effectRef>
+          <a:fontRef idx="minor">
+            <a:schemeClr val="lt1"/>
+          </a:fontRef>
+        </p:style>
+        <p:txBody>
+          <a:bodyPr rtlCol="0" anchor="ctr"/>
+          <a:lstStyle/>
+          <a:p>
+            <a:pPr algn="ctr"/>
+            <a:r>
+              <a:rPr lang="en-US" altLang="ja-JP" dirty="0" err="1" smtClean="0"/>
+              <a:t>UiPath</a:t>
+            </a:r>
+            <a:r>
+              <a:rPr lang="en-US" altLang="ja-JP" dirty="0" smtClean="0"/>
+              <a:t> Studio</a:t>
+            </a:r>
+          </a:p>
+          <a:p>
+            <a:pPr algn="ctr"/>
+            <a:r>
+              <a:rPr lang="ja-JP" altLang="en-US" dirty="0" smtClean="0"/>
+              <a:t>ダウンロード画面</a:t>
+            </a:r>
+            <a:endParaRPr lang="zh-CN" altLang="en-US" dirty="0"/>
+          </a:p>
+        </p:txBody>
+      </p:sp>
+    </p:spTree>
+    <p:extLst>
+      <p:ext uri="{BB962C8B-B14F-4D97-AF65-F5344CB8AC3E}">
+        <p14:creationId xmlns:p14="http://schemas.microsoft.com/office/powerpoint/2010/main" val="2722310009"/>
+      </p:ext>
+    </p:extLst>
+  </p:cSld>
+  <p:clrMapOvr>
+    <a:masterClrMapping/>
+  </p:clrMapOvr>
 </p:sld>
 </file>
 
@@ -6999,6 +8240,42 @@
           <a:chExt cx="0" cy="0"/>
         </a:xfrm>
       </p:grpSpPr>
+      <p:pic>
+        <p:nvPicPr>
+          <p:cNvPr id="13" name="图片 12"/>
+          <p:cNvPicPr>
+            <a:picLocks noChangeAspect="1"/>
+          </p:cNvPicPr>
+          <p:nvPr/>
+        </p:nvPicPr>
+        <p:blipFill>
+          <a:blip r:embed="rId2"/>
+          <a:stretch>
+            <a:fillRect/>
+          </a:stretch>
+        </p:blipFill>
+        <p:spPr>
+          <a:xfrm>
+            <a:off x="6511595" y="2154914"/>
+            <a:ext cx="5524813" cy="3710403"/>
+          </a:xfrm>
+          <a:prstGeom prst="rect">
+            <a:avLst/>
+          </a:prstGeom>
+          <a:ln>
+            <a:solidFill>
+              <a:srgbClr val="FF0000"/>
+            </a:solidFill>
+          </a:ln>
+          <a:effectLst>
+            <a:outerShdw blurRad="292100" dist="139700" dir="2700000" algn="tl" rotWithShape="0">
+              <a:srgbClr val="333333">
+                <a:alpha val="65000"/>
+              </a:srgbClr>
+            </a:outerShdw>
+          </a:effectLst>
+        </p:spPr>
+      </p:pic>
       <p:sp>
         <p:nvSpPr>
           <p:cNvPr id="2" name="标题 1"/>
@@ -7009,65 +8286,406 @@
             <p:ph type="title"/>
           </p:nvPr>
         </p:nvSpPr>
-        <p:spPr/>
-        <p:txBody>
-          <a:bodyPr/>
-          <a:lstStyle/>
-          <a:p>
-            <a:r>
-              <a:rPr lang="en-US" altLang="ja-JP" dirty="0" smtClean="0"/>
-              <a:t>5</a:t>
-            </a:r>
-            <a:r>
-              <a:rPr lang="ja-JP" altLang="en-US" dirty="0" smtClean="0"/>
-              <a:t>分間でロボットを作ってみよう</a:t>
-            </a:r>
-            <a:r>
-              <a:rPr lang="en-US" altLang="ja-JP" dirty="0" smtClean="0"/>
+        <p:spPr>
+          <a:xfrm>
+            <a:off x="677334" y="609600"/>
+            <a:ext cx="9227600" cy="1320800"/>
+          </a:xfrm>
+        </p:spPr>
+        <p:txBody>
+          <a:bodyPr>
+            <a:normAutofit/>
+          </a:bodyPr>
+          <a:lstStyle/>
+          <a:p>
+            <a:r>
+              <a:rPr kumimoji="1" lang="en-US" altLang="ja-JP" dirty="0" smtClean="0"/>
+              <a:t>10</a:t>
+            </a:r>
+            <a:r>
+              <a:rPr kumimoji="1" lang="ja-JP" altLang="en-US" dirty="0" smtClean="0"/>
+              <a:t>分間で無料な開発環境構築してみよう</a:t>
+            </a:r>
+            <a:r>
+              <a:rPr kumimoji="1" lang="en-US" altLang="ja-JP" dirty="0" smtClean="0"/>
               <a:t/>
             </a:r>
             <a:br>
-              <a:rPr lang="en-US" altLang="ja-JP" dirty="0" smtClean="0"/>
+              <a:rPr kumimoji="1" lang="en-US" altLang="ja-JP" dirty="0" smtClean="0"/>
             </a:br>
             <a:r>
-              <a:rPr lang="ja-JP" altLang="en-US" sz="2400" dirty="0" smtClean="0"/>
-              <a:t>レコ</a:t>
-            </a:r>
-            <a:r>
-              <a:rPr lang="ja-JP" altLang="en-US" sz="2400" dirty="0"/>
-              <a:t>ー</a:t>
-            </a:r>
-            <a:r>
-              <a:rPr lang="ja-JP" altLang="en-US" sz="2400" dirty="0" smtClean="0"/>
-              <a:t>ディング機能</a:t>
-            </a:r>
-            <a:endParaRPr lang="zh-CN" altLang="en-US" dirty="0"/>
-          </a:p>
-        </p:txBody>
-      </p:sp>
-      <p:sp>
-        <p:nvSpPr>
-          <p:cNvPr id="3" name="内容占位符 2"/>
-          <p:cNvSpPr>
-            <a:spLocks noGrp="1"/>
-          </p:cNvSpPr>
-          <p:nvPr>
-            <p:ph idx="1"/>
-          </p:nvPr>
-        </p:nvSpPr>
-        <p:spPr/>
-        <p:txBody>
-          <a:bodyPr/>
-          <a:lstStyle/>
-          <a:p>
-            <a:endParaRPr lang="zh-CN" altLang="en-US" dirty="0"/>
+              <a:rPr kumimoji="1" lang="en-US" altLang="ja-JP" sz="2400" dirty="0" err="1" smtClean="0"/>
+              <a:t>UiPath</a:t>
+            </a:r>
+            <a:r>
+              <a:rPr kumimoji="1" lang="ja-JP" altLang="en-US" sz="2400" dirty="0" smtClean="0"/>
+              <a:t>コミュニティアカウント登録＆</a:t>
+            </a:r>
+            <a:r>
+              <a:rPr kumimoji="1" lang="en-US" altLang="ja-JP" sz="2400" dirty="0" smtClean="0"/>
+              <a:t>Studio CE</a:t>
+            </a:r>
+            <a:r>
+              <a:rPr kumimoji="1" lang="ja-JP" altLang="en-US" sz="2400" dirty="0" smtClean="0"/>
+              <a:t>をダウンロード</a:t>
+            </a:r>
+            <a:endParaRPr kumimoji="1" lang="ja-JP" altLang="en-US" dirty="0"/>
+          </a:p>
+        </p:txBody>
+      </p:sp>
+      <p:sp>
+        <p:nvSpPr>
+          <p:cNvPr id="4" name="文本框 3"/>
+          <p:cNvSpPr txBox="1"/>
+          <p:nvPr/>
+        </p:nvSpPr>
+        <p:spPr>
+          <a:xfrm>
+            <a:off x="769357" y="1854025"/>
+            <a:ext cx="3741730" cy="369332"/>
+          </a:xfrm>
+          <a:prstGeom prst="rect">
+            <a:avLst/>
+          </a:prstGeom>
+          <a:noFill/>
+        </p:spPr>
+        <p:txBody>
+          <a:bodyPr wrap="none" rtlCol="0">
+            <a:spAutoFit/>
+          </a:bodyPr>
+          <a:lstStyle/>
+          <a:p>
+            <a:r>
+              <a:rPr lang="en-US" altLang="zh-CN" dirty="0">
+                <a:hlinkClick r:id="rId3"/>
+              </a:rPr>
+              <a:t>https://</a:t>
+            </a:r>
+            <a:r>
+              <a:rPr lang="en-US" altLang="zh-CN" dirty="0" smtClean="0">
+                <a:hlinkClick r:id="rId3"/>
+              </a:rPr>
+              <a:t>account.uipath.com/login</a:t>
+            </a:r>
+            <a:endParaRPr lang="en-US" altLang="zh-CN" dirty="0"/>
+          </a:p>
+        </p:txBody>
+      </p:sp>
+      <p:pic>
+        <p:nvPicPr>
+          <p:cNvPr id="5" name="图片 4"/>
+          <p:cNvPicPr>
+            <a:picLocks noChangeAspect="1"/>
+          </p:cNvPicPr>
+          <p:nvPr/>
+        </p:nvPicPr>
+        <p:blipFill>
+          <a:blip r:embed="rId4"/>
+          <a:stretch>
+            <a:fillRect/>
+          </a:stretch>
+        </p:blipFill>
+        <p:spPr>
+          <a:xfrm>
+            <a:off x="769357" y="2458719"/>
+            <a:ext cx="3377454" cy="2794001"/>
+          </a:xfrm>
+          <a:prstGeom prst="rect">
+            <a:avLst/>
+          </a:prstGeom>
+          <a:ln>
+            <a:solidFill>
+              <a:srgbClr val="FF0000"/>
+            </a:solidFill>
+          </a:ln>
+          <a:effectLst>
+            <a:outerShdw blurRad="292100" dist="139700" dir="2700000" algn="tl" rotWithShape="0">
+              <a:srgbClr val="333333">
+                <a:alpha val="65000"/>
+              </a:srgbClr>
+            </a:outerShdw>
+          </a:effectLst>
+        </p:spPr>
+      </p:pic>
+      <p:sp>
+        <p:nvSpPr>
+          <p:cNvPr id="6" name="矩形 5"/>
+          <p:cNvSpPr/>
+          <p:nvPr/>
+        </p:nvSpPr>
+        <p:spPr>
+          <a:xfrm>
+            <a:off x="2550160" y="4531360"/>
+            <a:ext cx="426720" cy="187960"/>
+          </a:xfrm>
+          <a:prstGeom prst="rect">
+            <a:avLst/>
+          </a:prstGeom>
+          <a:noFill/>
+          <a:ln>
+            <a:solidFill>
+              <a:srgbClr val="FF0000"/>
+            </a:solidFill>
+          </a:ln>
+        </p:spPr>
+        <p:style>
+          <a:lnRef idx="2">
+            <a:schemeClr val="accent1">
+              <a:shade val="50000"/>
+            </a:schemeClr>
+          </a:lnRef>
+          <a:fillRef idx="1">
+            <a:schemeClr val="accent1"/>
+          </a:fillRef>
+          <a:effectRef idx="0">
+            <a:schemeClr val="accent1"/>
+          </a:effectRef>
+          <a:fontRef idx="minor">
+            <a:schemeClr val="lt1"/>
+          </a:fontRef>
+        </p:style>
+        <p:txBody>
+          <a:bodyPr rtlCol="0" anchor="ctr"/>
+          <a:lstStyle/>
+          <a:p>
+            <a:pPr algn="ctr"/>
+            <a:endParaRPr kumimoji="1" lang="ja-JP" altLang="en-US"/>
+          </a:p>
+        </p:txBody>
+      </p:sp>
+      <p:pic>
+        <p:nvPicPr>
+          <p:cNvPr id="7" name="图片 6"/>
+          <p:cNvPicPr>
+            <a:picLocks noChangeAspect="1"/>
+          </p:cNvPicPr>
+          <p:nvPr/>
+        </p:nvPicPr>
+        <p:blipFill>
+          <a:blip r:embed="rId5"/>
+          <a:stretch>
+            <a:fillRect/>
+          </a:stretch>
+        </p:blipFill>
+        <p:spPr>
+          <a:xfrm>
+            <a:off x="3525329" y="2293111"/>
+            <a:ext cx="2711405" cy="3321367"/>
+          </a:xfrm>
+          <a:prstGeom prst="rect">
+            <a:avLst/>
+          </a:prstGeom>
+          <a:ln>
+            <a:solidFill>
+              <a:srgbClr val="FF0000"/>
+            </a:solidFill>
+          </a:ln>
+          <a:effectLst>
+            <a:outerShdw blurRad="292100" dist="139700" dir="2700000" algn="tl" rotWithShape="0">
+              <a:srgbClr val="333333">
+                <a:alpha val="65000"/>
+              </a:srgbClr>
+            </a:outerShdw>
+          </a:effectLst>
+        </p:spPr>
+      </p:pic>
+      <p:cxnSp>
+        <p:nvCxnSpPr>
+          <p:cNvPr id="9" name="直接箭头连接符 8"/>
+          <p:cNvCxnSpPr>
+            <a:stCxn id="6" idx="3"/>
+            <a:endCxn id="7" idx="1"/>
+          </p:cNvCxnSpPr>
+          <p:nvPr/>
+        </p:nvCxnSpPr>
+        <p:spPr>
+          <a:xfrm flipV="1">
+            <a:off x="2976880" y="3953795"/>
+            <a:ext cx="548449" cy="671545"/>
+          </a:xfrm>
+          <a:prstGeom prst="straightConnector1">
+            <a:avLst/>
+          </a:prstGeom>
+          <a:ln>
+            <a:solidFill>
+              <a:srgbClr val="FF0000"/>
+            </a:solidFill>
+            <a:tailEnd type="triangle"/>
+          </a:ln>
+        </p:spPr>
+        <p:style>
+          <a:lnRef idx="1">
+            <a:schemeClr val="accent1"/>
+          </a:lnRef>
+          <a:fillRef idx="0">
+            <a:schemeClr val="accent1"/>
+          </a:fillRef>
+          <a:effectRef idx="0">
+            <a:schemeClr val="accent1"/>
+          </a:effectRef>
+          <a:fontRef idx="minor">
+            <a:schemeClr val="tx1"/>
+          </a:fontRef>
+        </p:style>
+      </p:cxnSp>
+      <p:sp>
+        <p:nvSpPr>
+          <p:cNvPr id="11" name="线形标注 1 10"/>
+          <p:cNvSpPr/>
+          <p:nvPr/>
+        </p:nvSpPr>
+        <p:spPr>
+          <a:xfrm>
+            <a:off x="4830334" y="4157980"/>
+            <a:ext cx="2194560" cy="1122680"/>
+          </a:xfrm>
+          <a:prstGeom prst="borderCallout1">
+            <a:avLst>
+              <a:gd name="adj1" fmla="val 18750"/>
+              <a:gd name="adj2" fmla="val -8333"/>
+              <a:gd name="adj3" fmla="val -37274"/>
+              <a:gd name="adj4" fmla="val -19385"/>
+            </a:avLst>
+          </a:prstGeom>
+          <a:solidFill>
+            <a:schemeClr val="bg1"/>
+          </a:solidFill>
+          <a:ln>
+            <a:solidFill>
+              <a:srgbClr val="FF0000"/>
+            </a:solidFill>
+          </a:ln>
+        </p:spPr>
+        <p:style>
+          <a:lnRef idx="2">
+            <a:schemeClr val="accent1">
+              <a:shade val="50000"/>
+            </a:schemeClr>
+          </a:lnRef>
+          <a:fillRef idx="1">
+            <a:schemeClr val="accent1"/>
+          </a:fillRef>
+          <a:effectRef idx="0">
+            <a:schemeClr val="accent1"/>
+          </a:effectRef>
+          <a:fontRef idx="minor">
+            <a:schemeClr val="lt1"/>
+          </a:fontRef>
+        </p:style>
+        <p:txBody>
+          <a:bodyPr rtlCol="0" anchor="ctr"/>
+          <a:lstStyle/>
+          <a:p>
+            <a:pPr algn="ctr"/>
+            <a:r>
+              <a:rPr kumimoji="1" lang="ja-JP" altLang="en-US" dirty="0" smtClean="0">
+                <a:solidFill>
+                  <a:srgbClr val="FF0000"/>
+                </a:solidFill>
+              </a:rPr>
+              <a:t>メール以外の個人情報は適当で</a:t>
+            </a:r>
+            <a:r>
+              <a:rPr kumimoji="1" lang="en-US" altLang="ja-JP" dirty="0" smtClean="0">
+                <a:solidFill>
+                  <a:srgbClr val="FF0000"/>
+                </a:solidFill>
+              </a:rPr>
+              <a:t>OK</a:t>
+            </a:r>
+            <a:r>
+              <a:rPr kumimoji="1" lang="ja-JP" altLang="en-US" dirty="0" smtClean="0">
+                <a:solidFill>
+                  <a:srgbClr val="FF0000"/>
+                </a:solidFill>
+              </a:rPr>
+              <a:t>！</a:t>
+            </a:r>
+            <a:endParaRPr kumimoji="1" lang="ja-JP" altLang="en-US" dirty="0">
+              <a:solidFill>
+                <a:srgbClr val="FF0000"/>
+              </a:solidFill>
+            </a:endParaRPr>
+          </a:p>
+        </p:txBody>
+      </p:sp>
+      <p:sp>
+        <p:nvSpPr>
+          <p:cNvPr id="14" name="线形标注 1 13"/>
+          <p:cNvSpPr/>
+          <p:nvPr/>
+        </p:nvSpPr>
+        <p:spPr>
+          <a:xfrm>
+            <a:off x="8158750" y="4157980"/>
+            <a:ext cx="2547350" cy="394970"/>
+          </a:xfrm>
+          <a:prstGeom prst="borderCallout1">
+            <a:avLst>
+              <a:gd name="adj1" fmla="val 18750"/>
+              <a:gd name="adj2" fmla="val -8333"/>
+              <a:gd name="adj3" fmla="val -37274"/>
+              <a:gd name="adj4" fmla="val -19385"/>
+            </a:avLst>
+          </a:prstGeom>
+          <a:solidFill>
+            <a:schemeClr val="bg1"/>
+          </a:solidFill>
+          <a:ln>
+            <a:solidFill>
+              <a:srgbClr val="FF0000"/>
+            </a:solidFill>
+          </a:ln>
+        </p:spPr>
+        <p:style>
+          <a:lnRef idx="2">
+            <a:schemeClr val="accent1">
+              <a:shade val="50000"/>
+            </a:schemeClr>
+          </a:lnRef>
+          <a:fillRef idx="1">
+            <a:schemeClr val="accent1"/>
+          </a:fillRef>
+          <a:effectRef idx="0">
+            <a:schemeClr val="accent1"/>
+          </a:effectRef>
+          <a:fontRef idx="minor">
+            <a:schemeClr val="lt1"/>
+          </a:fontRef>
+        </p:style>
+        <p:txBody>
+          <a:bodyPr rtlCol="0" anchor="ctr"/>
+          <a:lstStyle/>
+          <a:p>
+            <a:pPr algn="ctr"/>
+            <a:r>
+              <a:rPr kumimoji="1" lang="en-US" altLang="ja-JP" dirty="0" smtClean="0">
+                <a:solidFill>
+                  <a:srgbClr val="FF0000"/>
+                </a:solidFill>
+              </a:rPr>
+              <a:t>Studio</a:t>
+            </a:r>
+            <a:r>
+              <a:rPr kumimoji="1" lang="ja-JP" altLang="en-US" dirty="0" smtClean="0">
+                <a:solidFill>
+                  <a:srgbClr val="FF0000"/>
+                </a:solidFill>
+              </a:rPr>
+              <a:t>をダウンロード</a:t>
+            </a:r>
+            <a:endParaRPr kumimoji="1" lang="ja-JP" altLang="en-US" dirty="0">
+              <a:solidFill>
+                <a:srgbClr val="FF0000"/>
+              </a:solidFill>
+            </a:endParaRPr>
           </a:p>
         </p:txBody>
       </p:sp>
     </p:spTree>
     <p:extLst>
       <p:ext uri="{BB962C8B-B14F-4D97-AF65-F5344CB8AC3E}">
-        <p14:creationId xmlns:p14="http://schemas.microsoft.com/office/powerpoint/2010/main" val="1549364869"/>
+        <p14:creationId xmlns:p14="http://schemas.microsoft.com/office/powerpoint/2010/main" val="918804711"/>
       </p:ext>
     </p:extLst>
   </p:cSld>
@@ -7106,140 +8724,85 @@
         </p:nvSpPr>
         <p:spPr/>
         <p:txBody>
-          <a:bodyPr/>
-          <a:lstStyle/>
-          <a:p>
-            <a:r>
-              <a:rPr lang="ja-JP" altLang="en-US" dirty="0" smtClean="0"/>
-              <a:t>宿題</a:t>
-            </a:r>
-            <a:endParaRPr lang="zh-CN" altLang="en-US" dirty="0"/>
-          </a:p>
-        </p:txBody>
-      </p:sp>
-      <p:sp>
-        <p:nvSpPr>
-          <p:cNvPr id="3" name="内容占位符 2"/>
-          <p:cNvSpPr>
-            <a:spLocks noGrp="1"/>
-          </p:cNvSpPr>
-          <p:nvPr>
-            <p:ph idx="1"/>
-          </p:nvPr>
-        </p:nvSpPr>
-        <p:spPr/>
-        <p:txBody>
-          <a:bodyPr/>
-          <a:lstStyle/>
-          <a:p>
-            <a:r>
-              <a:rPr lang="ja-JP" altLang="en-US" dirty="0" smtClean="0"/>
-              <a:t>下記</a:t>
-            </a:r>
-            <a:r>
-              <a:rPr lang="en-US" altLang="ja-JP" dirty="0" smtClean="0"/>
-              <a:t>URL</a:t>
-            </a:r>
-            <a:r>
-              <a:rPr lang="ja-JP" altLang="en-US" dirty="0" smtClean="0"/>
-              <a:t>で</a:t>
-            </a:r>
-            <a:r>
-              <a:rPr lang="en-US" altLang="ja-JP" dirty="0" err="1" smtClean="0"/>
+          <a:bodyPr>
+            <a:normAutofit/>
+          </a:bodyPr>
+          <a:lstStyle/>
+          <a:p>
+            <a:r>
+              <a:rPr kumimoji="1" lang="ja-JP" altLang="en-US" dirty="0"/>
+              <a:t>５分間</a:t>
+            </a:r>
+            <a:r>
+              <a:rPr kumimoji="1" lang="ja-JP" altLang="en-US" dirty="0" smtClean="0"/>
+              <a:t>で無料な開</a:t>
+            </a:r>
+            <a:r>
+              <a:rPr kumimoji="1" lang="ja-JP" altLang="en-US" dirty="0"/>
+              <a:t>発環境構築してみよう</a:t>
+            </a:r>
+            <a:r>
+              <a:rPr kumimoji="1" lang="en-US" altLang="ja-JP" dirty="0"/>
+              <a:t/>
+            </a:r>
+            <a:br>
+              <a:rPr kumimoji="1" lang="en-US" altLang="ja-JP" dirty="0"/>
+            </a:br>
+            <a:r>
+              <a:rPr kumimoji="1" lang="en-US" altLang="ja-JP" sz="2400" dirty="0" err="1" smtClean="0"/>
               <a:t>UiPath</a:t>
             </a:r>
             <a:r>
-              <a:rPr lang="en-US" altLang="ja-JP" dirty="0" smtClean="0"/>
-              <a:t> Platform</a:t>
-            </a:r>
-            <a:r>
-              <a:rPr lang="ja-JP" altLang="en-US" dirty="0" smtClean="0"/>
-              <a:t>のアカウントを登録してください。</a:t>
-            </a:r>
-            <a:endParaRPr lang="en-US" altLang="ja-JP" dirty="0" smtClean="0"/>
-          </a:p>
-          <a:p>
-            <a:pPr marL="0" indent="0">
-              <a:buNone/>
-            </a:pPr>
-            <a:r>
-              <a:rPr lang="en-US" altLang="zh-CN" dirty="0">
-                <a:hlinkClick r:id="rId2"/>
-              </a:rPr>
-              <a:t>https://</a:t>
-            </a:r>
-            <a:r>
-              <a:rPr lang="en-US" altLang="zh-CN" dirty="0" smtClean="0">
-                <a:hlinkClick r:id="rId2"/>
-              </a:rPr>
-              <a:t>account.uipath.com/login</a:t>
-            </a:r>
-            <a:endParaRPr lang="en-US" altLang="zh-CN" dirty="0" smtClean="0"/>
-          </a:p>
-          <a:p>
-            <a:pPr marL="0" indent="0">
-              <a:buNone/>
-            </a:pPr>
-            <a:endParaRPr lang="en-US" altLang="zh-CN" dirty="0" smtClean="0"/>
-          </a:p>
-          <a:p>
-            <a:pPr marL="0" indent="0">
-              <a:buNone/>
-            </a:pPr>
-            <a:endParaRPr lang="en-US" altLang="zh-CN" dirty="0"/>
-          </a:p>
-          <a:p>
-            <a:r>
-              <a:rPr lang="ja-JP" altLang="en-US" dirty="0" smtClean="0"/>
-              <a:t>上記ログイン後画面から</a:t>
-            </a:r>
-            <a:r>
-              <a:rPr lang="en-US" altLang="ja-JP" dirty="0" err="1" smtClean="0"/>
-              <a:t>UiPath</a:t>
-            </a:r>
-            <a:r>
-              <a:rPr lang="en-US" altLang="ja-JP" dirty="0" smtClean="0"/>
+              <a:rPr kumimoji="1" lang="en-US" altLang="ja-JP" sz="2400" dirty="0" smtClean="0"/>
               <a:t> Studio</a:t>
             </a:r>
             <a:r>
-              <a:rPr lang="ja-JP" altLang="en-US" dirty="0" smtClean="0"/>
-              <a:t>をダウンロードして、ローカル</a:t>
-            </a:r>
-            <a:r>
-              <a:rPr lang="en-US" altLang="ja-JP" dirty="0" smtClean="0"/>
-              <a:t>PC</a:t>
-            </a:r>
-            <a:r>
-              <a:rPr lang="ja-JP" altLang="en-US" dirty="0" smtClean="0"/>
-              <a:t>にインストールしてください。</a:t>
-            </a:r>
-            <a:endParaRPr lang="en-US" altLang="ja-JP" dirty="0" smtClean="0"/>
-          </a:p>
-          <a:p>
-            <a:pPr marL="0" indent="0">
-              <a:buNone/>
-            </a:pPr>
-            <a:endParaRPr lang="en-US" altLang="zh-CN" dirty="0"/>
-          </a:p>
-          <a:p>
-            <a:endParaRPr lang="en-US" altLang="zh-CN" dirty="0" smtClean="0"/>
-          </a:p>
-          <a:p>
-            <a:r>
-              <a:rPr lang="en-US" altLang="ja-JP" dirty="0" smtClean="0"/>
-              <a:t>Studio</a:t>
-            </a:r>
-            <a:r>
-              <a:rPr lang="ja-JP" altLang="en-US" dirty="0" smtClean="0"/>
-              <a:t>のアクティビティ部品を使ってみてください。</a:t>
-            </a:r>
-            <a:endParaRPr lang="zh-CN" altLang="en-US" dirty="0"/>
+              <a:rPr kumimoji="1" lang="ja-JP" altLang="en-US" sz="2400" dirty="0" smtClean="0"/>
+              <a:t>のインストール</a:t>
+            </a:r>
+            <a:endParaRPr kumimoji="1" lang="ja-JP" altLang="en-US" sz="2400" dirty="0"/>
           </a:p>
         </p:txBody>
       </p:sp>
       <p:pic>
         <p:nvPicPr>
           <p:cNvPr id="5" name="图片 4"/>
+          <p:cNvPicPr>
+            <a:picLocks noChangeAspect="1"/>
+          </p:cNvPicPr>
+          <p:nvPr/>
+        </p:nvPicPr>
+        <p:blipFill>
+          <a:blip r:embed="rId2"/>
+          <a:stretch>
+            <a:fillRect/>
+          </a:stretch>
+        </p:blipFill>
+        <p:spPr>
+          <a:xfrm>
+            <a:off x="677334" y="2000151"/>
+            <a:ext cx="1914525" cy="600075"/>
+          </a:xfrm>
+          <a:prstGeom prst="rect">
+            <a:avLst/>
+          </a:prstGeom>
+          <a:ln>
+            <a:solidFill>
+              <a:srgbClr val="FF0000"/>
+            </a:solidFill>
+          </a:ln>
+          <a:effectLst>
+            <a:outerShdw blurRad="292100" dist="139700" dir="2700000" algn="tl" rotWithShape="0">
+              <a:srgbClr val="333333">
+                <a:alpha val="65000"/>
+              </a:srgbClr>
+            </a:outerShdw>
+          </a:effectLst>
+        </p:spPr>
+      </p:pic>
+      <p:pic>
+        <p:nvPicPr>
+          <p:cNvPr id="6" name="图片 5"/>
           <p:cNvPicPr>
             <a:picLocks noChangeAspect="1"/>
           </p:cNvPicPr>
@@ -7253,14 +8816,16 @@
         </p:blipFill>
         <p:spPr>
           <a:xfrm>
-            <a:off x="6955154" y="4136160"/>
-            <a:ext cx="4548685" cy="2643387"/>
+            <a:off x="1188457" y="2925460"/>
+            <a:ext cx="3831283" cy="2624429"/>
           </a:xfrm>
           <a:prstGeom prst="rect">
             <a:avLst/>
           </a:prstGeom>
           <a:ln>
-            <a:noFill/>
+            <a:solidFill>
+              <a:srgbClr val="FF0000"/>
+            </a:solidFill>
           </a:ln>
           <a:effectLst>
             <a:outerShdw blurRad="292100" dist="139700" dir="2700000" algn="tl" rotWithShape="0">
@@ -7273,28 +8838,24 @@
       </p:pic>
       <p:sp>
         <p:nvSpPr>
-          <p:cNvPr id="6" name="矩形标注 5"/>
+          <p:cNvPr id="7" name="矩形 6"/>
           <p:cNvSpPr/>
           <p:nvPr/>
         </p:nvSpPr>
         <p:spPr>
           <a:xfrm>
-            <a:off x="9355455" y="2588895"/>
-            <a:ext cx="2560320" cy="1028700"/>
-          </a:xfrm>
-          <a:prstGeom prst="wedgeRectCallout">
-            <a:avLst>
-              <a:gd name="adj1" fmla="val 10864"/>
-              <a:gd name="adj2" fmla="val 210277"/>
-            </a:avLst>
+            <a:off x="1364592" y="5275492"/>
+            <a:ext cx="571413" cy="217214"/>
+          </a:xfrm>
+          <a:prstGeom prst="rect">
+            <a:avLst/>
           </a:prstGeom>
-          <a:effectLst>
-            <a:outerShdw blurRad="50800" dist="38100" dir="2700000" algn="tl" rotWithShape="0">
-              <a:prstClr val="black">
-                <a:alpha val="40000"/>
-              </a:prstClr>
-            </a:outerShdw>
-          </a:effectLst>
+          <a:noFill/>
+          <a:ln>
+            <a:solidFill>
+              <a:srgbClr val="FF0000"/>
+            </a:solidFill>
+          </a:ln>
         </p:spPr>
         <p:style>
           <a:lnRef idx="2">
@@ -7317,29 +8878,556 @@
           <a:lstStyle/>
           <a:p>
             <a:pPr algn="ctr"/>
-            <a:r>
-              <a:rPr lang="en-US" altLang="ja-JP" dirty="0" err="1" smtClean="0"/>
-              <a:t>UiPath</a:t>
-            </a:r>
-            <a:r>
-              <a:rPr lang="en-US" altLang="ja-JP" dirty="0" smtClean="0"/>
-              <a:t> Studio</a:t>
-            </a:r>
-          </a:p>
+            <a:endParaRPr kumimoji="1" lang="ja-JP" altLang="en-US"/>
+          </a:p>
+        </p:txBody>
+      </p:sp>
+      <p:cxnSp>
+        <p:nvCxnSpPr>
+          <p:cNvPr id="8" name="直接箭头连接符 7"/>
+          <p:cNvCxnSpPr>
+            <a:stCxn id="5" idx="2"/>
+            <a:endCxn id="7" idx="0"/>
+          </p:cNvCxnSpPr>
+          <p:nvPr/>
+        </p:nvCxnSpPr>
+        <p:spPr>
+          <a:xfrm>
+            <a:off x="1634597" y="2600226"/>
+            <a:ext cx="15702" cy="2675266"/>
+          </a:xfrm>
+          <a:prstGeom prst="straightConnector1">
+            <a:avLst/>
+          </a:prstGeom>
+          <a:ln>
+            <a:solidFill>
+              <a:srgbClr val="FF0000"/>
+            </a:solidFill>
+            <a:tailEnd type="triangle"/>
+          </a:ln>
+        </p:spPr>
+        <p:style>
+          <a:lnRef idx="1">
+            <a:schemeClr val="accent1"/>
+          </a:lnRef>
+          <a:fillRef idx="0">
+            <a:schemeClr val="accent1"/>
+          </a:fillRef>
+          <a:effectRef idx="0">
+            <a:schemeClr val="accent1"/>
+          </a:effectRef>
+          <a:fontRef idx="minor">
+            <a:schemeClr val="tx1"/>
+          </a:fontRef>
+        </p:style>
+      </p:cxnSp>
+      <p:pic>
+        <p:nvPicPr>
+          <p:cNvPr id="11" name="图片 10"/>
+          <p:cNvPicPr>
+            <a:picLocks noChangeAspect="1"/>
+          </p:cNvPicPr>
+          <p:nvPr/>
+        </p:nvPicPr>
+        <p:blipFill>
+          <a:blip r:embed="rId4"/>
+          <a:stretch>
+            <a:fillRect/>
+          </a:stretch>
+        </p:blipFill>
+        <p:spPr>
+          <a:xfrm>
+            <a:off x="4014363" y="2300188"/>
+            <a:ext cx="3856508" cy="2641708"/>
+          </a:xfrm>
+          <a:prstGeom prst="rect">
+            <a:avLst/>
+          </a:prstGeom>
+          <a:ln>
+            <a:solidFill>
+              <a:srgbClr val="FF0000"/>
+            </a:solidFill>
+          </a:ln>
+          <a:effectLst>
+            <a:outerShdw blurRad="292100" dist="139700" dir="2700000" algn="tl" rotWithShape="0">
+              <a:srgbClr val="333333">
+                <a:alpha val="65000"/>
+              </a:srgbClr>
+            </a:outerShdw>
+          </a:effectLst>
+        </p:spPr>
+      </p:pic>
+      <p:cxnSp>
+        <p:nvCxnSpPr>
+          <p:cNvPr id="12" name="直接箭头连接符 11"/>
+          <p:cNvCxnSpPr>
+            <a:stCxn id="7" idx="3"/>
+            <a:endCxn id="11" idx="1"/>
+          </p:cNvCxnSpPr>
+          <p:nvPr/>
+        </p:nvCxnSpPr>
+        <p:spPr>
+          <a:xfrm flipV="1">
+            <a:off x="1936005" y="3621042"/>
+            <a:ext cx="2078358" cy="1763057"/>
+          </a:xfrm>
+          <a:prstGeom prst="straightConnector1">
+            <a:avLst/>
+          </a:prstGeom>
+          <a:ln>
+            <a:solidFill>
+              <a:srgbClr val="FF0000"/>
+            </a:solidFill>
+            <a:tailEnd type="triangle"/>
+          </a:ln>
+        </p:spPr>
+        <p:style>
+          <a:lnRef idx="1">
+            <a:schemeClr val="accent1"/>
+          </a:lnRef>
+          <a:fillRef idx="0">
+            <a:schemeClr val="accent1"/>
+          </a:fillRef>
+          <a:effectRef idx="0">
+            <a:schemeClr val="accent1"/>
+          </a:effectRef>
+          <a:fontRef idx="minor">
+            <a:schemeClr val="tx1"/>
+          </a:fontRef>
+        </p:style>
+      </p:cxnSp>
+      <p:sp>
+        <p:nvSpPr>
+          <p:cNvPr id="16" name="矩形 15"/>
+          <p:cNvSpPr/>
+          <p:nvPr/>
+        </p:nvSpPr>
+        <p:spPr>
+          <a:xfrm>
+            <a:off x="6481817" y="3069369"/>
+            <a:ext cx="927976" cy="928765"/>
+          </a:xfrm>
+          <a:prstGeom prst="rect">
+            <a:avLst/>
+          </a:prstGeom>
+          <a:noFill/>
+          <a:ln>
+            <a:solidFill>
+              <a:srgbClr val="FF0000"/>
+            </a:solidFill>
+          </a:ln>
+        </p:spPr>
+        <p:style>
+          <a:lnRef idx="2">
+            <a:schemeClr val="accent1">
+              <a:shade val="50000"/>
+            </a:schemeClr>
+          </a:lnRef>
+          <a:fillRef idx="1">
+            <a:schemeClr val="accent1"/>
+          </a:fillRef>
+          <a:effectRef idx="0">
+            <a:schemeClr val="accent1"/>
+          </a:effectRef>
+          <a:fontRef idx="minor">
+            <a:schemeClr val="lt1"/>
+          </a:fontRef>
+        </p:style>
+        <p:txBody>
+          <a:bodyPr rtlCol="0" anchor="ctr"/>
+          <a:lstStyle/>
           <a:p>
             <a:pPr algn="ctr"/>
-            <a:r>
-              <a:rPr lang="ja-JP" altLang="en-US" dirty="0" smtClean="0"/>
-              <a:t>ダウンロード画面</a:t>
-            </a:r>
-            <a:endParaRPr lang="zh-CN" altLang="en-US" dirty="0"/>
+            <a:endParaRPr kumimoji="1" lang="ja-JP" altLang="en-US"/>
+          </a:p>
+        </p:txBody>
+      </p:sp>
+      <p:pic>
+        <p:nvPicPr>
+          <p:cNvPr id="17" name="图片 16"/>
+          <p:cNvPicPr>
+            <a:picLocks noChangeAspect="1"/>
+          </p:cNvPicPr>
+          <p:nvPr/>
+        </p:nvPicPr>
+        <p:blipFill>
+          <a:blip r:embed="rId5"/>
+          <a:stretch>
+            <a:fillRect/>
+          </a:stretch>
+        </p:blipFill>
+        <p:spPr>
+          <a:xfrm>
+            <a:off x="7814115" y="2046802"/>
+            <a:ext cx="3581188" cy="2453114"/>
+          </a:xfrm>
+          <a:prstGeom prst="rect">
+            <a:avLst/>
+          </a:prstGeom>
+          <a:ln>
+            <a:solidFill>
+              <a:srgbClr val="FF0000"/>
+            </a:solidFill>
+          </a:ln>
+          <a:effectLst>
+            <a:outerShdw blurRad="292100" dist="139700" dir="2700000" algn="tl" rotWithShape="0">
+              <a:srgbClr val="333333">
+                <a:alpha val="65000"/>
+              </a:srgbClr>
+            </a:outerShdw>
+          </a:effectLst>
+        </p:spPr>
+      </p:pic>
+      <p:cxnSp>
+        <p:nvCxnSpPr>
+          <p:cNvPr id="18" name="直接箭头连接符 17"/>
+          <p:cNvCxnSpPr>
+            <a:stCxn id="16" idx="3"/>
+            <a:endCxn id="17" idx="1"/>
+          </p:cNvCxnSpPr>
+          <p:nvPr/>
+        </p:nvCxnSpPr>
+        <p:spPr>
+          <a:xfrm flipV="1">
+            <a:off x="7409793" y="3273359"/>
+            <a:ext cx="404322" cy="260393"/>
+          </a:xfrm>
+          <a:prstGeom prst="straightConnector1">
+            <a:avLst/>
+          </a:prstGeom>
+          <a:ln>
+            <a:solidFill>
+              <a:srgbClr val="FF0000"/>
+            </a:solidFill>
+            <a:tailEnd type="triangle"/>
+          </a:ln>
+        </p:spPr>
+        <p:style>
+          <a:lnRef idx="1">
+            <a:schemeClr val="accent1"/>
+          </a:lnRef>
+          <a:fillRef idx="0">
+            <a:schemeClr val="accent1"/>
+          </a:fillRef>
+          <a:effectRef idx="0">
+            <a:schemeClr val="accent1"/>
+          </a:effectRef>
+          <a:fontRef idx="minor">
+            <a:schemeClr val="tx1"/>
+          </a:fontRef>
+        </p:style>
+      </p:cxnSp>
+      <p:sp>
+        <p:nvSpPr>
+          <p:cNvPr id="25" name="矩形 24"/>
+          <p:cNvSpPr/>
+          <p:nvPr/>
+        </p:nvSpPr>
+        <p:spPr>
+          <a:xfrm>
+            <a:off x="9553991" y="2789041"/>
+            <a:ext cx="1034130" cy="1095213"/>
+          </a:xfrm>
+          <a:prstGeom prst="rect">
+            <a:avLst/>
+          </a:prstGeom>
+          <a:noFill/>
+          <a:ln>
+            <a:solidFill>
+              <a:srgbClr val="FF0000"/>
+            </a:solidFill>
+          </a:ln>
+        </p:spPr>
+        <p:style>
+          <a:lnRef idx="2">
+            <a:schemeClr val="accent1">
+              <a:shade val="50000"/>
+            </a:schemeClr>
+          </a:lnRef>
+          <a:fillRef idx="1">
+            <a:schemeClr val="accent1"/>
+          </a:fillRef>
+          <a:effectRef idx="0">
+            <a:schemeClr val="accent1"/>
+          </a:effectRef>
+          <a:fontRef idx="minor">
+            <a:schemeClr val="lt1"/>
+          </a:fontRef>
+        </p:style>
+        <p:txBody>
+          <a:bodyPr rtlCol="0" anchor="ctr"/>
+          <a:lstStyle/>
+          <a:p>
+            <a:pPr algn="ctr"/>
+            <a:endParaRPr kumimoji="1" lang="ja-JP" altLang="en-US"/>
+          </a:p>
+        </p:txBody>
+      </p:sp>
+      <p:pic>
+        <p:nvPicPr>
+          <p:cNvPr id="26" name="图片 25"/>
+          <p:cNvPicPr>
+            <a:picLocks noChangeAspect="1"/>
+          </p:cNvPicPr>
+          <p:nvPr/>
+        </p:nvPicPr>
+        <p:blipFill>
+          <a:blip r:embed="rId6"/>
+          <a:stretch>
+            <a:fillRect/>
+          </a:stretch>
+        </p:blipFill>
+        <p:spPr>
+          <a:xfrm>
+            <a:off x="7143580" y="4246530"/>
+            <a:ext cx="3812365" cy="2611470"/>
+          </a:xfrm>
+          <a:prstGeom prst="rect">
+            <a:avLst/>
+          </a:prstGeom>
+          <a:ln>
+            <a:solidFill>
+              <a:srgbClr val="FF0000"/>
+            </a:solidFill>
+          </a:ln>
+          <a:effectLst>
+            <a:outerShdw blurRad="292100" dist="139700" dir="2700000" algn="tl" rotWithShape="0">
+              <a:srgbClr val="333333">
+                <a:alpha val="65000"/>
+              </a:srgbClr>
+            </a:outerShdw>
+          </a:effectLst>
+        </p:spPr>
+      </p:pic>
+      <p:cxnSp>
+        <p:nvCxnSpPr>
+          <p:cNvPr id="27" name="直接箭头连接符 26"/>
+          <p:cNvCxnSpPr>
+            <a:stCxn id="25" idx="2"/>
+            <a:endCxn id="26" idx="0"/>
+          </p:cNvCxnSpPr>
+          <p:nvPr/>
+        </p:nvCxnSpPr>
+        <p:spPr>
+          <a:xfrm flipH="1">
+            <a:off x="9049763" y="3884254"/>
+            <a:ext cx="1021293" cy="362276"/>
+          </a:xfrm>
+          <a:prstGeom prst="straightConnector1">
+            <a:avLst/>
+          </a:prstGeom>
+          <a:ln>
+            <a:solidFill>
+              <a:srgbClr val="FF0000"/>
+            </a:solidFill>
+            <a:tailEnd type="triangle"/>
+          </a:ln>
+        </p:spPr>
+        <p:style>
+          <a:lnRef idx="1">
+            <a:schemeClr val="accent1"/>
+          </a:lnRef>
+          <a:fillRef idx="0">
+            <a:schemeClr val="accent1"/>
+          </a:fillRef>
+          <a:effectRef idx="0">
+            <a:schemeClr val="accent1"/>
+          </a:effectRef>
+          <a:fontRef idx="minor">
+            <a:schemeClr val="tx1"/>
+          </a:fontRef>
+        </p:style>
+      </p:cxnSp>
+      <p:sp>
+        <p:nvSpPr>
+          <p:cNvPr id="35" name="矩形 34"/>
+          <p:cNvSpPr/>
+          <p:nvPr/>
+        </p:nvSpPr>
+        <p:spPr>
+          <a:xfrm>
+            <a:off x="7532340" y="4960640"/>
+            <a:ext cx="1012569" cy="1232055"/>
+          </a:xfrm>
+          <a:prstGeom prst="rect">
+            <a:avLst/>
+          </a:prstGeom>
+          <a:noFill/>
+          <a:ln>
+            <a:solidFill>
+              <a:srgbClr val="FF0000"/>
+            </a:solidFill>
+          </a:ln>
+        </p:spPr>
+        <p:style>
+          <a:lnRef idx="2">
+            <a:schemeClr val="accent1">
+              <a:shade val="50000"/>
+            </a:schemeClr>
+          </a:lnRef>
+          <a:fillRef idx="1">
+            <a:schemeClr val="accent1"/>
+          </a:fillRef>
+          <a:effectRef idx="0">
+            <a:schemeClr val="accent1"/>
+          </a:effectRef>
+          <a:fontRef idx="minor">
+            <a:schemeClr val="lt1"/>
+          </a:fontRef>
+        </p:style>
+        <p:txBody>
+          <a:bodyPr rtlCol="0" anchor="ctr"/>
+          <a:lstStyle/>
+          <a:p>
+            <a:pPr algn="ctr"/>
+            <a:endParaRPr kumimoji="1" lang="ja-JP" altLang="en-US"/>
+          </a:p>
+        </p:txBody>
+      </p:sp>
+      <p:pic>
+        <p:nvPicPr>
+          <p:cNvPr id="36" name="图片 35"/>
+          <p:cNvPicPr>
+            <a:picLocks noChangeAspect="1"/>
+          </p:cNvPicPr>
+          <p:nvPr/>
+        </p:nvPicPr>
+        <p:blipFill>
+          <a:blip r:embed="rId7"/>
+          <a:stretch>
+            <a:fillRect/>
+          </a:stretch>
+        </p:blipFill>
+        <p:spPr>
+          <a:xfrm>
+            <a:off x="3908204" y="4728541"/>
+            <a:ext cx="3403413" cy="2127133"/>
+          </a:xfrm>
+          <a:prstGeom prst="rect">
+            <a:avLst/>
+          </a:prstGeom>
+          <a:ln>
+            <a:solidFill>
+              <a:srgbClr val="FF0000"/>
+            </a:solidFill>
+          </a:ln>
+          <a:effectLst>
+            <a:outerShdw blurRad="292100" dist="139700" dir="2700000" algn="tl" rotWithShape="0">
+              <a:srgbClr val="333333">
+                <a:alpha val="65000"/>
+              </a:srgbClr>
+            </a:outerShdw>
+          </a:effectLst>
+        </p:spPr>
+      </p:pic>
+      <p:cxnSp>
+        <p:nvCxnSpPr>
+          <p:cNvPr id="37" name="直接箭头连接符 36"/>
+          <p:cNvCxnSpPr>
+            <a:stCxn id="35" idx="1"/>
+            <a:endCxn id="36" idx="3"/>
+          </p:cNvCxnSpPr>
+          <p:nvPr/>
+        </p:nvCxnSpPr>
+        <p:spPr>
+          <a:xfrm flipH="1">
+            <a:off x="7311617" y="5576668"/>
+            <a:ext cx="220723" cy="215440"/>
+          </a:xfrm>
+          <a:prstGeom prst="straightConnector1">
+            <a:avLst/>
+          </a:prstGeom>
+          <a:ln>
+            <a:solidFill>
+              <a:srgbClr val="FF0000"/>
+            </a:solidFill>
+            <a:tailEnd type="triangle"/>
+          </a:ln>
+        </p:spPr>
+        <p:style>
+          <a:lnRef idx="1">
+            <a:schemeClr val="accent1"/>
+          </a:lnRef>
+          <a:fillRef idx="0">
+            <a:schemeClr val="accent1"/>
+          </a:fillRef>
+          <a:effectRef idx="0">
+            <a:schemeClr val="accent1"/>
+          </a:effectRef>
+          <a:fontRef idx="minor">
+            <a:schemeClr val="tx1"/>
+          </a:fontRef>
+        </p:style>
+      </p:cxnSp>
+      <p:sp>
+        <p:nvSpPr>
+          <p:cNvPr id="42" name="线形标注 1 41"/>
+          <p:cNvSpPr/>
+          <p:nvPr/>
+        </p:nvSpPr>
+        <p:spPr>
+          <a:xfrm>
+            <a:off x="889175" y="5641441"/>
+            <a:ext cx="2599022" cy="1122680"/>
+          </a:xfrm>
+          <a:prstGeom prst="borderCallout1">
+            <a:avLst>
+              <a:gd name="adj1" fmla="val 45712"/>
+              <a:gd name="adj2" fmla="val 105747"/>
+              <a:gd name="adj3" fmla="val 17774"/>
+              <a:gd name="adj4" fmla="val 145558"/>
+            </a:avLst>
+          </a:prstGeom>
+          <a:solidFill>
+            <a:schemeClr val="bg1"/>
+          </a:solidFill>
+          <a:ln>
+            <a:solidFill>
+              <a:srgbClr val="FF0000"/>
+            </a:solidFill>
+          </a:ln>
+        </p:spPr>
+        <p:style>
+          <a:lnRef idx="2">
+            <a:schemeClr val="accent1">
+              <a:shade val="50000"/>
+            </a:schemeClr>
+          </a:lnRef>
+          <a:fillRef idx="1">
+            <a:schemeClr val="accent1"/>
+          </a:fillRef>
+          <a:effectRef idx="0">
+            <a:schemeClr val="accent1"/>
+          </a:effectRef>
+          <a:fontRef idx="minor">
+            <a:schemeClr val="lt1"/>
+          </a:fontRef>
+        </p:style>
+        <p:txBody>
+          <a:bodyPr rtlCol="0" anchor="ctr"/>
+          <a:lstStyle/>
+          <a:p>
+            <a:pPr algn="ctr"/>
+            <a:r>
+              <a:rPr kumimoji="1" lang="ja-JP" altLang="en-US" dirty="0" smtClean="0">
+                <a:solidFill>
+                  <a:srgbClr val="FF0000"/>
+                </a:solidFill>
+              </a:rPr>
+              <a:t>ここまで来たら開発環境構築が完了！</a:t>
+            </a:r>
+            <a:endParaRPr kumimoji="1" lang="ja-JP" altLang="en-US" dirty="0">
+              <a:solidFill>
+                <a:srgbClr val="FF0000"/>
+              </a:solidFill>
+            </a:endParaRPr>
           </a:p>
         </p:txBody>
       </p:sp>
     </p:spTree>
     <p:extLst>
       <p:ext uri="{BB962C8B-B14F-4D97-AF65-F5344CB8AC3E}">
-        <p14:creationId xmlns:p14="http://schemas.microsoft.com/office/powerpoint/2010/main" val="2722310009"/>
+        <p14:creationId xmlns:p14="http://schemas.microsoft.com/office/powerpoint/2010/main" val="755269567"/>
       </p:ext>
     </p:extLst>
   </p:cSld>

--- a/020_RPA技術実施/20210218_RPA概要とUiPath環境構築/20210218_RPA概要とUiPath環境構築.pptx
+++ b/020_RPA技術実施/20210218_RPA概要とUiPath環境構築/20210218_RPA概要とUiPath環境構築.pptx
@@ -7,17 +7,20 @@
   <p:sldIdLst>
     <p:sldId id="256" r:id="rId2"/>
     <p:sldId id="264" r:id="rId3"/>
-    <p:sldId id="266" r:id="rId4"/>
-    <p:sldId id="270" r:id="rId5"/>
-    <p:sldId id="269" r:id="rId6"/>
-    <p:sldId id="271" r:id="rId7"/>
-    <p:sldId id="268" r:id="rId8"/>
-    <p:sldId id="273" r:id="rId9"/>
-    <p:sldId id="274" r:id="rId10"/>
-    <p:sldId id="272" r:id="rId11"/>
-    <p:sldId id="276" r:id="rId12"/>
-    <p:sldId id="275" r:id="rId13"/>
-    <p:sldId id="265" r:id="rId14"/>
+    <p:sldId id="278" r:id="rId4"/>
+    <p:sldId id="279" r:id="rId5"/>
+    <p:sldId id="266" r:id="rId6"/>
+    <p:sldId id="270" r:id="rId7"/>
+    <p:sldId id="269" r:id="rId8"/>
+    <p:sldId id="271" r:id="rId9"/>
+    <p:sldId id="268" r:id="rId10"/>
+    <p:sldId id="273" r:id="rId11"/>
+    <p:sldId id="274" r:id="rId12"/>
+    <p:sldId id="272" r:id="rId13"/>
+    <p:sldId id="276" r:id="rId14"/>
+    <p:sldId id="277" r:id="rId15"/>
+    <p:sldId id="265" r:id="rId16"/>
+    <p:sldId id="275" r:id="rId17"/>
   </p:sldIdLst>
   <p:sldSz cx="12192000" cy="6858000"/>
   <p:notesSz cx="6858000" cy="9144000"/>
@@ -5884,7 +5887,7 @@
               <a:t>と</a:t>
             </a:r>
             <a:r>
-              <a:rPr lang="en-US" dirty="0" err="1"/>
+              <a:rPr lang="en-US" dirty="0"/>
               <a:t>UiPath</a:t>
             </a:r>
             <a:r>
@@ -5994,59 +5997,9 @@
           <a:chExt cx="0" cy="0"/>
         </a:xfrm>
       </p:grpSpPr>
-      <p:sp>
-        <p:nvSpPr>
-          <p:cNvPr id="2" name="标题 1"/>
-          <p:cNvSpPr>
-            <a:spLocks noGrp="1"/>
-          </p:cNvSpPr>
-          <p:nvPr>
-            <p:ph type="title"/>
-          </p:nvPr>
-        </p:nvSpPr>
-        <p:spPr/>
-        <p:txBody>
-          <a:bodyPr/>
-          <a:lstStyle/>
-          <a:p>
-            <a:r>
-              <a:rPr lang="ja-JP" altLang="en-US" dirty="0" smtClean="0"/>
-              <a:t>初めてのロボを</a:t>
-            </a:r>
-            <a:r>
-              <a:rPr lang="ja-JP" altLang="en-US" dirty="0" smtClean="0"/>
-              <a:t>作ってみよう</a:t>
-            </a:r>
-            <a:r>
-              <a:rPr lang="en-US" altLang="ja-JP" dirty="0" smtClean="0"/>
-              <a:t/>
-            </a:r>
-            <a:br>
-              <a:rPr lang="en-US" altLang="ja-JP" dirty="0" smtClean="0"/>
-            </a:br>
-            <a:r>
-              <a:rPr lang="ja-JP" altLang="en-US" sz="2400" dirty="0" smtClean="0"/>
-              <a:t>レコ</a:t>
-            </a:r>
-            <a:r>
-              <a:rPr lang="ja-JP" altLang="en-US" sz="2400" dirty="0"/>
-              <a:t>ー</a:t>
-            </a:r>
-            <a:r>
-              <a:rPr lang="ja-JP" altLang="en-US" sz="2400" dirty="0" smtClean="0"/>
-              <a:t>ディング機</a:t>
-            </a:r>
-            <a:r>
-              <a:rPr lang="ja-JP" altLang="en-US" sz="2400" dirty="0" smtClean="0"/>
-              <a:t>能でサクッと</a:t>
-            </a:r>
-            <a:endParaRPr lang="zh-CN" altLang="en-US" dirty="0"/>
-          </a:p>
-        </p:txBody>
-      </p:sp>
       <p:pic>
         <p:nvPicPr>
-          <p:cNvPr id="4" name="图片 3"/>
+          <p:cNvPr id="13" name="图片 12"/>
           <p:cNvPicPr>
             <a:picLocks noChangeAspect="1"/>
           </p:cNvPicPr>
@@ -6060,32 +6013,8 @@
         </p:blipFill>
         <p:spPr>
           <a:xfrm>
-            <a:off x="2467793" y="4428013"/>
-            <a:ext cx="1450726" cy="2407051"/>
-          </a:xfrm>
-          <a:prstGeom prst="rect">
-            <a:avLst/>
-          </a:prstGeom>
-        </p:spPr>
-      </p:pic>
-      <p:pic>
-        <p:nvPicPr>
-          <p:cNvPr id="6" name="图片 5"/>
-          <p:cNvPicPr>
-            <a:picLocks noChangeAspect="1"/>
-          </p:cNvPicPr>
-          <p:nvPr/>
-        </p:nvPicPr>
-        <p:blipFill>
-          <a:blip r:embed="rId3"/>
-          <a:stretch>
-            <a:fillRect/>
-          </a:stretch>
-        </p:blipFill>
-        <p:spPr>
-          <a:xfrm>
-            <a:off x="385992" y="1820983"/>
-            <a:ext cx="8153400" cy="895350"/>
+            <a:off x="6511595" y="2154914"/>
+            <a:ext cx="5524813" cy="3710403"/>
           </a:xfrm>
           <a:prstGeom prst="rect">
             <a:avLst/>
@@ -6106,14 +6035,145 @@
       </p:pic>
       <p:sp>
         <p:nvSpPr>
-          <p:cNvPr id="7" name="矩形 6"/>
+          <p:cNvPr id="2" name="标题 1"/>
+          <p:cNvSpPr>
+            <a:spLocks noGrp="1"/>
+          </p:cNvSpPr>
+          <p:nvPr>
+            <p:ph type="title"/>
+          </p:nvPr>
+        </p:nvSpPr>
+        <p:spPr>
+          <a:xfrm>
+            <a:off x="677334" y="609600"/>
+            <a:ext cx="9227600" cy="1320800"/>
+          </a:xfrm>
+        </p:spPr>
+        <p:txBody>
+          <a:bodyPr>
+            <a:normAutofit/>
+          </a:bodyPr>
+          <a:lstStyle/>
+          <a:p>
+            <a:r>
+              <a:rPr kumimoji="1" lang="en-US" altLang="ja-JP" dirty="0" smtClean="0"/>
+              <a:t>10</a:t>
+            </a:r>
+            <a:r>
+              <a:rPr kumimoji="1" lang="ja-JP" altLang="en-US" dirty="0" smtClean="0"/>
+              <a:t>分で無料な開発環境構築してみよう</a:t>
+            </a:r>
+            <a:r>
+              <a:rPr kumimoji="1" lang="en-US" altLang="ja-JP" dirty="0" smtClean="0"/>
+              <a:t/>
+            </a:r>
+            <a:br>
+              <a:rPr kumimoji="1" lang="en-US" altLang="ja-JP" dirty="0" smtClean="0"/>
+            </a:br>
+            <a:r>
+              <a:rPr kumimoji="1" lang="en-US" altLang="ja-JP" sz="2400" dirty="0" smtClean="0"/>
+              <a:t>UiPath</a:t>
+            </a:r>
+            <a:r>
+              <a:rPr kumimoji="1" lang="ja-JP" altLang="en-US" sz="2400" dirty="0" smtClean="0"/>
+              <a:t>コミュニティアカウント登録＆</a:t>
+            </a:r>
+            <a:r>
+              <a:rPr kumimoji="1" lang="en-US" altLang="ja-JP" sz="2400" dirty="0" smtClean="0"/>
+              <a:t>Studio CE</a:t>
+            </a:r>
+            <a:r>
+              <a:rPr kumimoji="1" lang="ja-JP" altLang="en-US" sz="2400" dirty="0" smtClean="0"/>
+              <a:t>をダウンロード</a:t>
+            </a:r>
+            <a:endParaRPr kumimoji="1" lang="ja-JP" altLang="en-US" dirty="0"/>
+          </a:p>
+        </p:txBody>
+      </p:sp>
+      <p:sp>
+        <p:nvSpPr>
+          <p:cNvPr id="4" name="文本框 3"/>
+          <p:cNvSpPr txBox="1"/>
+          <p:nvPr/>
+        </p:nvSpPr>
+        <p:spPr>
+          <a:xfrm>
+            <a:off x="769357" y="1854025"/>
+            <a:ext cx="3741730" cy="369332"/>
+          </a:xfrm>
+          <a:prstGeom prst="rect">
+            <a:avLst/>
+          </a:prstGeom>
+          <a:noFill/>
+        </p:spPr>
+        <p:txBody>
+          <a:bodyPr wrap="none" rtlCol="0">
+            <a:spAutoFit/>
+          </a:bodyPr>
+          <a:lstStyle/>
+          <a:p>
+            <a:r>
+              <a:rPr lang="en-US" altLang="zh-CN" dirty="0">
+                <a:hlinkClick r:id="rId3"/>
+              </a:rPr>
+              <a:t>https://</a:t>
+            </a:r>
+            <a:r>
+              <a:rPr lang="en-US" altLang="zh-CN" dirty="0" smtClean="0">
+                <a:hlinkClick r:id="rId3"/>
+              </a:rPr>
+              <a:t>account.uipath.com/login</a:t>
+            </a:r>
+            <a:endParaRPr lang="en-US" altLang="zh-CN" dirty="0"/>
+          </a:p>
+        </p:txBody>
+      </p:sp>
+      <p:pic>
+        <p:nvPicPr>
+          <p:cNvPr id="5" name="图片 4"/>
+          <p:cNvPicPr>
+            <a:picLocks noChangeAspect="1"/>
+          </p:cNvPicPr>
+          <p:nvPr/>
+        </p:nvPicPr>
+        <p:blipFill>
+          <a:blip r:embed="rId4"/>
+          <a:stretch>
+            <a:fillRect/>
+          </a:stretch>
+        </p:blipFill>
+        <p:spPr>
+          <a:xfrm>
+            <a:off x="769357" y="2458719"/>
+            <a:ext cx="3377454" cy="2794001"/>
+          </a:xfrm>
+          <a:prstGeom prst="rect">
+            <a:avLst/>
+          </a:prstGeom>
+          <a:ln>
+            <a:solidFill>
+              <a:srgbClr val="FF0000"/>
+            </a:solidFill>
+          </a:ln>
+          <a:effectLst>
+            <a:outerShdw blurRad="292100" dist="139700" dir="2700000" algn="tl" rotWithShape="0">
+              <a:srgbClr val="333333">
+                <a:alpha val="65000"/>
+              </a:srgbClr>
+            </a:outerShdw>
+          </a:effectLst>
+        </p:spPr>
+      </p:pic>
+      <p:sp>
+        <p:nvSpPr>
+          <p:cNvPr id="6" name="矩形 5"/>
           <p:cNvSpPr/>
           <p:nvPr/>
         </p:nvSpPr>
         <p:spPr>
           <a:xfrm>
-            <a:off x="6741335" y="1652227"/>
-            <a:ext cx="1210791" cy="1191873"/>
+            <a:off x="2550160" y="4531360"/>
+            <a:ext cx="426720" cy="187960"/>
           </a:xfrm>
           <a:prstGeom prst="rect">
             <a:avLst/>
@@ -6150,68 +6210,32 @@
           </a:p>
         </p:txBody>
       </p:sp>
-      <p:sp>
-        <p:nvSpPr>
-          <p:cNvPr id="9" name="文本框 8"/>
-          <p:cNvSpPr txBox="1"/>
-          <p:nvPr/>
-        </p:nvSpPr>
-        <p:spPr>
-          <a:xfrm>
-            <a:off x="6678629" y="1367273"/>
-            <a:ext cx="3416320" cy="369332"/>
-          </a:xfrm>
-          <a:prstGeom prst="rect">
-            <a:avLst/>
-          </a:prstGeom>
-          <a:noFill/>
-        </p:spPr>
-        <p:txBody>
-          <a:bodyPr wrap="none" rtlCol="0">
-            <a:spAutoFit/>
-          </a:bodyPr>
-          <a:lstStyle/>
-          <a:p>
-            <a:r>
-              <a:rPr kumimoji="1" lang="ja-JP" altLang="en-US" dirty="0" smtClean="0">
-                <a:solidFill>
-                  <a:srgbClr val="FF0000"/>
-                </a:solidFill>
-              </a:rPr>
-              <a:t>②レコーディングメニュー開く</a:t>
-            </a:r>
-            <a:endParaRPr kumimoji="1" lang="ja-JP" altLang="en-US" dirty="0">
-              <a:solidFill>
-                <a:srgbClr val="FF0000"/>
-              </a:solidFill>
-            </a:endParaRPr>
-          </a:p>
-        </p:txBody>
-      </p:sp>
       <p:pic>
         <p:nvPicPr>
-          <p:cNvPr id="10" name="图片 9"/>
+          <p:cNvPr id="7" name="图片 6"/>
           <p:cNvPicPr>
             <a:picLocks noChangeAspect="1"/>
           </p:cNvPicPr>
           <p:nvPr/>
         </p:nvPicPr>
         <p:blipFill>
-          <a:blip r:embed="rId4"/>
+          <a:blip r:embed="rId5"/>
           <a:stretch>
             <a:fillRect/>
           </a:stretch>
         </p:blipFill>
         <p:spPr>
           <a:xfrm>
-            <a:off x="2441205" y="3095655"/>
-            <a:ext cx="4010550" cy="1193451"/>
+            <a:off x="3525329" y="2293111"/>
+            <a:ext cx="2711405" cy="3321367"/>
           </a:xfrm>
           <a:prstGeom prst="rect">
             <a:avLst/>
           </a:prstGeom>
           <a:ln>
-            <a:noFill/>
+            <a:solidFill>
+              <a:srgbClr val="FF0000"/>
+            </a:solidFill>
           </a:ln>
           <a:effectLst>
             <a:outerShdw blurRad="292100" dist="139700" dir="2700000" algn="tl" rotWithShape="0">
@@ -6222,21 +6246,67 @@
           </a:effectLst>
         </p:spPr>
       </p:pic>
-      <p:sp>
-        <p:nvSpPr>
-          <p:cNvPr id="11" name="矩形 10"/>
+      <p:cxnSp>
+        <p:nvCxnSpPr>
+          <p:cNvPr id="9" name="直接箭头连接符 8"/>
+          <p:cNvCxnSpPr>
+            <a:stCxn id="6" idx="3"/>
+            <a:endCxn id="7" idx="1"/>
+          </p:cNvCxnSpPr>
+          <p:nvPr/>
+        </p:nvCxnSpPr>
+        <p:spPr>
+          <a:xfrm flipV="1">
+            <a:off x="2976880" y="3953795"/>
+            <a:ext cx="548449" cy="671545"/>
+          </a:xfrm>
+          <a:prstGeom prst="straightConnector1">
+            <a:avLst/>
+          </a:prstGeom>
+          <a:ln>
+            <a:solidFill>
+              <a:srgbClr val="FF0000"/>
+            </a:solidFill>
+            <a:tailEnd type="triangle"/>
+          </a:ln>
+        </p:spPr>
+        <p:style>
+          <a:lnRef idx="1">
+            <a:schemeClr val="accent1"/>
+          </a:lnRef>
+          <a:fillRef idx="0">
+            <a:schemeClr val="accent1"/>
+          </a:fillRef>
+          <a:effectRef idx="0">
+            <a:schemeClr val="accent1"/>
+          </a:effectRef>
+          <a:fontRef idx="minor">
+            <a:schemeClr val="tx1"/>
+          </a:fontRef>
+        </p:style>
+      </p:cxnSp>
+      <p:sp>
+        <p:nvSpPr>
+          <p:cNvPr id="11" name="线形标注 1 10"/>
           <p:cNvSpPr/>
           <p:nvPr/>
         </p:nvSpPr>
         <p:spPr>
           <a:xfrm>
-            <a:off x="2922381" y="3193981"/>
-            <a:ext cx="636927" cy="882869"/>
-          </a:xfrm>
-          <a:prstGeom prst="rect">
-            <a:avLst/>
+            <a:off x="4830334" y="4157980"/>
+            <a:ext cx="2194560" cy="1122680"/>
+          </a:xfrm>
+          <a:prstGeom prst="borderCallout1">
+            <a:avLst>
+              <a:gd name="adj1" fmla="val 18750"/>
+              <a:gd name="adj2" fmla="val -8333"/>
+              <a:gd name="adj3" fmla="val -37274"/>
+              <a:gd name="adj4" fmla="val -19385"/>
+            </a:avLst>
           </a:prstGeom>
-          <a:noFill/>
+          <a:solidFill>
+            <a:schemeClr val="bg1"/>
+          </a:solidFill>
           <a:ln>
             <a:solidFill>
               <a:srgbClr val="FF0000"/>
@@ -6264,39 +6334,29 @@
           <a:lstStyle/>
           <a:p>
             <a:pPr algn="ctr"/>
-            <a:endParaRPr kumimoji="1" lang="ja-JP" altLang="en-US"/>
-          </a:p>
-        </p:txBody>
-      </p:sp>
-      <p:sp>
-        <p:nvSpPr>
-          <p:cNvPr id="12" name="文本框 11"/>
-          <p:cNvSpPr txBox="1"/>
-          <p:nvPr/>
-        </p:nvSpPr>
-        <p:spPr>
-          <a:xfrm>
-            <a:off x="2825346" y="2847367"/>
-            <a:ext cx="5032147" cy="369332"/>
-          </a:xfrm>
-          <a:prstGeom prst="rect">
-            <a:avLst/>
-          </a:prstGeom>
-          <a:noFill/>
-        </p:spPr>
-        <p:txBody>
-          <a:bodyPr wrap="none" rtlCol="0">
-            <a:spAutoFit/>
-          </a:bodyPr>
-          <a:lstStyle/>
-          <a:p>
             <a:r>
               <a:rPr kumimoji="1" lang="ja-JP" altLang="en-US" dirty="0" smtClean="0">
                 <a:solidFill>
                   <a:srgbClr val="FF0000"/>
                 </a:solidFill>
               </a:rPr>
-              <a:t>③表示された画面でレコーディングボタン押す</a:t>
+              <a:t>メール以外の個人情報は適当で</a:t>
+            </a:r>
+            <a:r>
+              <a:rPr kumimoji="1" lang="en-US" altLang="ja-JP" dirty="0" smtClean="0">
+                <a:solidFill>
+                  <a:srgbClr val="FF0000"/>
+                </a:solidFill>
+              </a:rPr>
+              <a:t>OK</a:t>
+            </a:r>
+            <a:r>
+              <a:rPr kumimoji="1" lang="ja-JP" altLang="en-US" dirty="0" smtClean="0">
+                <a:solidFill>
+                  <a:srgbClr val="FF0000"/>
+                </a:solidFill>
+              </a:rPr>
+              <a:t>！</a:t>
             </a:r>
             <a:endParaRPr kumimoji="1" lang="ja-JP" altLang="en-US" dirty="0">
               <a:solidFill>
@@ -6306,253 +6366,28 @@
           </a:p>
         </p:txBody>
       </p:sp>
-      <p:pic>
-        <p:nvPicPr>
-          <p:cNvPr id="13" name="图片 12"/>
-          <p:cNvPicPr>
-            <a:picLocks noChangeAspect="1"/>
-          </p:cNvPicPr>
-          <p:nvPr/>
-        </p:nvPicPr>
-        <p:blipFill>
-          <a:blip r:embed="rId5"/>
-          <a:stretch>
-            <a:fillRect/>
-          </a:stretch>
-        </p:blipFill>
-        <p:spPr>
-          <a:xfrm>
-            <a:off x="7171385" y="3129054"/>
-            <a:ext cx="3873025" cy="1139125"/>
-          </a:xfrm>
-          <a:prstGeom prst="rect">
-            <a:avLst/>
-          </a:prstGeom>
-        </p:spPr>
-      </p:pic>
-      <p:sp>
-        <p:nvSpPr>
-          <p:cNvPr id="14" name="文本框 13"/>
-          <p:cNvSpPr txBox="1"/>
-          <p:nvPr/>
-        </p:nvSpPr>
-        <p:spPr>
-          <a:xfrm>
-            <a:off x="2782226" y="5262206"/>
-            <a:ext cx="4108817" cy="369332"/>
-          </a:xfrm>
-          <a:prstGeom prst="rect">
-            <a:avLst/>
-          </a:prstGeom>
-          <a:noFill/>
-        </p:spPr>
-        <p:txBody>
-          <a:bodyPr wrap="none" rtlCol="0">
-            <a:spAutoFit/>
-          </a:bodyPr>
-          <a:lstStyle/>
-          <a:p>
-            <a:r>
-              <a:rPr kumimoji="1" lang="ja-JP" altLang="en-US" dirty="0" smtClean="0">
-                <a:solidFill>
-                  <a:srgbClr val="FF0000"/>
-                </a:solidFill>
-              </a:rPr>
-              <a:t>④計算機ボタンを適当にガチャガチャ</a:t>
-            </a:r>
-            <a:endParaRPr kumimoji="1" lang="ja-JP" altLang="en-US" dirty="0">
-              <a:solidFill>
-                <a:srgbClr val="FF0000"/>
-              </a:solidFill>
-            </a:endParaRPr>
-          </a:p>
-        </p:txBody>
-      </p:sp>
-      <p:sp>
-        <p:nvSpPr>
-          <p:cNvPr id="15" name="文本框 14"/>
-          <p:cNvSpPr txBox="1"/>
-          <p:nvPr/>
-        </p:nvSpPr>
-        <p:spPr>
-          <a:xfrm>
-            <a:off x="7280231" y="3920214"/>
-            <a:ext cx="1800493" cy="369332"/>
-          </a:xfrm>
-          <a:prstGeom prst="rect">
-            <a:avLst/>
-          </a:prstGeom>
-          <a:noFill/>
-        </p:spPr>
-        <p:txBody>
-          <a:bodyPr wrap="none" rtlCol="0">
-            <a:spAutoFit/>
-          </a:bodyPr>
-          <a:lstStyle/>
-          <a:p>
-            <a:r>
-              <a:rPr kumimoji="1" lang="ja-JP" altLang="en-US" dirty="0">
-                <a:solidFill>
-                  <a:srgbClr val="FF0000"/>
-                </a:solidFill>
-              </a:rPr>
-              <a:t>⑤</a:t>
-            </a:r>
-            <a:r>
-              <a:rPr kumimoji="1" lang="ja-JP" altLang="en-US" dirty="0" smtClean="0">
-                <a:solidFill>
-                  <a:srgbClr val="FF0000"/>
-                </a:solidFill>
-              </a:rPr>
-              <a:t>保存して終了</a:t>
-            </a:r>
-            <a:endParaRPr kumimoji="1" lang="ja-JP" altLang="en-US" dirty="0">
-              <a:solidFill>
-                <a:srgbClr val="FF0000"/>
-              </a:solidFill>
-            </a:endParaRPr>
-          </a:p>
-        </p:txBody>
-      </p:sp>
-      <p:pic>
-        <p:nvPicPr>
-          <p:cNvPr id="17" name="图片 16"/>
-          <p:cNvPicPr>
-            <a:picLocks noChangeAspect="1"/>
-          </p:cNvPicPr>
-          <p:nvPr/>
-        </p:nvPicPr>
-        <p:blipFill>
-          <a:blip r:embed="rId6"/>
-          <a:stretch>
-            <a:fillRect/>
-          </a:stretch>
-        </p:blipFill>
-        <p:spPr>
-          <a:xfrm>
-            <a:off x="7171385" y="4289106"/>
-            <a:ext cx="3970042" cy="2544692"/>
-          </a:xfrm>
-          <a:prstGeom prst="rect">
-            <a:avLst/>
-          </a:prstGeom>
-        </p:spPr>
-      </p:pic>
-      <p:pic>
-        <p:nvPicPr>
-          <p:cNvPr id="18" name="图片 17"/>
-          <p:cNvPicPr>
-            <a:picLocks noChangeAspect="1"/>
-          </p:cNvPicPr>
-          <p:nvPr/>
-        </p:nvPicPr>
-        <p:blipFill>
-          <a:blip r:embed="rId7"/>
-          <a:stretch>
-            <a:fillRect/>
-          </a:stretch>
-        </p:blipFill>
-        <p:spPr>
-          <a:xfrm>
-            <a:off x="263659" y="3197522"/>
-            <a:ext cx="1902662" cy="3156904"/>
-          </a:xfrm>
-          <a:prstGeom prst="rect">
-            <a:avLst/>
-          </a:prstGeom>
-        </p:spPr>
-      </p:pic>
-      <p:sp>
-        <p:nvSpPr>
-          <p:cNvPr id="19" name="文本框 18"/>
-          <p:cNvSpPr txBox="1"/>
-          <p:nvPr/>
-        </p:nvSpPr>
-        <p:spPr>
-          <a:xfrm>
-            <a:off x="175852" y="2828190"/>
-            <a:ext cx="1569660" cy="369332"/>
-          </a:xfrm>
-          <a:prstGeom prst="rect">
-            <a:avLst/>
-          </a:prstGeom>
-          <a:noFill/>
-        </p:spPr>
-        <p:txBody>
-          <a:bodyPr wrap="none" rtlCol="0">
-            <a:spAutoFit/>
-          </a:bodyPr>
-          <a:lstStyle/>
-          <a:p>
-            <a:r>
-              <a:rPr kumimoji="1" lang="ja-JP" altLang="en-US" dirty="0" smtClean="0">
-                <a:solidFill>
-                  <a:srgbClr val="FF0000"/>
-                </a:solidFill>
-              </a:rPr>
-              <a:t>①計算機開く</a:t>
-            </a:r>
-            <a:endParaRPr kumimoji="1" lang="ja-JP" altLang="en-US" dirty="0">
-              <a:solidFill>
-                <a:srgbClr val="FF0000"/>
-              </a:solidFill>
-            </a:endParaRPr>
-          </a:p>
-        </p:txBody>
-      </p:sp>
-      <p:sp>
-        <p:nvSpPr>
-          <p:cNvPr id="20" name="文本框 19"/>
-          <p:cNvSpPr txBox="1"/>
-          <p:nvPr/>
-        </p:nvSpPr>
-        <p:spPr>
-          <a:xfrm>
-            <a:off x="9696951" y="5881444"/>
-            <a:ext cx="1569660" cy="369332"/>
-          </a:xfrm>
-          <a:prstGeom prst="rect">
-            <a:avLst/>
-          </a:prstGeom>
-          <a:noFill/>
-        </p:spPr>
-        <p:txBody>
-          <a:bodyPr wrap="none" rtlCol="0">
-            <a:spAutoFit/>
-          </a:bodyPr>
-          <a:lstStyle/>
-          <a:p>
-            <a:r>
-              <a:rPr kumimoji="1" lang="ja-JP" altLang="en-US" dirty="0" smtClean="0">
-                <a:solidFill>
-                  <a:srgbClr val="FF0000"/>
-                </a:solidFill>
-              </a:rPr>
-              <a:t>⑥できた！？</a:t>
-            </a:r>
-            <a:endParaRPr kumimoji="1" lang="ja-JP" altLang="en-US" dirty="0">
-              <a:solidFill>
-                <a:srgbClr val="FF0000"/>
-              </a:solidFill>
-            </a:endParaRPr>
-          </a:p>
-        </p:txBody>
-      </p:sp>
-      <p:sp>
-        <p:nvSpPr>
-          <p:cNvPr id="21" name="矩形 20"/>
+      <p:sp>
+        <p:nvSpPr>
+          <p:cNvPr id="14" name="线形标注 1 13"/>
           <p:cNvSpPr/>
           <p:nvPr/>
         </p:nvSpPr>
         <p:spPr>
           <a:xfrm>
-            <a:off x="7605948" y="3396341"/>
-            <a:ext cx="692356" cy="592078"/>
-          </a:xfrm>
-          <a:prstGeom prst="rect">
-            <a:avLst/>
+            <a:off x="8158750" y="4157980"/>
+            <a:ext cx="2547350" cy="394970"/>
+          </a:xfrm>
+          <a:prstGeom prst="borderCallout1">
+            <a:avLst>
+              <a:gd name="adj1" fmla="val 18750"/>
+              <a:gd name="adj2" fmla="val -8333"/>
+              <a:gd name="adj3" fmla="val -37274"/>
+              <a:gd name="adj4" fmla="val -19385"/>
+            </a:avLst>
           </a:prstGeom>
-          <a:noFill/>
+          <a:solidFill>
+            <a:schemeClr val="bg1"/>
+          </a:solidFill>
           <a:ln>
             <a:solidFill>
               <a:srgbClr val="FF0000"/>
@@ -6580,14 +6415,34 @@
           <a:lstStyle/>
           <a:p>
             <a:pPr algn="ctr"/>
-            <a:endParaRPr kumimoji="1" lang="ja-JP" altLang="en-US"/>
+            <a:r>
+              <a:rPr kumimoji="1" lang="en-US" altLang="ja-JP" dirty="0" smtClean="0">
+                <a:solidFill>
+                  <a:srgbClr val="FF0000"/>
+                </a:solidFill>
+              </a:rPr>
+              <a:t>Studio</a:t>
+            </a:r>
+            <a:r>
+              <a:rPr kumimoji="1" lang="ja-JP" altLang="en-US" dirty="0" smtClean="0">
+                <a:solidFill>
+                  <a:srgbClr val="FF0000"/>
+                </a:solidFill>
+              </a:rPr>
+              <a:t>をダウンロード</a:t>
+            </a:r>
+            <a:endParaRPr kumimoji="1" lang="ja-JP" altLang="en-US" dirty="0">
+              <a:solidFill>
+                <a:srgbClr val="FF0000"/>
+              </a:solidFill>
+            </a:endParaRPr>
           </a:p>
         </p:txBody>
       </p:sp>
     </p:spTree>
     <p:extLst>
       <p:ext uri="{BB962C8B-B14F-4D97-AF65-F5344CB8AC3E}">
-        <p14:creationId xmlns:p14="http://schemas.microsoft.com/office/powerpoint/2010/main" val="1549364869"/>
+        <p14:creationId xmlns:p14="http://schemas.microsoft.com/office/powerpoint/2010/main" val="918804711"/>
       </p:ext>
     </p:extLst>
   </p:cSld>
@@ -6616,7 +6471,7 @@
       </p:grpSpPr>
       <p:sp>
         <p:nvSpPr>
-          <p:cNvPr id="4" name="标题 1"/>
+          <p:cNvPr id="2" name="标题 1"/>
           <p:cNvSpPr>
             <a:spLocks noGrp="1"/>
           </p:cNvSpPr>
@@ -6624,47 +6479,708 @@
             <p:ph type="title"/>
           </p:nvPr>
         </p:nvSpPr>
+        <p:spPr/>
+        <p:txBody>
+          <a:bodyPr>
+            <a:normAutofit/>
+          </a:bodyPr>
+          <a:lstStyle/>
+          <a:p>
+            <a:r>
+              <a:rPr kumimoji="1" lang="en-US" altLang="ja-JP" dirty="0" smtClean="0"/>
+              <a:t>10</a:t>
+            </a:r>
+            <a:r>
+              <a:rPr kumimoji="1" lang="ja-JP" altLang="en-US" dirty="0" smtClean="0"/>
+              <a:t>分で無料な開</a:t>
+            </a:r>
+            <a:r>
+              <a:rPr kumimoji="1" lang="ja-JP" altLang="en-US" dirty="0"/>
+              <a:t>発環境構築してみよう</a:t>
+            </a:r>
+            <a:r>
+              <a:rPr kumimoji="1" lang="en-US" altLang="ja-JP" dirty="0"/>
+              <a:t/>
+            </a:r>
+            <a:br>
+              <a:rPr kumimoji="1" lang="en-US" altLang="ja-JP" dirty="0"/>
+            </a:br>
+            <a:r>
+              <a:rPr kumimoji="1" lang="en-US" altLang="ja-JP" sz="2400" dirty="0" smtClean="0"/>
+              <a:t>UiPath Studio</a:t>
+            </a:r>
+            <a:r>
+              <a:rPr kumimoji="1" lang="ja-JP" altLang="en-US" sz="2400" dirty="0" smtClean="0"/>
+              <a:t>のインストール</a:t>
+            </a:r>
+            <a:endParaRPr kumimoji="1" lang="ja-JP" altLang="en-US" sz="2400" dirty="0"/>
+          </a:p>
+        </p:txBody>
+      </p:sp>
+      <p:pic>
+        <p:nvPicPr>
+          <p:cNvPr id="5" name="图片 4"/>
+          <p:cNvPicPr>
+            <a:picLocks noChangeAspect="1"/>
+          </p:cNvPicPr>
+          <p:nvPr/>
+        </p:nvPicPr>
+        <p:blipFill>
+          <a:blip r:embed="rId2"/>
+          <a:stretch>
+            <a:fillRect/>
+          </a:stretch>
+        </p:blipFill>
         <p:spPr>
           <a:xfrm>
-            <a:off x="677334" y="609600"/>
-            <a:ext cx="8596668" cy="1320800"/>
-          </a:xfrm>
-        </p:spPr>
-        <p:txBody>
-          <a:bodyPr/>
-          <a:lstStyle/>
-          <a:p>
-            <a:r>
-              <a:rPr lang="ja-JP" altLang="en-US" dirty="0" smtClean="0"/>
-              <a:t>初めてのロボを</a:t>
-            </a:r>
-            <a:r>
-              <a:rPr lang="ja-JP" altLang="en-US" dirty="0" smtClean="0"/>
-              <a:t>作</a:t>
-            </a:r>
-            <a:r>
-              <a:rPr lang="ja-JP" altLang="en-US" dirty="0" smtClean="0"/>
-              <a:t>ってみよう</a:t>
-            </a:r>
-            <a:r>
-              <a:rPr lang="en-US" altLang="ja-JP" dirty="0" smtClean="0"/>
-              <a:t/>
-            </a:r>
-            <a:br>
-              <a:rPr lang="en-US" altLang="ja-JP" dirty="0" smtClean="0"/>
-            </a:br>
-            <a:r>
-              <a:rPr lang="ja-JP" altLang="en-US" sz="2400" dirty="0" smtClean="0"/>
-              <a:t>よし、動かしてみよう</a:t>
-            </a:r>
-            <a:endParaRPr lang="zh-CN" altLang="en-US" dirty="0"/>
+            <a:off x="677334" y="2000151"/>
+            <a:ext cx="1914525" cy="600075"/>
+          </a:xfrm>
+          <a:prstGeom prst="rect">
+            <a:avLst/>
+          </a:prstGeom>
+          <a:ln>
+            <a:solidFill>
+              <a:srgbClr val="FF0000"/>
+            </a:solidFill>
+          </a:ln>
+          <a:effectLst>
+            <a:outerShdw blurRad="292100" dist="139700" dir="2700000" algn="tl" rotWithShape="0">
+              <a:srgbClr val="333333">
+                <a:alpha val="65000"/>
+              </a:srgbClr>
+            </a:outerShdw>
+          </a:effectLst>
+        </p:spPr>
+      </p:pic>
+      <p:pic>
+        <p:nvPicPr>
+          <p:cNvPr id="6" name="图片 5"/>
+          <p:cNvPicPr>
+            <a:picLocks noChangeAspect="1"/>
+          </p:cNvPicPr>
+          <p:nvPr/>
+        </p:nvPicPr>
+        <p:blipFill>
+          <a:blip r:embed="rId3"/>
+          <a:stretch>
+            <a:fillRect/>
+          </a:stretch>
+        </p:blipFill>
+        <p:spPr>
+          <a:xfrm>
+            <a:off x="1188457" y="2925460"/>
+            <a:ext cx="3831283" cy="2624429"/>
+          </a:xfrm>
+          <a:prstGeom prst="rect">
+            <a:avLst/>
+          </a:prstGeom>
+          <a:ln>
+            <a:solidFill>
+              <a:srgbClr val="FF0000"/>
+            </a:solidFill>
+          </a:ln>
+          <a:effectLst>
+            <a:outerShdw blurRad="292100" dist="139700" dir="2700000" algn="tl" rotWithShape="0">
+              <a:srgbClr val="333333">
+                <a:alpha val="65000"/>
+              </a:srgbClr>
+            </a:outerShdw>
+          </a:effectLst>
+        </p:spPr>
+      </p:pic>
+      <p:sp>
+        <p:nvSpPr>
+          <p:cNvPr id="7" name="矩形 6"/>
+          <p:cNvSpPr/>
+          <p:nvPr/>
+        </p:nvSpPr>
+        <p:spPr>
+          <a:xfrm>
+            <a:off x="1364592" y="5275492"/>
+            <a:ext cx="571413" cy="217214"/>
+          </a:xfrm>
+          <a:prstGeom prst="rect">
+            <a:avLst/>
+          </a:prstGeom>
+          <a:noFill/>
+          <a:ln>
+            <a:solidFill>
+              <a:srgbClr val="FF0000"/>
+            </a:solidFill>
+          </a:ln>
+        </p:spPr>
+        <p:style>
+          <a:lnRef idx="2">
+            <a:schemeClr val="accent1">
+              <a:shade val="50000"/>
+            </a:schemeClr>
+          </a:lnRef>
+          <a:fillRef idx="1">
+            <a:schemeClr val="accent1"/>
+          </a:fillRef>
+          <a:effectRef idx="0">
+            <a:schemeClr val="accent1"/>
+          </a:effectRef>
+          <a:fontRef idx="minor">
+            <a:schemeClr val="lt1"/>
+          </a:fontRef>
+        </p:style>
+        <p:txBody>
+          <a:bodyPr rtlCol="0" anchor="ctr"/>
+          <a:lstStyle/>
+          <a:p>
+            <a:pPr algn="ctr"/>
+            <a:endParaRPr kumimoji="1" lang="ja-JP" altLang="en-US"/>
+          </a:p>
+        </p:txBody>
+      </p:sp>
+      <p:cxnSp>
+        <p:nvCxnSpPr>
+          <p:cNvPr id="8" name="直接箭头连接符 7"/>
+          <p:cNvCxnSpPr>
+            <a:stCxn id="5" idx="2"/>
+            <a:endCxn id="7" idx="0"/>
+          </p:cNvCxnSpPr>
+          <p:nvPr/>
+        </p:nvCxnSpPr>
+        <p:spPr>
+          <a:xfrm>
+            <a:off x="1634597" y="2600226"/>
+            <a:ext cx="15702" cy="2675266"/>
+          </a:xfrm>
+          <a:prstGeom prst="straightConnector1">
+            <a:avLst/>
+          </a:prstGeom>
+          <a:ln>
+            <a:solidFill>
+              <a:srgbClr val="FF0000"/>
+            </a:solidFill>
+            <a:tailEnd type="triangle"/>
+          </a:ln>
+        </p:spPr>
+        <p:style>
+          <a:lnRef idx="1">
+            <a:schemeClr val="accent1"/>
+          </a:lnRef>
+          <a:fillRef idx="0">
+            <a:schemeClr val="accent1"/>
+          </a:fillRef>
+          <a:effectRef idx="0">
+            <a:schemeClr val="accent1"/>
+          </a:effectRef>
+          <a:fontRef idx="minor">
+            <a:schemeClr val="tx1"/>
+          </a:fontRef>
+        </p:style>
+      </p:cxnSp>
+      <p:pic>
+        <p:nvPicPr>
+          <p:cNvPr id="11" name="图片 10"/>
+          <p:cNvPicPr>
+            <a:picLocks noChangeAspect="1"/>
+          </p:cNvPicPr>
+          <p:nvPr/>
+        </p:nvPicPr>
+        <p:blipFill>
+          <a:blip r:embed="rId4"/>
+          <a:stretch>
+            <a:fillRect/>
+          </a:stretch>
+        </p:blipFill>
+        <p:spPr>
+          <a:xfrm>
+            <a:off x="4014363" y="2300188"/>
+            <a:ext cx="3856508" cy="2641708"/>
+          </a:xfrm>
+          <a:prstGeom prst="rect">
+            <a:avLst/>
+          </a:prstGeom>
+          <a:ln>
+            <a:solidFill>
+              <a:srgbClr val="FF0000"/>
+            </a:solidFill>
+          </a:ln>
+          <a:effectLst>
+            <a:outerShdw blurRad="292100" dist="139700" dir="2700000" algn="tl" rotWithShape="0">
+              <a:srgbClr val="333333">
+                <a:alpha val="65000"/>
+              </a:srgbClr>
+            </a:outerShdw>
+          </a:effectLst>
+        </p:spPr>
+      </p:pic>
+      <p:cxnSp>
+        <p:nvCxnSpPr>
+          <p:cNvPr id="12" name="直接箭头连接符 11"/>
+          <p:cNvCxnSpPr>
+            <a:stCxn id="7" idx="3"/>
+            <a:endCxn id="11" idx="1"/>
+          </p:cNvCxnSpPr>
+          <p:nvPr/>
+        </p:nvCxnSpPr>
+        <p:spPr>
+          <a:xfrm flipV="1">
+            <a:off x="1936005" y="3621042"/>
+            <a:ext cx="2078358" cy="1763057"/>
+          </a:xfrm>
+          <a:prstGeom prst="straightConnector1">
+            <a:avLst/>
+          </a:prstGeom>
+          <a:ln>
+            <a:solidFill>
+              <a:srgbClr val="FF0000"/>
+            </a:solidFill>
+            <a:tailEnd type="triangle"/>
+          </a:ln>
+        </p:spPr>
+        <p:style>
+          <a:lnRef idx="1">
+            <a:schemeClr val="accent1"/>
+          </a:lnRef>
+          <a:fillRef idx="0">
+            <a:schemeClr val="accent1"/>
+          </a:fillRef>
+          <a:effectRef idx="0">
+            <a:schemeClr val="accent1"/>
+          </a:effectRef>
+          <a:fontRef idx="minor">
+            <a:schemeClr val="tx1"/>
+          </a:fontRef>
+        </p:style>
+      </p:cxnSp>
+      <p:sp>
+        <p:nvSpPr>
+          <p:cNvPr id="16" name="矩形 15"/>
+          <p:cNvSpPr/>
+          <p:nvPr/>
+        </p:nvSpPr>
+        <p:spPr>
+          <a:xfrm>
+            <a:off x="6481817" y="3069369"/>
+            <a:ext cx="927976" cy="928765"/>
+          </a:xfrm>
+          <a:prstGeom prst="rect">
+            <a:avLst/>
+          </a:prstGeom>
+          <a:noFill/>
+          <a:ln>
+            <a:solidFill>
+              <a:srgbClr val="FF0000"/>
+            </a:solidFill>
+          </a:ln>
+        </p:spPr>
+        <p:style>
+          <a:lnRef idx="2">
+            <a:schemeClr val="accent1">
+              <a:shade val="50000"/>
+            </a:schemeClr>
+          </a:lnRef>
+          <a:fillRef idx="1">
+            <a:schemeClr val="accent1"/>
+          </a:fillRef>
+          <a:effectRef idx="0">
+            <a:schemeClr val="accent1"/>
+          </a:effectRef>
+          <a:fontRef idx="minor">
+            <a:schemeClr val="lt1"/>
+          </a:fontRef>
+        </p:style>
+        <p:txBody>
+          <a:bodyPr rtlCol="0" anchor="ctr"/>
+          <a:lstStyle/>
+          <a:p>
+            <a:pPr algn="ctr"/>
+            <a:endParaRPr kumimoji="1" lang="ja-JP" altLang="en-US"/>
+          </a:p>
+        </p:txBody>
+      </p:sp>
+      <p:pic>
+        <p:nvPicPr>
+          <p:cNvPr id="17" name="图片 16"/>
+          <p:cNvPicPr>
+            <a:picLocks noChangeAspect="1"/>
+          </p:cNvPicPr>
+          <p:nvPr/>
+        </p:nvPicPr>
+        <p:blipFill>
+          <a:blip r:embed="rId5"/>
+          <a:stretch>
+            <a:fillRect/>
+          </a:stretch>
+        </p:blipFill>
+        <p:spPr>
+          <a:xfrm>
+            <a:off x="7814115" y="2046802"/>
+            <a:ext cx="3581188" cy="2453114"/>
+          </a:xfrm>
+          <a:prstGeom prst="rect">
+            <a:avLst/>
+          </a:prstGeom>
+          <a:ln>
+            <a:solidFill>
+              <a:srgbClr val="FF0000"/>
+            </a:solidFill>
+          </a:ln>
+          <a:effectLst>
+            <a:outerShdw blurRad="292100" dist="139700" dir="2700000" algn="tl" rotWithShape="0">
+              <a:srgbClr val="333333">
+                <a:alpha val="65000"/>
+              </a:srgbClr>
+            </a:outerShdw>
+          </a:effectLst>
+        </p:spPr>
+      </p:pic>
+      <p:cxnSp>
+        <p:nvCxnSpPr>
+          <p:cNvPr id="18" name="直接箭头连接符 17"/>
+          <p:cNvCxnSpPr>
+            <a:stCxn id="16" idx="3"/>
+            <a:endCxn id="17" idx="1"/>
+          </p:cNvCxnSpPr>
+          <p:nvPr/>
+        </p:nvCxnSpPr>
+        <p:spPr>
+          <a:xfrm flipV="1">
+            <a:off x="7409793" y="3273359"/>
+            <a:ext cx="404322" cy="260393"/>
+          </a:xfrm>
+          <a:prstGeom prst="straightConnector1">
+            <a:avLst/>
+          </a:prstGeom>
+          <a:ln>
+            <a:solidFill>
+              <a:srgbClr val="FF0000"/>
+            </a:solidFill>
+            <a:tailEnd type="triangle"/>
+          </a:ln>
+        </p:spPr>
+        <p:style>
+          <a:lnRef idx="1">
+            <a:schemeClr val="accent1"/>
+          </a:lnRef>
+          <a:fillRef idx="0">
+            <a:schemeClr val="accent1"/>
+          </a:fillRef>
+          <a:effectRef idx="0">
+            <a:schemeClr val="accent1"/>
+          </a:effectRef>
+          <a:fontRef idx="minor">
+            <a:schemeClr val="tx1"/>
+          </a:fontRef>
+        </p:style>
+      </p:cxnSp>
+      <p:sp>
+        <p:nvSpPr>
+          <p:cNvPr id="25" name="矩形 24"/>
+          <p:cNvSpPr/>
+          <p:nvPr/>
+        </p:nvSpPr>
+        <p:spPr>
+          <a:xfrm>
+            <a:off x="9553991" y="2789041"/>
+            <a:ext cx="1034130" cy="1095213"/>
+          </a:xfrm>
+          <a:prstGeom prst="rect">
+            <a:avLst/>
+          </a:prstGeom>
+          <a:noFill/>
+          <a:ln>
+            <a:solidFill>
+              <a:srgbClr val="FF0000"/>
+            </a:solidFill>
+          </a:ln>
+        </p:spPr>
+        <p:style>
+          <a:lnRef idx="2">
+            <a:schemeClr val="accent1">
+              <a:shade val="50000"/>
+            </a:schemeClr>
+          </a:lnRef>
+          <a:fillRef idx="1">
+            <a:schemeClr val="accent1"/>
+          </a:fillRef>
+          <a:effectRef idx="0">
+            <a:schemeClr val="accent1"/>
+          </a:effectRef>
+          <a:fontRef idx="minor">
+            <a:schemeClr val="lt1"/>
+          </a:fontRef>
+        </p:style>
+        <p:txBody>
+          <a:bodyPr rtlCol="0" anchor="ctr"/>
+          <a:lstStyle/>
+          <a:p>
+            <a:pPr algn="ctr"/>
+            <a:endParaRPr kumimoji="1" lang="ja-JP" altLang="en-US"/>
+          </a:p>
+        </p:txBody>
+      </p:sp>
+      <p:pic>
+        <p:nvPicPr>
+          <p:cNvPr id="26" name="图片 25"/>
+          <p:cNvPicPr>
+            <a:picLocks noChangeAspect="1"/>
+          </p:cNvPicPr>
+          <p:nvPr/>
+        </p:nvPicPr>
+        <p:blipFill>
+          <a:blip r:embed="rId6"/>
+          <a:stretch>
+            <a:fillRect/>
+          </a:stretch>
+        </p:blipFill>
+        <p:spPr>
+          <a:xfrm>
+            <a:off x="7143580" y="4246530"/>
+            <a:ext cx="3812365" cy="2611470"/>
+          </a:xfrm>
+          <a:prstGeom prst="rect">
+            <a:avLst/>
+          </a:prstGeom>
+          <a:ln>
+            <a:solidFill>
+              <a:srgbClr val="FF0000"/>
+            </a:solidFill>
+          </a:ln>
+          <a:effectLst>
+            <a:outerShdw blurRad="292100" dist="139700" dir="2700000" algn="tl" rotWithShape="0">
+              <a:srgbClr val="333333">
+                <a:alpha val="65000"/>
+              </a:srgbClr>
+            </a:outerShdw>
+          </a:effectLst>
+        </p:spPr>
+      </p:pic>
+      <p:cxnSp>
+        <p:nvCxnSpPr>
+          <p:cNvPr id="27" name="直接箭头连接符 26"/>
+          <p:cNvCxnSpPr>
+            <a:stCxn id="25" idx="2"/>
+            <a:endCxn id="26" idx="0"/>
+          </p:cNvCxnSpPr>
+          <p:nvPr/>
+        </p:nvCxnSpPr>
+        <p:spPr>
+          <a:xfrm flipH="1">
+            <a:off x="9049763" y="3884254"/>
+            <a:ext cx="1021293" cy="362276"/>
+          </a:xfrm>
+          <a:prstGeom prst="straightConnector1">
+            <a:avLst/>
+          </a:prstGeom>
+          <a:ln>
+            <a:solidFill>
+              <a:srgbClr val="FF0000"/>
+            </a:solidFill>
+            <a:tailEnd type="triangle"/>
+          </a:ln>
+        </p:spPr>
+        <p:style>
+          <a:lnRef idx="1">
+            <a:schemeClr val="accent1"/>
+          </a:lnRef>
+          <a:fillRef idx="0">
+            <a:schemeClr val="accent1"/>
+          </a:fillRef>
+          <a:effectRef idx="0">
+            <a:schemeClr val="accent1"/>
+          </a:effectRef>
+          <a:fontRef idx="minor">
+            <a:schemeClr val="tx1"/>
+          </a:fontRef>
+        </p:style>
+      </p:cxnSp>
+      <p:sp>
+        <p:nvSpPr>
+          <p:cNvPr id="35" name="矩形 34"/>
+          <p:cNvSpPr/>
+          <p:nvPr/>
+        </p:nvSpPr>
+        <p:spPr>
+          <a:xfrm>
+            <a:off x="7532340" y="4960640"/>
+            <a:ext cx="1012569" cy="1232055"/>
+          </a:xfrm>
+          <a:prstGeom prst="rect">
+            <a:avLst/>
+          </a:prstGeom>
+          <a:noFill/>
+          <a:ln>
+            <a:solidFill>
+              <a:srgbClr val="FF0000"/>
+            </a:solidFill>
+          </a:ln>
+        </p:spPr>
+        <p:style>
+          <a:lnRef idx="2">
+            <a:schemeClr val="accent1">
+              <a:shade val="50000"/>
+            </a:schemeClr>
+          </a:lnRef>
+          <a:fillRef idx="1">
+            <a:schemeClr val="accent1"/>
+          </a:fillRef>
+          <a:effectRef idx="0">
+            <a:schemeClr val="accent1"/>
+          </a:effectRef>
+          <a:fontRef idx="minor">
+            <a:schemeClr val="lt1"/>
+          </a:fontRef>
+        </p:style>
+        <p:txBody>
+          <a:bodyPr rtlCol="0" anchor="ctr"/>
+          <a:lstStyle/>
+          <a:p>
+            <a:pPr algn="ctr"/>
+            <a:endParaRPr kumimoji="1" lang="ja-JP" altLang="en-US"/>
+          </a:p>
+        </p:txBody>
+      </p:sp>
+      <p:pic>
+        <p:nvPicPr>
+          <p:cNvPr id="36" name="图片 35"/>
+          <p:cNvPicPr>
+            <a:picLocks noChangeAspect="1"/>
+          </p:cNvPicPr>
+          <p:nvPr/>
+        </p:nvPicPr>
+        <p:blipFill>
+          <a:blip r:embed="rId7"/>
+          <a:stretch>
+            <a:fillRect/>
+          </a:stretch>
+        </p:blipFill>
+        <p:spPr>
+          <a:xfrm>
+            <a:off x="3908204" y="4728541"/>
+            <a:ext cx="3403413" cy="2127133"/>
+          </a:xfrm>
+          <a:prstGeom prst="rect">
+            <a:avLst/>
+          </a:prstGeom>
+          <a:ln>
+            <a:solidFill>
+              <a:srgbClr val="FF0000"/>
+            </a:solidFill>
+          </a:ln>
+          <a:effectLst>
+            <a:outerShdw blurRad="292100" dist="139700" dir="2700000" algn="tl" rotWithShape="0">
+              <a:srgbClr val="333333">
+                <a:alpha val="65000"/>
+              </a:srgbClr>
+            </a:outerShdw>
+          </a:effectLst>
+        </p:spPr>
+      </p:pic>
+      <p:cxnSp>
+        <p:nvCxnSpPr>
+          <p:cNvPr id="37" name="直接箭头连接符 36"/>
+          <p:cNvCxnSpPr>
+            <a:stCxn id="35" idx="1"/>
+            <a:endCxn id="36" idx="3"/>
+          </p:cNvCxnSpPr>
+          <p:nvPr/>
+        </p:nvCxnSpPr>
+        <p:spPr>
+          <a:xfrm flipH="1">
+            <a:off x="7311617" y="5576668"/>
+            <a:ext cx="220723" cy="215440"/>
+          </a:xfrm>
+          <a:prstGeom prst="straightConnector1">
+            <a:avLst/>
+          </a:prstGeom>
+          <a:ln>
+            <a:solidFill>
+              <a:srgbClr val="FF0000"/>
+            </a:solidFill>
+            <a:tailEnd type="triangle"/>
+          </a:ln>
+        </p:spPr>
+        <p:style>
+          <a:lnRef idx="1">
+            <a:schemeClr val="accent1"/>
+          </a:lnRef>
+          <a:fillRef idx="0">
+            <a:schemeClr val="accent1"/>
+          </a:fillRef>
+          <a:effectRef idx="0">
+            <a:schemeClr val="accent1"/>
+          </a:effectRef>
+          <a:fontRef idx="minor">
+            <a:schemeClr val="tx1"/>
+          </a:fontRef>
+        </p:style>
+      </p:cxnSp>
+      <p:sp>
+        <p:nvSpPr>
+          <p:cNvPr id="42" name="线形标注 1 41"/>
+          <p:cNvSpPr/>
+          <p:nvPr/>
+        </p:nvSpPr>
+        <p:spPr>
+          <a:xfrm>
+            <a:off x="889175" y="5641441"/>
+            <a:ext cx="2599022" cy="1122680"/>
+          </a:xfrm>
+          <a:prstGeom prst="borderCallout1">
+            <a:avLst>
+              <a:gd name="adj1" fmla="val 45712"/>
+              <a:gd name="adj2" fmla="val 105747"/>
+              <a:gd name="adj3" fmla="val 17774"/>
+              <a:gd name="adj4" fmla="val 145558"/>
+            </a:avLst>
+          </a:prstGeom>
+          <a:solidFill>
+            <a:schemeClr val="bg1"/>
+          </a:solidFill>
+          <a:ln>
+            <a:solidFill>
+              <a:srgbClr val="FF0000"/>
+            </a:solidFill>
+          </a:ln>
+        </p:spPr>
+        <p:style>
+          <a:lnRef idx="2">
+            <a:schemeClr val="accent1">
+              <a:shade val="50000"/>
+            </a:schemeClr>
+          </a:lnRef>
+          <a:fillRef idx="1">
+            <a:schemeClr val="accent1"/>
+          </a:fillRef>
+          <a:effectRef idx="0">
+            <a:schemeClr val="accent1"/>
+          </a:effectRef>
+          <a:fontRef idx="minor">
+            <a:schemeClr val="lt1"/>
+          </a:fontRef>
+        </p:style>
+        <p:txBody>
+          <a:bodyPr rtlCol="0" anchor="ctr"/>
+          <a:lstStyle/>
+          <a:p>
+            <a:pPr algn="ctr"/>
+            <a:r>
+              <a:rPr kumimoji="1" lang="ja-JP" altLang="en-US" dirty="0" smtClean="0">
+                <a:solidFill>
+                  <a:srgbClr val="FF0000"/>
+                </a:solidFill>
+              </a:rPr>
+              <a:t>ここまで来たら開発環境構築が完了！</a:t>
+            </a:r>
+            <a:endParaRPr kumimoji="1" lang="ja-JP" altLang="en-US" dirty="0">
+              <a:solidFill>
+                <a:srgbClr val="FF0000"/>
+              </a:solidFill>
+            </a:endParaRPr>
           </a:p>
         </p:txBody>
       </p:sp>
     </p:spTree>
     <p:extLst>
       <p:ext uri="{BB962C8B-B14F-4D97-AF65-F5344CB8AC3E}">
-        <p14:creationId xmlns:p14="http://schemas.microsoft.com/office/powerpoint/2010/main" val="3954055824"/>
+        <p14:creationId xmlns:p14="http://schemas.microsoft.com/office/powerpoint/2010/main" val="755269567"/>
       </p:ext>
     </p:extLst>
   </p:cSld>
@@ -6707,18 +7223,37 @@
           <a:lstStyle/>
           <a:p>
             <a:r>
-              <a:rPr kumimoji="1" lang="ja-JP" altLang="en-US" dirty="0" smtClean="0"/>
-              <a:t>無料な</a:t>
-            </a:r>
-            <a:r>
-              <a:rPr kumimoji="1" lang="en-US" altLang="ja-JP" dirty="0" err="1" smtClean="0"/>
-              <a:t>UiPath</a:t>
-            </a:r>
-            <a:r>
-              <a:rPr kumimoji="1" lang="ja-JP" altLang="en-US" dirty="0" smtClean="0"/>
-              <a:t>学習リソース</a:t>
-            </a:r>
-            <a:endParaRPr kumimoji="1" lang="ja-JP" altLang="en-US" dirty="0"/>
+              <a:rPr lang="ja-JP" altLang="en-US" dirty="0" smtClean="0"/>
+              <a:t>初めてのロボを</a:t>
+            </a:r>
+            <a:r>
+              <a:rPr lang="ja-JP" altLang="en-US" dirty="0" smtClean="0"/>
+              <a:t>作ってみよう</a:t>
+            </a:r>
+            <a:r>
+              <a:rPr lang="en-US" altLang="ja-JP" dirty="0" smtClean="0"/>
+              <a:t/>
+            </a:r>
+            <a:br>
+              <a:rPr lang="en-US" altLang="ja-JP" dirty="0" smtClean="0"/>
+            </a:br>
+            <a:r>
+              <a:rPr lang="ja-JP" altLang="en-US" sz="2400" dirty="0" smtClean="0"/>
+              <a:t>レコ</a:t>
+            </a:r>
+            <a:r>
+              <a:rPr lang="ja-JP" altLang="en-US" sz="2400" dirty="0"/>
+              <a:t>ー</a:t>
+            </a:r>
+            <a:r>
+              <a:rPr lang="ja-JP" altLang="en-US" sz="2400" dirty="0" smtClean="0"/>
+              <a:t>ディング機</a:t>
+            </a:r>
+            <a:r>
+              <a:rPr lang="ja-JP" altLang="en-US" sz="2400" dirty="0" smtClean="0"/>
+              <a:t>能でサクッと</a:t>
+            </a:r>
+            <a:endParaRPr lang="zh-CN" altLang="en-US" dirty="0"/>
           </a:p>
         </p:txBody>
       </p:sp>
@@ -6738,8 +7273,32 @@
         </p:blipFill>
         <p:spPr>
           <a:xfrm>
-            <a:off x="620578" y="1930400"/>
-            <a:ext cx="6891203" cy="4628055"/>
+            <a:off x="2467793" y="4428013"/>
+            <a:ext cx="1450726" cy="2407051"/>
+          </a:xfrm>
+          <a:prstGeom prst="rect">
+            <a:avLst/>
+          </a:prstGeom>
+        </p:spPr>
+      </p:pic>
+      <p:pic>
+        <p:nvPicPr>
+          <p:cNvPr id="6" name="图片 5"/>
+          <p:cNvPicPr>
+            <a:picLocks noChangeAspect="1"/>
+          </p:cNvPicPr>
+          <p:nvPr/>
+        </p:nvPicPr>
+        <p:blipFill>
+          <a:blip r:embed="rId3"/>
+          <a:stretch>
+            <a:fillRect/>
+          </a:stretch>
+        </p:blipFill>
+        <p:spPr>
+          <a:xfrm>
+            <a:off x="385992" y="1820983"/>
+            <a:ext cx="8153400" cy="895350"/>
           </a:xfrm>
           <a:prstGeom prst="rect">
             <a:avLst/>
@@ -6760,64 +7319,19 @@
       </p:pic>
       <p:sp>
         <p:nvSpPr>
-          <p:cNvPr id="5" name="文本框 4"/>
-          <p:cNvSpPr txBox="1"/>
+          <p:cNvPr id="7" name="矩形 6"/>
+          <p:cNvSpPr/>
           <p:nvPr/>
         </p:nvSpPr>
         <p:spPr>
           <a:xfrm>
-            <a:off x="677334" y="1412591"/>
-            <a:ext cx="3316036" cy="369332"/>
+            <a:off x="6741335" y="1652227"/>
+            <a:ext cx="1210791" cy="1191873"/>
           </a:xfrm>
           <a:prstGeom prst="rect">
             <a:avLst/>
           </a:prstGeom>
           <a:noFill/>
-        </p:spPr>
-        <p:txBody>
-          <a:bodyPr wrap="none" rtlCol="0">
-            <a:spAutoFit/>
-          </a:bodyPr>
-          <a:lstStyle/>
-          <a:p>
-            <a:r>
-              <a:rPr lang="en-US" altLang="zh-CN" dirty="0">
-                <a:hlinkClick r:id="rId3"/>
-              </a:rPr>
-              <a:t>https://academy.uipath.com</a:t>
-            </a:r>
-            <a:r>
-              <a:rPr lang="en-US" altLang="zh-CN" dirty="0" smtClean="0">
-                <a:hlinkClick r:id="rId3"/>
-              </a:rPr>
-              <a:t>/</a:t>
-            </a:r>
-            <a:endParaRPr lang="en-US" altLang="zh-CN" dirty="0"/>
-          </a:p>
-        </p:txBody>
-      </p:sp>
-      <p:sp>
-        <p:nvSpPr>
-          <p:cNvPr id="6" name="线形标注 1 5"/>
-          <p:cNvSpPr/>
-          <p:nvPr/>
-        </p:nvSpPr>
-        <p:spPr>
-          <a:xfrm>
-            <a:off x="8664728" y="3005446"/>
-            <a:ext cx="2599022" cy="1122680"/>
-          </a:xfrm>
-          <a:prstGeom prst="borderCallout1">
-            <a:avLst>
-              <a:gd name="adj1" fmla="val 60878"/>
-              <a:gd name="adj2" fmla="val -3683"/>
-              <a:gd name="adj3" fmla="val 115512"/>
-              <a:gd name="adj4" fmla="val -52920"/>
-            </a:avLst>
-          </a:prstGeom>
-          <a:solidFill>
-            <a:schemeClr val="bg1"/>
-          </a:solidFill>
           <a:ln>
             <a:solidFill>
               <a:srgbClr val="FF0000"/>
@@ -6845,13 +7359,39 @@
           <a:lstStyle/>
           <a:p>
             <a:pPr algn="ctr"/>
+            <a:endParaRPr kumimoji="1" lang="ja-JP" altLang="en-US"/>
+          </a:p>
+        </p:txBody>
+      </p:sp>
+      <p:sp>
+        <p:nvSpPr>
+          <p:cNvPr id="9" name="文本框 8"/>
+          <p:cNvSpPr txBox="1"/>
+          <p:nvPr/>
+        </p:nvSpPr>
+        <p:spPr>
+          <a:xfrm>
+            <a:off x="6678629" y="1367273"/>
+            <a:ext cx="3416320" cy="369332"/>
+          </a:xfrm>
+          <a:prstGeom prst="rect">
+            <a:avLst/>
+          </a:prstGeom>
+          <a:noFill/>
+        </p:spPr>
+        <p:txBody>
+          <a:bodyPr wrap="none" rtlCol="0">
+            <a:spAutoFit/>
+          </a:bodyPr>
+          <a:lstStyle/>
+          <a:p>
             <a:r>
               <a:rPr kumimoji="1" lang="ja-JP" altLang="en-US" dirty="0" smtClean="0">
                 <a:solidFill>
                   <a:srgbClr val="FF0000"/>
                 </a:solidFill>
               </a:rPr>
-              <a:t>日本語コース</a:t>
+              <a:t>②レコーディングメニュー開く</a:t>
             </a:r>
             <a:endParaRPr kumimoji="1" lang="ja-JP" altLang="en-US" dirty="0">
               <a:solidFill>
@@ -6863,7 +7403,7 @@
       </p:sp>
       <p:pic>
         <p:nvPicPr>
-          <p:cNvPr id="7" name="图片 6"/>
+          <p:cNvPr id="10" name="图片 9"/>
           <p:cNvPicPr>
             <a:picLocks noChangeAspect="1"/>
           </p:cNvPicPr>
@@ -6877,16 +7417,14 @@
         </p:blipFill>
         <p:spPr>
           <a:xfrm>
-            <a:off x="5637748" y="4778439"/>
-            <a:ext cx="6304827" cy="2035417"/>
+            <a:off x="2441205" y="3095655"/>
+            <a:ext cx="4010550" cy="1193451"/>
           </a:xfrm>
           <a:prstGeom prst="rect">
             <a:avLst/>
           </a:prstGeom>
           <a:ln>
-            <a:solidFill>
-              <a:srgbClr val="FF0000"/>
-            </a:solidFill>
+            <a:noFill/>
           </a:ln>
           <a:effectLst>
             <a:outerShdw blurRad="292100" dist="139700" dir="2700000" algn="tl" rotWithShape="0">
@@ -6897,10 +7435,372 @@
           </a:effectLst>
         </p:spPr>
       </p:pic>
+      <p:sp>
+        <p:nvSpPr>
+          <p:cNvPr id="11" name="矩形 10"/>
+          <p:cNvSpPr/>
+          <p:nvPr/>
+        </p:nvSpPr>
+        <p:spPr>
+          <a:xfrm>
+            <a:off x="2922381" y="3193981"/>
+            <a:ext cx="636927" cy="882869"/>
+          </a:xfrm>
+          <a:prstGeom prst="rect">
+            <a:avLst/>
+          </a:prstGeom>
+          <a:noFill/>
+          <a:ln>
+            <a:solidFill>
+              <a:srgbClr val="FF0000"/>
+            </a:solidFill>
+          </a:ln>
+        </p:spPr>
+        <p:style>
+          <a:lnRef idx="2">
+            <a:schemeClr val="accent1">
+              <a:shade val="50000"/>
+            </a:schemeClr>
+          </a:lnRef>
+          <a:fillRef idx="1">
+            <a:schemeClr val="accent1"/>
+          </a:fillRef>
+          <a:effectRef idx="0">
+            <a:schemeClr val="accent1"/>
+          </a:effectRef>
+          <a:fontRef idx="minor">
+            <a:schemeClr val="lt1"/>
+          </a:fontRef>
+        </p:style>
+        <p:txBody>
+          <a:bodyPr rtlCol="0" anchor="ctr"/>
+          <a:lstStyle/>
+          <a:p>
+            <a:pPr algn="ctr"/>
+            <a:endParaRPr kumimoji="1" lang="ja-JP" altLang="en-US"/>
+          </a:p>
+        </p:txBody>
+      </p:sp>
+      <p:sp>
+        <p:nvSpPr>
+          <p:cNvPr id="12" name="文本框 11"/>
+          <p:cNvSpPr txBox="1"/>
+          <p:nvPr/>
+        </p:nvSpPr>
+        <p:spPr>
+          <a:xfrm>
+            <a:off x="2825346" y="2847367"/>
+            <a:ext cx="5032147" cy="369332"/>
+          </a:xfrm>
+          <a:prstGeom prst="rect">
+            <a:avLst/>
+          </a:prstGeom>
+          <a:noFill/>
+        </p:spPr>
+        <p:txBody>
+          <a:bodyPr wrap="none" rtlCol="0">
+            <a:spAutoFit/>
+          </a:bodyPr>
+          <a:lstStyle/>
+          <a:p>
+            <a:r>
+              <a:rPr kumimoji="1" lang="ja-JP" altLang="en-US" dirty="0" smtClean="0">
+                <a:solidFill>
+                  <a:srgbClr val="FF0000"/>
+                </a:solidFill>
+              </a:rPr>
+              <a:t>③表示された画面でレコーディングボタン押す</a:t>
+            </a:r>
+            <a:endParaRPr kumimoji="1" lang="ja-JP" altLang="en-US" dirty="0">
+              <a:solidFill>
+                <a:srgbClr val="FF0000"/>
+              </a:solidFill>
+            </a:endParaRPr>
+          </a:p>
+        </p:txBody>
+      </p:sp>
+      <p:pic>
+        <p:nvPicPr>
+          <p:cNvPr id="13" name="图片 12"/>
+          <p:cNvPicPr>
+            <a:picLocks noChangeAspect="1"/>
+          </p:cNvPicPr>
+          <p:nvPr/>
+        </p:nvPicPr>
+        <p:blipFill>
+          <a:blip r:embed="rId5"/>
+          <a:stretch>
+            <a:fillRect/>
+          </a:stretch>
+        </p:blipFill>
+        <p:spPr>
+          <a:xfrm>
+            <a:off x="7171385" y="3129054"/>
+            <a:ext cx="3873025" cy="1139125"/>
+          </a:xfrm>
+          <a:prstGeom prst="rect">
+            <a:avLst/>
+          </a:prstGeom>
+        </p:spPr>
+      </p:pic>
+      <p:sp>
+        <p:nvSpPr>
+          <p:cNvPr id="14" name="文本框 13"/>
+          <p:cNvSpPr txBox="1"/>
+          <p:nvPr/>
+        </p:nvSpPr>
+        <p:spPr>
+          <a:xfrm>
+            <a:off x="2782226" y="5262206"/>
+            <a:ext cx="4108817" cy="369332"/>
+          </a:xfrm>
+          <a:prstGeom prst="rect">
+            <a:avLst/>
+          </a:prstGeom>
+          <a:noFill/>
+        </p:spPr>
+        <p:txBody>
+          <a:bodyPr wrap="none" rtlCol="0">
+            <a:spAutoFit/>
+          </a:bodyPr>
+          <a:lstStyle/>
+          <a:p>
+            <a:r>
+              <a:rPr kumimoji="1" lang="ja-JP" altLang="en-US" dirty="0" smtClean="0">
+                <a:solidFill>
+                  <a:srgbClr val="FF0000"/>
+                </a:solidFill>
+              </a:rPr>
+              <a:t>④計算機ボタンを適当にガチャガチャ</a:t>
+            </a:r>
+            <a:endParaRPr kumimoji="1" lang="ja-JP" altLang="en-US" dirty="0">
+              <a:solidFill>
+                <a:srgbClr val="FF0000"/>
+              </a:solidFill>
+            </a:endParaRPr>
+          </a:p>
+        </p:txBody>
+      </p:sp>
+      <p:sp>
+        <p:nvSpPr>
+          <p:cNvPr id="15" name="文本框 14"/>
+          <p:cNvSpPr txBox="1"/>
+          <p:nvPr/>
+        </p:nvSpPr>
+        <p:spPr>
+          <a:xfrm>
+            <a:off x="7280231" y="3920214"/>
+            <a:ext cx="1800493" cy="369332"/>
+          </a:xfrm>
+          <a:prstGeom prst="rect">
+            <a:avLst/>
+          </a:prstGeom>
+          <a:noFill/>
+        </p:spPr>
+        <p:txBody>
+          <a:bodyPr wrap="none" rtlCol="0">
+            <a:spAutoFit/>
+          </a:bodyPr>
+          <a:lstStyle/>
+          <a:p>
+            <a:r>
+              <a:rPr kumimoji="1" lang="ja-JP" altLang="en-US" dirty="0">
+                <a:solidFill>
+                  <a:srgbClr val="FF0000"/>
+                </a:solidFill>
+              </a:rPr>
+              <a:t>⑤</a:t>
+            </a:r>
+            <a:r>
+              <a:rPr kumimoji="1" lang="ja-JP" altLang="en-US" dirty="0" smtClean="0">
+                <a:solidFill>
+                  <a:srgbClr val="FF0000"/>
+                </a:solidFill>
+              </a:rPr>
+              <a:t>保存して終了</a:t>
+            </a:r>
+            <a:endParaRPr kumimoji="1" lang="ja-JP" altLang="en-US" dirty="0">
+              <a:solidFill>
+                <a:srgbClr val="FF0000"/>
+              </a:solidFill>
+            </a:endParaRPr>
+          </a:p>
+        </p:txBody>
+      </p:sp>
+      <p:pic>
+        <p:nvPicPr>
+          <p:cNvPr id="17" name="图片 16"/>
+          <p:cNvPicPr>
+            <a:picLocks noChangeAspect="1"/>
+          </p:cNvPicPr>
+          <p:nvPr/>
+        </p:nvPicPr>
+        <p:blipFill>
+          <a:blip r:embed="rId6"/>
+          <a:stretch>
+            <a:fillRect/>
+          </a:stretch>
+        </p:blipFill>
+        <p:spPr>
+          <a:xfrm>
+            <a:off x="7171385" y="4289106"/>
+            <a:ext cx="3970042" cy="2544692"/>
+          </a:xfrm>
+          <a:prstGeom prst="rect">
+            <a:avLst/>
+          </a:prstGeom>
+        </p:spPr>
+      </p:pic>
+      <p:pic>
+        <p:nvPicPr>
+          <p:cNvPr id="18" name="图片 17"/>
+          <p:cNvPicPr>
+            <a:picLocks noChangeAspect="1"/>
+          </p:cNvPicPr>
+          <p:nvPr/>
+        </p:nvPicPr>
+        <p:blipFill>
+          <a:blip r:embed="rId7"/>
+          <a:stretch>
+            <a:fillRect/>
+          </a:stretch>
+        </p:blipFill>
+        <p:spPr>
+          <a:xfrm>
+            <a:off x="263659" y="3197522"/>
+            <a:ext cx="1902662" cy="3156904"/>
+          </a:xfrm>
+          <a:prstGeom prst="rect">
+            <a:avLst/>
+          </a:prstGeom>
+        </p:spPr>
+      </p:pic>
+      <p:sp>
+        <p:nvSpPr>
+          <p:cNvPr id="19" name="文本框 18"/>
+          <p:cNvSpPr txBox="1"/>
+          <p:nvPr/>
+        </p:nvSpPr>
+        <p:spPr>
+          <a:xfrm>
+            <a:off x="175852" y="2828190"/>
+            <a:ext cx="1569660" cy="369332"/>
+          </a:xfrm>
+          <a:prstGeom prst="rect">
+            <a:avLst/>
+          </a:prstGeom>
+          <a:noFill/>
+        </p:spPr>
+        <p:txBody>
+          <a:bodyPr wrap="none" rtlCol="0">
+            <a:spAutoFit/>
+          </a:bodyPr>
+          <a:lstStyle/>
+          <a:p>
+            <a:r>
+              <a:rPr kumimoji="1" lang="ja-JP" altLang="en-US" dirty="0" smtClean="0">
+                <a:solidFill>
+                  <a:srgbClr val="FF0000"/>
+                </a:solidFill>
+              </a:rPr>
+              <a:t>①計算機開く</a:t>
+            </a:r>
+            <a:endParaRPr kumimoji="1" lang="ja-JP" altLang="en-US" dirty="0">
+              <a:solidFill>
+                <a:srgbClr val="FF0000"/>
+              </a:solidFill>
+            </a:endParaRPr>
+          </a:p>
+        </p:txBody>
+      </p:sp>
+      <p:sp>
+        <p:nvSpPr>
+          <p:cNvPr id="20" name="文本框 19"/>
+          <p:cNvSpPr txBox="1"/>
+          <p:nvPr/>
+        </p:nvSpPr>
+        <p:spPr>
+          <a:xfrm>
+            <a:off x="9696951" y="5881444"/>
+            <a:ext cx="1569660" cy="369332"/>
+          </a:xfrm>
+          <a:prstGeom prst="rect">
+            <a:avLst/>
+          </a:prstGeom>
+          <a:noFill/>
+        </p:spPr>
+        <p:txBody>
+          <a:bodyPr wrap="none" rtlCol="0">
+            <a:spAutoFit/>
+          </a:bodyPr>
+          <a:lstStyle/>
+          <a:p>
+            <a:r>
+              <a:rPr kumimoji="1" lang="ja-JP" altLang="en-US" dirty="0" smtClean="0">
+                <a:solidFill>
+                  <a:srgbClr val="FF0000"/>
+                </a:solidFill>
+              </a:rPr>
+              <a:t>⑥できた！？</a:t>
+            </a:r>
+            <a:endParaRPr kumimoji="1" lang="ja-JP" altLang="en-US" dirty="0">
+              <a:solidFill>
+                <a:srgbClr val="FF0000"/>
+              </a:solidFill>
+            </a:endParaRPr>
+          </a:p>
+        </p:txBody>
+      </p:sp>
+      <p:sp>
+        <p:nvSpPr>
+          <p:cNvPr id="21" name="矩形 20"/>
+          <p:cNvSpPr/>
+          <p:nvPr/>
+        </p:nvSpPr>
+        <p:spPr>
+          <a:xfrm>
+            <a:off x="7605948" y="3396341"/>
+            <a:ext cx="692356" cy="592078"/>
+          </a:xfrm>
+          <a:prstGeom prst="rect">
+            <a:avLst/>
+          </a:prstGeom>
+          <a:noFill/>
+          <a:ln>
+            <a:solidFill>
+              <a:srgbClr val="FF0000"/>
+            </a:solidFill>
+          </a:ln>
+        </p:spPr>
+        <p:style>
+          <a:lnRef idx="2">
+            <a:schemeClr val="accent1">
+              <a:shade val="50000"/>
+            </a:schemeClr>
+          </a:lnRef>
+          <a:fillRef idx="1">
+            <a:schemeClr val="accent1"/>
+          </a:fillRef>
+          <a:effectRef idx="0">
+            <a:schemeClr val="accent1"/>
+          </a:effectRef>
+          <a:fontRef idx="minor">
+            <a:schemeClr val="lt1"/>
+          </a:fontRef>
+        </p:style>
+        <p:txBody>
+          <a:bodyPr rtlCol="0" anchor="ctr"/>
+          <a:lstStyle/>
+          <a:p>
+            <a:pPr algn="ctr"/>
+            <a:endParaRPr kumimoji="1" lang="ja-JP" altLang="en-US"/>
+          </a:p>
+        </p:txBody>
+      </p:sp>
     </p:spTree>
     <p:extLst>
       <p:ext uri="{BB962C8B-B14F-4D97-AF65-F5344CB8AC3E}">
-        <p14:creationId xmlns:p14="http://schemas.microsoft.com/office/powerpoint/2010/main" val="3779605762"/>
+        <p14:creationId xmlns:p14="http://schemas.microsoft.com/office/powerpoint/2010/main" val="1549364869"/>
       </p:ext>
     </p:extLst>
   </p:cSld>
@@ -6929,7 +7829,7 @@
       </p:grpSpPr>
       <p:sp>
         <p:nvSpPr>
-          <p:cNvPr id="2" name="标题 1"/>
+          <p:cNvPr id="4" name="标题 1"/>
           <p:cNvSpPr>
             <a:spLocks noGrp="1"/>
           </p:cNvSpPr>
@@ -6937,134 +7837,38 @@
             <p:ph type="title"/>
           </p:nvPr>
         </p:nvSpPr>
-        <p:spPr/>
+        <p:spPr>
+          <a:xfrm>
+            <a:off x="677334" y="609600"/>
+            <a:ext cx="8596668" cy="1320800"/>
+          </a:xfrm>
+        </p:spPr>
         <p:txBody>
           <a:bodyPr/>
           <a:lstStyle/>
           <a:p>
             <a:r>
               <a:rPr lang="ja-JP" altLang="en-US" dirty="0" smtClean="0"/>
-              <a:t>宿題</a:t>
-            </a:r>
-            <a:endParaRPr lang="zh-CN" altLang="en-US" dirty="0"/>
-          </a:p>
-        </p:txBody>
-      </p:sp>
-      <p:sp>
-        <p:nvSpPr>
-          <p:cNvPr id="3" name="内容占位符 2"/>
-          <p:cNvSpPr>
-            <a:spLocks noGrp="1"/>
-          </p:cNvSpPr>
-          <p:nvPr>
-            <p:ph idx="1"/>
-          </p:nvPr>
-        </p:nvSpPr>
-        <p:spPr/>
-        <p:txBody>
-          <a:bodyPr/>
-          <a:lstStyle/>
-          <a:p>
+              <a:t>初めてのロボを</a:t>
+            </a:r>
             <a:r>
               <a:rPr lang="ja-JP" altLang="en-US" dirty="0" smtClean="0"/>
-              <a:t>下記</a:t>
+              <a:t>作</a:t>
+            </a:r>
+            <a:r>
+              <a:rPr lang="ja-JP" altLang="en-US" dirty="0" smtClean="0"/>
+              <a:t>ってみよう</a:t>
             </a:r>
             <a:r>
               <a:rPr lang="en-US" altLang="ja-JP" dirty="0" smtClean="0"/>
-              <a:t>URL</a:t>
-            </a:r>
-            <a:r>
-              <a:rPr lang="ja-JP" altLang="en-US" dirty="0" smtClean="0"/>
-              <a:t>で</a:t>
-            </a:r>
-            <a:r>
-              <a:rPr lang="en-US" altLang="ja-JP" dirty="0" err="1" smtClean="0"/>
-              <a:t>UiPath</a:t>
-            </a:r>
-            <a:r>
+              <a:t/>
+            </a:r>
+            <a:br>
               <a:rPr lang="en-US" altLang="ja-JP" dirty="0" smtClean="0"/>
-              <a:t> Platform</a:t>
-            </a:r>
-            <a:r>
-              <a:rPr lang="ja-JP" altLang="en-US" dirty="0" smtClean="0"/>
-              <a:t>のアカウントを登録してください。</a:t>
-            </a:r>
-            <a:endParaRPr lang="en-US" altLang="ja-JP" dirty="0" smtClean="0"/>
-          </a:p>
-          <a:p>
-            <a:pPr marL="0" indent="0">
-              <a:buNone/>
-            </a:pPr>
-            <a:r>
-              <a:rPr lang="en-US" altLang="zh-CN" dirty="0">
-                <a:hlinkClick r:id="rId2"/>
-              </a:rPr>
-              <a:t>https://</a:t>
-            </a:r>
-            <a:r>
-              <a:rPr lang="en-US" altLang="zh-CN" dirty="0" smtClean="0">
-                <a:hlinkClick r:id="rId2"/>
-              </a:rPr>
-              <a:t>account.uipath.com/login</a:t>
-            </a:r>
-            <a:endParaRPr lang="en-US" altLang="zh-CN" dirty="0" smtClean="0"/>
-          </a:p>
-          <a:p>
-            <a:pPr marL="0" indent="0">
-              <a:buNone/>
-            </a:pPr>
-            <a:endParaRPr lang="en-US" altLang="zh-CN" dirty="0" smtClean="0"/>
-          </a:p>
-          <a:p>
-            <a:pPr marL="0" indent="0">
-              <a:buNone/>
-            </a:pPr>
-            <a:endParaRPr lang="en-US" altLang="zh-CN" dirty="0"/>
-          </a:p>
-          <a:p>
-            <a:r>
-              <a:rPr lang="ja-JP" altLang="en-US" dirty="0" smtClean="0"/>
-              <a:t>上記ログイン後画面から</a:t>
-            </a:r>
-            <a:r>
-              <a:rPr lang="en-US" altLang="ja-JP" dirty="0" err="1" smtClean="0"/>
-              <a:t>UiPath</a:t>
-            </a:r>
-            <a:r>
-              <a:rPr lang="en-US" altLang="ja-JP" dirty="0" smtClean="0"/>
-              <a:t> Studio</a:t>
-            </a:r>
-            <a:r>
-              <a:rPr lang="ja-JP" altLang="en-US" dirty="0" smtClean="0"/>
-              <a:t>をダウンロードして、ローカル</a:t>
-            </a:r>
-            <a:r>
-              <a:rPr lang="en-US" altLang="ja-JP" dirty="0" smtClean="0"/>
-              <a:t>PC</a:t>
-            </a:r>
-            <a:r>
-              <a:rPr lang="ja-JP" altLang="en-US" dirty="0" smtClean="0"/>
-              <a:t>にインストールしてください。</a:t>
-            </a:r>
-            <a:endParaRPr lang="en-US" altLang="ja-JP" dirty="0" smtClean="0"/>
-          </a:p>
-          <a:p>
-            <a:pPr marL="0" indent="0">
-              <a:buNone/>
-            </a:pPr>
-            <a:endParaRPr lang="en-US" altLang="zh-CN" dirty="0"/>
-          </a:p>
-          <a:p>
-            <a:endParaRPr lang="en-US" altLang="zh-CN" dirty="0" smtClean="0"/>
-          </a:p>
-          <a:p>
-            <a:r>
-              <a:rPr lang="en-US" altLang="ja-JP" dirty="0" smtClean="0"/>
-              <a:t>Studio</a:t>
-            </a:r>
-            <a:r>
-              <a:rPr lang="ja-JP" altLang="en-US" dirty="0" smtClean="0"/>
-              <a:t>のアクティビティ部品を使ってみてください。</a:t>
+            </a:br>
+            <a:r>
+              <a:rPr lang="ja-JP" altLang="en-US" sz="2400" dirty="0" smtClean="0"/>
+              <a:t>さぁー、動かしてみよう</a:t>
             </a:r>
             <a:endParaRPr lang="zh-CN" altLang="en-US" dirty="0"/>
           </a:p>
@@ -7079,55 +7883,41 @@
           <p:nvPr/>
         </p:nvPicPr>
         <p:blipFill>
-          <a:blip r:embed="rId3"/>
+          <a:blip r:embed="rId2"/>
           <a:stretch>
             <a:fillRect/>
           </a:stretch>
         </p:blipFill>
         <p:spPr>
           <a:xfrm>
-            <a:off x="6955154" y="4136160"/>
-            <a:ext cx="4548685" cy="2643387"/>
+            <a:off x="677334" y="1865962"/>
+            <a:ext cx="6545898" cy="4195748"/>
           </a:xfrm>
           <a:prstGeom prst="rect">
             <a:avLst/>
           </a:prstGeom>
-          <a:ln>
-            <a:noFill/>
-          </a:ln>
-          <a:effectLst>
-            <a:outerShdw blurRad="292100" dist="139700" dir="2700000" algn="tl" rotWithShape="0">
-              <a:srgbClr val="333333">
-                <a:alpha val="65000"/>
-              </a:srgbClr>
-            </a:outerShdw>
-          </a:effectLst>
         </p:spPr>
       </p:pic>
       <p:sp>
         <p:nvSpPr>
-          <p:cNvPr id="6" name="矩形标注 5"/>
+          <p:cNvPr id="6" name="矩形 5"/>
           <p:cNvSpPr/>
           <p:nvPr/>
         </p:nvSpPr>
         <p:spPr>
           <a:xfrm>
-            <a:off x="9355455" y="2588895"/>
-            <a:ext cx="2560320" cy="1028700"/>
-          </a:xfrm>
-          <a:prstGeom prst="wedgeRectCallout">
-            <a:avLst>
-              <a:gd name="adj1" fmla="val 10864"/>
-              <a:gd name="adj2" fmla="val 210277"/>
-            </a:avLst>
+            <a:off x="1639745" y="2680927"/>
+            <a:ext cx="665305" cy="226103"/>
+          </a:xfrm>
+          <a:prstGeom prst="rect">
+            <a:avLst/>
           </a:prstGeom>
-          <a:effectLst>
-            <a:outerShdw blurRad="50800" dist="38100" dir="2700000" algn="tl" rotWithShape="0">
-              <a:prstClr val="black">
-                <a:alpha val="40000"/>
-              </a:prstClr>
-            </a:outerShdw>
-          </a:effectLst>
+          <a:noFill/>
+          <a:ln>
+            <a:solidFill>
+              <a:srgbClr val="FF0000"/>
+            </a:solidFill>
+          </a:ln>
         </p:spPr>
         <p:style>
           <a:lnRef idx="2">
@@ -7150,22 +7940,753 @@
           <a:lstStyle/>
           <a:p>
             <a:pPr algn="ctr"/>
-            <a:r>
-              <a:rPr lang="en-US" altLang="ja-JP" dirty="0" err="1" smtClean="0"/>
-              <a:t>UiPath</a:t>
+            <a:endParaRPr kumimoji="1" lang="ja-JP" altLang="en-US"/>
+          </a:p>
+        </p:txBody>
+      </p:sp>
+      <p:sp>
+        <p:nvSpPr>
+          <p:cNvPr id="7" name="线形标注 1 6"/>
+          <p:cNvSpPr/>
+          <p:nvPr/>
+        </p:nvSpPr>
+        <p:spPr>
+          <a:xfrm>
+            <a:off x="2797328" y="2793978"/>
+            <a:ext cx="2990062" cy="711222"/>
+          </a:xfrm>
+          <a:prstGeom prst="borderCallout1">
+            <a:avLst>
+              <a:gd name="adj1" fmla="val 60878"/>
+              <a:gd name="adj2" fmla="val -3683"/>
+              <a:gd name="adj3" fmla="val 9782"/>
+              <a:gd name="adj4" fmla="val -16272"/>
+            </a:avLst>
+          </a:prstGeom>
+          <a:solidFill>
+            <a:schemeClr val="bg1"/>
+          </a:solidFill>
+          <a:ln>
+            <a:solidFill>
+              <a:srgbClr val="FF0000"/>
+            </a:solidFill>
+          </a:ln>
+        </p:spPr>
+        <p:style>
+          <a:lnRef idx="2">
+            <a:schemeClr val="accent1">
+              <a:shade val="50000"/>
+            </a:schemeClr>
+          </a:lnRef>
+          <a:fillRef idx="1">
+            <a:schemeClr val="accent1"/>
+          </a:fillRef>
+          <a:effectRef idx="0">
+            <a:schemeClr val="accent1"/>
+          </a:effectRef>
+          <a:fontRef idx="minor">
+            <a:schemeClr val="lt1"/>
+          </a:fontRef>
+        </p:style>
+        <p:txBody>
+          <a:bodyPr rtlCol="0" anchor="ctr"/>
+          <a:lstStyle/>
+          <a:p>
+            <a:pPr algn="ctr"/>
+            <a:r>
+              <a:rPr kumimoji="1" lang="ja-JP" altLang="en-US" dirty="0" smtClean="0">
+                <a:solidFill>
+                  <a:srgbClr val="FF0000"/>
+                </a:solidFill>
+              </a:rPr>
+              <a:t>実行ボタンを押すと録画した動きが再現される。</a:t>
+            </a:r>
+            <a:endParaRPr kumimoji="1" lang="ja-JP" altLang="en-US" dirty="0">
+              <a:solidFill>
+                <a:srgbClr val="FF0000"/>
+              </a:solidFill>
+            </a:endParaRPr>
+          </a:p>
+        </p:txBody>
+      </p:sp>
+      <p:pic>
+        <p:nvPicPr>
+          <p:cNvPr id="8" name="图片 7"/>
+          <p:cNvPicPr>
+            <a:picLocks noChangeAspect="1"/>
+          </p:cNvPicPr>
+          <p:nvPr/>
+        </p:nvPicPr>
+        <p:blipFill>
+          <a:blip r:embed="rId3"/>
+          <a:stretch>
+            <a:fillRect/>
+          </a:stretch>
+        </p:blipFill>
+        <p:spPr>
+          <a:xfrm>
+            <a:off x="6642502" y="2301674"/>
+            <a:ext cx="1450726" cy="2407051"/>
+          </a:xfrm>
+          <a:prstGeom prst="rect">
+            <a:avLst/>
+          </a:prstGeom>
+        </p:spPr>
+      </p:pic>
+      <p:sp>
+        <p:nvSpPr>
+          <p:cNvPr id="9" name="右箭头 8"/>
+          <p:cNvSpPr/>
+          <p:nvPr/>
+        </p:nvSpPr>
+        <p:spPr>
+          <a:xfrm>
+            <a:off x="6004560" y="2859024"/>
+            <a:ext cx="481584" cy="646175"/>
+          </a:xfrm>
+          <a:prstGeom prst="rightArrow">
+            <a:avLst/>
+          </a:prstGeom>
+          <a:noFill/>
+          <a:ln>
+            <a:solidFill>
+              <a:srgbClr val="FF0000"/>
+            </a:solidFill>
+          </a:ln>
+        </p:spPr>
+        <p:style>
+          <a:lnRef idx="2">
+            <a:schemeClr val="accent1">
+              <a:shade val="50000"/>
+            </a:schemeClr>
+          </a:lnRef>
+          <a:fillRef idx="1">
+            <a:schemeClr val="accent1"/>
+          </a:fillRef>
+          <a:effectRef idx="0">
+            <a:schemeClr val="accent1"/>
+          </a:effectRef>
+          <a:fontRef idx="minor">
+            <a:schemeClr val="lt1"/>
+          </a:fontRef>
+        </p:style>
+        <p:txBody>
+          <a:bodyPr rtlCol="0" anchor="ctr"/>
+          <a:lstStyle/>
+          <a:p>
+            <a:pPr algn="ctr"/>
+            <a:endParaRPr kumimoji="1" lang="ja-JP" altLang="en-US"/>
+          </a:p>
+        </p:txBody>
+      </p:sp>
+      <p:sp>
+        <p:nvSpPr>
+          <p:cNvPr id="10" name="文本框 9"/>
+          <p:cNvSpPr txBox="1"/>
+          <p:nvPr/>
+        </p:nvSpPr>
+        <p:spPr>
+          <a:xfrm>
+            <a:off x="5787390" y="4761561"/>
+            <a:ext cx="3647152" cy="646331"/>
+          </a:xfrm>
+          <a:prstGeom prst="rect">
+            <a:avLst/>
+          </a:prstGeom>
+          <a:noFill/>
+        </p:spPr>
+        <p:txBody>
+          <a:bodyPr wrap="none" rtlCol="0">
+            <a:spAutoFit/>
+          </a:bodyPr>
+          <a:lstStyle/>
+          <a:p>
+            <a:r>
+              <a:rPr kumimoji="1" lang="ja-JP" altLang="en-US" dirty="0" smtClean="0">
+                <a:solidFill>
+                  <a:srgbClr val="FF0000"/>
+                </a:solidFill>
+              </a:rPr>
+              <a:t>人生初</a:t>
+            </a:r>
+            <a:r>
+              <a:rPr kumimoji="1" lang="ja-JP" altLang="en-US" dirty="0">
+                <a:solidFill>
+                  <a:srgbClr val="FF0000"/>
+                </a:solidFill>
+              </a:rPr>
+              <a:t>めてのロボットが動いた</a:t>
+            </a:r>
+            <a:r>
+              <a:rPr kumimoji="1" lang="ja-JP" altLang="en-US" dirty="0" smtClean="0">
+                <a:solidFill>
+                  <a:srgbClr val="FF0000"/>
+                </a:solidFill>
+              </a:rPr>
+              <a:t>！</a:t>
+            </a:r>
+            <a:endParaRPr kumimoji="1" lang="en-US" altLang="ja-JP" dirty="0" smtClean="0">
+              <a:solidFill>
+                <a:srgbClr val="FF0000"/>
+              </a:solidFill>
+            </a:endParaRPr>
+          </a:p>
+          <a:p>
+            <a:r>
+              <a:rPr kumimoji="1" lang="ja-JP" altLang="en-US" dirty="0" smtClean="0">
+                <a:solidFill>
+                  <a:srgbClr val="FF0000"/>
+                </a:solidFill>
+              </a:rPr>
+              <a:t>おめでとう！</a:t>
+            </a:r>
+            <a:endParaRPr kumimoji="1" lang="en-US" altLang="ja-JP" dirty="0" smtClean="0">
+              <a:solidFill>
+                <a:srgbClr val="FF0000"/>
+              </a:solidFill>
+            </a:endParaRPr>
+          </a:p>
+        </p:txBody>
+      </p:sp>
+    </p:spTree>
+    <p:extLst>
+      <p:ext uri="{BB962C8B-B14F-4D97-AF65-F5344CB8AC3E}">
+        <p14:creationId xmlns:p14="http://schemas.microsoft.com/office/powerpoint/2010/main" val="3954055824"/>
+      </p:ext>
+    </p:extLst>
+  </p:cSld>
+  <p:clrMapOvr>
+    <a:masterClrMapping/>
+  </p:clrMapOvr>
+</p:sld>
+</file>
+
+<file path=ppt/slides/slide14.xml><?xml version="1.0" encoding="utf-8"?>
+<p:sld xmlns:a="http://schemas.openxmlformats.org/drawingml/2006/main" xmlns:r="http://schemas.openxmlformats.org/officeDocument/2006/relationships" xmlns:p="http://schemas.openxmlformats.org/presentationml/2006/main">
+  <p:cSld>
+    <p:spTree>
+      <p:nvGrpSpPr>
+        <p:cNvPr id="1" name=""/>
+        <p:cNvGrpSpPr/>
+        <p:nvPr/>
+      </p:nvGrpSpPr>
+      <p:grpSpPr>
+        <a:xfrm>
+          <a:off x="0" y="0"/>
+          <a:ext cx="0" cy="0"/>
+          <a:chOff x="0" y="0"/>
+          <a:chExt cx="0" cy="0"/>
+        </a:xfrm>
+      </p:grpSpPr>
+      <p:sp>
+        <p:nvSpPr>
+          <p:cNvPr id="4" name="标题 1"/>
+          <p:cNvSpPr>
+            <a:spLocks noGrp="1"/>
+          </p:cNvSpPr>
+          <p:nvPr>
+            <p:ph type="title"/>
+          </p:nvPr>
+        </p:nvSpPr>
+        <p:spPr>
+          <a:xfrm>
+            <a:off x="677334" y="609600"/>
+            <a:ext cx="8596668" cy="1320800"/>
+          </a:xfrm>
+        </p:spPr>
+        <p:txBody>
+          <a:bodyPr/>
+          <a:lstStyle/>
+          <a:p>
+            <a:r>
+              <a:rPr lang="ja-JP" altLang="en-US" dirty="0" smtClean="0"/>
+              <a:t>初めてのロボを</a:t>
+            </a:r>
+            <a:r>
+              <a:rPr lang="ja-JP" altLang="en-US" dirty="0" smtClean="0"/>
+              <a:t>作</a:t>
+            </a:r>
+            <a:r>
+              <a:rPr lang="ja-JP" altLang="en-US" dirty="0" smtClean="0"/>
+              <a:t>ってみよう</a:t>
             </a:r>
             <a:r>
               <a:rPr lang="en-US" altLang="ja-JP" dirty="0" smtClean="0"/>
-              <a:t> Studio</a:t>
-            </a:r>
-          </a:p>
+              <a:t/>
+            </a:r>
+            <a:br>
+              <a:rPr lang="en-US" altLang="ja-JP" dirty="0" smtClean="0"/>
+            </a:br>
+            <a:r>
+              <a:rPr lang="ja-JP" altLang="en-US" sz="2400" dirty="0" smtClean="0"/>
+              <a:t>録画したロボの挙動を変えよう</a:t>
+            </a:r>
+            <a:endParaRPr lang="zh-CN" altLang="en-US" dirty="0"/>
+          </a:p>
+        </p:txBody>
+      </p:sp>
+      <p:pic>
+        <p:nvPicPr>
+          <p:cNvPr id="5" name="图片 4"/>
+          <p:cNvPicPr>
+            <a:picLocks noChangeAspect="1"/>
+          </p:cNvPicPr>
+          <p:nvPr/>
+        </p:nvPicPr>
+        <p:blipFill>
+          <a:blip r:embed="rId2"/>
+          <a:stretch>
+            <a:fillRect/>
+          </a:stretch>
+        </p:blipFill>
+        <p:spPr>
+          <a:xfrm>
+            <a:off x="572059" y="1789911"/>
+            <a:ext cx="6924856" cy="4438650"/>
+          </a:xfrm>
+          <a:prstGeom prst="rect">
+            <a:avLst/>
+          </a:prstGeom>
+        </p:spPr>
+      </p:pic>
+      <p:sp>
+        <p:nvSpPr>
+          <p:cNvPr id="6" name="线形标注 1 5"/>
+          <p:cNvSpPr/>
+          <p:nvPr/>
+        </p:nvSpPr>
+        <p:spPr>
+          <a:xfrm>
+            <a:off x="4272560" y="4157472"/>
+            <a:ext cx="3597642" cy="841248"/>
+          </a:xfrm>
+          <a:prstGeom prst="borderCallout1">
+            <a:avLst>
+              <a:gd name="adj1" fmla="val 60878"/>
+              <a:gd name="adj2" fmla="val -3683"/>
+              <a:gd name="adj3" fmla="val 9782"/>
+              <a:gd name="adj4" fmla="val -16272"/>
+            </a:avLst>
+          </a:prstGeom>
+          <a:solidFill>
+            <a:schemeClr val="bg1"/>
+          </a:solidFill>
+          <a:ln>
+            <a:solidFill>
+              <a:srgbClr val="FF0000"/>
+            </a:solidFill>
+          </a:ln>
+        </p:spPr>
+        <p:style>
+          <a:lnRef idx="2">
+            <a:schemeClr val="accent1">
+              <a:shade val="50000"/>
+            </a:schemeClr>
+          </a:lnRef>
+          <a:fillRef idx="1">
+            <a:schemeClr val="accent1"/>
+          </a:fillRef>
+          <a:effectRef idx="0">
+            <a:schemeClr val="accent1"/>
+          </a:effectRef>
+          <a:fontRef idx="minor">
+            <a:schemeClr val="lt1"/>
+          </a:fontRef>
+        </p:style>
+        <p:txBody>
+          <a:bodyPr rtlCol="0" anchor="ctr"/>
+          <a:lstStyle/>
           <a:p>
             <a:pPr algn="ctr"/>
             <a:r>
+              <a:rPr kumimoji="1" lang="ja-JP" altLang="en-US" dirty="0" smtClean="0">
+                <a:solidFill>
+                  <a:srgbClr val="FF0000"/>
+                </a:solidFill>
+              </a:rPr>
+              <a:t>ボタンを押す処理をコピーペで増やしてみてください</a:t>
+            </a:r>
+            <a:endParaRPr kumimoji="1" lang="en-US" altLang="ja-JP" dirty="0" smtClean="0">
+              <a:solidFill>
+                <a:srgbClr val="FF0000"/>
+              </a:solidFill>
+            </a:endParaRPr>
+          </a:p>
+        </p:txBody>
+      </p:sp>
+      <p:pic>
+        <p:nvPicPr>
+          <p:cNvPr id="7" name="图片 6"/>
+          <p:cNvPicPr>
+            <a:picLocks noChangeAspect="1"/>
+          </p:cNvPicPr>
+          <p:nvPr/>
+        </p:nvPicPr>
+        <p:blipFill>
+          <a:blip r:embed="rId3"/>
+          <a:stretch>
+            <a:fillRect/>
+          </a:stretch>
+        </p:blipFill>
+        <p:spPr>
+          <a:xfrm>
+            <a:off x="8364307" y="4157472"/>
+            <a:ext cx="1819390" cy="2511932"/>
+          </a:xfrm>
+          <a:prstGeom prst="rect">
+            <a:avLst/>
+          </a:prstGeom>
+        </p:spPr>
+      </p:pic>
+      <p:pic>
+        <p:nvPicPr>
+          <p:cNvPr id="8" name="图片 7"/>
+          <p:cNvPicPr>
+            <a:picLocks noChangeAspect="1"/>
+          </p:cNvPicPr>
+          <p:nvPr/>
+        </p:nvPicPr>
+        <p:blipFill>
+          <a:blip r:embed="rId4"/>
+          <a:stretch>
+            <a:fillRect/>
+          </a:stretch>
+        </p:blipFill>
+        <p:spPr>
+          <a:xfrm>
+            <a:off x="8408667" y="971296"/>
+            <a:ext cx="1730669" cy="2871534"/>
+          </a:xfrm>
+          <a:prstGeom prst="rect">
+            <a:avLst/>
+          </a:prstGeom>
+        </p:spPr>
+      </p:pic>
+      <p:sp>
+        <p:nvSpPr>
+          <p:cNvPr id="9" name="右箭头 8"/>
+          <p:cNvSpPr/>
+          <p:nvPr/>
+        </p:nvSpPr>
+        <p:spPr>
+          <a:xfrm rot="5400000">
+            <a:off x="9125712" y="3756393"/>
+            <a:ext cx="481584" cy="646175"/>
+          </a:xfrm>
+          <a:prstGeom prst="rightArrow">
+            <a:avLst/>
+          </a:prstGeom>
+          <a:noFill/>
+          <a:ln>
+            <a:solidFill>
+              <a:srgbClr val="FF0000"/>
+            </a:solidFill>
+          </a:ln>
+        </p:spPr>
+        <p:style>
+          <a:lnRef idx="2">
+            <a:schemeClr val="accent1">
+              <a:shade val="50000"/>
+            </a:schemeClr>
+          </a:lnRef>
+          <a:fillRef idx="1">
+            <a:schemeClr val="accent1"/>
+          </a:fillRef>
+          <a:effectRef idx="0">
+            <a:schemeClr val="accent1"/>
+          </a:effectRef>
+          <a:fontRef idx="minor">
+            <a:schemeClr val="lt1"/>
+          </a:fontRef>
+        </p:style>
+        <p:txBody>
+          <a:bodyPr rtlCol="0" anchor="ctr"/>
+          <a:lstStyle/>
+          <a:p>
+            <a:pPr algn="ctr"/>
+            <a:endParaRPr kumimoji="1" lang="ja-JP" altLang="en-US"/>
+          </a:p>
+        </p:txBody>
+      </p:sp>
+      <p:sp>
+        <p:nvSpPr>
+          <p:cNvPr id="10" name="文本框 9"/>
+          <p:cNvSpPr txBox="1"/>
+          <p:nvPr/>
+        </p:nvSpPr>
+        <p:spPr>
+          <a:xfrm>
+            <a:off x="8050759" y="786630"/>
+            <a:ext cx="877163" cy="369332"/>
+          </a:xfrm>
+          <a:prstGeom prst="rect">
+            <a:avLst/>
+          </a:prstGeom>
+          <a:noFill/>
+        </p:spPr>
+        <p:txBody>
+          <a:bodyPr wrap="none" rtlCol="0">
+            <a:spAutoFit/>
+          </a:bodyPr>
+          <a:lstStyle/>
+          <a:p>
+            <a:r>
+              <a:rPr kumimoji="1" lang="ja-JP" altLang="en-US" dirty="0" smtClean="0">
+                <a:solidFill>
+                  <a:srgbClr val="FF0000"/>
+                </a:solidFill>
+              </a:rPr>
+              <a:t>修正前</a:t>
+            </a:r>
+            <a:endParaRPr kumimoji="1" lang="en-US" altLang="ja-JP" dirty="0" smtClean="0">
+              <a:solidFill>
+                <a:srgbClr val="FF0000"/>
+              </a:solidFill>
+            </a:endParaRPr>
+          </a:p>
+        </p:txBody>
+      </p:sp>
+      <p:sp>
+        <p:nvSpPr>
+          <p:cNvPr id="11" name="文本框 10"/>
+          <p:cNvSpPr txBox="1"/>
+          <p:nvPr/>
+        </p:nvSpPr>
+        <p:spPr>
+          <a:xfrm>
+            <a:off x="8050759" y="3972806"/>
+            <a:ext cx="877163" cy="369332"/>
+          </a:xfrm>
+          <a:prstGeom prst="rect">
+            <a:avLst/>
+          </a:prstGeom>
+          <a:noFill/>
+        </p:spPr>
+        <p:txBody>
+          <a:bodyPr wrap="none" rtlCol="0">
+            <a:spAutoFit/>
+          </a:bodyPr>
+          <a:lstStyle/>
+          <a:p>
+            <a:r>
+              <a:rPr kumimoji="1" lang="ja-JP" altLang="en-US" dirty="0">
+                <a:solidFill>
+                  <a:srgbClr val="FF0000"/>
+                </a:solidFill>
+              </a:rPr>
+              <a:t>修正後</a:t>
+            </a:r>
+            <a:endParaRPr kumimoji="1" lang="en-US" altLang="ja-JP" dirty="0" smtClean="0">
+              <a:solidFill>
+                <a:srgbClr val="FF0000"/>
+              </a:solidFill>
+            </a:endParaRPr>
+          </a:p>
+        </p:txBody>
+      </p:sp>
+      <p:sp>
+        <p:nvSpPr>
+          <p:cNvPr id="12" name="线形标注 1 11"/>
+          <p:cNvSpPr/>
+          <p:nvPr/>
+        </p:nvSpPr>
+        <p:spPr>
+          <a:xfrm>
+            <a:off x="8265440" y="5157328"/>
+            <a:ext cx="3597642" cy="727908"/>
+          </a:xfrm>
+          <a:prstGeom prst="borderCallout1">
+            <a:avLst>
+              <a:gd name="adj1" fmla="val -9412"/>
+              <a:gd name="adj2" fmla="val 17667"/>
+              <a:gd name="adj3" fmla="val -72827"/>
+              <a:gd name="adj4" fmla="val 45914"/>
+            </a:avLst>
+          </a:prstGeom>
+          <a:solidFill>
+            <a:schemeClr val="bg1"/>
+          </a:solidFill>
+          <a:ln>
+            <a:solidFill>
+              <a:srgbClr val="FF0000"/>
+            </a:solidFill>
+          </a:ln>
+        </p:spPr>
+        <p:style>
+          <a:lnRef idx="2">
+            <a:schemeClr val="accent1">
+              <a:shade val="50000"/>
+            </a:schemeClr>
+          </a:lnRef>
+          <a:fillRef idx="1">
+            <a:schemeClr val="accent1"/>
+          </a:fillRef>
+          <a:effectRef idx="0">
+            <a:schemeClr val="accent1"/>
+          </a:effectRef>
+          <a:fontRef idx="minor">
+            <a:schemeClr val="lt1"/>
+          </a:fontRef>
+        </p:style>
+        <p:txBody>
+          <a:bodyPr rtlCol="0" anchor="ctr"/>
+          <a:lstStyle/>
+          <a:p>
+            <a:pPr algn="ctr"/>
+            <a:r>
+              <a:rPr kumimoji="1" lang="ja-JP" altLang="en-US" dirty="0" smtClean="0">
+                <a:solidFill>
+                  <a:srgbClr val="FF0000"/>
+                </a:solidFill>
+              </a:rPr>
+              <a:t>動かしてみたら、押した「</a:t>
+            </a:r>
+            <a:r>
+              <a:rPr kumimoji="1" lang="en-US" altLang="ja-JP" dirty="0" smtClean="0">
+                <a:solidFill>
+                  <a:srgbClr val="FF0000"/>
+                </a:solidFill>
+              </a:rPr>
+              <a:t>8</a:t>
+            </a:r>
+            <a:r>
+              <a:rPr kumimoji="1" lang="ja-JP" altLang="en-US" dirty="0" smtClean="0">
+                <a:solidFill>
+                  <a:srgbClr val="FF0000"/>
+                </a:solidFill>
+              </a:rPr>
+              <a:t>」が１個増えた。</a:t>
+            </a:r>
+            <a:endParaRPr kumimoji="1" lang="en-US" altLang="ja-JP" dirty="0" smtClean="0">
+              <a:solidFill>
+                <a:srgbClr val="FF0000"/>
+              </a:solidFill>
+            </a:endParaRPr>
+          </a:p>
+        </p:txBody>
+      </p:sp>
+    </p:spTree>
+    <p:extLst>
+      <p:ext uri="{BB962C8B-B14F-4D97-AF65-F5344CB8AC3E}">
+        <p14:creationId xmlns:p14="http://schemas.microsoft.com/office/powerpoint/2010/main" val="244721839"/>
+      </p:ext>
+    </p:extLst>
+  </p:cSld>
+  <p:clrMapOvr>
+    <a:masterClrMapping/>
+  </p:clrMapOvr>
+</p:sld>
+</file>
+
+<file path=ppt/slides/slide15.xml><?xml version="1.0" encoding="utf-8"?>
+<p:sld xmlns:a="http://schemas.openxmlformats.org/drawingml/2006/main" xmlns:r="http://schemas.openxmlformats.org/officeDocument/2006/relationships" xmlns:p="http://schemas.openxmlformats.org/presentationml/2006/main">
+  <p:cSld>
+    <p:spTree>
+      <p:nvGrpSpPr>
+        <p:cNvPr id="1" name=""/>
+        <p:cNvGrpSpPr/>
+        <p:nvPr/>
+      </p:nvGrpSpPr>
+      <p:grpSpPr>
+        <a:xfrm>
+          <a:off x="0" y="0"/>
+          <a:ext cx="0" cy="0"/>
+          <a:chOff x="0" y="0"/>
+          <a:chExt cx="0" cy="0"/>
+        </a:xfrm>
+      </p:grpSpPr>
+      <p:sp>
+        <p:nvSpPr>
+          <p:cNvPr id="2" name="标题 1"/>
+          <p:cNvSpPr>
+            <a:spLocks noGrp="1"/>
+          </p:cNvSpPr>
+          <p:nvPr>
+            <p:ph type="title"/>
+          </p:nvPr>
+        </p:nvSpPr>
+        <p:spPr/>
+        <p:txBody>
+          <a:bodyPr/>
+          <a:lstStyle/>
+          <a:p>
+            <a:r>
               <a:rPr lang="ja-JP" altLang="en-US" dirty="0" smtClean="0"/>
-              <a:t>ダウンロード画面</a:t>
+              <a:t>宿題</a:t>
             </a:r>
             <a:endParaRPr lang="zh-CN" altLang="en-US" dirty="0"/>
+          </a:p>
+        </p:txBody>
+      </p:sp>
+      <p:sp>
+        <p:nvSpPr>
+          <p:cNvPr id="3" name="内容占位符 2"/>
+          <p:cNvSpPr>
+            <a:spLocks noGrp="1"/>
+          </p:cNvSpPr>
+          <p:nvPr>
+            <p:ph idx="1"/>
+          </p:nvPr>
+        </p:nvSpPr>
+        <p:spPr/>
+        <p:txBody>
+          <a:bodyPr>
+            <a:normAutofit/>
+          </a:bodyPr>
+          <a:lstStyle/>
+          <a:p>
+            <a:r>
+              <a:rPr lang="ja-JP" altLang="en-US" sz="2000" dirty="0" smtClean="0"/>
+              <a:t>まだ</a:t>
+            </a:r>
+            <a:r>
+              <a:rPr lang="en-US" altLang="ja-JP" sz="2000" dirty="0" smtClean="0"/>
+              <a:t>Studio</a:t>
+            </a:r>
+            <a:r>
+              <a:rPr lang="ja-JP" altLang="en-US" sz="2000" dirty="0" smtClean="0"/>
+              <a:t>のインストールを完了していない方はスライド「</a:t>
+            </a:r>
+            <a:r>
+              <a:rPr lang="en-US" altLang="ja-JP" sz="2000" dirty="0"/>
+              <a:t>10</a:t>
+            </a:r>
+            <a:r>
+              <a:rPr lang="ja-JP" altLang="en-US" sz="2000" dirty="0"/>
+              <a:t>分で無料な開発環境構築</a:t>
+            </a:r>
+            <a:r>
+              <a:rPr lang="ja-JP" altLang="en-US" sz="2000" dirty="0" smtClean="0"/>
+              <a:t>してみよう」を参照して、次回の勉強会までに完了してください。（必須、提出不要）</a:t>
+            </a:r>
+            <a:endParaRPr lang="en-US" altLang="ja-JP" sz="2000" dirty="0" smtClean="0"/>
+          </a:p>
+          <a:p>
+            <a:pPr marL="0" indent="0">
+              <a:buNone/>
+            </a:pPr>
+            <a:endParaRPr lang="en-US" altLang="zh-CN" sz="2000" dirty="0"/>
+          </a:p>
+          <a:p>
+            <a:r>
+              <a:rPr lang="ja-JP" altLang="en-US" sz="2000" dirty="0" smtClean="0"/>
+              <a:t>普段の生活や仕事の中で、ロボ化できそうなとこってありますか。いくつか考えてみてください。（オプション。提出不要。次回の勉強会で考えた人に</a:t>
+            </a:r>
+            <a:r>
+              <a:rPr lang="ja-JP" altLang="en-US" sz="2000" dirty="0" smtClean="0"/>
+              <a:t>３分</a:t>
+            </a:r>
+            <a:r>
+              <a:rPr lang="ja-JP" altLang="en-US" sz="2000" dirty="0" smtClean="0"/>
+              <a:t>ほど発表していただきます。）</a:t>
+            </a:r>
+            <a:endParaRPr lang="en-US" altLang="ja-JP" sz="2000" dirty="0" smtClean="0"/>
+          </a:p>
+          <a:p>
+            <a:pPr marL="0" indent="0">
+              <a:buNone/>
+            </a:pPr>
+            <a:endParaRPr lang="en-US" altLang="zh-CN" dirty="0" smtClean="0"/>
           </a:p>
         </p:txBody>
       </p:sp>
@@ -7173,6 +8694,250 @@
     <p:extLst>
       <p:ext uri="{BB962C8B-B14F-4D97-AF65-F5344CB8AC3E}">
         <p14:creationId xmlns:p14="http://schemas.microsoft.com/office/powerpoint/2010/main" val="2722310009"/>
+      </p:ext>
+    </p:extLst>
+  </p:cSld>
+  <p:clrMapOvr>
+    <a:masterClrMapping/>
+  </p:clrMapOvr>
+</p:sld>
+</file>
+
+<file path=ppt/slides/slide16.xml><?xml version="1.0" encoding="utf-8"?>
+<p:sld xmlns:a="http://schemas.openxmlformats.org/drawingml/2006/main" xmlns:r="http://schemas.openxmlformats.org/officeDocument/2006/relationships" xmlns:p="http://schemas.openxmlformats.org/presentationml/2006/main">
+  <p:cSld>
+    <p:spTree>
+      <p:nvGrpSpPr>
+        <p:cNvPr id="1" name=""/>
+        <p:cNvGrpSpPr/>
+        <p:nvPr/>
+      </p:nvGrpSpPr>
+      <p:grpSpPr>
+        <a:xfrm>
+          <a:off x="0" y="0"/>
+          <a:ext cx="0" cy="0"/>
+          <a:chOff x="0" y="0"/>
+          <a:chExt cx="0" cy="0"/>
+        </a:xfrm>
+      </p:grpSpPr>
+      <p:sp>
+        <p:nvSpPr>
+          <p:cNvPr id="2" name="标题 1"/>
+          <p:cNvSpPr>
+            <a:spLocks noGrp="1"/>
+          </p:cNvSpPr>
+          <p:nvPr>
+            <p:ph type="title"/>
+          </p:nvPr>
+        </p:nvSpPr>
+        <p:spPr/>
+        <p:txBody>
+          <a:bodyPr/>
+          <a:lstStyle/>
+          <a:p>
+            <a:r>
+              <a:rPr kumimoji="1" lang="ja-JP" altLang="en-US" dirty="0" smtClean="0"/>
+              <a:t>無料な</a:t>
+            </a:r>
+            <a:r>
+              <a:rPr kumimoji="1" lang="en-US" altLang="ja-JP" dirty="0" smtClean="0"/>
+              <a:t>UiPath</a:t>
+            </a:r>
+            <a:r>
+              <a:rPr kumimoji="1" lang="ja-JP" altLang="en-US" dirty="0" smtClean="0"/>
+              <a:t>学習リソース</a:t>
+            </a:r>
+            <a:endParaRPr kumimoji="1" lang="ja-JP" altLang="en-US" dirty="0"/>
+          </a:p>
+        </p:txBody>
+      </p:sp>
+      <p:pic>
+        <p:nvPicPr>
+          <p:cNvPr id="4" name="图片 3"/>
+          <p:cNvPicPr>
+            <a:picLocks noChangeAspect="1"/>
+          </p:cNvPicPr>
+          <p:nvPr/>
+        </p:nvPicPr>
+        <p:blipFill>
+          <a:blip r:embed="rId2"/>
+          <a:stretch>
+            <a:fillRect/>
+          </a:stretch>
+        </p:blipFill>
+        <p:spPr>
+          <a:xfrm>
+            <a:off x="620578" y="1930400"/>
+            <a:ext cx="6891203" cy="4628055"/>
+          </a:xfrm>
+          <a:prstGeom prst="rect">
+            <a:avLst/>
+          </a:prstGeom>
+          <a:ln>
+            <a:solidFill>
+              <a:srgbClr val="FF0000"/>
+            </a:solidFill>
+          </a:ln>
+          <a:effectLst>
+            <a:outerShdw blurRad="292100" dist="139700" dir="2700000" algn="tl" rotWithShape="0">
+              <a:srgbClr val="333333">
+                <a:alpha val="65000"/>
+              </a:srgbClr>
+            </a:outerShdw>
+          </a:effectLst>
+        </p:spPr>
+      </p:pic>
+      <p:sp>
+        <p:nvSpPr>
+          <p:cNvPr id="5" name="文本框 4"/>
+          <p:cNvSpPr txBox="1"/>
+          <p:nvPr/>
+        </p:nvSpPr>
+        <p:spPr>
+          <a:xfrm>
+            <a:off x="677334" y="1412591"/>
+            <a:ext cx="3316036" cy="369332"/>
+          </a:xfrm>
+          <a:prstGeom prst="rect">
+            <a:avLst/>
+          </a:prstGeom>
+          <a:noFill/>
+        </p:spPr>
+        <p:txBody>
+          <a:bodyPr wrap="none" rtlCol="0">
+            <a:spAutoFit/>
+          </a:bodyPr>
+          <a:lstStyle/>
+          <a:p>
+            <a:r>
+              <a:rPr lang="en-US" altLang="zh-CN" dirty="0">
+                <a:hlinkClick r:id="rId3"/>
+              </a:rPr>
+              <a:t>https://academy.uipath.com</a:t>
+            </a:r>
+            <a:r>
+              <a:rPr lang="en-US" altLang="zh-CN" dirty="0" smtClean="0">
+                <a:hlinkClick r:id="rId3"/>
+              </a:rPr>
+              <a:t>/</a:t>
+            </a:r>
+            <a:endParaRPr lang="en-US" altLang="zh-CN" dirty="0"/>
+          </a:p>
+        </p:txBody>
+      </p:sp>
+      <p:sp>
+        <p:nvSpPr>
+          <p:cNvPr id="6" name="线形标注 1 5"/>
+          <p:cNvSpPr/>
+          <p:nvPr/>
+        </p:nvSpPr>
+        <p:spPr>
+          <a:xfrm>
+            <a:off x="7235952" y="3104570"/>
+            <a:ext cx="4706623" cy="1122680"/>
+          </a:xfrm>
+          <a:prstGeom prst="borderCallout1">
+            <a:avLst>
+              <a:gd name="adj1" fmla="val 60878"/>
+              <a:gd name="adj2" fmla="val -3683"/>
+              <a:gd name="adj3" fmla="val 135060"/>
+              <a:gd name="adj4" fmla="val -25877"/>
+            </a:avLst>
+          </a:prstGeom>
+          <a:solidFill>
+            <a:schemeClr val="bg1"/>
+          </a:solidFill>
+          <a:ln>
+            <a:solidFill>
+              <a:srgbClr val="FF0000"/>
+            </a:solidFill>
+          </a:ln>
+        </p:spPr>
+        <p:style>
+          <a:lnRef idx="2">
+            <a:schemeClr val="accent1">
+              <a:shade val="50000"/>
+            </a:schemeClr>
+          </a:lnRef>
+          <a:fillRef idx="1">
+            <a:schemeClr val="accent1"/>
+          </a:fillRef>
+          <a:effectRef idx="0">
+            <a:schemeClr val="accent1"/>
+          </a:effectRef>
+          <a:fontRef idx="minor">
+            <a:schemeClr val="lt1"/>
+          </a:fontRef>
+        </p:style>
+        <p:txBody>
+          <a:bodyPr rtlCol="0" anchor="ctr"/>
+          <a:lstStyle/>
+          <a:p>
+            <a:pPr algn="ctr"/>
+            <a:r>
+              <a:rPr kumimoji="1" lang="en-US" altLang="ja-JP" dirty="0" smtClean="0">
+                <a:solidFill>
+                  <a:srgbClr val="FF0000"/>
+                </a:solidFill>
+              </a:rPr>
+              <a:t>UiPath</a:t>
+            </a:r>
+            <a:r>
+              <a:rPr kumimoji="1" lang="ja-JP" altLang="en-US" dirty="0" smtClean="0">
+                <a:solidFill>
+                  <a:srgbClr val="FF0000"/>
+                </a:solidFill>
+              </a:rPr>
+              <a:t>をガッツリ勉強したい方は、こちら公式の無料日本語コース（１００時間＋）がオススメ！</a:t>
+            </a:r>
+            <a:endParaRPr kumimoji="1" lang="ja-JP" altLang="en-US" dirty="0">
+              <a:solidFill>
+                <a:srgbClr val="FF0000"/>
+              </a:solidFill>
+            </a:endParaRPr>
+          </a:p>
+        </p:txBody>
+      </p:sp>
+      <p:pic>
+        <p:nvPicPr>
+          <p:cNvPr id="7" name="图片 6"/>
+          <p:cNvPicPr>
+            <a:picLocks noChangeAspect="1"/>
+          </p:cNvPicPr>
+          <p:nvPr/>
+        </p:nvPicPr>
+        <p:blipFill>
+          <a:blip r:embed="rId4"/>
+          <a:stretch>
+            <a:fillRect/>
+          </a:stretch>
+        </p:blipFill>
+        <p:spPr>
+          <a:xfrm>
+            <a:off x="5637748" y="4778439"/>
+            <a:ext cx="6304827" cy="2035417"/>
+          </a:xfrm>
+          <a:prstGeom prst="rect">
+            <a:avLst/>
+          </a:prstGeom>
+          <a:ln>
+            <a:solidFill>
+              <a:srgbClr val="FF0000"/>
+            </a:solidFill>
+          </a:ln>
+          <a:effectLst>
+            <a:outerShdw blurRad="292100" dist="139700" dir="2700000" algn="tl" rotWithShape="0">
+              <a:srgbClr val="333333">
+                <a:alpha val="65000"/>
+              </a:srgbClr>
+            </a:outerShdw>
+          </a:effectLst>
+        </p:spPr>
+      </p:pic>
+    </p:spTree>
+    <p:extLst>
+      <p:ext uri="{BB962C8B-B14F-4D97-AF65-F5344CB8AC3E}">
+        <p14:creationId xmlns:p14="http://schemas.microsoft.com/office/powerpoint/2010/main" val="3779605762"/>
       </p:ext>
     </p:extLst>
   </p:cSld>
@@ -7311,39 +9076,27 @@
           </a:p>
           <a:p>
             <a:r>
-              <a:rPr lang="en-US" dirty="0" err="1" smtClean="0"/>
-              <a:t>UiPath</a:t>
-            </a:r>
-            <a:r>
-              <a:rPr lang="zh-CN" altLang="en-US" dirty="0"/>
-              <a:t>環</a:t>
-            </a:r>
-            <a:r>
-              <a:rPr lang="zh-CN" altLang="en-US" dirty="0" smtClean="0"/>
-              <a:t>境</a:t>
+              <a:rPr lang="en-US" altLang="ja-JP" dirty="0"/>
+              <a:t>10</a:t>
+            </a:r>
+            <a:r>
+              <a:rPr lang="ja-JP" altLang="en-US" dirty="0"/>
+              <a:t>分で無料な開発環境構築</a:t>
             </a:r>
             <a:r>
               <a:rPr lang="ja-JP" altLang="en-US" dirty="0" smtClean="0"/>
-              <a:t>を</a:t>
-            </a:r>
-            <a:r>
-              <a:rPr lang="zh-CN" altLang="en-US" dirty="0" smtClean="0"/>
-              <a:t>構築</a:t>
+              <a:t>してみよう（１０分）</a:t>
+            </a:r>
+            <a:endParaRPr lang="en-US" altLang="zh-CN" dirty="0" smtClean="0"/>
+          </a:p>
+          <a:p>
+            <a:r>
+              <a:rPr lang="ja-JP" altLang="en-US" dirty="0"/>
+              <a:t>初めてのロボを作</a:t>
             </a:r>
             <a:r>
               <a:rPr lang="ja-JP" altLang="en-US" dirty="0" smtClean="0"/>
-              <a:t>してみよう</a:t>
-            </a:r>
-            <a:endParaRPr lang="en-US" altLang="zh-CN" dirty="0" smtClean="0"/>
-          </a:p>
-          <a:p>
-            <a:r>
-              <a:rPr lang="en-US" altLang="zh-CN" dirty="0" err="1" smtClean="0"/>
-              <a:t>UiPath</a:t>
-            </a:r>
-            <a:r>
-              <a:rPr lang="ja-JP" altLang="en-US" dirty="0" smtClean="0"/>
-              <a:t>でロボを作ってみよう</a:t>
+              <a:t>ってみよう（１０分）</a:t>
             </a:r>
             <a:endParaRPr lang="en-US" altLang="zh-CN" dirty="0" smtClean="0"/>
           </a:p>
@@ -7354,7 +9107,7 @@
             </a:r>
             <a:r>
               <a:rPr lang="ja-JP" altLang="en-US" dirty="0" smtClean="0"/>
-              <a:t>題</a:t>
+              <a:t>題（５分）</a:t>
             </a:r>
             <a:endParaRPr lang="en-US" altLang="ja-JP" dirty="0" smtClean="0"/>
           </a:p>
@@ -7410,112 +9163,72 @@
           <a:lstStyle/>
           <a:p>
             <a:r>
-              <a:rPr lang="en-US" altLang="zh-CN" dirty="0" smtClean="0"/>
+              <a:rPr kumimoji="1" lang="ja-JP" altLang="en-US" dirty="0" smtClean="0"/>
+              <a:t>本日の授業で得られる知識</a:t>
+            </a:r>
+            <a:endParaRPr kumimoji="1" lang="ja-JP" altLang="en-US" dirty="0"/>
+          </a:p>
+        </p:txBody>
+      </p:sp>
+      <p:sp>
+        <p:nvSpPr>
+          <p:cNvPr id="3" name="内容占位符 2"/>
+          <p:cNvSpPr>
+            <a:spLocks noGrp="1"/>
+          </p:cNvSpPr>
+          <p:nvPr>
+            <p:ph idx="1"/>
+          </p:nvPr>
+        </p:nvSpPr>
+        <p:spPr/>
+        <p:txBody>
+          <a:bodyPr/>
+          <a:lstStyle/>
+          <a:p>
+            <a:r>
+              <a:rPr kumimoji="1" lang="en-US" altLang="ja-JP" dirty="0" smtClean="0"/>
               <a:t>RPA</a:t>
             </a:r>
             <a:r>
-              <a:rPr lang="ja-JP" altLang="en-US" dirty="0" smtClean="0"/>
-              <a:t>概要</a:t>
-            </a:r>
-            <a:r>
-              <a:rPr lang="ja-JP" altLang="en-US" dirty="0"/>
-              <a:t/>
-            </a:r>
-            <a:br>
-              <a:rPr lang="ja-JP" altLang="en-US" dirty="0"/>
-            </a:br>
-            <a:r>
-              <a:rPr lang="en-US" altLang="ja-JP" sz="2400" dirty="0" smtClean="0"/>
-              <a:t>RPA</a:t>
-            </a:r>
-            <a:r>
-              <a:rPr lang="ja-JP" altLang="en-US" sz="2400" dirty="0" smtClean="0"/>
-              <a:t>とは？</a:t>
-            </a:r>
-            <a:endParaRPr lang="zh-CN" altLang="en-US" dirty="0"/>
-          </a:p>
-        </p:txBody>
-      </p:sp>
-      <p:sp>
-        <p:nvSpPr>
-          <p:cNvPr id="3" name="内容占位符 2"/>
-          <p:cNvSpPr>
-            <a:spLocks noGrp="1"/>
-          </p:cNvSpPr>
-          <p:nvPr>
-            <p:ph idx="1"/>
-          </p:nvPr>
-        </p:nvSpPr>
-        <p:spPr/>
-        <p:txBody>
-          <a:bodyPr/>
-          <a:lstStyle/>
-          <a:p>
-            <a:r>
-              <a:rPr lang="en-US" altLang="ja-JP" dirty="0" smtClean="0"/>
-              <a:t>RPA</a:t>
-            </a:r>
-            <a:r>
-              <a:rPr lang="ja-JP" altLang="en-US" dirty="0" smtClean="0"/>
-              <a:t>とは何でしょうか？総務省は以下のように説明しています。</a:t>
-            </a:r>
-            <a:endParaRPr lang="en-US" altLang="ja-JP" dirty="0" smtClean="0"/>
-          </a:p>
-          <a:p>
-            <a:endParaRPr lang="en-US" altLang="zh-CN" dirty="0"/>
-          </a:p>
-          <a:p>
-            <a:pPr marL="0" indent="0">
-              <a:buNone/>
-            </a:pPr>
-            <a:r>
-              <a:rPr lang="en-US" altLang="ja-JP" dirty="0" smtClean="0"/>
-              <a:t>RPA</a:t>
-            </a:r>
-            <a:r>
-              <a:rPr lang="ja-JP" altLang="en-US" dirty="0" smtClean="0"/>
-              <a:t>はこれまで人間が行ってきた定型的なパソコン作業を</a:t>
-            </a:r>
-            <a:r>
-              <a:rPr lang="ja-JP" altLang="en-US" u="sng" dirty="0" smtClean="0"/>
-              <a:t>ソフトウェアのロボット</a:t>
-            </a:r>
-            <a:r>
-              <a:rPr lang="ja-JP" altLang="en-US" dirty="0" smtClean="0"/>
-              <a:t>により自動化するものです。具体的には、</a:t>
-            </a:r>
-            <a:r>
-              <a:rPr lang="ja-JP" altLang="en-US" b="1" dirty="0" smtClean="0">
-                <a:solidFill>
-                  <a:srgbClr val="FF0000"/>
-                </a:solidFill>
-              </a:rPr>
-              <a:t>ユーザ・インターフェース上の操作を認識する技術とワークフロー実行を組み合わせ</a:t>
-            </a:r>
-            <a:r>
-              <a:rPr lang="ja-JP" altLang="en-US" dirty="0" smtClean="0"/>
-              <a:t>、表計算ソフトやメールソフト、基幹業務システムなど複数のアプリケーションを使用する</a:t>
-            </a:r>
-            <a:r>
-              <a:rPr lang="ja-JP" altLang="en-US" b="1" dirty="0" smtClean="0">
-                <a:solidFill>
-                  <a:srgbClr val="FF0000"/>
-                </a:solidFill>
-              </a:rPr>
-              <a:t>業務プロセスをオートメーション化します</a:t>
-            </a:r>
-            <a:r>
-              <a:rPr lang="ja-JP" altLang="en-US" dirty="0" smtClean="0"/>
-              <a:t>。</a:t>
-            </a:r>
-            <a:endParaRPr lang="zh-CN" altLang="en-US" dirty="0"/>
+              <a:rPr kumimoji="1" lang="ja-JP" altLang="en-US" dirty="0" smtClean="0"/>
+              <a:t>概念の理解</a:t>
+            </a:r>
+            <a:endParaRPr kumimoji="1" lang="en-US" altLang="ja-JP" dirty="0" smtClean="0"/>
+          </a:p>
+          <a:p>
+            <a:r>
+              <a:rPr kumimoji="1" lang="en-US" altLang="ja-JP" dirty="0" smtClean="0"/>
+              <a:t>UiPath</a:t>
+            </a:r>
+            <a:r>
+              <a:rPr kumimoji="1" lang="ja-JP" altLang="en-US" dirty="0" smtClean="0"/>
+              <a:t>開</a:t>
+            </a:r>
+            <a:r>
+              <a:rPr kumimoji="1" lang="ja-JP" altLang="en-US" dirty="0"/>
+              <a:t>発環</a:t>
+            </a:r>
+            <a:r>
+              <a:rPr kumimoji="1" lang="ja-JP" altLang="en-US" dirty="0" smtClean="0"/>
+              <a:t>境の構築方法</a:t>
+            </a:r>
+            <a:endParaRPr kumimoji="1" lang="en-US" altLang="ja-JP" dirty="0" smtClean="0"/>
+          </a:p>
+          <a:p>
+            <a:r>
+              <a:rPr kumimoji="1" lang="en-US" altLang="ja-JP" dirty="0" smtClean="0"/>
+              <a:t>UiPath</a:t>
+            </a:r>
+          </a:p>
+          <a:p>
+            <a:endParaRPr kumimoji="1" lang="ja-JP" altLang="en-US" dirty="0"/>
           </a:p>
         </p:txBody>
       </p:sp>
     </p:spTree>
     <p:extLst>
       <p:ext uri="{BB962C8B-B14F-4D97-AF65-F5344CB8AC3E}">
-        <p14:creationId xmlns:p14="http://schemas.microsoft.com/office/powerpoint/2010/main" val="2996583932"/>
+        <p14:creationId xmlns:p14="http://schemas.microsoft.com/office/powerpoint/2010/main" val="767005944"/>
       </p:ext>
     </p:extLst>
   </p:cSld>
@@ -7558,29 +9271,10 @@
           <a:lstStyle/>
           <a:p>
             <a:r>
-              <a:rPr lang="en-US" altLang="ja-JP" dirty="0" smtClean="0"/>
-              <a:t>RPA</a:t>
-            </a:r>
-            <a:r>
-              <a:rPr lang="ja-JP" altLang="en-US" dirty="0" smtClean="0"/>
-              <a:t>デモ</a:t>
-            </a:r>
-            <a:r>
-              <a:rPr lang="en-US" altLang="ja-JP" dirty="0" smtClean="0"/>
-              <a:t/>
-            </a:r>
-            <a:br>
-              <a:rPr lang="en-US" altLang="ja-JP" dirty="0" smtClean="0"/>
-            </a:br>
-            <a:r>
-              <a:rPr lang="en-US" altLang="ja-JP" sz="2400" dirty="0" smtClean="0"/>
-              <a:t>WEBSERVE</a:t>
-            </a:r>
-            <a:r>
-              <a:rPr lang="ja-JP" altLang="en-US" sz="2400" dirty="0" smtClean="0"/>
-              <a:t>自動入力ロボ</a:t>
-            </a:r>
-            <a:endParaRPr lang="zh-CN" altLang="en-US" sz="2400" dirty="0"/>
+              <a:rPr kumimoji="1" lang="ja-JP" altLang="en-US" dirty="0" smtClean="0"/>
+              <a:t>本コースについて</a:t>
+            </a:r>
+            <a:endParaRPr kumimoji="1" lang="ja-JP" altLang="en-US" dirty="0"/>
           </a:p>
         </p:txBody>
       </p:sp>
@@ -7600,24 +9294,36 @@
           <a:lstStyle/>
           <a:p>
             <a:r>
-              <a:rPr lang="ja-JP" altLang="en-US" dirty="0" smtClean="0"/>
-              <a:t>エクセルファイルから出退勤時刻を読み込み、</a:t>
-            </a:r>
-            <a:r>
-              <a:rPr lang="en-US" altLang="ja-JP" dirty="0" smtClean="0"/>
-              <a:t>WEBSERVE</a:t>
-            </a:r>
-            <a:r>
-              <a:rPr lang="ja-JP" altLang="en-US" dirty="0" smtClean="0"/>
-              <a:t>に入力するロボです。</a:t>
-            </a:r>
-            <a:endParaRPr lang="zh-CN" altLang="en-US" dirty="0"/>
+              <a:rPr kumimoji="1" lang="ja-JP" altLang="en-US" dirty="0"/>
+              <a:t>講</a:t>
+            </a:r>
+            <a:r>
+              <a:rPr kumimoji="1" lang="ja-JP" altLang="en-US" dirty="0" smtClean="0"/>
+              <a:t>義資料の共有場所</a:t>
+            </a:r>
+            <a:endParaRPr kumimoji="1" lang="en-US" altLang="ja-JP" dirty="0" smtClean="0"/>
+          </a:p>
+          <a:p>
+            <a:endParaRPr kumimoji="1" lang="en-US" altLang="ja-JP" dirty="0" smtClean="0"/>
+          </a:p>
+          <a:p>
+            <a:endParaRPr kumimoji="1" lang="en-US" altLang="ja-JP" dirty="0" smtClean="0"/>
+          </a:p>
+          <a:p>
+            <a:endParaRPr kumimoji="1" lang="en-US" altLang="ja-JP" dirty="0"/>
+          </a:p>
+          <a:p>
+            <a:r>
+              <a:rPr kumimoji="1" lang="ja-JP" altLang="en-US" dirty="0" smtClean="0"/>
+              <a:t>挙手について</a:t>
+            </a:r>
+            <a:endParaRPr kumimoji="1" lang="ja-JP" altLang="en-US" dirty="0"/>
           </a:p>
         </p:txBody>
       </p:sp>
       <p:pic>
         <p:nvPicPr>
-          <p:cNvPr id="4" name="图片 3"/>
+          <p:cNvPr id="5" name="图片 4"/>
           <p:cNvPicPr>
             <a:picLocks noChangeAspect="1"/>
           </p:cNvPicPr>
@@ -7631,8 +9337,8 @@
         </p:blipFill>
         <p:spPr>
           <a:xfrm>
-            <a:off x="1088769" y="2549347"/>
-            <a:ext cx="6944888" cy="3761814"/>
+            <a:off x="1570101" y="4701921"/>
+            <a:ext cx="3333750" cy="1428750"/>
           </a:xfrm>
           <a:prstGeom prst="rect">
             <a:avLst/>
@@ -7642,7 +9348,7 @@
     </p:spTree>
     <p:extLst>
       <p:ext uri="{BB962C8B-B14F-4D97-AF65-F5344CB8AC3E}">
-        <p14:creationId xmlns:p14="http://schemas.microsoft.com/office/powerpoint/2010/main" val="2280573352"/>
+        <p14:creationId xmlns:p14="http://schemas.microsoft.com/office/powerpoint/2010/main" val="744373052"/>
       </p:ext>
     </p:extLst>
   </p:cSld>
@@ -7685,16 +9391,28 @@
           <a:lstStyle/>
           <a:p>
             <a:r>
-              <a:rPr lang="en-US" altLang="ja-JP" dirty="0"/>
+              <a:rPr lang="en-US" altLang="zh-CN" dirty="0" smtClean="0"/>
               <a:t>RPA</a:t>
             </a:r>
             <a:r>
+              <a:rPr lang="ja-JP" altLang="en-US" dirty="0" smtClean="0"/>
+              <a:t>概要</a:t>
+            </a:r>
+            <a:r>
               <a:rPr lang="ja-JP" altLang="en-US" dirty="0"/>
-              <a:t>が求められる背景と理由</a:t>
+              <a:t/>
             </a:r>
             <a:br>
               <a:rPr lang="ja-JP" altLang="en-US" dirty="0"/>
             </a:br>
+            <a:r>
+              <a:rPr lang="en-US" altLang="ja-JP" sz="2400" dirty="0" smtClean="0"/>
+              <a:t>RPA</a:t>
+            </a:r>
+            <a:r>
+              <a:rPr lang="ja-JP" altLang="en-US" sz="2400" dirty="0" smtClean="0"/>
+              <a:t>とは？</a:t>
+            </a:r>
             <a:endParaRPr lang="zh-CN" altLang="en-US" dirty="0"/>
           </a:p>
         </p:txBody>
@@ -7715,83 +9433,62 @@
           <a:lstStyle/>
           <a:p>
             <a:r>
+              <a:rPr lang="en-US" altLang="ja-JP" dirty="0" smtClean="0"/>
+              <a:t>RPA</a:t>
+            </a:r>
+            <a:r>
               <a:rPr lang="ja-JP" altLang="en-US" dirty="0" smtClean="0"/>
-              <a:t>背景</a:t>
+              <a:t>とは何でしょうか？総務省は以下のように説明しています。</a:t>
             </a:r>
             <a:endParaRPr lang="en-US" altLang="ja-JP" dirty="0" smtClean="0"/>
           </a:p>
           <a:p>
+            <a:endParaRPr lang="en-US" altLang="zh-CN" dirty="0"/>
+          </a:p>
+          <a:p>
+            <a:pPr marL="0" indent="0">
+              <a:buNone/>
+            </a:pPr>
+            <a:r>
+              <a:rPr lang="en-US" altLang="ja-JP" dirty="0" smtClean="0"/>
+              <a:t>RPA</a:t>
+            </a:r>
             <a:r>
               <a:rPr lang="ja-JP" altLang="en-US" dirty="0" smtClean="0"/>
-              <a:t>人員不足と働き方改革</a:t>
-            </a:r>
-            <a:endParaRPr lang="en-US" altLang="ja-JP" dirty="0" smtClean="0"/>
-          </a:p>
-          <a:p>
+              <a:t>はこれまで人間が行ってきた定型的なパソコン作業を</a:t>
+            </a:r>
+            <a:r>
+              <a:rPr lang="ja-JP" altLang="en-US" u="sng" dirty="0" smtClean="0"/>
+              <a:t>ソフトウェアのロボット</a:t>
+            </a:r>
             <a:r>
               <a:rPr lang="ja-JP" altLang="en-US" dirty="0" smtClean="0"/>
-              <a:t>システムの乱立とつなぎ業務</a:t>
-            </a:r>
-            <a:endParaRPr lang="en-US" altLang="ja-JP" dirty="0" smtClean="0"/>
-          </a:p>
-          <a:p>
+              <a:t>により自動化するものです。具体的には、</a:t>
+            </a:r>
+            <a:r>
+              <a:rPr lang="ja-JP" altLang="en-US" b="1" dirty="0" smtClean="0">
+                <a:solidFill>
+                  <a:srgbClr val="FF0000"/>
+                </a:solidFill>
+              </a:rPr>
+              <a:t>ユーザ・インターフェース上の操作を認識する技術とワークフロー実行を組み合わせ</a:t>
+            </a:r>
             <a:r>
               <a:rPr lang="ja-JP" altLang="en-US" dirty="0" smtClean="0"/>
-              <a:t>製造業の成功</a:t>
-            </a:r>
-            <a:endParaRPr lang="en-US" altLang="ja-JP" dirty="0" smtClean="0"/>
-          </a:p>
-          <a:p>
-            <a:endParaRPr lang="en-US" altLang="zh-CN" dirty="0" smtClean="0"/>
-          </a:p>
-          <a:p>
+              <a:t>、表計算ソフトやメールソフト、基幹業務システムなど複数のアプリケーションを使用する</a:t>
+            </a:r>
+            <a:r>
+              <a:rPr lang="ja-JP" altLang="en-US" b="1" dirty="0" smtClean="0">
+                <a:solidFill>
+                  <a:srgbClr val="FF0000"/>
+                </a:solidFill>
+              </a:rPr>
+              <a:t>業務プロセスをオートメーション化します</a:t>
+            </a:r>
             <a:r>
               <a:rPr lang="ja-JP" altLang="en-US" dirty="0" smtClean="0"/>
-              <a:t>理由</a:t>
-            </a:r>
-            <a:endParaRPr lang="en-US" altLang="ja-JP" dirty="0" smtClean="0"/>
-          </a:p>
-          <a:p>
-            <a:r>
-              <a:rPr lang="ja-JP" altLang="en-US" dirty="0" smtClean="0"/>
-              <a:t>安価に標</a:t>
-            </a:r>
-            <a:r>
-              <a:rPr lang="ja-JP" altLang="en-US" dirty="0"/>
-              <a:t>準</a:t>
-            </a:r>
-            <a:r>
-              <a:rPr lang="ja-JP" altLang="en-US" dirty="0" smtClean="0"/>
-              <a:t>化が進む</a:t>
-            </a:r>
-            <a:endParaRPr lang="en-US" altLang="ja-JP" dirty="0" smtClean="0"/>
-          </a:p>
-          <a:p>
-            <a:r>
-              <a:rPr lang="ja-JP" altLang="en-US" dirty="0"/>
-              <a:t>実務</a:t>
-            </a:r>
-            <a:r>
-              <a:rPr lang="ja-JP" altLang="en-US" dirty="0" smtClean="0"/>
-              <a:t>者が自分達で進められる</a:t>
-            </a:r>
-            <a:endParaRPr lang="en-US" altLang="ja-JP" dirty="0" smtClean="0"/>
-          </a:p>
-          <a:p>
-            <a:r>
-              <a:rPr lang="ja-JP" altLang="en-US" dirty="0"/>
-              <a:t>今</a:t>
-            </a:r>
-            <a:r>
-              <a:rPr lang="ja-JP" altLang="en-US" dirty="0" smtClean="0"/>
-              <a:t>の仕事のやり方を大きく変えずに改善できる。</a:t>
-            </a:r>
-            <a:endParaRPr lang="en-US" altLang="ja-JP" dirty="0" smtClean="0"/>
-          </a:p>
-          <a:p>
-            <a:endParaRPr lang="en-US" altLang="zh-CN" dirty="0"/>
-          </a:p>
-          <a:p>
+              <a:t>。</a:t>
+            </a:r>
             <a:endParaRPr lang="zh-CN" altLang="en-US" dirty="0"/>
           </a:p>
         </p:txBody>
@@ -7799,7 +9496,7 @@
     </p:spTree>
     <p:extLst>
       <p:ext uri="{BB962C8B-B14F-4D97-AF65-F5344CB8AC3E}">
-        <p14:creationId xmlns:p14="http://schemas.microsoft.com/office/powerpoint/2010/main" val="1793497674"/>
+        <p14:creationId xmlns:p14="http://schemas.microsoft.com/office/powerpoint/2010/main" val="2996583932"/>
       </p:ext>
     </p:extLst>
   </p:cSld>
@@ -7842,40 +9539,91 @@
           <a:lstStyle/>
           <a:p>
             <a:r>
-              <a:rPr lang="en-US" altLang="zh-CN" dirty="0" smtClean="0"/>
+              <a:rPr lang="en-US" altLang="ja-JP" dirty="0" smtClean="0"/>
               <a:t>RPA</a:t>
             </a:r>
             <a:r>
               <a:rPr lang="ja-JP" altLang="en-US" dirty="0" smtClean="0"/>
-              <a:t>の事例１</a:t>
+              <a:t>デモ</a:t>
+            </a:r>
+            <a:r>
+              <a:rPr lang="en-US" altLang="ja-JP" dirty="0" smtClean="0"/>
+              <a:t/>
+            </a:r>
+            <a:br>
+              <a:rPr lang="en-US" altLang="ja-JP" dirty="0" smtClean="0"/>
+            </a:br>
+            <a:r>
+              <a:rPr lang="en-US" altLang="ja-JP" sz="2400" dirty="0" smtClean="0"/>
+              <a:t>WEBSERVE</a:t>
+            </a:r>
+            <a:r>
+              <a:rPr lang="ja-JP" altLang="en-US" sz="2400" dirty="0" smtClean="0"/>
+              <a:t>自動入力ロボ</a:t>
+            </a:r>
+            <a:endParaRPr lang="zh-CN" altLang="en-US" sz="2400" dirty="0"/>
+          </a:p>
+        </p:txBody>
+      </p:sp>
+      <p:sp>
+        <p:nvSpPr>
+          <p:cNvPr id="3" name="内容占位符 2"/>
+          <p:cNvSpPr>
+            <a:spLocks noGrp="1"/>
+          </p:cNvSpPr>
+          <p:nvPr>
+            <p:ph idx="1"/>
+          </p:nvPr>
+        </p:nvSpPr>
+        <p:spPr/>
+        <p:txBody>
+          <a:bodyPr/>
+          <a:lstStyle/>
+          <a:p>
+            <a:r>
+              <a:rPr lang="ja-JP" altLang="en-US" dirty="0" smtClean="0"/>
+              <a:t>エクセルファイルから出退勤時刻を読み込み、</a:t>
+            </a:r>
+            <a:r>
+              <a:rPr lang="en-US" altLang="ja-JP" dirty="0" smtClean="0"/>
+              <a:t>WEBSERVE</a:t>
+            </a:r>
+            <a:r>
+              <a:rPr lang="ja-JP" altLang="en-US" dirty="0" smtClean="0"/>
+              <a:t>に入力するロボです。</a:t>
             </a:r>
             <a:endParaRPr lang="zh-CN" altLang="en-US" dirty="0"/>
           </a:p>
         </p:txBody>
       </p:sp>
-      <p:sp>
-        <p:nvSpPr>
-          <p:cNvPr id="3" name="内容占位符 2"/>
-          <p:cNvSpPr>
-            <a:spLocks noGrp="1"/>
-          </p:cNvSpPr>
-          <p:nvPr>
-            <p:ph idx="1"/>
-          </p:nvPr>
-        </p:nvSpPr>
-        <p:spPr/>
-        <p:txBody>
-          <a:bodyPr/>
-          <a:lstStyle/>
-          <a:p>
-            <a:endParaRPr lang="zh-CN" altLang="en-US" dirty="0"/>
-          </a:p>
-        </p:txBody>
-      </p:sp>
+      <p:pic>
+        <p:nvPicPr>
+          <p:cNvPr id="4" name="图片 3"/>
+          <p:cNvPicPr>
+            <a:picLocks noChangeAspect="1"/>
+          </p:cNvPicPr>
+          <p:nvPr/>
+        </p:nvPicPr>
+        <p:blipFill>
+          <a:blip r:embed="rId2"/>
+          <a:stretch>
+            <a:fillRect/>
+          </a:stretch>
+        </p:blipFill>
+        <p:spPr>
+          <a:xfrm>
+            <a:off x="1088769" y="2549347"/>
+            <a:ext cx="6944888" cy="3761814"/>
+          </a:xfrm>
+          <a:prstGeom prst="rect">
+            <a:avLst/>
+          </a:prstGeom>
+        </p:spPr>
+      </p:pic>
     </p:spTree>
     <p:extLst>
       <p:ext uri="{BB962C8B-B14F-4D97-AF65-F5344CB8AC3E}">
-        <p14:creationId xmlns:p14="http://schemas.microsoft.com/office/powerpoint/2010/main" val="2758489212"/>
+        <p14:creationId xmlns:p14="http://schemas.microsoft.com/office/powerpoint/2010/main" val="2280573352"/>
       </p:ext>
     </p:extLst>
   </p:cSld>
@@ -7918,302 +9666,121 @@
           <a:lstStyle/>
           <a:p>
             <a:r>
-              <a:rPr lang="en-US" altLang="zh-CN" dirty="0" smtClean="0"/>
+              <a:rPr lang="en-US" altLang="ja-JP" dirty="0"/>
               <a:t>RPA</a:t>
             </a:r>
             <a:r>
+              <a:rPr lang="ja-JP" altLang="en-US" dirty="0"/>
+              <a:t>が求められる背景と理由</a:t>
+            </a:r>
+            <a:br>
+              <a:rPr lang="ja-JP" altLang="en-US" dirty="0"/>
+            </a:br>
+            <a:endParaRPr lang="zh-CN" altLang="en-US" dirty="0"/>
+          </a:p>
+        </p:txBody>
+      </p:sp>
+      <p:sp>
+        <p:nvSpPr>
+          <p:cNvPr id="3" name="内容占位符 2"/>
+          <p:cNvSpPr>
+            <a:spLocks noGrp="1"/>
+          </p:cNvSpPr>
+          <p:nvPr>
+            <p:ph idx="1"/>
+          </p:nvPr>
+        </p:nvSpPr>
+        <p:spPr/>
+        <p:txBody>
+          <a:bodyPr/>
+          <a:lstStyle/>
+          <a:p>
+            <a:r>
               <a:rPr lang="ja-JP" altLang="en-US" dirty="0" smtClean="0"/>
-              <a:t>概要</a:t>
-            </a:r>
-            <a:br>
+              <a:t>背景</a:t>
+            </a:r>
+            <a:endParaRPr lang="en-US" altLang="ja-JP" dirty="0" smtClean="0"/>
+          </a:p>
+          <a:p>
+            <a:r>
               <a:rPr lang="ja-JP" altLang="en-US" dirty="0" smtClean="0"/>
-            </a:br>
-            <a:r>
-              <a:rPr lang="ja-JP" altLang="en-US" sz="2400" dirty="0" smtClean="0"/>
-              <a:t>あなたが日常業務を行う際のステップ</a:t>
-            </a:r>
+              <a:t>人員不足と働き方改革</a:t>
+            </a:r>
+            <a:endParaRPr lang="en-US" altLang="ja-JP" dirty="0" smtClean="0"/>
+          </a:p>
+          <a:p>
+            <a:r>
+              <a:rPr lang="ja-JP" altLang="en-US" dirty="0" smtClean="0"/>
+              <a:t>システムの乱立とつなぎ業務</a:t>
+            </a:r>
+            <a:endParaRPr lang="en-US" altLang="ja-JP" dirty="0" smtClean="0"/>
+          </a:p>
+          <a:p>
+            <a:r>
+              <a:rPr lang="ja-JP" altLang="en-US" dirty="0" smtClean="0"/>
+              <a:t>製造業の成功</a:t>
+            </a:r>
+            <a:endParaRPr lang="en-US" altLang="ja-JP" dirty="0" smtClean="0"/>
+          </a:p>
+          <a:p>
+            <a:endParaRPr lang="en-US" altLang="zh-CN" dirty="0" smtClean="0"/>
+          </a:p>
+          <a:p>
+            <a:r>
+              <a:rPr lang="ja-JP" altLang="en-US" dirty="0" smtClean="0"/>
+              <a:t>理由</a:t>
+            </a:r>
+            <a:endParaRPr lang="en-US" altLang="ja-JP" dirty="0" smtClean="0"/>
+          </a:p>
+          <a:p>
+            <a:r>
+              <a:rPr lang="ja-JP" altLang="en-US" dirty="0" smtClean="0"/>
+              <a:t>安価に標</a:t>
+            </a:r>
+            <a:r>
+              <a:rPr lang="ja-JP" altLang="en-US" dirty="0"/>
+              <a:t>準</a:t>
+            </a:r>
+            <a:r>
+              <a:rPr lang="ja-JP" altLang="en-US" dirty="0" smtClean="0"/>
+              <a:t>化が進む</a:t>
+            </a:r>
+            <a:endParaRPr lang="en-US" altLang="ja-JP" dirty="0" smtClean="0"/>
+          </a:p>
+          <a:p>
+            <a:r>
+              <a:rPr lang="ja-JP" altLang="en-US" dirty="0"/>
+              <a:t>実務</a:t>
+            </a:r>
+            <a:r>
+              <a:rPr lang="ja-JP" altLang="en-US" dirty="0" smtClean="0"/>
+              <a:t>者が自分達で進められる</a:t>
+            </a:r>
+            <a:endParaRPr lang="en-US" altLang="ja-JP" dirty="0" smtClean="0"/>
+          </a:p>
+          <a:p>
+            <a:r>
+              <a:rPr lang="ja-JP" altLang="en-US" dirty="0"/>
+              <a:t>今</a:t>
+            </a:r>
+            <a:r>
+              <a:rPr lang="ja-JP" altLang="en-US" dirty="0" smtClean="0"/>
+              <a:t>の仕事のやり方を大きく変えずに改善できる。</a:t>
+            </a:r>
+            <a:endParaRPr lang="en-US" altLang="ja-JP" dirty="0" smtClean="0"/>
+          </a:p>
+          <a:p>
+            <a:endParaRPr lang="en-US" altLang="zh-CN" dirty="0"/>
+          </a:p>
+          <a:p>
             <a:endParaRPr lang="zh-CN" altLang="en-US" dirty="0"/>
-          </a:p>
-        </p:txBody>
-      </p:sp>
-      <p:sp>
-        <p:nvSpPr>
-          <p:cNvPr id="5" name="矩形 4"/>
-          <p:cNvSpPr/>
-          <p:nvPr/>
-        </p:nvSpPr>
-        <p:spPr>
-          <a:xfrm>
-            <a:off x="2179166" y="2438400"/>
-            <a:ext cx="6820746" cy="914400"/>
-          </a:xfrm>
-          <a:prstGeom prst="rect">
-            <a:avLst/>
-          </a:prstGeom>
-        </p:spPr>
-        <p:style>
-          <a:lnRef idx="2">
-            <a:schemeClr val="accent1">
-              <a:shade val="50000"/>
-            </a:schemeClr>
-          </a:lnRef>
-          <a:fillRef idx="1">
-            <a:schemeClr val="accent1"/>
-          </a:fillRef>
-          <a:effectRef idx="0">
-            <a:schemeClr val="accent1"/>
-          </a:effectRef>
-          <a:fontRef idx="minor">
-            <a:schemeClr val="lt1"/>
-          </a:fontRef>
-        </p:style>
-        <p:txBody>
-          <a:bodyPr rtlCol="0" anchor="ctr"/>
-          <a:lstStyle/>
-          <a:p>
-            <a:pPr algn="ctr"/>
-            <a:r>
-              <a:rPr lang="en-US" altLang="ja-JP" sz="2800" dirty="0"/>
-              <a:t>PC</a:t>
-            </a:r>
-            <a:r>
-              <a:rPr lang="ja-JP" altLang="en-US" sz="2800" dirty="0" smtClean="0"/>
-              <a:t>画面を見る</a:t>
-            </a:r>
-            <a:endParaRPr lang="zh-CN" altLang="en-US" sz="2800" dirty="0"/>
-          </a:p>
-        </p:txBody>
-      </p:sp>
-      <p:sp>
-        <p:nvSpPr>
-          <p:cNvPr id="6" name="矩形 5"/>
-          <p:cNvSpPr/>
-          <p:nvPr/>
-        </p:nvSpPr>
-        <p:spPr>
-          <a:xfrm>
-            <a:off x="2179166" y="3624349"/>
-            <a:ext cx="6820746" cy="914400"/>
-          </a:xfrm>
-          <a:prstGeom prst="rect">
-            <a:avLst/>
-          </a:prstGeom>
-        </p:spPr>
-        <p:style>
-          <a:lnRef idx="2">
-            <a:schemeClr val="accent1">
-              <a:shade val="50000"/>
-            </a:schemeClr>
-          </a:lnRef>
-          <a:fillRef idx="1">
-            <a:schemeClr val="accent1"/>
-          </a:fillRef>
-          <a:effectRef idx="0">
-            <a:schemeClr val="accent1"/>
-          </a:effectRef>
-          <a:fontRef idx="minor">
-            <a:schemeClr val="lt1"/>
-          </a:fontRef>
-        </p:style>
-        <p:txBody>
-          <a:bodyPr rtlCol="0" anchor="ctr"/>
-          <a:lstStyle/>
-          <a:p>
-            <a:pPr algn="ctr"/>
-            <a:r>
-              <a:rPr lang="ja-JP" altLang="en-US" sz="2800" dirty="0" smtClean="0"/>
-              <a:t>画面</a:t>
-            </a:r>
-            <a:r>
-              <a:rPr lang="ja-JP" altLang="en-US" sz="2800" smtClean="0"/>
-              <a:t>情報から判断</a:t>
-            </a:r>
-            <a:r>
-              <a:rPr lang="ja-JP" altLang="en-US" sz="2800" dirty="0" smtClean="0"/>
-              <a:t>する</a:t>
-            </a:r>
-            <a:endParaRPr lang="zh-CN" altLang="en-US" sz="2800" dirty="0"/>
-          </a:p>
-        </p:txBody>
-      </p:sp>
-      <p:sp>
-        <p:nvSpPr>
-          <p:cNvPr id="7" name="矩形 6"/>
-          <p:cNvSpPr/>
-          <p:nvPr/>
-        </p:nvSpPr>
-        <p:spPr>
-          <a:xfrm>
-            <a:off x="2179166" y="4810298"/>
-            <a:ext cx="6820746" cy="914400"/>
-          </a:xfrm>
-          <a:prstGeom prst="rect">
-            <a:avLst/>
-          </a:prstGeom>
-        </p:spPr>
-        <p:style>
-          <a:lnRef idx="2">
-            <a:schemeClr val="accent1">
-              <a:shade val="50000"/>
-            </a:schemeClr>
-          </a:lnRef>
-          <a:fillRef idx="1">
-            <a:schemeClr val="accent1"/>
-          </a:fillRef>
-          <a:effectRef idx="0">
-            <a:schemeClr val="accent1"/>
-          </a:effectRef>
-          <a:fontRef idx="minor">
-            <a:schemeClr val="lt1"/>
-          </a:fontRef>
-        </p:style>
-        <p:txBody>
-          <a:bodyPr rtlCol="0" anchor="ctr"/>
-          <a:lstStyle/>
-          <a:p>
-            <a:pPr algn="ctr"/>
-            <a:r>
-              <a:rPr lang="ja-JP" altLang="en-US" sz="2800" dirty="0" smtClean="0"/>
-              <a:t>操作する</a:t>
-            </a:r>
-            <a:endParaRPr lang="zh-CN" altLang="en-US" sz="2800" dirty="0"/>
-          </a:p>
-        </p:txBody>
-      </p:sp>
-      <p:sp>
-        <p:nvSpPr>
-          <p:cNvPr id="8" name="下箭头 7"/>
-          <p:cNvSpPr/>
-          <p:nvPr/>
-        </p:nvSpPr>
-        <p:spPr>
-          <a:xfrm>
-            <a:off x="4621876" y="3280757"/>
-            <a:ext cx="2056014" cy="415636"/>
-          </a:xfrm>
-          <a:prstGeom prst="downArrow">
-            <a:avLst/>
-          </a:prstGeom>
-        </p:spPr>
-        <p:style>
-          <a:lnRef idx="2">
-            <a:schemeClr val="accent3">
-              <a:shade val="50000"/>
-            </a:schemeClr>
-          </a:lnRef>
-          <a:fillRef idx="1">
-            <a:schemeClr val="accent3"/>
-          </a:fillRef>
-          <a:effectRef idx="0">
-            <a:schemeClr val="accent3"/>
-          </a:effectRef>
-          <a:fontRef idx="minor">
-            <a:schemeClr val="lt1"/>
-          </a:fontRef>
-        </p:style>
-        <p:txBody>
-          <a:bodyPr rtlCol="0" anchor="ctr"/>
-          <a:lstStyle/>
-          <a:p>
-            <a:pPr algn="ctr"/>
-            <a:endParaRPr lang="zh-CN" altLang="en-US"/>
-          </a:p>
-        </p:txBody>
-      </p:sp>
-      <p:sp>
-        <p:nvSpPr>
-          <p:cNvPr id="9" name="下箭头 8"/>
-          <p:cNvSpPr/>
-          <p:nvPr/>
-        </p:nvSpPr>
-        <p:spPr>
-          <a:xfrm>
-            <a:off x="4621876" y="4466706"/>
-            <a:ext cx="2056014" cy="415636"/>
-          </a:xfrm>
-          <a:prstGeom prst="downArrow">
-            <a:avLst/>
-          </a:prstGeom>
-        </p:spPr>
-        <p:style>
-          <a:lnRef idx="2">
-            <a:schemeClr val="accent3">
-              <a:shade val="50000"/>
-            </a:schemeClr>
-          </a:lnRef>
-          <a:fillRef idx="1">
-            <a:schemeClr val="accent3"/>
-          </a:fillRef>
-          <a:effectRef idx="0">
-            <a:schemeClr val="accent3"/>
-          </a:effectRef>
-          <a:fontRef idx="minor">
-            <a:schemeClr val="lt1"/>
-          </a:fontRef>
-        </p:style>
-        <p:txBody>
-          <a:bodyPr rtlCol="0" anchor="ctr"/>
-          <a:lstStyle/>
-          <a:p>
-            <a:pPr algn="ctr"/>
-            <a:endParaRPr lang="zh-CN" altLang="en-US"/>
-          </a:p>
-        </p:txBody>
-      </p:sp>
-      <p:sp>
-        <p:nvSpPr>
-          <p:cNvPr id="10" name="手杖形箭头 9"/>
-          <p:cNvSpPr/>
-          <p:nvPr/>
-        </p:nvSpPr>
-        <p:spPr>
-          <a:xfrm rot="16200000">
-            <a:off x="180725" y="3568314"/>
-            <a:ext cx="2970413" cy="1026468"/>
-          </a:xfrm>
-          <a:prstGeom prst="uturnArrow">
-            <a:avLst>
-              <a:gd name="adj1" fmla="val 27242"/>
-              <a:gd name="adj2" fmla="val 25000"/>
-              <a:gd name="adj3" fmla="val 16874"/>
-              <a:gd name="adj4" fmla="val 43750"/>
-              <a:gd name="adj5" fmla="val 100000"/>
-            </a:avLst>
-          </a:prstGeom>
-        </p:spPr>
-        <p:style>
-          <a:lnRef idx="2">
-            <a:schemeClr val="accent3">
-              <a:shade val="50000"/>
-            </a:schemeClr>
-          </a:lnRef>
-          <a:fillRef idx="1">
-            <a:schemeClr val="accent3"/>
-          </a:fillRef>
-          <a:effectRef idx="0">
-            <a:schemeClr val="accent3"/>
-          </a:effectRef>
-          <a:fontRef idx="minor">
-            <a:schemeClr val="lt1"/>
-          </a:fontRef>
-        </p:style>
-        <p:txBody>
-          <a:bodyPr rtlCol="0" anchor="ctr"/>
-          <a:lstStyle/>
-          <a:p>
-            <a:pPr algn="ctr"/>
-            <a:endParaRPr lang="zh-CN" altLang="en-US">
-              <a:solidFill>
-                <a:schemeClr val="tx1"/>
-              </a:solidFill>
-            </a:endParaRPr>
           </a:p>
         </p:txBody>
       </p:sp>
     </p:spTree>
     <p:extLst>
       <p:ext uri="{BB962C8B-B14F-4D97-AF65-F5344CB8AC3E}">
-        <p14:creationId xmlns:p14="http://schemas.microsoft.com/office/powerpoint/2010/main" val="1777659268"/>
+        <p14:creationId xmlns:p14="http://schemas.microsoft.com/office/powerpoint/2010/main" val="1793497674"/>
       </p:ext>
     </p:extLst>
   </p:cSld>
@@ -8240,42 +9807,6 @@
           <a:chExt cx="0" cy="0"/>
         </a:xfrm>
       </p:grpSpPr>
-      <p:pic>
-        <p:nvPicPr>
-          <p:cNvPr id="13" name="图片 12"/>
-          <p:cNvPicPr>
-            <a:picLocks noChangeAspect="1"/>
-          </p:cNvPicPr>
-          <p:nvPr/>
-        </p:nvPicPr>
-        <p:blipFill>
-          <a:blip r:embed="rId2"/>
-          <a:stretch>
-            <a:fillRect/>
-          </a:stretch>
-        </p:blipFill>
-        <p:spPr>
-          <a:xfrm>
-            <a:off x="6511595" y="2154914"/>
-            <a:ext cx="5524813" cy="3710403"/>
-          </a:xfrm>
-          <a:prstGeom prst="rect">
-            <a:avLst/>
-          </a:prstGeom>
-          <a:ln>
-            <a:solidFill>
-              <a:srgbClr val="FF0000"/>
-            </a:solidFill>
-          </a:ln>
-          <a:effectLst>
-            <a:outerShdw blurRad="292100" dist="139700" dir="2700000" algn="tl" rotWithShape="0">
-              <a:srgbClr val="333333">
-                <a:alpha val="65000"/>
-              </a:srgbClr>
-            </a:outerShdw>
-          </a:effectLst>
-        </p:spPr>
-      </p:pic>
       <p:sp>
         <p:nvSpPr>
           <p:cNvPr id="2" name="标题 1"/>
@@ -8286,406 +9817,46 @@
             <p:ph type="title"/>
           </p:nvPr>
         </p:nvSpPr>
-        <p:spPr>
-          <a:xfrm>
-            <a:off x="677334" y="609600"/>
-            <a:ext cx="9227600" cy="1320800"/>
-          </a:xfrm>
-        </p:spPr>
-        <p:txBody>
-          <a:bodyPr>
-            <a:normAutofit/>
-          </a:bodyPr>
-          <a:lstStyle/>
-          <a:p>
-            <a:r>
-              <a:rPr kumimoji="1" lang="en-US" altLang="ja-JP" dirty="0" smtClean="0"/>
-              <a:t>10</a:t>
-            </a:r>
-            <a:r>
-              <a:rPr kumimoji="1" lang="ja-JP" altLang="en-US" dirty="0" smtClean="0"/>
-              <a:t>分間で無料な開発環境構築してみよう</a:t>
-            </a:r>
-            <a:r>
-              <a:rPr kumimoji="1" lang="en-US" altLang="ja-JP" dirty="0" smtClean="0"/>
-              <a:t/>
-            </a:r>
-            <a:br>
-              <a:rPr kumimoji="1" lang="en-US" altLang="ja-JP" dirty="0" smtClean="0"/>
-            </a:br>
-            <a:r>
-              <a:rPr kumimoji="1" lang="en-US" altLang="ja-JP" sz="2400" dirty="0" err="1" smtClean="0"/>
-              <a:t>UiPath</a:t>
-            </a:r>
-            <a:r>
-              <a:rPr kumimoji="1" lang="ja-JP" altLang="en-US" sz="2400" dirty="0" smtClean="0"/>
-              <a:t>コミュニティアカウント登録＆</a:t>
-            </a:r>
-            <a:r>
-              <a:rPr kumimoji="1" lang="en-US" altLang="ja-JP" sz="2400" dirty="0" smtClean="0"/>
-              <a:t>Studio CE</a:t>
-            </a:r>
-            <a:r>
-              <a:rPr kumimoji="1" lang="ja-JP" altLang="en-US" sz="2400" dirty="0" smtClean="0"/>
-              <a:t>をダウンロード</a:t>
-            </a:r>
-            <a:endParaRPr kumimoji="1" lang="ja-JP" altLang="en-US" dirty="0"/>
-          </a:p>
-        </p:txBody>
-      </p:sp>
-      <p:sp>
-        <p:nvSpPr>
-          <p:cNvPr id="4" name="文本框 3"/>
-          <p:cNvSpPr txBox="1"/>
-          <p:nvPr/>
-        </p:nvSpPr>
-        <p:spPr>
-          <a:xfrm>
-            <a:off x="769357" y="1854025"/>
-            <a:ext cx="3741730" cy="369332"/>
-          </a:xfrm>
-          <a:prstGeom prst="rect">
-            <a:avLst/>
-          </a:prstGeom>
-          <a:noFill/>
-        </p:spPr>
-        <p:txBody>
-          <a:bodyPr wrap="none" rtlCol="0">
-            <a:spAutoFit/>
-          </a:bodyPr>
-          <a:lstStyle/>
-          <a:p>
-            <a:r>
-              <a:rPr lang="en-US" altLang="zh-CN" dirty="0">
-                <a:hlinkClick r:id="rId3"/>
-              </a:rPr>
-              <a:t>https://</a:t>
-            </a:r>
-            <a:r>
-              <a:rPr lang="en-US" altLang="zh-CN" dirty="0" smtClean="0">
-                <a:hlinkClick r:id="rId3"/>
-              </a:rPr>
-              <a:t>account.uipath.com/login</a:t>
-            </a:r>
-            <a:endParaRPr lang="en-US" altLang="zh-CN" dirty="0"/>
-          </a:p>
-        </p:txBody>
-      </p:sp>
-      <p:pic>
-        <p:nvPicPr>
-          <p:cNvPr id="5" name="图片 4"/>
-          <p:cNvPicPr>
-            <a:picLocks noChangeAspect="1"/>
-          </p:cNvPicPr>
-          <p:nvPr/>
-        </p:nvPicPr>
-        <p:blipFill>
-          <a:blip r:embed="rId4"/>
-          <a:stretch>
-            <a:fillRect/>
-          </a:stretch>
-        </p:blipFill>
-        <p:spPr>
-          <a:xfrm>
-            <a:off x="769357" y="2458719"/>
-            <a:ext cx="3377454" cy="2794001"/>
-          </a:xfrm>
-          <a:prstGeom prst="rect">
-            <a:avLst/>
-          </a:prstGeom>
-          <a:ln>
-            <a:solidFill>
-              <a:srgbClr val="FF0000"/>
-            </a:solidFill>
-          </a:ln>
-          <a:effectLst>
-            <a:outerShdw blurRad="292100" dist="139700" dir="2700000" algn="tl" rotWithShape="0">
-              <a:srgbClr val="333333">
-                <a:alpha val="65000"/>
-              </a:srgbClr>
-            </a:outerShdw>
-          </a:effectLst>
-        </p:spPr>
-      </p:pic>
-      <p:sp>
-        <p:nvSpPr>
-          <p:cNvPr id="6" name="矩形 5"/>
-          <p:cNvSpPr/>
-          <p:nvPr/>
-        </p:nvSpPr>
-        <p:spPr>
-          <a:xfrm>
-            <a:off x="2550160" y="4531360"/>
-            <a:ext cx="426720" cy="187960"/>
-          </a:xfrm>
-          <a:prstGeom prst="rect">
-            <a:avLst/>
-          </a:prstGeom>
-          <a:noFill/>
-          <a:ln>
-            <a:solidFill>
-              <a:srgbClr val="FF0000"/>
-            </a:solidFill>
-          </a:ln>
-        </p:spPr>
-        <p:style>
-          <a:lnRef idx="2">
-            <a:schemeClr val="accent1">
-              <a:shade val="50000"/>
-            </a:schemeClr>
-          </a:lnRef>
-          <a:fillRef idx="1">
-            <a:schemeClr val="accent1"/>
-          </a:fillRef>
-          <a:effectRef idx="0">
-            <a:schemeClr val="accent1"/>
-          </a:effectRef>
-          <a:fontRef idx="minor">
-            <a:schemeClr val="lt1"/>
-          </a:fontRef>
-        </p:style>
-        <p:txBody>
-          <a:bodyPr rtlCol="0" anchor="ctr"/>
-          <a:lstStyle/>
-          <a:p>
-            <a:pPr algn="ctr"/>
-            <a:endParaRPr kumimoji="1" lang="ja-JP" altLang="en-US"/>
-          </a:p>
-        </p:txBody>
-      </p:sp>
-      <p:pic>
-        <p:nvPicPr>
-          <p:cNvPr id="7" name="图片 6"/>
-          <p:cNvPicPr>
-            <a:picLocks noChangeAspect="1"/>
-          </p:cNvPicPr>
-          <p:nvPr/>
-        </p:nvPicPr>
-        <p:blipFill>
-          <a:blip r:embed="rId5"/>
-          <a:stretch>
-            <a:fillRect/>
-          </a:stretch>
-        </p:blipFill>
-        <p:spPr>
-          <a:xfrm>
-            <a:off x="3525329" y="2293111"/>
-            <a:ext cx="2711405" cy="3321367"/>
-          </a:xfrm>
-          <a:prstGeom prst="rect">
-            <a:avLst/>
-          </a:prstGeom>
-          <a:ln>
-            <a:solidFill>
-              <a:srgbClr val="FF0000"/>
-            </a:solidFill>
-          </a:ln>
-          <a:effectLst>
-            <a:outerShdw blurRad="292100" dist="139700" dir="2700000" algn="tl" rotWithShape="0">
-              <a:srgbClr val="333333">
-                <a:alpha val="65000"/>
-              </a:srgbClr>
-            </a:outerShdw>
-          </a:effectLst>
-        </p:spPr>
-      </p:pic>
-      <p:cxnSp>
-        <p:nvCxnSpPr>
-          <p:cNvPr id="9" name="直接箭头连接符 8"/>
-          <p:cNvCxnSpPr>
-            <a:stCxn id="6" idx="3"/>
-            <a:endCxn id="7" idx="1"/>
-          </p:cNvCxnSpPr>
-          <p:nvPr/>
-        </p:nvCxnSpPr>
-        <p:spPr>
-          <a:xfrm flipV="1">
-            <a:off x="2976880" y="3953795"/>
-            <a:ext cx="548449" cy="671545"/>
-          </a:xfrm>
-          <a:prstGeom prst="straightConnector1">
-            <a:avLst/>
-          </a:prstGeom>
-          <a:ln>
-            <a:solidFill>
-              <a:srgbClr val="FF0000"/>
-            </a:solidFill>
-            <a:tailEnd type="triangle"/>
-          </a:ln>
-        </p:spPr>
-        <p:style>
-          <a:lnRef idx="1">
-            <a:schemeClr val="accent1"/>
-          </a:lnRef>
-          <a:fillRef idx="0">
-            <a:schemeClr val="accent1"/>
-          </a:fillRef>
-          <a:effectRef idx="0">
-            <a:schemeClr val="accent1"/>
-          </a:effectRef>
-          <a:fontRef idx="minor">
-            <a:schemeClr val="tx1"/>
-          </a:fontRef>
-        </p:style>
-      </p:cxnSp>
-      <p:sp>
-        <p:nvSpPr>
-          <p:cNvPr id="11" name="线形标注 1 10"/>
-          <p:cNvSpPr/>
-          <p:nvPr/>
-        </p:nvSpPr>
-        <p:spPr>
-          <a:xfrm>
-            <a:off x="4830334" y="4157980"/>
-            <a:ext cx="2194560" cy="1122680"/>
-          </a:xfrm>
-          <a:prstGeom prst="borderCallout1">
-            <a:avLst>
-              <a:gd name="adj1" fmla="val 18750"/>
-              <a:gd name="adj2" fmla="val -8333"/>
-              <a:gd name="adj3" fmla="val -37274"/>
-              <a:gd name="adj4" fmla="val -19385"/>
-            </a:avLst>
-          </a:prstGeom>
-          <a:solidFill>
-            <a:schemeClr val="bg1"/>
-          </a:solidFill>
-          <a:ln>
-            <a:solidFill>
-              <a:srgbClr val="FF0000"/>
-            </a:solidFill>
-          </a:ln>
-        </p:spPr>
-        <p:style>
-          <a:lnRef idx="2">
-            <a:schemeClr val="accent1">
-              <a:shade val="50000"/>
-            </a:schemeClr>
-          </a:lnRef>
-          <a:fillRef idx="1">
-            <a:schemeClr val="accent1"/>
-          </a:fillRef>
-          <a:effectRef idx="0">
-            <a:schemeClr val="accent1"/>
-          </a:effectRef>
-          <a:fontRef idx="minor">
-            <a:schemeClr val="lt1"/>
-          </a:fontRef>
-        </p:style>
-        <p:txBody>
-          <a:bodyPr rtlCol="0" anchor="ctr"/>
-          <a:lstStyle/>
-          <a:p>
-            <a:pPr algn="ctr"/>
-            <a:r>
-              <a:rPr kumimoji="1" lang="ja-JP" altLang="en-US" dirty="0" smtClean="0">
-                <a:solidFill>
-                  <a:srgbClr val="FF0000"/>
-                </a:solidFill>
-              </a:rPr>
-              <a:t>メール以外の個人情報は適当で</a:t>
-            </a:r>
-            <a:r>
-              <a:rPr kumimoji="1" lang="en-US" altLang="ja-JP" dirty="0" smtClean="0">
-                <a:solidFill>
-                  <a:srgbClr val="FF0000"/>
-                </a:solidFill>
-              </a:rPr>
-              <a:t>OK</a:t>
-            </a:r>
-            <a:r>
-              <a:rPr kumimoji="1" lang="ja-JP" altLang="en-US" dirty="0" smtClean="0">
-                <a:solidFill>
-                  <a:srgbClr val="FF0000"/>
-                </a:solidFill>
-              </a:rPr>
-              <a:t>！</a:t>
-            </a:r>
-            <a:endParaRPr kumimoji="1" lang="ja-JP" altLang="en-US" dirty="0">
-              <a:solidFill>
-                <a:srgbClr val="FF0000"/>
-              </a:solidFill>
-            </a:endParaRPr>
-          </a:p>
-        </p:txBody>
-      </p:sp>
-      <p:sp>
-        <p:nvSpPr>
-          <p:cNvPr id="14" name="线形标注 1 13"/>
-          <p:cNvSpPr/>
-          <p:nvPr/>
-        </p:nvSpPr>
-        <p:spPr>
-          <a:xfrm>
-            <a:off x="8158750" y="4157980"/>
-            <a:ext cx="2547350" cy="394970"/>
-          </a:xfrm>
-          <a:prstGeom prst="borderCallout1">
-            <a:avLst>
-              <a:gd name="adj1" fmla="val 18750"/>
-              <a:gd name="adj2" fmla="val -8333"/>
-              <a:gd name="adj3" fmla="val -37274"/>
-              <a:gd name="adj4" fmla="val -19385"/>
-            </a:avLst>
-          </a:prstGeom>
-          <a:solidFill>
-            <a:schemeClr val="bg1"/>
-          </a:solidFill>
-          <a:ln>
-            <a:solidFill>
-              <a:srgbClr val="FF0000"/>
-            </a:solidFill>
-          </a:ln>
-        </p:spPr>
-        <p:style>
-          <a:lnRef idx="2">
-            <a:schemeClr val="accent1">
-              <a:shade val="50000"/>
-            </a:schemeClr>
-          </a:lnRef>
-          <a:fillRef idx="1">
-            <a:schemeClr val="accent1"/>
-          </a:fillRef>
-          <a:effectRef idx="0">
-            <a:schemeClr val="accent1"/>
-          </a:effectRef>
-          <a:fontRef idx="minor">
-            <a:schemeClr val="lt1"/>
-          </a:fontRef>
-        </p:style>
-        <p:txBody>
-          <a:bodyPr rtlCol="0" anchor="ctr"/>
-          <a:lstStyle/>
-          <a:p>
-            <a:pPr algn="ctr"/>
-            <a:r>
-              <a:rPr kumimoji="1" lang="en-US" altLang="ja-JP" dirty="0" smtClean="0">
-                <a:solidFill>
-                  <a:srgbClr val="FF0000"/>
-                </a:solidFill>
-              </a:rPr>
-              <a:t>Studio</a:t>
-            </a:r>
-            <a:r>
-              <a:rPr kumimoji="1" lang="ja-JP" altLang="en-US" dirty="0" smtClean="0">
-                <a:solidFill>
-                  <a:srgbClr val="FF0000"/>
-                </a:solidFill>
-              </a:rPr>
-              <a:t>をダウンロード</a:t>
-            </a:r>
-            <a:endParaRPr kumimoji="1" lang="ja-JP" altLang="en-US" dirty="0">
-              <a:solidFill>
-                <a:srgbClr val="FF0000"/>
-              </a:solidFill>
-            </a:endParaRPr>
+        <p:spPr/>
+        <p:txBody>
+          <a:bodyPr/>
+          <a:lstStyle/>
+          <a:p>
+            <a:r>
+              <a:rPr lang="en-US" altLang="zh-CN" dirty="0" smtClean="0"/>
+              <a:t>RPA</a:t>
+            </a:r>
+            <a:r>
+              <a:rPr lang="ja-JP" altLang="en-US" dirty="0" smtClean="0"/>
+              <a:t>の事例１</a:t>
+            </a:r>
+            <a:endParaRPr lang="zh-CN" altLang="en-US" dirty="0"/>
+          </a:p>
+        </p:txBody>
+      </p:sp>
+      <p:sp>
+        <p:nvSpPr>
+          <p:cNvPr id="3" name="内容占位符 2"/>
+          <p:cNvSpPr>
+            <a:spLocks noGrp="1"/>
+          </p:cNvSpPr>
+          <p:nvPr>
+            <p:ph idx="1"/>
+          </p:nvPr>
+        </p:nvSpPr>
+        <p:spPr/>
+        <p:txBody>
+          <a:bodyPr/>
+          <a:lstStyle/>
+          <a:p>
+            <a:endParaRPr lang="zh-CN" altLang="en-US" dirty="0"/>
           </a:p>
         </p:txBody>
       </p:sp>
     </p:spTree>
     <p:extLst>
       <p:ext uri="{BB962C8B-B14F-4D97-AF65-F5344CB8AC3E}">
-        <p14:creationId xmlns:p14="http://schemas.microsoft.com/office/powerpoint/2010/main" val="918804711"/>
+        <p14:creationId xmlns:p14="http://schemas.microsoft.com/office/powerpoint/2010/main" val="2758489212"/>
       </p:ext>
     </p:extLst>
   </p:cSld>
@@ -8724,138 +9895,42 @@
         </p:nvSpPr>
         <p:spPr/>
         <p:txBody>
-          <a:bodyPr>
-            <a:normAutofit/>
-          </a:bodyPr>
-          <a:lstStyle/>
-          <a:p>
-            <a:r>
-              <a:rPr kumimoji="1" lang="ja-JP" altLang="en-US" dirty="0"/>
-              <a:t>５分間</a:t>
-            </a:r>
-            <a:r>
-              <a:rPr kumimoji="1" lang="ja-JP" altLang="en-US" dirty="0" smtClean="0"/>
-              <a:t>で無料な開</a:t>
-            </a:r>
-            <a:r>
-              <a:rPr kumimoji="1" lang="ja-JP" altLang="en-US" dirty="0"/>
-              <a:t>発環境構築してみよう</a:t>
-            </a:r>
-            <a:r>
-              <a:rPr kumimoji="1" lang="en-US" altLang="ja-JP" dirty="0"/>
-              <a:t/>
+          <a:bodyPr/>
+          <a:lstStyle/>
+          <a:p>
+            <a:r>
+              <a:rPr lang="en-US" altLang="zh-CN" dirty="0" smtClean="0"/>
+              <a:t>RPA</a:t>
+            </a:r>
+            <a:r>
+              <a:rPr lang="ja-JP" altLang="en-US" dirty="0" smtClean="0"/>
+              <a:t>概要</a:t>
             </a:r>
             <a:br>
-              <a:rPr kumimoji="1" lang="en-US" altLang="ja-JP" dirty="0"/>
+              <a:rPr lang="ja-JP" altLang="en-US" dirty="0" smtClean="0"/>
             </a:br>
             <a:r>
-              <a:rPr kumimoji="1" lang="en-US" altLang="ja-JP" sz="2400" dirty="0" err="1" smtClean="0"/>
-              <a:t>UiPath</a:t>
-            </a:r>
-            <a:r>
-              <a:rPr kumimoji="1" lang="en-US" altLang="ja-JP" sz="2400" dirty="0" smtClean="0"/>
-              <a:t> Studio</a:t>
-            </a:r>
-            <a:r>
-              <a:rPr kumimoji="1" lang="ja-JP" altLang="en-US" sz="2400" dirty="0" smtClean="0"/>
-              <a:t>のインストール</a:t>
-            </a:r>
-            <a:endParaRPr kumimoji="1" lang="ja-JP" altLang="en-US" sz="2400" dirty="0"/>
-          </a:p>
-        </p:txBody>
-      </p:sp>
-      <p:pic>
-        <p:nvPicPr>
-          <p:cNvPr id="5" name="图片 4"/>
-          <p:cNvPicPr>
-            <a:picLocks noChangeAspect="1"/>
-          </p:cNvPicPr>
+              <a:rPr lang="ja-JP" altLang="en-US" sz="2400" dirty="0" smtClean="0"/>
+              <a:t>あなたが日常業務を行う際のステップ</a:t>
+            </a:r>
+            <a:endParaRPr lang="zh-CN" altLang="en-US" dirty="0"/>
+          </a:p>
+        </p:txBody>
+      </p:sp>
+      <p:sp>
+        <p:nvSpPr>
+          <p:cNvPr id="5" name="矩形 4"/>
+          <p:cNvSpPr/>
           <p:nvPr/>
-        </p:nvPicPr>
-        <p:blipFill>
-          <a:blip r:embed="rId2"/>
-          <a:stretch>
-            <a:fillRect/>
-          </a:stretch>
-        </p:blipFill>
+        </p:nvSpPr>
         <p:spPr>
           <a:xfrm>
-            <a:off x="677334" y="2000151"/>
-            <a:ext cx="1914525" cy="600075"/>
+            <a:off x="2179166" y="2438400"/>
+            <a:ext cx="6820746" cy="914400"/>
           </a:xfrm>
           <a:prstGeom prst="rect">
             <a:avLst/>
           </a:prstGeom>
-          <a:ln>
-            <a:solidFill>
-              <a:srgbClr val="FF0000"/>
-            </a:solidFill>
-          </a:ln>
-          <a:effectLst>
-            <a:outerShdw blurRad="292100" dist="139700" dir="2700000" algn="tl" rotWithShape="0">
-              <a:srgbClr val="333333">
-                <a:alpha val="65000"/>
-              </a:srgbClr>
-            </a:outerShdw>
-          </a:effectLst>
-        </p:spPr>
-      </p:pic>
-      <p:pic>
-        <p:nvPicPr>
-          <p:cNvPr id="6" name="图片 5"/>
-          <p:cNvPicPr>
-            <a:picLocks noChangeAspect="1"/>
-          </p:cNvPicPr>
-          <p:nvPr/>
-        </p:nvPicPr>
-        <p:blipFill>
-          <a:blip r:embed="rId3"/>
-          <a:stretch>
-            <a:fillRect/>
-          </a:stretch>
-        </p:blipFill>
-        <p:spPr>
-          <a:xfrm>
-            <a:off x="1188457" y="2925460"/>
-            <a:ext cx="3831283" cy="2624429"/>
-          </a:xfrm>
-          <a:prstGeom prst="rect">
-            <a:avLst/>
-          </a:prstGeom>
-          <a:ln>
-            <a:solidFill>
-              <a:srgbClr val="FF0000"/>
-            </a:solidFill>
-          </a:ln>
-          <a:effectLst>
-            <a:outerShdw blurRad="292100" dist="139700" dir="2700000" algn="tl" rotWithShape="0">
-              <a:srgbClr val="333333">
-                <a:alpha val="65000"/>
-              </a:srgbClr>
-            </a:outerShdw>
-          </a:effectLst>
-        </p:spPr>
-      </p:pic>
-      <p:sp>
-        <p:nvSpPr>
-          <p:cNvPr id="7" name="矩形 6"/>
-          <p:cNvSpPr/>
-          <p:nvPr/>
-        </p:nvSpPr>
-        <p:spPr>
-          <a:xfrm>
-            <a:off x="1364592" y="5275492"/>
-            <a:ext cx="571413" cy="217214"/>
-          </a:xfrm>
-          <a:prstGeom prst="rect">
-            <a:avLst/>
-          </a:prstGeom>
-          <a:noFill/>
-          <a:ln>
-            <a:solidFill>
-              <a:srgbClr val="FF0000"/>
-            </a:solidFill>
-          </a:ln>
         </p:spPr>
         <p:style>
           <a:lnRef idx="2">
@@ -8878,144 +9953,32 @@
           <a:lstStyle/>
           <a:p>
             <a:pPr algn="ctr"/>
-            <a:endParaRPr kumimoji="1" lang="ja-JP" altLang="en-US"/>
-          </a:p>
-        </p:txBody>
-      </p:sp>
-      <p:cxnSp>
-        <p:nvCxnSpPr>
-          <p:cNvPr id="8" name="直接箭头连接符 7"/>
-          <p:cNvCxnSpPr>
-            <a:stCxn id="5" idx="2"/>
-            <a:endCxn id="7" idx="0"/>
-          </p:cNvCxnSpPr>
+            <a:r>
+              <a:rPr lang="en-US" altLang="ja-JP" sz="2800" dirty="0"/>
+              <a:t>PC</a:t>
+            </a:r>
+            <a:r>
+              <a:rPr lang="ja-JP" altLang="en-US" sz="2800" dirty="0" smtClean="0"/>
+              <a:t>画面を見る</a:t>
+            </a:r>
+            <a:endParaRPr lang="zh-CN" altLang="en-US" sz="2800" dirty="0"/>
+          </a:p>
+        </p:txBody>
+      </p:sp>
+      <p:sp>
+        <p:nvSpPr>
+          <p:cNvPr id="6" name="矩形 5"/>
+          <p:cNvSpPr/>
           <p:nvPr/>
-        </p:nvCxnSpPr>
+        </p:nvSpPr>
         <p:spPr>
           <a:xfrm>
-            <a:off x="1634597" y="2600226"/>
-            <a:ext cx="15702" cy="2675266"/>
-          </a:xfrm>
-          <a:prstGeom prst="straightConnector1">
-            <a:avLst/>
-          </a:prstGeom>
-          <a:ln>
-            <a:solidFill>
-              <a:srgbClr val="FF0000"/>
-            </a:solidFill>
-            <a:tailEnd type="triangle"/>
-          </a:ln>
-        </p:spPr>
-        <p:style>
-          <a:lnRef idx="1">
-            <a:schemeClr val="accent1"/>
-          </a:lnRef>
-          <a:fillRef idx="0">
-            <a:schemeClr val="accent1"/>
-          </a:fillRef>
-          <a:effectRef idx="0">
-            <a:schemeClr val="accent1"/>
-          </a:effectRef>
-          <a:fontRef idx="minor">
-            <a:schemeClr val="tx1"/>
-          </a:fontRef>
-        </p:style>
-      </p:cxnSp>
-      <p:pic>
-        <p:nvPicPr>
-          <p:cNvPr id="11" name="图片 10"/>
-          <p:cNvPicPr>
-            <a:picLocks noChangeAspect="1"/>
-          </p:cNvPicPr>
-          <p:nvPr/>
-        </p:nvPicPr>
-        <p:blipFill>
-          <a:blip r:embed="rId4"/>
-          <a:stretch>
-            <a:fillRect/>
-          </a:stretch>
-        </p:blipFill>
-        <p:spPr>
-          <a:xfrm>
-            <a:off x="4014363" y="2300188"/>
-            <a:ext cx="3856508" cy="2641708"/>
+            <a:off x="2179166" y="3624349"/>
+            <a:ext cx="6820746" cy="914400"/>
           </a:xfrm>
           <a:prstGeom prst="rect">
             <a:avLst/>
           </a:prstGeom>
-          <a:ln>
-            <a:solidFill>
-              <a:srgbClr val="FF0000"/>
-            </a:solidFill>
-          </a:ln>
-          <a:effectLst>
-            <a:outerShdw blurRad="292100" dist="139700" dir="2700000" algn="tl" rotWithShape="0">
-              <a:srgbClr val="333333">
-                <a:alpha val="65000"/>
-              </a:srgbClr>
-            </a:outerShdw>
-          </a:effectLst>
-        </p:spPr>
-      </p:pic>
-      <p:cxnSp>
-        <p:nvCxnSpPr>
-          <p:cNvPr id="12" name="直接箭头连接符 11"/>
-          <p:cNvCxnSpPr>
-            <a:stCxn id="7" idx="3"/>
-            <a:endCxn id="11" idx="1"/>
-          </p:cNvCxnSpPr>
-          <p:nvPr/>
-        </p:nvCxnSpPr>
-        <p:spPr>
-          <a:xfrm flipV="1">
-            <a:off x="1936005" y="3621042"/>
-            <a:ext cx="2078358" cy="1763057"/>
-          </a:xfrm>
-          <a:prstGeom prst="straightConnector1">
-            <a:avLst/>
-          </a:prstGeom>
-          <a:ln>
-            <a:solidFill>
-              <a:srgbClr val="FF0000"/>
-            </a:solidFill>
-            <a:tailEnd type="triangle"/>
-          </a:ln>
-        </p:spPr>
-        <p:style>
-          <a:lnRef idx="1">
-            <a:schemeClr val="accent1"/>
-          </a:lnRef>
-          <a:fillRef idx="0">
-            <a:schemeClr val="accent1"/>
-          </a:fillRef>
-          <a:effectRef idx="0">
-            <a:schemeClr val="accent1"/>
-          </a:effectRef>
-          <a:fontRef idx="minor">
-            <a:schemeClr val="tx1"/>
-          </a:fontRef>
-        </p:style>
-      </p:cxnSp>
-      <p:sp>
-        <p:nvSpPr>
-          <p:cNvPr id="16" name="矩形 15"/>
-          <p:cNvSpPr/>
-          <p:nvPr/>
-        </p:nvSpPr>
-        <p:spPr>
-          <a:xfrm>
-            <a:off x="6481817" y="3069369"/>
-            <a:ext cx="927976" cy="928765"/>
-          </a:xfrm>
-          <a:prstGeom prst="rect">
-            <a:avLst/>
-          </a:prstGeom>
-          <a:noFill/>
-          <a:ln>
-            <a:solidFill>
-              <a:srgbClr val="FF0000"/>
-            </a:solidFill>
-          </a:ln>
         </p:spPr>
         <p:style>
           <a:lnRef idx="2">
@@ -9038,105 +10001,36 @@
           <a:lstStyle/>
           <a:p>
             <a:pPr algn="ctr"/>
-            <a:endParaRPr kumimoji="1" lang="ja-JP" altLang="en-US"/>
-          </a:p>
-        </p:txBody>
-      </p:sp>
-      <p:pic>
-        <p:nvPicPr>
-          <p:cNvPr id="17" name="图片 16"/>
-          <p:cNvPicPr>
-            <a:picLocks noChangeAspect="1"/>
-          </p:cNvPicPr>
+            <a:r>
+              <a:rPr lang="ja-JP" altLang="en-US" sz="2800" dirty="0" smtClean="0"/>
+              <a:t>画面</a:t>
+            </a:r>
+            <a:r>
+              <a:rPr lang="ja-JP" altLang="en-US" sz="2800" smtClean="0"/>
+              <a:t>情報から判断</a:t>
+            </a:r>
+            <a:r>
+              <a:rPr lang="ja-JP" altLang="en-US" sz="2800" dirty="0" smtClean="0"/>
+              <a:t>する</a:t>
+            </a:r>
+            <a:endParaRPr lang="zh-CN" altLang="en-US" sz="2800" dirty="0"/>
+          </a:p>
+        </p:txBody>
+      </p:sp>
+      <p:sp>
+        <p:nvSpPr>
+          <p:cNvPr id="7" name="矩形 6"/>
+          <p:cNvSpPr/>
           <p:nvPr/>
-        </p:nvPicPr>
-        <p:blipFill>
-          <a:blip r:embed="rId5"/>
-          <a:stretch>
-            <a:fillRect/>
-          </a:stretch>
-        </p:blipFill>
+        </p:nvSpPr>
         <p:spPr>
           <a:xfrm>
-            <a:off x="7814115" y="2046802"/>
-            <a:ext cx="3581188" cy="2453114"/>
+            <a:off x="2179166" y="4810298"/>
+            <a:ext cx="6820746" cy="914400"/>
           </a:xfrm>
           <a:prstGeom prst="rect">
             <a:avLst/>
           </a:prstGeom>
-          <a:ln>
-            <a:solidFill>
-              <a:srgbClr val="FF0000"/>
-            </a:solidFill>
-          </a:ln>
-          <a:effectLst>
-            <a:outerShdw blurRad="292100" dist="139700" dir="2700000" algn="tl" rotWithShape="0">
-              <a:srgbClr val="333333">
-                <a:alpha val="65000"/>
-              </a:srgbClr>
-            </a:outerShdw>
-          </a:effectLst>
-        </p:spPr>
-      </p:pic>
-      <p:cxnSp>
-        <p:nvCxnSpPr>
-          <p:cNvPr id="18" name="直接箭头连接符 17"/>
-          <p:cNvCxnSpPr>
-            <a:stCxn id="16" idx="3"/>
-            <a:endCxn id="17" idx="1"/>
-          </p:cNvCxnSpPr>
-          <p:nvPr/>
-        </p:nvCxnSpPr>
-        <p:spPr>
-          <a:xfrm flipV="1">
-            <a:off x="7409793" y="3273359"/>
-            <a:ext cx="404322" cy="260393"/>
-          </a:xfrm>
-          <a:prstGeom prst="straightConnector1">
-            <a:avLst/>
-          </a:prstGeom>
-          <a:ln>
-            <a:solidFill>
-              <a:srgbClr val="FF0000"/>
-            </a:solidFill>
-            <a:tailEnd type="triangle"/>
-          </a:ln>
-        </p:spPr>
-        <p:style>
-          <a:lnRef idx="1">
-            <a:schemeClr val="accent1"/>
-          </a:lnRef>
-          <a:fillRef idx="0">
-            <a:schemeClr val="accent1"/>
-          </a:fillRef>
-          <a:effectRef idx="0">
-            <a:schemeClr val="accent1"/>
-          </a:effectRef>
-          <a:fontRef idx="minor">
-            <a:schemeClr val="tx1"/>
-          </a:fontRef>
-        </p:style>
-      </p:cxnSp>
-      <p:sp>
-        <p:nvSpPr>
-          <p:cNvPr id="25" name="矩形 24"/>
-          <p:cNvSpPr/>
-          <p:nvPr/>
-        </p:nvSpPr>
-        <p:spPr>
-          <a:xfrm>
-            <a:off x="9553991" y="2789041"/>
-            <a:ext cx="1034130" cy="1095213"/>
-          </a:xfrm>
-          <a:prstGeom prst="rect">
-            <a:avLst/>
-          </a:prstGeom>
-          <a:noFill/>
-          <a:ln>
-            <a:solidFill>
-              <a:srgbClr val="FF0000"/>
-            </a:solidFill>
-          </a:ln>
         </p:spPr>
         <p:style>
           <a:lnRef idx="2">
@@ -9159,117 +10053,40 @@
           <a:lstStyle/>
           <a:p>
             <a:pPr algn="ctr"/>
-            <a:endParaRPr kumimoji="1" lang="ja-JP" altLang="en-US"/>
-          </a:p>
-        </p:txBody>
-      </p:sp>
-      <p:pic>
-        <p:nvPicPr>
-          <p:cNvPr id="26" name="图片 25"/>
-          <p:cNvPicPr>
-            <a:picLocks noChangeAspect="1"/>
-          </p:cNvPicPr>
+            <a:r>
+              <a:rPr lang="ja-JP" altLang="en-US" sz="2800" dirty="0" smtClean="0"/>
+              <a:t>操作する</a:t>
+            </a:r>
+            <a:endParaRPr lang="zh-CN" altLang="en-US" sz="2800" dirty="0"/>
+          </a:p>
+        </p:txBody>
+      </p:sp>
+      <p:sp>
+        <p:nvSpPr>
+          <p:cNvPr id="8" name="下箭头 7"/>
+          <p:cNvSpPr/>
           <p:nvPr/>
-        </p:nvPicPr>
-        <p:blipFill>
-          <a:blip r:embed="rId6"/>
-          <a:stretch>
-            <a:fillRect/>
-          </a:stretch>
-        </p:blipFill>
+        </p:nvSpPr>
         <p:spPr>
           <a:xfrm>
-            <a:off x="7143580" y="4246530"/>
-            <a:ext cx="3812365" cy="2611470"/>
-          </a:xfrm>
-          <a:prstGeom prst="rect">
+            <a:off x="4621876" y="3280757"/>
+            <a:ext cx="2056014" cy="415636"/>
+          </a:xfrm>
+          <a:prstGeom prst="downArrow">
             <a:avLst/>
           </a:prstGeom>
-          <a:ln>
-            <a:solidFill>
-              <a:srgbClr val="FF0000"/>
-            </a:solidFill>
-          </a:ln>
-          <a:effectLst>
-            <a:outerShdw blurRad="292100" dist="139700" dir="2700000" algn="tl" rotWithShape="0">
-              <a:srgbClr val="333333">
-                <a:alpha val="65000"/>
-              </a:srgbClr>
-            </a:outerShdw>
-          </a:effectLst>
-        </p:spPr>
-      </p:pic>
-      <p:cxnSp>
-        <p:nvCxnSpPr>
-          <p:cNvPr id="27" name="直接箭头连接符 26"/>
-          <p:cNvCxnSpPr>
-            <a:stCxn id="25" idx="2"/>
-            <a:endCxn id="26" idx="0"/>
-          </p:cNvCxnSpPr>
-          <p:nvPr/>
-        </p:nvCxnSpPr>
-        <p:spPr>
-          <a:xfrm flipH="1">
-            <a:off x="9049763" y="3884254"/>
-            <a:ext cx="1021293" cy="362276"/>
-          </a:xfrm>
-          <a:prstGeom prst="straightConnector1">
-            <a:avLst/>
-          </a:prstGeom>
-          <a:ln>
-            <a:solidFill>
-              <a:srgbClr val="FF0000"/>
-            </a:solidFill>
-            <a:tailEnd type="triangle"/>
-          </a:ln>
-        </p:spPr>
-        <p:style>
-          <a:lnRef idx="1">
-            <a:schemeClr val="accent1"/>
-          </a:lnRef>
-          <a:fillRef idx="0">
-            <a:schemeClr val="accent1"/>
-          </a:fillRef>
-          <a:effectRef idx="0">
-            <a:schemeClr val="accent1"/>
-          </a:effectRef>
-          <a:fontRef idx="minor">
-            <a:schemeClr val="tx1"/>
-          </a:fontRef>
-        </p:style>
-      </p:cxnSp>
-      <p:sp>
-        <p:nvSpPr>
-          <p:cNvPr id="35" name="矩形 34"/>
-          <p:cNvSpPr/>
-          <p:nvPr/>
-        </p:nvSpPr>
-        <p:spPr>
-          <a:xfrm>
-            <a:off x="7532340" y="4960640"/>
-            <a:ext cx="1012569" cy="1232055"/>
-          </a:xfrm>
-          <a:prstGeom prst="rect">
-            <a:avLst/>
-          </a:prstGeom>
-          <a:noFill/>
-          <a:ln>
-            <a:solidFill>
-              <a:srgbClr val="FF0000"/>
-            </a:solidFill>
-          </a:ln>
         </p:spPr>
         <p:style>
           <a:lnRef idx="2">
-            <a:schemeClr val="accent1">
+            <a:schemeClr val="accent3">
               <a:shade val="50000"/>
             </a:schemeClr>
           </a:lnRef>
           <a:fillRef idx="1">
-            <a:schemeClr val="accent1"/>
+            <a:schemeClr val="accent3"/>
           </a:fillRef>
           <a:effectRef idx="0">
-            <a:schemeClr val="accent1"/>
+            <a:schemeClr val="accent3"/>
           </a:effectRef>
           <a:fontRef idx="minor">
             <a:schemeClr val="lt1"/>
@@ -9280,124 +10097,36 @@
           <a:lstStyle/>
           <a:p>
             <a:pPr algn="ctr"/>
-            <a:endParaRPr kumimoji="1" lang="ja-JP" altLang="en-US"/>
-          </a:p>
-        </p:txBody>
-      </p:sp>
-      <p:pic>
-        <p:nvPicPr>
-          <p:cNvPr id="36" name="图片 35"/>
-          <p:cNvPicPr>
-            <a:picLocks noChangeAspect="1"/>
-          </p:cNvPicPr>
+            <a:endParaRPr lang="zh-CN" altLang="en-US"/>
+          </a:p>
+        </p:txBody>
+      </p:sp>
+      <p:sp>
+        <p:nvSpPr>
+          <p:cNvPr id="9" name="下箭头 8"/>
+          <p:cNvSpPr/>
           <p:nvPr/>
-        </p:nvPicPr>
-        <p:blipFill>
-          <a:blip r:embed="rId7"/>
-          <a:stretch>
-            <a:fillRect/>
-          </a:stretch>
-        </p:blipFill>
+        </p:nvSpPr>
         <p:spPr>
           <a:xfrm>
-            <a:off x="3908204" y="4728541"/>
-            <a:ext cx="3403413" cy="2127133"/>
-          </a:xfrm>
-          <a:prstGeom prst="rect">
+            <a:off x="4621876" y="4466706"/>
+            <a:ext cx="2056014" cy="415636"/>
+          </a:xfrm>
+          <a:prstGeom prst="downArrow">
             <a:avLst/>
           </a:prstGeom>
-          <a:ln>
-            <a:solidFill>
-              <a:srgbClr val="FF0000"/>
-            </a:solidFill>
-          </a:ln>
-          <a:effectLst>
-            <a:outerShdw blurRad="292100" dist="139700" dir="2700000" algn="tl" rotWithShape="0">
-              <a:srgbClr val="333333">
-                <a:alpha val="65000"/>
-              </a:srgbClr>
-            </a:outerShdw>
-          </a:effectLst>
-        </p:spPr>
-      </p:pic>
-      <p:cxnSp>
-        <p:nvCxnSpPr>
-          <p:cNvPr id="37" name="直接箭头连接符 36"/>
-          <p:cNvCxnSpPr>
-            <a:stCxn id="35" idx="1"/>
-            <a:endCxn id="36" idx="3"/>
-          </p:cNvCxnSpPr>
-          <p:nvPr/>
-        </p:nvCxnSpPr>
-        <p:spPr>
-          <a:xfrm flipH="1">
-            <a:off x="7311617" y="5576668"/>
-            <a:ext cx="220723" cy="215440"/>
-          </a:xfrm>
-          <a:prstGeom prst="straightConnector1">
-            <a:avLst/>
-          </a:prstGeom>
-          <a:ln>
-            <a:solidFill>
-              <a:srgbClr val="FF0000"/>
-            </a:solidFill>
-            <a:tailEnd type="triangle"/>
-          </a:ln>
-        </p:spPr>
-        <p:style>
-          <a:lnRef idx="1">
-            <a:schemeClr val="accent1"/>
-          </a:lnRef>
-          <a:fillRef idx="0">
-            <a:schemeClr val="accent1"/>
-          </a:fillRef>
-          <a:effectRef idx="0">
-            <a:schemeClr val="accent1"/>
-          </a:effectRef>
-          <a:fontRef idx="minor">
-            <a:schemeClr val="tx1"/>
-          </a:fontRef>
-        </p:style>
-      </p:cxnSp>
-      <p:sp>
-        <p:nvSpPr>
-          <p:cNvPr id="42" name="线形标注 1 41"/>
-          <p:cNvSpPr/>
-          <p:nvPr/>
-        </p:nvSpPr>
-        <p:spPr>
-          <a:xfrm>
-            <a:off x="889175" y="5641441"/>
-            <a:ext cx="2599022" cy="1122680"/>
-          </a:xfrm>
-          <a:prstGeom prst="borderCallout1">
-            <a:avLst>
-              <a:gd name="adj1" fmla="val 45712"/>
-              <a:gd name="adj2" fmla="val 105747"/>
-              <a:gd name="adj3" fmla="val 17774"/>
-              <a:gd name="adj4" fmla="val 145558"/>
-            </a:avLst>
-          </a:prstGeom>
-          <a:solidFill>
-            <a:schemeClr val="bg1"/>
-          </a:solidFill>
-          <a:ln>
-            <a:solidFill>
-              <a:srgbClr val="FF0000"/>
-            </a:solidFill>
-          </a:ln>
         </p:spPr>
         <p:style>
           <a:lnRef idx="2">
-            <a:schemeClr val="accent1">
+            <a:schemeClr val="accent3">
               <a:shade val="50000"/>
             </a:schemeClr>
           </a:lnRef>
           <a:fillRef idx="1">
-            <a:schemeClr val="accent1"/>
+            <a:schemeClr val="accent3"/>
           </a:fillRef>
           <a:effectRef idx="0">
-            <a:schemeClr val="accent1"/>
+            <a:schemeClr val="accent3"/>
           </a:effectRef>
           <a:fontRef idx="minor">
             <a:schemeClr val="lt1"/>
@@ -9408,17 +10137,55 @@
           <a:lstStyle/>
           <a:p>
             <a:pPr algn="ctr"/>
-            <a:r>
-              <a:rPr kumimoji="1" lang="ja-JP" altLang="en-US" dirty="0" smtClean="0">
-                <a:solidFill>
-                  <a:srgbClr val="FF0000"/>
-                </a:solidFill>
-              </a:rPr>
-              <a:t>ここまで来たら開発環境構築が完了！</a:t>
-            </a:r>
-            <a:endParaRPr kumimoji="1" lang="ja-JP" altLang="en-US" dirty="0">
+            <a:endParaRPr lang="zh-CN" altLang="en-US"/>
+          </a:p>
+        </p:txBody>
+      </p:sp>
+      <p:sp>
+        <p:nvSpPr>
+          <p:cNvPr id="10" name="手杖形箭头 9"/>
+          <p:cNvSpPr/>
+          <p:nvPr/>
+        </p:nvSpPr>
+        <p:spPr>
+          <a:xfrm rot="16200000">
+            <a:off x="180725" y="3568314"/>
+            <a:ext cx="2970413" cy="1026468"/>
+          </a:xfrm>
+          <a:prstGeom prst="uturnArrow">
+            <a:avLst>
+              <a:gd name="adj1" fmla="val 27242"/>
+              <a:gd name="adj2" fmla="val 25000"/>
+              <a:gd name="adj3" fmla="val 16874"/>
+              <a:gd name="adj4" fmla="val 43750"/>
+              <a:gd name="adj5" fmla="val 100000"/>
+            </a:avLst>
+          </a:prstGeom>
+        </p:spPr>
+        <p:style>
+          <a:lnRef idx="2">
+            <a:schemeClr val="accent3">
+              <a:shade val="50000"/>
+            </a:schemeClr>
+          </a:lnRef>
+          <a:fillRef idx="1">
+            <a:schemeClr val="accent3"/>
+          </a:fillRef>
+          <a:effectRef idx="0">
+            <a:schemeClr val="accent3"/>
+          </a:effectRef>
+          <a:fontRef idx="minor">
+            <a:schemeClr val="lt1"/>
+          </a:fontRef>
+        </p:style>
+        <p:txBody>
+          <a:bodyPr rtlCol="0" anchor="ctr"/>
+          <a:lstStyle/>
+          <a:p>
+            <a:pPr algn="ctr"/>
+            <a:endParaRPr lang="zh-CN" altLang="en-US">
               <a:solidFill>
-                <a:srgbClr val="FF0000"/>
+                <a:schemeClr val="tx1"/>
               </a:solidFill>
             </a:endParaRPr>
           </a:p>
@@ -9427,7 +10194,7 @@
     </p:spTree>
     <p:extLst>
       <p:ext uri="{BB962C8B-B14F-4D97-AF65-F5344CB8AC3E}">
-        <p14:creationId xmlns:p14="http://schemas.microsoft.com/office/powerpoint/2010/main" val="755269567"/>
+        <p14:creationId xmlns:p14="http://schemas.microsoft.com/office/powerpoint/2010/main" val="1777659268"/>
       </p:ext>
     </p:extLst>
   </p:cSld>

--- a/020_RPA技術実施/20210218_RPA概要とUiPath環境構築/20210218_RPA概要とUiPath環境構築.pptx
+++ b/020_RPA技術実施/20210218_RPA概要とUiPath環境構築/20210218_RPA概要とUiPath環境構築.pptx
@@ -6,21 +6,28 @@
   </p:sldMasterIdLst>
   <p:sldIdLst>
     <p:sldId id="256" r:id="rId2"/>
-    <p:sldId id="264" r:id="rId3"/>
-    <p:sldId id="278" r:id="rId4"/>
+    <p:sldId id="278" r:id="rId3"/>
+    <p:sldId id="264" r:id="rId4"/>
     <p:sldId id="279" r:id="rId5"/>
     <p:sldId id="266" r:id="rId6"/>
     <p:sldId id="270" r:id="rId7"/>
-    <p:sldId id="269" r:id="rId8"/>
-    <p:sldId id="271" r:id="rId9"/>
-    <p:sldId id="268" r:id="rId10"/>
-    <p:sldId id="273" r:id="rId11"/>
-    <p:sldId id="274" r:id="rId12"/>
-    <p:sldId id="272" r:id="rId13"/>
-    <p:sldId id="276" r:id="rId14"/>
-    <p:sldId id="277" r:id="rId15"/>
-    <p:sldId id="265" r:id="rId16"/>
-    <p:sldId id="275" r:id="rId17"/>
+    <p:sldId id="280" r:id="rId8"/>
+    <p:sldId id="269" r:id="rId9"/>
+    <p:sldId id="285" r:id="rId10"/>
+    <p:sldId id="286" r:id="rId11"/>
+    <p:sldId id="271" r:id="rId12"/>
+    <p:sldId id="281" r:id="rId13"/>
+    <p:sldId id="273" r:id="rId14"/>
+    <p:sldId id="274" r:id="rId15"/>
+    <p:sldId id="282" r:id="rId16"/>
+    <p:sldId id="272" r:id="rId17"/>
+    <p:sldId id="276" r:id="rId18"/>
+    <p:sldId id="277" r:id="rId19"/>
+    <p:sldId id="283" r:id="rId20"/>
+    <p:sldId id="265" r:id="rId21"/>
+    <p:sldId id="284" r:id="rId22"/>
+    <p:sldId id="275" r:id="rId23"/>
+    <p:sldId id="287" r:id="rId24"/>
   </p:sldIdLst>
   <p:sldSz cx="12192000" cy="6858000"/>
   <p:notesSz cx="6858000" cy="9144000"/>
@@ -5875,24 +5882,32 @@
           <a:lstStyle/>
           <a:p>
             <a:r>
+              <a:rPr lang="ja-JP" altLang="en-US" dirty="0"/>
+              <a:t>第１回目：</a:t>
+            </a:r>
+            <a:r>
+              <a:rPr lang="en-US" dirty="0"/>
+              <a:t>RPA </a:t>
+            </a:r>
+            <a:r>
+              <a:rPr lang="ja-JP" altLang="en-US" dirty="0"/>
+              <a:t>紹介</a:t>
+            </a:r>
+            <a:r>
+              <a:rPr lang="ja-JP" altLang="en-US" dirty="0" smtClean="0"/>
+              <a:t>と無料な </a:t>
+            </a:r>
+            <a:r>
               <a:rPr lang="en-US" dirty="0" smtClean="0"/>
-              <a:t>RPA</a:t>
-            </a:r>
-            <a:r>
-              <a:rPr lang="zh-CN" altLang="en-US" dirty="0"/>
-              <a:t>概要</a:t>
+              <a:t>UiPath </a:t>
+            </a:r>
+            <a:r>
+              <a:rPr lang="ja-JP" altLang="en-US" dirty="0" smtClean="0"/>
+              <a:t>開</a:t>
             </a:r>
             <a:r>
               <a:rPr lang="ja-JP" altLang="en-US" dirty="0"/>
-              <a:t>と</a:t>
-            </a:r>
-            <a:r>
-              <a:rPr lang="en-US" dirty="0"/>
-              <a:t>UiPath</a:t>
-            </a:r>
-            <a:r>
-              <a:rPr lang="zh-CN" altLang="en-US" dirty="0"/>
-              <a:t>環境構築</a:t>
+              <a:t>発環境構築</a:t>
             </a:r>
             <a:endParaRPr lang="en-US" dirty="0"/>
           </a:p>
@@ -5935,11 +5950,23 @@
             </a:r>
             <a:r>
               <a:rPr lang="ja-JP" altLang="en-US" dirty="0" smtClean="0"/>
-              <a:t>日</a:t>
+              <a:t>日 </a:t>
+            </a:r>
+            <a:r>
+              <a:rPr lang="en-US" altLang="ja-JP" dirty="0" smtClean="0"/>
+              <a:t>19</a:t>
+            </a:r>
+            <a:r>
+              <a:rPr lang="ja-JP" altLang="en-US" dirty="0" smtClean="0"/>
+              <a:t>時</a:t>
             </a:r>
             <a:endParaRPr lang="en-US" altLang="zh-CN" dirty="0"/>
           </a:p>
           <a:p>
+            <a:r>
+              <a:rPr lang="en-US" altLang="zh-CN" dirty="0" smtClean="0"/>
+              <a:t>1HB-8S </a:t>
+            </a:r>
             <a:r>
               <a:rPr lang="zh-CN" altLang="en-US" dirty="0" smtClean="0"/>
               <a:t>黄</a:t>
@@ -5997,6 +6024,559 @@
           <a:chExt cx="0" cy="0"/>
         </a:xfrm>
       </p:grpSpPr>
+      <p:sp>
+        <p:nvSpPr>
+          <p:cNvPr id="2" name="标题 1"/>
+          <p:cNvSpPr>
+            <a:spLocks noGrp="1"/>
+          </p:cNvSpPr>
+          <p:nvPr>
+            <p:ph type="title"/>
+          </p:nvPr>
+        </p:nvSpPr>
+        <p:spPr/>
+        <p:txBody>
+          <a:bodyPr/>
+          <a:lstStyle/>
+          <a:p>
+            <a:r>
+              <a:rPr lang="en-US" altLang="zh-CN" dirty="0" smtClean="0"/>
+              <a:t>RPA</a:t>
+            </a:r>
+            <a:r>
+              <a:rPr lang="ja-JP" altLang="en-US" dirty="0" smtClean="0"/>
+              <a:t>概要</a:t>
+            </a:r>
+            <a:r>
+              <a:rPr lang="en-US" altLang="ja-JP" dirty="0"/>
+              <a:t/>
+            </a:r>
+            <a:br>
+              <a:rPr lang="en-US" altLang="ja-JP" dirty="0"/>
+            </a:br>
+            <a:r>
+              <a:rPr kumimoji="1" lang="ja-JP" altLang="en-US" sz="2400" dirty="0" smtClean="0"/>
+              <a:t>事例２：</a:t>
+            </a:r>
+            <a:r>
+              <a:rPr lang="ja-JP" altLang="en-US" sz="2400" dirty="0" smtClean="0"/>
+              <a:t>入館証打刻チェック</a:t>
+            </a:r>
+            <a:endParaRPr kumimoji="1" lang="ja-JP" altLang="en-US" dirty="0"/>
+          </a:p>
+        </p:txBody>
+      </p:sp>
+      <p:sp>
+        <p:nvSpPr>
+          <p:cNvPr id="3" name="内容占位符 2"/>
+          <p:cNvSpPr>
+            <a:spLocks noGrp="1"/>
+          </p:cNvSpPr>
+          <p:nvPr>
+            <p:ph idx="1"/>
+          </p:nvPr>
+        </p:nvSpPr>
+        <p:spPr/>
+        <p:txBody>
+          <a:bodyPr/>
+          <a:lstStyle/>
+          <a:p>
+            <a:pPr marL="0" indent="0">
+              <a:buNone/>
+            </a:pPr>
+            <a:r>
+              <a:rPr kumimoji="1" lang="ja-JP" altLang="en-US" dirty="0" smtClean="0"/>
+              <a:t>■課題</a:t>
+            </a:r>
+            <a:endParaRPr kumimoji="1" lang="en-US" altLang="ja-JP" dirty="0" smtClean="0"/>
+          </a:p>
+          <a:p>
+            <a:pPr marL="0" indent="0">
+              <a:buNone/>
+            </a:pPr>
+            <a:r>
+              <a:rPr kumimoji="1" lang="ja-JP" altLang="en-US" dirty="0" smtClean="0"/>
+              <a:t>とある会社は、打刻システムと勤怠入力システムが分かれているが、月次締めの際に、両方の間に大きな乖離（</a:t>
+            </a:r>
+            <a:r>
+              <a:rPr kumimoji="1" lang="en-US" altLang="ja-JP" dirty="0" smtClean="0"/>
+              <a:t>30</a:t>
+            </a:r>
+            <a:r>
+              <a:rPr kumimoji="1" lang="ja-JP" altLang="en-US" dirty="0" smtClean="0"/>
+              <a:t>分以上）があった場合は、管理部門に怒られる。そのため、月末の際は勤怠入力の承認者が頑張って、入力時刻を打刻システムと突き合わせて確認を行っている。承認作業が負担になっている。</a:t>
+            </a:r>
+            <a:endParaRPr kumimoji="1" lang="en-US" altLang="ja-JP" dirty="0" smtClean="0"/>
+          </a:p>
+          <a:p>
+            <a:endParaRPr kumimoji="1" lang="en-US" altLang="ja-JP" dirty="0"/>
+          </a:p>
+          <a:p>
+            <a:pPr marL="0" indent="0">
+              <a:buNone/>
+            </a:pPr>
+            <a:r>
+              <a:rPr kumimoji="1" lang="ja-JP" altLang="en-US" dirty="0" smtClean="0"/>
+              <a:t>■</a:t>
+            </a:r>
+            <a:r>
+              <a:rPr kumimoji="1" lang="en-US" altLang="ja-JP" dirty="0" smtClean="0"/>
+              <a:t>RPA</a:t>
+            </a:r>
+            <a:r>
+              <a:rPr kumimoji="1" lang="ja-JP" altLang="en-US" dirty="0" smtClean="0"/>
+              <a:t>ソリューション</a:t>
+            </a:r>
+            <a:endParaRPr kumimoji="1" lang="en-US" altLang="ja-JP" dirty="0" smtClean="0"/>
+          </a:p>
+          <a:p>
+            <a:pPr marL="0" indent="0">
+              <a:buNone/>
+            </a:pPr>
+            <a:r>
+              <a:rPr kumimoji="1" lang="ja-JP" altLang="en-US" dirty="0"/>
+              <a:t>申請</a:t>
+            </a:r>
+            <a:r>
+              <a:rPr kumimoji="1" lang="ja-JP" altLang="en-US" dirty="0" smtClean="0"/>
+              <a:t>者単位に、打刻システムと勤怠システムを同時にアクセスし、申請中の出退勤時刻を参照し、差が</a:t>
+            </a:r>
+            <a:r>
+              <a:rPr kumimoji="1" lang="en-US" altLang="ja-JP" dirty="0" smtClean="0"/>
+              <a:t>30</a:t>
+            </a:r>
+            <a:r>
+              <a:rPr kumimoji="1" lang="ja-JP" altLang="en-US" dirty="0" smtClean="0"/>
+              <a:t>分以上の場合、一覧にまとめて承認者に通知するロボットを作成。ロボは定期的に起動する仕組みとなっている。</a:t>
+            </a:r>
+            <a:endParaRPr kumimoji="1" lang="en-US" altLang="ja-JP" dirty="0" smtClean="0"/>
+          </a:p>
+        </p:txBody>
+      </p:sp>
+    </p:spTree>
+    <p:extLst>
+      <p:ext uri="{BB962C8B-B14F-4D97-AF65-F5344CB8AC3E}">
+        <p14:creationId xmlns:p14="http://schemas.microsoft.com/office/powerpoint/2010/main" val="2202292900"/>
+      </p:ext>
+    </p:extLst>
+  </p:cSld>
+  <p:clrMapOvr>
+    <a:masterClrMapping/>
+  </p:clrMapOvr>
+</p:sld>
+</file>
+
+<file path=ppt/slides/slide11.xml><?xml version="1.0" encoding="utf-8"?>
+<p:sld xmlns:a="http://schemas.openxmlformats.org/drawingml/2006/main" xmlns:r="http://schemas.openxmlformats.org/officeDocument/2006/relationships" xmlns:p="http://schemas.openxmlformats.org/presentationml/2006/main">
+  <p:cSld>
+    <p:spTree>
+      <p:nvGrpSpPr>
+        <p:cNvPr id="1" name=""/>
+        <p:cNvGrpSpPr/>
+        <p:nvPr/>
+      </p:nvGrpSpPr>
+      <p:grpSpPr>
+        <a:xfrm>
+          <a:off x="0" y="0"/>
+          <a:ext cx="0" cy="0"/>
+          <a:chOff x="0" y="0"/>
+          <a:chExt cx="0" cy="0"/>
+        </a:xfrm>
+      </p:grpSpPr>
+      <p:sp>
+        <p:nvSpPr>
+          <p:cNvPr id="2" name="标题 1"/>
+          <p:cNvSpPr>
+            <a:spLocks noGrp="1"/>
+          </p:cNvSpPr>
+          <p:nvPr>
+            <p:ph type="title"/>
+          </p:nvPr>
+        </p:nvSpPr>
+        <p:spPr/>
+        <p:txBody>
+          <a:bodyPr/>
+          <a:lstStyle/>
+          <a:p>
+            <a:r>
+              <a:rPr lang="en-US" altLang="zh-CN" dirty="0" smtClean="0"/>
+              <a:t>RPA</a:t>
+            </a:r>
+            <a:r>
+              <a:rPr lang="ja-JP" altLang="en-US" dirty="0" smtClean="0"/>
+              <a:t>概要</a:t>
+            </a:r>
+            <a:r>
+              <a:rPr lang="en-US" altLang="ja-JP" dirty="0" smtClean="0"/>
+              <a:t/>
+            </a:r>
+            <a:br>
+              <a:rPr lang="en-US" altLang="ja-JP" dirty="0" smtClean="0"/>
+            </a:br>
+            <a:r>
+              <a:rPr kumimoji="1" lang="ja-JP" altLang="en-US" sz="2400" dirty="0" smtClean="0"/>
+              <a:t>事例３：</a:t>
+            </a:r>
+            <a:r>
+              <a:rPr lang="ja-JP" altLang="en-US" sz="2400" dirty="0" smtClean="0"/>
+              <a:t>テスト自動化</a:t>
+            </a:r>
+            <a:endParaRPr lang="zh-CN" altLang="en-US" dirty="0"/>
+          </a:p>
+        </p:txBody>
+      </p:sp>
+      <p:sp>
+        <p:nvSpPr>
+          <p:cNvPr id="3" name="内容占位符 2"/>
+          <p:cNvSpPr>
+            <a:spLocks noGrp="1"/>
+          </p:cNvSpPr>
+          <p:nvPr>
+            <p:ph idx="1"/>
+          </p:nvPr>
+        </p:nvSpPr>
+        <p:spPr/>
+        <p:txBody>
+          <a:bodyPr>
+            <a:normAutofit lnSpcReduction="10000"/>
+          </a:bodyPr>
+          <a:lstStyle/>
+          <a:p>
+            <a:pPr marL="0" indent="0">
+              <a:buNone/>
+            </a:pPr>
+            <a:r>
+              <a:rPr lang="ja-JP" altLang="en-US" dirty="0" smtClean="0"/>
+              <a:t>■課題</a:t>
+            </a:r>
+            <a:endParaRPr lang="en-US" altLang="ja-JP" dirty="0" smtClean="0"/>
+          </a:p>
+          <a:p>
+            <a:pPr marL="0" indent="0">
+              <a:buNone/>
+            </a:pPr>
+            <a:r>
+              <a:rPr lang="ja-JP" altLang="en-US" dirty="0" smtClean="0"/>
+              <a:t>某ウェブシステムの開発チームがある。新しいバージョンの開発後は、必ず</a:t>
+            </a:r>
+            <a:r>
+              <a:rPr lang="en-US" altLang="ja-JP" dirty="0" smtClean="0"/>
+              <a:t>IDE</a:t>
+            </a:r>
+            <a:r>
+              <a:rPr lang="ja-JP" altLang="en-US" dirty="0" smtClean="0"/>
+              <a:t>でソースからパッケージ化して、それからテスト用のウェブサーバにデプロイする。最後、</a:t>
+            </a:r>
+            <a:r>
+              <a:rPr lang="ja-JP" altLang="en-US" dirty="0" smtClean="0"/>
+              <a:t>チェックリストに従い、事前に決まったテストケースを流して、基本の動作確認を行う。それらは作業担当者が毎日行っている。</a:t>
+            </a:r>
+            <a:endParaRPr lang="en-US" altLang="ja-JP" dirty="0" smtClean="0"/>
+          </a:p>
+          <a:p>
+            <a:pPr marL="0" indent="0">
+              <a:buNone/>
+            </a:pPr>
+            <a:endParaRPr lang="en-US" altLang="zh-CN" dirty="0"/>
+          </a:p>
+          <a:p>
+            <a:pPr marL="0" indent="0">
+              <a:buNone/>
+            </a:pPr>
+            <a:r>
+              <a:rPr lang="ja-JP" altLang="en-US" dirty="0" smtClean="0"/>
+              <a:t>■</a:t>
+            </a:r>
+            <a:r>
+              <a:rPr lang="en-US" altLang="ja-JP" dirty="0" smtClean="0"/>
+              <a:t>RPA</a:t>
+            </a:r>
+            <a:r>
+              <a:rPr lang="ja-JP" altLang="en-US" dirty="0" smtClean="0"/>
+              <a:t>ソリューション</a:t>
+            </a:r>
+            <a:endParaRPr lang="en-US" altLang="ja-JP" dirty="0" smtClean="0"/>
+          </a:p>
+          <a:p>
+            <a:pPr marL="0" indent="0">
+              <a:buNone/>
+            </a:pPr>
+            <a:r>
+              <a:rPr lang="ja-JP" altLang="en-US" dirty="0" smtClean="0"/>
+              <a:t>ソースが所定のタグで</a:t>
+            </a:r>
+            <a:r>
+              <a:rPr lang="en-US" altLang="ja-JP" dirty="0" smtClean="0"/>
+              <a:t>GIT</a:t>
+            </a:r>
+            <a:r>
+              <a:rPr lang="ja-JP" altLang="en-US" dirty="0" smtClean="0"/>
+              <a:t>にコミットプッシュされたら、</a:t>
+            </a:r>
+            <a:r>
+              <a:rPr lang="ja-JP" altLang="en-US" dirty="0" smtClean="0"/>
+              <a:t>ロボットが自動的に起動され、人間と同様に、</a:t>
+            </a:r>
+            <a:r>
+              <a:rPr lang="en-US" altLang="ja-JP" dirty="0" smtClean="0"/>
+              <a:t>IDE</a:t>
+            </a:r>
+            <a:r>
+              <a:rPr lang="ja-JP" altLang="en-US" dirty="0" smtClean="0"/>
+              <a:t>でパッケージ化して、サーバにデプロイを行う。完了後、テスト用のウェブページをブラウザーで開き、テストケースを流す。上記の流れが終わったら、該当パッケージを基本動作確認済と表記して</a:t>
+            </a:r>
+            <a:r>
+              <a:rPr lang="en-US" altLang="ja-JP" dirty="0" smtClean="0"/>
+              <a:t>GIT</a:t>
+            </a:r>
+            <a:r>
+              <a:rPr lang="ja-JP" altLang="en-US" dirty="0" smtClean="0"/>
+              <a:t>に格納する。担当者にメールを飛ばす。</a:t>
+            </a:r>
+            <a:endParaRPr lang="zh-CN" altLang="en-US" dirty="0"/>
+          </a:p>
+        </p:txBody>
+      </p:sp>
+    </p:spTree>
+    <p:extLst>
+      <p:ext uri="{BB962C8B-B14F-4D97-AF65-F5344CB8AC3E}">
+        <p14:creationId xmlns:p14="http://schemas.microsoft.com/office/powerpoint/2010/main" val="2758489212"/>
+      </p:ext>
+    </p:extLst>
+  </p:cSld>
+  <p:clrMapOvr>
+    <a:masterClrMapping/>
+  </p:clrMapOvr>
+</p:sld>
+</file>
+
+<file path=ppt/slides/slide12.xml><?xml version="1.0" encoding="utf-8"?>
+<p:sld xmlns:a="http://schemas.openxmlformats.org/drawingml/2006/main" xmlns:r="http://schemas.openxmlformats.org/officeDocument/2006/relationships" xmlns:p="http://schemas.openxmlformats.org/presentationml/2006/main">
+  <p:cSld>
+    <p:spTree>
+      <p:nvGrpSpPr>
+        <p:cNvPr id="1" name=""/>
+        <p:cNvGrpSpPr/>
+        <p:nvPr/>
+      </p:nvGrpSpPr>
+      <p:grpSpPr>
+        <a:xfrm>
+          <a:off x="0" y="0"/>
+          <a:ext cx="0" cy="0"/>
+          <a:chOff x="0" y="0"/>
+          <a:chExt cx="0" cy="0"/>
+        </a:xfrm>
+      </p:grpSpPr>
+      <p:sp>
+        <p:nvSpPr>
+          <p:cNvPr id="2" name="标题 1"/>
+          <p:cNvSpPr>
+            <a:spLocks noGrp="1"/>
+          </p:cNvSpPr>
+          <p:nvPr>
+            <p:ph type="title"/>
+          </p:nvPr>
+        </p:nvSpPr>
+        <p:spPr/>
+        <p:txBody>
+          <a:bodyPr/>
+          <a:lstStyle/>
+          <a:p>
+            <a:r>
+              <a:rPr kumimoji="1" lang="en-US" altLang="ja-JP" dirty="0" smtClean="0"/>
+              <a:t>RPA</a:t>
+            </a:r>
+            <a:r>
+              <a:rPr kumimoji="1" lang="ja-JP" altLang="en-US" dirty="0" smtClean="0"/>
+              <a:t>製品</a:t>
+            </a:r>
+            <a:endParaRPr kumimoji="1" lang="ja-JP" altLang="en-US" dirty="0"/>
+          </a:p>
+        </p:txBody>
+      </p:sp>
+      <p:pic>
+        <p:nvPicPr>
+          <p:cNvPr id="4" name="图片 3"/>
+          <p:cNvPicPr>
+            <a:picLocks noChangeAspect="1"/>
+          </p:cNvPicPr>
+          <p:nvPr/>
+        </p:nvPicPr>
+        <p:blipFill>
+          <a:blip r:embed="rId2"/>
+          <a:stretch>
+            <a:fillRect/>
+          </a:stretch>
+        </p:blipFill>
+        <p:spPr>
+          <a:xfrm>
+            <a:off x="441960" y="1270000"/>
+            <a:ext cx="5113020" cy="5335325"/>
+          </a:xfrm>
+          <a:prstGeom prst="rect">
+            <a:avLst/>
+          </a:prstGeom>
+          <a:ln>
+            <a:noFill/>
+          </a:ln>
+          <a:effectLst>
+            <a:outerShdw blurRad="292100" dist="139700" dir="2700000" algn="tl" rotWithShape="0">
+              <a:srgbClr val="333333">
+                <a:alpha val="65000"/>
+              </a:srgbClr>
+            </a:outerShdw>
+          </a:effectLst>
+        </p:spPr>
+      </p:pic>
+      <p:sp>
+        <p:nvSpPr>
+          <p:cNvPr id="5" name="文本框 4"/>
+          <p:cNvSpPr txBox="1"/>
+          <p:nvPr/>
+        </p:nvSpPr>
+        <p:spPr>
+          <a:xfrm>
+            <a:off x="5996940" y="3066870"/>
+            <a:ext cx="5715171" cy="2031325"/>
+          </a:xfrm>
+          <a:prstGeom prst="rect">
+            <a:avLst/>
+          </a:prstGeom>
+          <a:noFill/>
+        </p:spPr>
+        <p:txBody>
+          <a:bodyPr wrap="square" rtlCol="0">
+            <a:spAutoFit/>
+          </a:bodyPr>
+          <a:lstStyle/>
+          <a:p>
+            <a:r>
+              <a:rPr kumimoji="1" lang="en-US" altLang="ja-JP" dirty="0"/>
+              <a:t>UiPath</a:t>
+            </a:r>
+            <a:r>
+              <a:rPr kumimoji="1" lang="ja-JP" altLang="en-US" dirty="0"/>
+              <a:t>と</a:t>
+            </a:r>
+            <a:r>
+              <a:rPr kumimoji="1" lang="en-US" altLang="ja-JP" dirty="0"/>
+              <a:t>Automation Anywhere</a:t>
+            </a:r>
+            <a:r>
+              <a:rPr kumimoji="1" lang="ja-JP" altLang="en-US" dirty="0"/>
+              <a:t>、</a:t>
+            </a:r>
+            <a:r>
+              <a:rPr kumimoji="1" lang="en-US" altLang="ja-JP" dirty="0"/>
+              <a:t>Blue Prism</a:t>
+            </a:r>
+            <a:r>
+              <a:rPr kumimoji="1" lang="ja-JP" altLang="en-US" dirty="0"/>
+              <a:t>が１、</a:t>
+            </a:r>
+            <a:r>
+              <a:rPr kumimoji="1" lang="en-US" altLang="ja-JP" dirty="0"/>
+              <a:t>2</a:t>
+            </a:r>
+            <a:r>
+              <a:rPr kumimoji="1" lang="ja-JP" altLang="en-US" dirty="0"/>
+              <a:t>、３位を占め、特に</a:t>
+            </a:r>
+            <a:r>
+              <a:rPr kumimoji="1" lang="en-US" altLang="ja-JP" dirty="0"/>
+              <a:t>UiPath</a:t>
+            </a:r>
+            <a:r>
+              <a:rPr kumimoji="1" lang="ja-JP" altLang="en-US" dirty="0"/>
+              <a:t>はシェア率約</a:t>
+            </a:r>
+            <a:r>
+              <a:rPr kumimoji="1" lang="en-US" altLang="ja-JP" dirty="0"/>
+              <a:t>10</a:t>
+            </a:r>
+            <a:r>
+              <a:rPr kumimoji="1" lang="ja-JP" altLang="en-US" dirty="0"/>
+              <a:t>％、２，３位の約</a:t>
+            </a:r>
+            <a:r>
+              <a:rPr kumimoji="1" lang="en-US" altLang="ja-JP" dirty="0"/>
+              <a:t>2</a:t>
+            </a:r>
+            <a:r>
+              <a:rPr kumimoji="1" lang="ja-JP" altLang="en-US" dirty="0"/>
+              <a:t>倍程度と突出しています（”</a:t>
+            </a:r>
+            <a:r>
+              <a:rPr kumimoji="1" lang="en-US" altLang="ja-JP" dirty="0"/>
+              <a:t>ETR RPA </a:t>
+            </a:r>
+            <a:r>
+              <a:rPr kumimoji="1" lang="en-US" altLang="ja-JP" dirty="0" err="1"/>
+              <a:t>NetScore</a:t>
+            </a:r>
+            <a:r>
+              <a:rPr kumimoji="1" lang="en-US" altLang="ja-JP" dirty="0"/>
+              <a:t> JUL20 “, the Enterprise Technical Review</a:t>
+            </a:r>
+            <a:r>
+              <a:rPr kumimoji="1" lang="ja-JP" altLang="en-US" dirty="0"/>
+              <a:t>による調査、</a:t>
+            </a:r>
+            <a:r>
+              <a:rPr kumimoji="1" lang="en-US" altLang="ja-JP" dirty="0"/>
+              <a:t>2020</a:t>
+            </a:r>
+            <a:r>
+              <a:rPr kumimoji="1" lang="ja-JP" altLang="en-US" dirty="0"/>
+              <a:t>年</a:t>
+            </a:r>
+            <a:r>
+              <a:rPr kumimoji="1" lang="en-US" altLang="ja-JP" dirty="0"/>
+              <a:t>8</a:t>
+            </a:r>
+            <a:r>
+              <a:rPr kumimoji="1" lang="ja-JP" altLang="en-US" dirty="0"/>
+              <a:t>月公表分）。</a:t>
+            </a:r>
+          </a:p>
+          <a:p>
+            <a:endParaRPr kumimoji="1" lang="ja-JP" altLang="en-US" dirty="0"/>
+          </a:p>
+          <a:p>
+            <a:endParaRPr kumimoji="1" lang="ja-JP" altLang="en-US" dirty="0"/>
+          </a:p>
+        </p:txBody>
+      </p:sp>
+    </p:spTree>
+    <p:extLst>
+      <p:ext uri="{BB962C8B-B14F-4D97-AF65-F5344CB8AC3E}">
+        <p14:creationId xmlns:p14="http://schemas.microsoft.com/office/powerpoint/2010/main" val="3229449507"/>
+      </p:ext>
+    </p:extLst>
+  </p:cSld>
+  <p:clrMapOvr>
+    <a:masterClrMapping/>
+  </p:clrMapOvr>
+</p:sld>
+</file>
+
+<file path=ppt/slides/slide13.xml><?xml version="1.0" encoding="utf-8"?>
+<p:sld xmlns:a="http://schemas.openxmlformats.org/drawingml/2006/main" xmlns:r="http://schemas.openxmlformats.org/officeDocument/2006/relationships" xmlns:p="http://schemas.openxmlformats.org/presentationml/2006/main">
+  <p:cSld>
+    <p:spTree>
+      <p:nvGrpSpPr>
+        <p:cNvPr id="1" name=""/>
+        <p:cNvGrpSpPr/>
+        <p:nvPr/>
+      </p:nvGrpSpPr>
+      <p:grpSpPr>
+        <a:xfrm>
+          <a:off x="0" y="0"/>
+          <a:ext cx="0" cy="0"/>
+          <a:chOff x="0" y="0"/>
+          <a:chExt cx="0" cy="0"/>
+        </a:xfrm>
+      </p:grpSpPr>
       <p:pic>
         <p:nvPicPr>
           <p:cNvPr id="13" name="图片 12"/>
@@ -6452,7 +7032,7 @@
 </p:sld>
 </file>
 
-<file path=ppt/slides/slide11.xml><?xml version="1.0" encoding="utf-8"?>
+<file path=ppt/slides/slide14.xml><?xml version="1.0" encoding="utf-8"?>
 <p:sld xmlns:a="http://schemas.openxmlformats.org/drawingml/2006/main" xmlns:r="http://schemas.openxmlformats.org/officeDocument/2006/relationships" xmlns:p="http://schemas.openxmlformats.org/presentationml/2006/main">
   <p:cSld>
     <p:spTree>
@@ -7190,7 +7770,491 @@
 </p:sld>
 </file>
 
-<file path=ppt/slides/slide12.xml><?xml version="1.0" encoding="utf-8"?>
+<file path=ppt/slides/slide15.xml><?xml version="1.0" encoding="utf-8"?>
+<p:sld xmlns:a="http://schemas.openxmlformats.org/drawingml/2006/main" xmlns:r="http://schemas.openxmlformats.org/officeDocument/2006/relationships" xmlns:p="http://schemas.openxmlformats.org/presentationml/2006/main">
+  <p:cSld>
+    <p:spTree>
+      <p:nvGrpSpPr>
+        <p:cNvPr id="1" name=""/>
+        <p:cNvGrpSpPr/>
+        <p:nvPr/>
+      </p:nvGrpSpPr>
+      <p:grpSpPr>
+        <a:xfrm>
+          <a:off x="0" y="0"/>
+          <a:ext cx="0" cy="0"/>
+          <a:chOff x="0" y="0"/>
+          <a:chExt cx="0" cy="0"/>
+        </a:xfrm>
+      </p:grpSpPr>
+      <p:sp>
+        <p:nvSpPr>
+          <p:cNvPr id="6" name="标题 1"/>
+          <p:cNvSpPr>
+            <a:spLocks noGrp="1"/>
+          </p:cNvSpPr>
+          <p:nvPr>
+            <p:ph type="title"/>
+          </p:nvPr>
+        </p:nvSpPr>
+        <p:spPr>
+          <a:xfrm>
+            <a:off x="677334" y="609600"/>
+            <a:ext cx="8596668" cy="1320800"/>
+          </a:xfrm>
+        </p:spPr>
+        <p:txBody>
+          <a:bodyPr>
+            <a:normAutofit/>
+          </a:bodyPr>
+          <a:lstStyle/>
+          <a:p>
+            <a:r>
+              <a:rPr kumimoji="1" lang="en-US" altLang="ja-JP" dirty="0" smtClean="0"/>
+              <a:t>10</a:t>
+            </a:r>
+            <a:r>
+              <a:rPr kumimoji="1" lang="ja-JP" altLang="en-US" dirty="0" smtClean="0"/>
+              <a:t>分で無料な開</a:t>
+            </a:r>
+            <a:r>
+              <a:rPr kumimoji="1" lang="ja-JP" altLang="en-US" dirty="0"/>
+              <a:t>発環境構築してみよう</a:t>
+            </a:r>
+            <a:r>
+              <a:rPr kumimoji="1" lang="en-US" altLang="ja-JP" dirty="0"/>
+              <a:t/>
+            </a:r>
+            <a:br>
+              <a:rPr kumimoji="1" lang="en-US" altLang="ja-JP" dirty="0"/>
+            </a:br>
+            <a:r>
+              <a:rPr kumimoji="1" lang="en-US" altLang="ja-JP" sz="2400" dirty="0" smtClean="0"/>
+              <a:t>UiPath Studio</a:t>
+            </a:r>
+            <a:r>
+              <a:rPr kumimoji="1" lang="ja-JP" altLang="en-US" sz="2400" dirty="0" smtClean="0"/>
+              <a:t>の</a:t>
+            </a:r>
+            <a:r>
+              <a:rPr kumimoji="1" lang="en-US" altLang="ja-JP" sz="2400" dirty="0" smtClean="0"/>
+              <a:t>UI</a:t>
+            </a:r>
+            <a:r>
+              <a:rPr kumimoji="1" lang="ja-JP" altLang="en-US" sz="2400" dirty="0" smtClean="0"/>
+              <a:t>を覗いてみよう</a:t>
+            </a:r>
+            <a:endParaRPr kumimoji="1" lang="ja-JP" altLang="en-US" sz="2400" dirty="0"/>
+          </a:p>
+        </p:txBody>
+      </p:sp>
+      <p:pic>
+        <p:nvPicPr>
+          <p:cNvPr id="7" name="图片 6"/>
+          <p:cNvPicPr>
+            <a:picLocks noChangeAspect="1"/>
+          </p:cNvPicPr>
+          <p:nvPr/>
+        </p:nvPicPr>
+        <p:blipFill>
+          <a:blip r:embed="rId2"/>
+          <a:stretch>
+            <a:fillRect/>
+          </a:stretch>
+        </p:blipFill>
+        <p:spPr>
+          <a:xfrm>
+            <a:off x="677334" y="1684019"/>
+            <a:ext cx="2792418" cy="4951095"/>
+          </a:xfrm>
+          <a:prstGeom prst="rect">
+            <a:avLst/>
+          </a:prstGeom>
+          <a:ln>
+            <a:noFill/>
+          </a:ln>
+          <a:effectLst>
+            <a:outerShdw blurRad="292100" dist="139700" dir="2700000" algn="tl" rotWithShape="0">
+              <a:srgbClr val="333333">
+                <a:alpha val="65000"/>
+              </a:srgbClr>
+            </a:outerShdw>
+          </a:effectLst>
+        </p:spPr>
+      </p:pic>
+      <p:sp>
+        <p:nvSpPr>
+          <p:cNvPr id="8" name="文本框 7"/>
+          <p:cNvSpPr txBox="1"/>
+          <p:nvPr/>
+        </p:nvSpPr>
+        <p:spPr>
+          <a:xfrm>
+            <a:off x="310004" y="5163145"/>
+            <a:ext cx="3647152" cy="646331"/>
+          </a:xfrm>
+          <a:prstGeom prst="rect">
+            <a:avLst/>
+          </a:prstGeom>
+          <a:noFill/>
+        </p:spPr>
+        <p:txBody>
+          <a:bodyPr wrap="none" rtlCol="0">
+            <a:spAutoFit/>
+          </a:bodyPr>
+          <a:lstStyle/>
+          <a:p>
+            <a:pPr algn="ctr"/>
+            <a:r>
+              <a:rPr kumimoji="1" lang="ja-JP" altLang="en-US" dirty="0" smtClean="0">
+                <a:solidFill>
+                  <a:srgbClr val="FF0000"/>
+                </a:solidFill>
+              </a:rPr>
+              <a:t>プロジェクトパネル</a:t>
+            </a:r>
+            <a:endParaRPr kumimoji="1" lang="en-US" altLang="ja-JP" dirty="0" smtClean="0">
+              <a:solidFill>
+                <a:srgbClr val="FF0000"/>
+              </a:solidFill>
+            </a:endParaRPr>
+          </a:p>
+          <a:p>
+            <a:pPr algn="ctr"/>
+            <a:r>
+              <a:rPr kumimoji="1" lang="ja-JP" altLang="en-US" dirty="0" smtClean="0">
+                <a:solidFill>
+                  <a:srgbClr val="FF0000"/>
+                </a:solidFill>
+              </a:rPr>
+              <a:t>プロジェクトファイルを管理する</a:t>
+            </a:r>
+            <a:endParaRPr kumimoji="1" lang="en-US" altLang="ja-JP" dirty="0" smtClean="0">
+              <a:solidFill>
+                <a:srgbClr val="FF0000"/>
+              </a:solidFill>
+            </a:endParaRPr>
+          </a:p>
+        </p:txBody>
+      </p:sp>
+      <p:sp>
+        <p:nvSpPr>
+          <p:cNvPr id="9" name="文本框 8"/>
+          <p:cNvSpPr txBox="1"/>
+          <p:nvPr/>
+        </p:nvSpPr>
+        <p:spPr>
+          <a:xfrm>
+            <a:off x="1789854" y="4271606"/>
+            <a:ext cx="2472536" cy="369332"/>
+          </a:xfrm>
+          <a:prstGeom prst="rect">
+            <a:avLst/>
+          </a:prstGeom>
+          <a:noFill/>
+        </p:spPr>
+        <p:txBody>
+          <a:bodyPr wrap="none" rtlCol="0">
+            <a:spAutoFit/>
+          </a:bodyPr>
+          <a:lstStyle/>
+          <a:p>
+            <a:r>
+              <a:rPr kumimoji="1" lang="ja-JP" altLang="en-US" dirty="0" smtClean="0">
+                <a:solidFill>
+                  <a:srgbClr val="FF0000"/>
+                </a:solidFill>
+              </a:rPr>
+              <a:t>←</a:t>
+            </a:r>
+            <a:r>
+              <a:rPr kumimoji="1" lang="en-US" altLang="ja-JP" dirty="0" smtClean="0">
+                <a:solidFill>
+                  <a:srgbClr val="FF0000"/>
+                </a:solidFill>
+              </a:rPr>
+              <a:t>UiPath</a:t>
+            </a:r>
+            <a:r>
+              <a:rPr kumimoji="1" lang="ja-JP" altLang="en-US" dirty="0" smtClean="0">
+                <a:solidFill>
+                  <a:srgbClr val="FF0000"/>
+                </a:solidFill>
+              </a:rPr>
+              <a:t>ワークフロー</a:t>
+            </a:r>
+            <a:endParaRPr kumimoji="1" lang="ja-JP" altLang="en-US" dirty="0">
+              <a:solidFill>
+                <a:srgbClr val="FF0000"/>
+              </a:solidFill>
+            </a:endParaRPr>
+          </a:p>
+        </p:txBody>
+      </p:sp>
+      <p:sp>
+        <p:nvSpPr>
+          <p:cNvPr id="10" name="文本框 9"/>
+          <p:cNvSpPr txBox="1"/>
+          <p:nvPr/>
+        </p:nvSpPr>
+        <p:spPr>
+          <a:xfrm>
+            <a:off x="1568874" y="2280663"/>
+            <a:ext cx="2031325" cy="369332"/>
+          </a:xfrm>
+          <a:prstGeom prst="rect">
+            <a:avLst/>
+          </a:prstGeom>
+          <a:noFill/>
+        </p:spPr>
+        <p:txBody>
+          <a:bodyPr wrap="none" rtlCol="0">
+            <a:spAutoFit/>
+          </a:bodyPr>
+          <a:lstStyle/>
+          <a:p>
+            <a:r>
+              <a:rPr kumimoji="1" lang="ja-JP" altLang="en-US" dirty="0" smtClean="0">
+                <a:solidFill>
+                  <a:srgbClr val="FF0000"/>
+                </a:solidFill>
+              </a:rPr>
+              <a:t>←パッケージ管理</a:t>
+            </a:r>
+            <a:endParaRPr kumimoji="1" lang="ja-JP" altLang="en-US" dirty="0">
+              <a:solidFill>
+                <a:srgbClr val="FF0000"/>
+              </a:solidFill>
+            </a:endParaRPr>
+          </a:p>
+        </p:txBody>
+      </p:sp>
+      <p:pic>
+        <p:nvPicPr>
+          <p:cNvPr id="11" name="图片 10"/>
+          <p:cNvPicPr>
+            <a:picLocks noChangeAspect="1"/>
+          </p:cNvPicPr>
+          <p:nvPr/>
+        </p:nvPicPr>
+        <p:blipFill>
+          <a:blip r:embed="rId3"/>
+          <a:stretch>
+            <a:fillRect/>
+          </a:stretch>
+        </p:blipFill>
+        <p:spPr>
+          <a:xfrm>
+            <a:off x="4361292" y="1684019"/>
+            <a:ext cx="2778648" cy="4956685"/>
+          </a:xfrm>
+          <a:prstGeom prst="rect">
+            <a:avLst/>
+          </a:prstGeom>
+          <a:ln>
+            <a:noFill/>
+          </a:ln>
+          <a:effectLst>
+            <a:outerShdw blurRad="292100" dist="139700" dir="2700000" algn="tl" rotWithShape="0">
+              <a:srgbClr val="333333">
+                <a:alpha val="65000"/>
+              </a:srgbClr>
+            </a:outerShdw>
+          </a:effectLst>
+        </p:spPr>
+      </p:pic>
+      <p:sp>
+        <p:nvSpPr>
+          <p:cNvPr id="12" name="文本框 11"/>
+          <p:cNvSpPr txBox="1"/>
+          <p:nvPr/>
+        </p:nvSpPr>
+        <p:spPr>
+          <a:xfrm>
+            <a:off x="4443161" y="5623470"/>
+            <a:ext cx="2492990" cy="646331"/>
+          </a:xfrm>
+          <a:prstGeom prst="rect">
+            <a:avLst/>
+          </a:prstGeom>
+          <a:noFill/>
+        </p:spPr>
+        <p:txBody>
+          <a:bodyPr wrap="none" rtlCol="0">
+            <a:spAutoFit/>
+          </a:bodyPr>
+          <a:lstStyle/>
+          <a:p>
+            <a:pPr algn="ctr"/>
+            <a:r>
+              <a:rPr kumimoji="1" lang="ja-JP" altLang="en-US" dirty="0" smtClean="0">
+                <a:solidFill>
+                  <a:srgbClr val="FF0000"/>
+                </a:solidFill>
+              </a:rPr>
+              <a:t>アクティビティパネル</a:t>
+            </a:r>
+            <a:endParaRPr kumimoji="1" lang="en-US" altLang="ja-JP" dirty="0" smtClean="0">
+              <a:solidFill>
+                <a:srgbClr val="FF0000"/>
+              </a:solidFill>
+            </a:endParaRPr>
+          </a:p>
+          <a:p>
+            <a:pPr algn="ctr"/>
+            <a:r>
+              <a:rPr kumimoji="1" lang="ja-JP" altLang="en-US" dirty="0" smtClean="0">
+                <a:solidFill>
+                  <a:srgbClr val="FF0000"/>
+                </a:solidFill>
+              </a:rPr>
+              <a:t>自動</a:t>
+            </a:r>
+            <a:r>
+              <a:rPr kumimoji="1" lang="ja-JP" altLang="en-US" dirty="0">
+                <a:solidFill>
+                  <a:srgbClr val="FF0000"/>
+                </a:solidFill>
+              </a:rPr>
+              <a:t>化</a:t>
+            </a:r>
+            <a:r>
+              <a:rPr kumimoji="1" lang="ja-JP" altLang="en-US" dirty="0" smtClean="0">
+                <a:solidFill>
+                  <a:srgbClr val="FF0000"/>
+                </a:solidFill>
+              </a:rPr>
+              <a:t>の絵</a:t>
+            </a:r>
+            <a:r>
+              <a:rPr kumimoji="1" lang="ja-JP" altLang="en-US" dirty="0">
+                <a:solidFill>
+                  <a:srgbClr val="FF0000"/>
+                </a:solidFill>
+              </a:rPr>
+              <a:t>の具倉</a:t>
+            </a:r>
+            <a:r>
+              <a:rPr kumimoji="1" lang="ja-JP" altLang="en-US" dirty="0" smtClean="0">
+                <a:solidFill>
+                  <a:srgbClr val="FF0000"/>
+                </a:solidFill>
+              </a:rPr>
+              <a:t>庫！</a:t>
+            </a:r>
+            <a:endParaRPr kumimoji="1" lang="en-US" altLang="ja-JP" dirty="0" smtClean="0">
+              <a:solidFill>
+                <a:srgbClr val="FF0000"/>
+              </a:solidFill>
+            </a:endParaRPr>
+          </a:p>
+        </p:txBody>
+      </p:sp>
+      <p:pic>
+        <p:nvPicPr>
+          <p:cNvPr id="13" name="图片 12"/>
+          <p:cNvPicPr>
+            <a:picLocks noChangeAspect="1"/>
+          </p:cNvPicPr>
+          <p:nvPr/>
+        </p:nvPicPr>
+        <p:blipFill>
+          <a:blip r:embed="rId4"/>
+          <a:stretch>
+            <a:fillRect/>
+          </a:stretch>
+        </p:blipFill>
+        <p:spPr>
+          <a:xfrm>
+            <a:off x="8115300" y="1684019"/>
+            <a:ext cx="3436606" cy="2615279"/>
+          </a:xfrm>
+          <a:prstGeom prst="rect">
+            <a:avLst/>
+          </a:prstGeom>
+          <a:ln>
+            <a:solidFill>
+              <a:srgbClr val="FF0000"/>
+            </a:solidFill>
+          </a:ln>
+          <a:effectLst>
+            <a:outerShdw blurRad="292100" dist="139700" dir="2700000" algn="tl" rotWithShape="0">
+              <a:srgbClr val="333333">
+                <a:alpha val="65000"/>
+              </a:srgbClr>
+            </a:outerShdw>
+          </a:effectLst>
+        </p:spPr>
+      </p:pic>
+      <p:sp>
+        <p:nvSpPr>
+          <p:cNvPr id="14" name="文本框 13"/>
+          <p:cNvSpPr txBox="1"/>
+          <p:nvPr/>
+        </p:nvSpPr>
+        <p:spPr>
+          <a:xfrm>
+            <a:off x="8756172" y="4317772"/>
+            <a:ext cx="2262158" cy="646331"/>
+          </a:xfrm>
+          <a:prstGeom prst="rect">
+            <a:avLst/>
+          </a:prstGeom>
+          <a:noFill/>
+        </p:spPr>
+        <p:txBody>
+          <a:bodyPr wrap="none" rtlCol="0">
+            <a:spAutoFit/>
+          </a:bodyPr>
+          <a:lstStyle/>
+          <a:p>
+            <a:pPr algn="ctr"/>
+            <a:r>
+              <a:rPr kumimoji="1" lang="ja-JP" altLang="en-US" dirty="0" smtClean="0">
+                <a:solidFill>
+                  <a:srgbClr val="FF0000"/>
+                </a:solidFill>
+              </a:rPr>
+              <a:t>ディザイナーパネル</a:t>
+            </a:r>
+            <a:endParaRPr kumimoji="1" lang="en-US" altLang="ja-JP" dirty="0" smtClean="0">
+              <a:solidFill>
+                <a:srgbClr val="FF0000"/>
+              </a:solidFill>
+            </a:endParaRPr>
+          </a:p>
+          <a:p>
+            <a:pPr algn="ctr"/>
+            <a:r>
+              <a:rPr kumimoji="1" lang="ja-JP" altLang="en-US" dirty="0" smtClean="0">
+                <a:solidFill>
+                  <a:srgbClr val="FF0000"/>
+                </a:solidFill>
+              </a:rPr>
+              <a:t>絵のキャンバス！</a:t>
+            </a:r>
+            <a:endParaRPr kumimoji="1" lang="en-US" altLang="ja-JP" dirty="0" smtClean="0">
+              <a:solidFill>
+                <a:srgbClr val="FF0000"/>
+              </a:solidFill>
+            </a:endParaRPr>
+          </a:p>
+        </p:txBody>
+      </p:sp>
+    </p:spTree>
+    <p:extLst>
+      <p:ext uri="{BB962C8B-B14F-4D97-AF65-F5344CB8AC3E}">
+        <p14:creationId xmlns:p14="http://schemas.microsoft.com/office/powerpoint/2010/main" val="1488265653"/>
+      </p:ext>
+    </p:extLst>
+  </p:cSld>
+  <p:clrMapOvr>
+    <a:masterClrMapping/>
+  </p:clrMapOvr>
+</p:sld>
+</file>
+
+<file path=ppt/slides/slide16.xml><?xml version="1.0" encoding="utf-8"?>
 <p:sld xmlns:a="http://schemas.openxmlformats.org/drawingml/2006/main" xmlns:r="http://schemas.openxmlformats.org/officeDocument/2006/relationships" xmlns:p="http://schemas.openxmlformats.org/presentationml/2006/main">
   <p:cSld>
     <p:spTree>
@@ -7810,7 +8874,7 @@
 </p:sld>
 </file>
 
-<file path=ppt/slides/slide13.xml><?xml version="1.0" encoding="utf-8"?>
+<file path=ppt/slides/slide17.xml><?xml version="1.0" encoding="utf-8"?>
 <p:sld xmlns:a="http://schemas.openxmlformats.org/drawingml/2006/main" xmlns:r="http://schemas.openxmlformats.org/officeDocument/2006/relationships" xmlns:p="http://schemas.openxmlformats.org/presentationml/2006/main">
   <p:cSld>
     <p:spTree>
@@ -8161,7 +9225,7 @@
 </p:sld>
 </file>
 
-<file path=ppt/slides/slide14.xml><?xml version="1.0" encoding="utf-8"?>
+<file path=ppt/slides/slide18.xml><?xml version="1.0" encoding="utf-8"?>
 <p:sld xmlns:a="http://schemas.openxmlformats.org/drawingml/2006/main" xmlns:r="http://schemas.openxmlformats.org/officeDocument/2006/relationships" xmlns:p="http://schemas.openxmlformats.org/presentationml/2006/main">
   <p:cSld>
     <p:spTree>
@@ -8578,7 +9642,7 @@
 </p:sld>
 </file>
 
-<file path=ppt/slides/slide15.xml><?xml version="1.0" encoding="utf-8"?>
+<file path=ppt/slides/slide19.xml><?xml version="1.0" encoding="utf-8"?>
 <p:sld xmlns:a="http://schemas.openxmlformats.org/drawingml/2006/main" xmlns:r="http://schemas.openxmlformats.org/officeDocument/2006/relationships" xmlns:p="http://schemas.openxmlformats.org/presentationml/2006/main">
   <p:cSld>
     <p:spTree>
@@ -8597,7 +9661,7 @@
       </p:grpSpPr>
       <p:sp>
         <p:nvSpPr>
-          <p:cNvPr id="2" name="标题 1"/>
+          <p:cNvPr id="4" name="标题 1"/>
           <p:cNvSpPr>
             <a:spLocks noGrp="1"/>
           </p:cNvSpPr>
@@ -8605,95 +9669,279 @@
             <p:ph type="title"/>
           </p:nvPr>
         </p:nvSpPr>
-        <p:spPr/>
+        <p:spPr>
+          <a:xfrm>
+            <a:off x="677334" y="609600"/>
+            <a:ext cx="8596668" cy="1320800"/>
+          </a:xfrm>
+        </p:spPr>
         <p:txBody>
           <a:bodyPr/>
           <a:lstStyle/>
           <a:p>
             <a:r>
               <a:rPr lang="ja-JP" altLang="en-US" dirty="0" smtClean="0"/>
-              <a:t>宿題</a:t>
+              <a:t>初めてのロボを</a:t>
+            </a:r>
+            <a:r>
+              <a:rPr lang="ja-JP" altLang="en-US" dirty="0" smtClean="0"/>
+              <a:t>作</a:t>
+            </a:r>
+            <a:r>
+              <a:rPr lang="ja-JP" altLang="en-US" dirty="0" smtClean="0"/>
+              <a:t>ってみよう</a:t>
+            </a:r>
+            <a:r>
+              <a:rPr lang="en-US" altLang="ja-JP" dirty="0" smtClean="0"/>
+              <a:t/>
+            </a:r>
+            <a:br>
+              <a:rPr lang="en-US" altLang="ja-JP" dirty="0" smtClean="0"/>
+            </a:br>
+            <a:r>
+              <a:rPr lang="ja-JP" altLang="en-US" sz="2400" dirty="0" smtClean="0"/>
+              <a:t>次はループ入れる</a:t>
             </a:r>
             <a:endParaRPr lang="zh-CN" altLang="en-US" dirty="0"/>
           </a:p>
         </p:txBody>
       </p:sp>
-      <p:sp>
-        <p:nvSpPr>
-          <p:cNvPr id="3" name="内容占位符 2"/>
-          <p:cNvSpPr>
-            <a:spLocks noGrp="1"/>
-          </p:cNvSpPr>
-          <p:nvPr>
-            <p:ph idx="1"/>
-          </p:nvPr>
-        </p:nvSpPr>
-        <p:spPr/>
-        <p:txBody>
-          <a:bodyPr>
-            <a:normAutofit/>
+      <p:pic>
+        <p:nvPicPr>
+          <p:cNvPr id="6" name="图片 5"/>
+          <p:cNvPicPr>
+            <a:picLocks noChangeAspect="1"/>
+          </p:cNvPicPr>
+          <p:nvPr/>
+        </p:nvPicPr>
+        <p:blipFill>
+          <a:blip r:embed="rId2"/>
+          <a:stretch>
+            <a:fillRect/>
+          </a:stretch>
+        </p:blipFill>
+        <p:spPr>
+          <a:xfrm>
+            <a:off x="677334" y="1711642"/>
+            <a:ext cx="5257800" cy="4181475"/>
+          </a:xfrm>
+          <a:prstGeom prst="rect">
+            <a:avLst/>
+          </a:prstGeom>
+        </p:spPr>
+      </p:pic>
+      <p:sp>
+        <p:nvSpPr>
+          <p:cNvPr id="7" name="线形标注 1 6"/>
+          <p:cNvSpPr/>
+          <p:nvPr/>
+        </p:nvSpPr>
+        <p:spPr>
+          <a:xfrm>
+            <a:off x="3464840" y="4896612"/>
+            <a:ext cx="3597642" cy="841248"/>
+          </a:xfrm>
+          <a:prstGeom prst="borderCallout1">
+            <a:avLst>
+              <a:gd name="adj1" fmla="val 60878"/>
+              <a:gd name="adj2" fmla="val -3683"/>
+              <a:gd name="adj3" fmla="val 9782"/>
+              <a:gd name="adj4" fmla="val -16272"/>
+            </a:avLst>
+          </a:prstGeom>
+          <a:solidFill>
+            <a:schemeClr val="bg1"/>
+          </a:solidFill>
+          <a:ln>
+            <a:solidFill>
+              <a:srgbClr val="FF0000"/>
+            </a:solidFill>
+          </a:ln>
+        </p:spPr>
+        <p:style>
+          <a:lnRef idx="2">
+            <a:schemeClr val="accent1">
+              <a:shade val="50000"/>
+            </a:schemeClr>
+          </a:lnRef>
+          <a:fillRef idx="1">
+            <a:schemeClr val="accent1"/>
+          </a:fillRef>
+          <a:effectRef idx="0">
+            <a:schemeClr val="accent1"/>
+          </a:effectRef>
+          <a:fontRef idx="minor">
+            <a:schemeClr val="lt1"/>
+          </a:fontRef>
+        </p:style>
+        <p:txBody>
+          <a:bodyPr rtlCol="0" anchor="ctr"/>
+          <a:lstStyle/>
+          <a:p>
+            <a:pPr algn="ctr"/>
+            <a:r>
+              <a:rPr kumimoji="1" lang="ja-JP" altLang="en-US" dirty="0" smtClean="0">
+                <a:solidFill>
+                  <a:srgbClr val="FF0000"/>
+                </a:solidFill>
+              </a:rPr>
+              <a:t>ボタンを押す処理をループに入れてみてください</a:t>
+            </a:r>
+            <a:endParaRPr kumimoji="1" lang="en-US" altLang="ja-JP" dirty="0" smtClean="0">
+              <a:solidFill>
+                <a:srgbClr val="FF0000"/>
+              </a:solidFill>
+            </a:endParaRPr>
+          </a:p>
+        </p:txBody>
+      </p:sp>
+      <p:pic>
+        <p:nvPicPr>
+          <p:cNvPr id="8" name="图片 7"/>
+          <p:cNvPicPr>
+            <a:picLocks noChangeAspect="1"/>
+          </p:cNvPicPr>
+          <p:nvPr/>
+        </p:nvPicPr>
+        <p:blipFill>
+          <a:blip r:embed="rId3"/>
+          <a:stretch>
+            <a:fillRect/>
+          </a:stretch>
+        </p:blipFill>
+        <p:spPr>
+          <a:xfrm>
+            <a:off x="7694832" y="1622106"/>
+            <a:ext cx="3158339" cy="4360545"/>
+          </a:xfrm>
+          <a:prstGeom prst="rect">
+            <a:avLst/>
+          </a:prstGeom>
+        </p:spPr>
+      </p:pic>
+      <p:sp>
+        <p:nvSpPr>
+          <p:cNvPr id="9" name="线形标注 1 8"/>
+          <p:cNvSpPr/>
+          <p:nvPr/>
+        </p:nvSpPr>
+        <p:spPr>
+          <a:xfrm>
+            <a:off x="7175780" y="5118734"/>
+            <a:ext cx="3597642" cy="727908"/>
+          </a:xfrm>
+          <a:prstGeom prst="borderCallout1">
+            <a:avLst>
+              <a:gd name="adj1" fmla="val -9412"/>
+              <a:gd name="adj2" fmla="val 17667"/>
+              <a:gd name="adj3" fmla="val -72827"/>
+              <a:gd name="adj4" fmla="val 45914"/>
+            </a:avLst>
+          </a:prstGeom>
+          <a:solidFill>
+            <a:schemeClr val="bg1"/>
+          </a:solidFill>
+          <a:ln>
+            <a:solidFill>
+              <a:srgbClr val="FF0000"/>
+            </a:solidFill>
+          </a:ln>
+        </p:spPr>
+        <p:style>
+          <a:lnRef idx="2">
+            <a:schemeClr val="accent1">
+              <a:shade val="50000"/>
+            </a:schemeClr>
+          </a:lnRef>
+          <a:fillRef idx="1">
+            <a:schemeClr val="accent1"/>
+          </a:fillRef>
+          <a:effectRef idx="0">
+            <a:schemeClr val="accent1"/>
+          </a:effectRef>
+          <a:fontRef idx="minor">
+            <a:schemeClr val="lt1"/>
+          </a:fontRef>
+        </p:style>
+        <p:txBody>
+          <a:bodyPr rtlCol="0" anchor="ctr"/>
+          <a:lstStyle/>
+          <a:p>
+            <a:pPr algn="ctr"/>
+            <a:r>
+              <a:rPr kumimoji="1" lang="ja-JP" altLang="en-US" dirty="0" smtClean="0">
+                <a:solidFill>
+                  <a:srgbClr val="FF0000"/>
+                </a:solidFill>
+              </a:rPr>
+              <a:t>動かしてみたら、押した「</a:t>
+            </a:r>
+            <a:r>
+              <a:rPr kumimoji="1" lang="en-US" altLang="ja-JP" dirty="0" smtClean="0">
+                <a:solidFill>
+                  <a:srgbClr val="FF0000"/>
+                </a:solidFill>
+              </a:rPr>
+              <a:t>8</a:t>
+            </a:r>
+            <a:r>
+              <a:rPr kumimoji="1" lang="ja-JP" altLang="en-US" dirty="0" smtClean="0">
+                <a:solidFill>
+                  <a:srgbClr val="FF0000"/>
+                </a:solidFill>
+              </a:rPr>
+              <a:t>」が１０回押された。</a:t>
+            </a:r>
+            <a:endParaRPr kumimoji="1" lang="en-US" altLang="ja-JP" dirty="0" smtClean="0">
+              <a:solidFill>
+                <a:srgbClr val="FF0000"/>
+              </a:solidFill>
+            </a:endParaRPr>
+          </a:p>
+        </p:txBody>
+      </p:sp>
+      <p:sp>
+        <p:nvSpPr>
+          <p:cNvPr id="10" name="文本框 9"/>
+          <p:cNvSpPr txBox="1"/>
+          <p:nvPr/>
+        </p:nvSpPr>
+        <p:spPr>
+          <a:xfrm>
+            <a:off x="7256250" y="1526976"/>
+            <a:ext cx="877163" cy="369332"/>
+          </a:xfrm>
+          <a:prstGeom prst="rect">
+            <a:avLst/>
+          </a:prstGeom>
+          <a:noFill/>
+        </p:spPr>
+        <p:txBody>
+          <a:bodyPr wrap="none" rtlCol="0">
+            <a:spAutoFit/>
           </a:bodyPr>
           <a:lstStyle/>
           <a:p>
             <a:r>
-              <a:rPr lang="ja-JP" altLang="en-US" sz="2000" dirty="0" smtClean="0"/>
-              <a:t>まだ</a:t>
-            </a:r>
-            <a:r>
-              <a:rPr lang="en-US" altLang="ja-JP" sz="2000" dirty="0" smtClean="0"/>
-              <a:t>Studio</a:t>
-            </a:r>
-            <a:r>
-              <a:rPr lang="ja-JP" altLang="en-US" sz="2000" dirty="0" smtClean="0"/>
-              <a:t>のインストールを完了していない方はスライド「</a:t>
-            </a:r>
-            <a:r>
-              <a:rPr lang="en-US" altLang="ja-JP" sz="2000" dirty="0"/>
-              <a:t>10</a:t>
-            </a:r>
-            <a:r>
-              <a:rPr lang="ja-JP" altLang="en-US" sz="2000" dirty="0"/>
-              <a:t>分で無料な開発環境構築</a:t>
-            </a:r>
-            <a:r>
-              <a:rPr lang="ja-JP" altLang="en-US" sz="2000" dirty="0" smtClean="0"/>
-              <a:t>してみよう」を参照して、次回の勉強会までに完了してください。（必須、提出不要）</a:t>
-            </a:r>
-            <a:endParaRPr lang="en-US" altLang="ja-JP" sz="2000" dirty="0" smtClean="0"/>
-          </a:p>
-          <a:p>
-            <a:pPr marL="0" indent="0">
-              <a:buNone/>
-            </a:pPr>
-            <a:endParaRPr lang="en-US" altLang="zh-CN" sz="2000" dirty="0"/>
-          </a:p>
-          <a:p>
-            <a:r>
-              <a:rPr lang="ja-JP" altLang="en-US" sz="2000" dirty="0" smtClean="0"/>
-              <a:t>普段の生活や仕事の中で、ロボ化できそうなとこってありますか。いくつか考えてみてください。（オプション。提出不要。次回の勉強会で考えた人に</a:t>
-            </a:r>
-            <a:r>
-              <a:rPr lang="ja-JP" altLang="en-US" sz="2000" dirty="0" smtClean="0"/>
-              <a:t>３分</a:t>
-            </a:r>
-            <a:r>
-              <a:rPr lang="ja-JP" altLang="en-US" sz="2000" dirty="0" smtClean="0"/>
-              <a:t>ほど発表していただきます。）</a:t>
-            </a:r>
-            <a:endParaRPr lang="en-US" altLang="ja-JP" sz="2000" dirty="0" smtClean="0"/>
-          </a:p>
-          <a:p>
-            <a:pPr marL="0" indent="0">
-              <a:buNone/>
-            </a:pPr>
-            <a:endParaRPr lang="en-US" altLang="zh-CN" dirty="0" smtClean="0"/>
+              <a:rPr kumimoji="1" lang="ja-JP" altLang="en-US" dirty="0">
+                <a:solidFill>
+                  <a:srgbClr val="FF0000"/>
+                </a:solidFill>
+              </a:rPr>
+              <a:t>修正後</a:t>
+            </a:r>
+            <a:endParaRPr kumimoji="1" lang="en-US" altLang="ja-JP" dirty="0" smtClean="0">
+              <a:solidFill>
+                <a:srgbClr val="FF0000"/>
+              </a:solidFill>
+            </a:endParaRPr>
           </a:p>
         </p:txBody>
       </p:sp>
     </p:spTree>
     <p:extLst>
       <p:ext uri="{BB962C8B-B14F-4D97-AF65-F5344CB8AC3E}">
-        <p14:creationId xmlns:p14="http://schemas.microsoft.com/office/powerpoint/2010/main" val="2722310009"/>
+        <p14:creationId xmlns:p14="http://schemas.microsoft.com/office/powerpoint/2010/main" val="881647096"/>
       </p:ext>
     </p:extLst>
   </p:cSld>
@@ -8703,7 +9951,7 @@
 </p:sld>
 </file>
 
-<file path=ppt/slides/slide16.xml><?xml version="1.0" encoding="utf-8"?>
+<file path=ppt/slides/slide2.xml><?xml version="1.0" encoding="utf-8"?>
 <p:sld xmlns:a="http://schemas.openxmlformats.org/drawingml/2006/main" xmlns:r="http://schemas.openxmlformats.org/officeDocument/2006/relationships" xmlns:p="http://schemas.openxmlformats.org/presentationml/2006/main">
   <p:cSld>
     <p:spTree>
@@ -8737,15 +9985,456 @@
           <a:p>
             <a:r>
               <a:rPr kumimoji="1" lang="ja-JP" altLang="en-US" dirty="0" smtClean="0"/>
-              <a:t>無料な</a:t>
-            </a:r>
+              <a:t>本日の勉強会を終えると、あなたは</a:t>
+            </a:r>
+            <a:r>
+              <a:rPr kumimoji="1" lang="en-US" altLang="ja-JP" dirty="0" smtClean="0"/>
+              <a:t>…</a:t>
+            </a:r>
+            <a:endParaRPr kumimoji="1" lang="ja-JP" altLang="en-US" dirty="0"/>
+          </a:p>
+        </p:txBody>
+      </p:sp>
+      <p:sp>
+        <p:nvSpPr>
+          <p:cNvPr id="3" name="内容占位符 2"/>
+          <p:cNvSpPr>
+            <a:spLocks noGrp="1"/>
+          </p:cNvSpPr>
+          <p:nvPr>
+            <p:ph idx="1"/>
+          </p:nvPr>
+        </p:nvSpPr>
+        <p:spPr/>
+        <p:txBody>
+          <a:bodyPr/>
+          <a:lstStyle/>
+          <a:p>
+            <a:r>
+              <a:rPr kumimoji="1" lang="en-US" altLang="ja-JP" dirty="0" smtClean="0"/>
+              <a:t>RPA</a:t>
+            </a:r>
+            <a:r>
+              <a:rPr kumimoji="1" lang="ja-JP" altLang="en-US" dirty="0" smtClean="0"/>
+              <a:t>概念と特徴を説明できる</a:t>
+            </a:r>
+            <a:endParaRPr kumimoji="1" lang="en-US" altLang="ja-JP" dirty="0" smtClean="0"/>
+          </a:p>
+          <a:p>
             <a:r>
               <a:rPr kumimoji="1" lang="en-US" altLang="ja-JP" dirty="0" smtClean="0"/>
               <a:t>UiPath</a:t>
             </a:r>
             <a:r>
               <a:rPr kumimoji="1" lang="ja-JP" altLang="en-US" dirty="0" smtClean="0"/>
+              <a:t>の開</a:t>
+            </a:r>
+            <a:r>
+              <a:rPr kumimoji="1" lang="ja-JP" altLang="en-US" dirty="0"/>
+              <a:t>発環</a:t>
+            </a:r>
+            <a:r>
+              <a:rPr kumimoji="1" lang="ja-JP" altLang="en-US" dirty="0" smtClean="0"/>
+              <a:t>境を構築できる</a:t>
+            </a:r>
+            <a:endParaRPr kumimoji="1" lang="en-US" altLang="ja-JP" dirty="0" smtClean="0"/>
+          </a:p>
+          <a:p>
+            <a:r>
+              <a:rPr kumimoji="1" lang="en-US" altLang="ja-JP" dirty="0" smtClean="0"/>
+              <a:t>UiPath Studio</a:t>
+            </a:r>
+            <a:r>
+              <a:rPr kumimoji="1" lang="ja-JP" altLang="en-US" dirty="0" smtClean="0"/>
+              <a:t>の録画機能で初めてのロボットを作った</a:t>
+            </a:r>
+            <a:endParaRPr kumimoji="1" lang="en-US" altLang="ja-JP" dirty="0" smtClean="0"/>
+          </a:p>
+          <a:p>
+            <a:endParaRPr kumimoji="1" lang="ja-JP" altLang="en-US" dirty="0"/>
+          </a:p>
+        </p:txBody>
+      </p:sp>
+    </p:spTree>
+    <p:extLst>
+      <p:ext uri="{BB962C8B-B14F-4D97-AF65-F5344CB8AC3E}">
+        <p14:creationId xmlns:p14="http://schemas.microsoft.com/office/powerpoint/2010/main" val="767005944"/>
+      </p:ext>
+    </p:extLst>
+  </p:cSld>
+  <p:clrMapOvr>
+    <a:masterClrMapping/>
+  </p:clrMapOvr>
+</p:sld>
+</file>
+
+<file path=ppt/slides/slide20.xml><?xml version="1.0" encoding="utf-8"?>
+<p:sld xmlns:a="http://schemas.openxmlformats.org/drawingml/2006/main" xmlns:r="http://schemas.openxmlformats.org/officeDocument/2006/relationships" xmlns:p="http://schemas.openxmlformats.org/presentationml/2006/main">
+  <p:cSld>
+    <p:spTree>
+      <p:nvGrpSpPr>
+        <p:cNvPr id="1" name=""/>
+        <p:cNvGrpSpPr/>
+        <p:nvPr/>
+      </p:nvGrpSpPr>
+      <p:grpSpPr>
+        <a:xfrm>
+          <a:off x="0" y="0"/>
+          <a:ext cx="0" cy="0"/>
+          <a:chOff x="0" y="0"/>
+          <a:chExt cx="0" cy="0"/>
+        </a:xfrm>
+      </p:grpSpPr>
+      <p:sp>
+        <p:nvSpPr>
+          <p:cNvPr id="2" name="标题 1"/>
+          <p:cNvSpPr>
+            <a:spLocks noGrp="1"/>
+          </p:cNvSpPr>
+          <p:nvPr>
+            <p:ph type="title"/>
+          </p:nvPr>
+        </p:nvSpPr>
+        <p:spPr/>
+        <p:txBody>
+          <a:bodyPr/>
+          <a:lstStyle/>
+          <a:p>
+            <a:r>
+              <a:rPr lang="ja-JP" altLang="en-US" dirty="0" smtClean="0"/>
+              <a:t>宿題</a:t>
+            </a:r>
+            <a:endParaRPr lang="zh-CN" altLang="en-US" dirty="0"/>
+          </a:p>
+        </p:txBody>
+      </p:sp>
+      <p:sp>
+        <p:nvSpPr>
+          <p:cNvPr id="3" name="内容占位符 2"/>
+          <p:cNvSpPr>
+            <a:spLocks noGrp="1"/>
+          </p:cNvSpPr>
+          <p:nvPr>
+            <p:ph idx="1"/>
+          </p:nvPr>
+        </p:nvSpPr>
+        <p:spPr/>
+        <p:txBody>
+          <a:bodyPr>
+            <a:normAutofit/>
+          </a:bodyPr>
+          <a:lstStyle/>
+          <a:p>
+            <a:r>
+              <a:rPr lang="ja-JP" altLang="en-US" sz="2000" dirty="0" smtClean="0"/>
+              <a:t>まだ</a:t>
+            </a:r>
+            <a:r>
+              <a:rPr lang="en-US" altLang="ja-JP" sz="2000" dirty="0" smtClean="0"/>
+              <a:t>Studio</a:t>
+            </a:r>
+            <a:r>
+              <a:rPr lang="ja-JP" altLang="en-US" sz="2000" dirty="0" smtClean="0"/>
+              <a:t>のインストールを完了していない方はスライド「</a:t>
+            </a:r>
+            <a:r>
+              <a:rPr lang="en-US" altLang="ja-JP" sz="2000" dirty="0"/>
+              <a:t>10</a:t>
+            </a:r>
+            <a:r>
+              <a:rPr lang="ja-JP" altLang="en-US" sz="2000" dirty="0"/>
+              <a:t>分で無料な開発環境構築</a:t>
+            </a:r>
+            <a:r>
+              <a:rPr lang="ja-JP" altLang="en-US" sz="2000" dirty="0" smtClean="0"/>
+              <a:t>してみよう」を参照して、次回の勉強会までに完了してください。（必須）</a:t>
+            </a:r>
+            <a:endParaRPr lang="en-US" altLang="ja-JP" sz="2000" dirty="0" smtClean="0"/>
+          </a:p>
+          <a:p>
+            <a:pPr marL="0" indent="0">
+              <a:buNone/>
+            </a:pPr>
+            <a:endParaRPr lang="en-US" altLang="zh-CN" sz="2000" dirty="0"/>
+          </a:p>
+          <a:p>
+            <a:r>
+              <a:rPr lang="ja-JP" altLang="en-US" sz="2000" dirty="0" smtClean="0"/>
+              <a:t>普段の生活や仕事の中で、ロボ化できそうなとこってありますか。いくつか考えてみてください。（オプション。次回の勉強会で考えた人に</a:t>
+            </a:r>
+            <a:r>
+              <a:rPr lang="ja-JP" altLang="en-US" sz="2000" dirty="0" smtClean="0"/>
+              <a:t>３分</a:t>
+            </a:r>
+            <a:r>
+              <a:rPr lang="ja-JP" altLang="en-US" sz="2000" dirty="0" smtClean="0"/>
+              <a:t>ほど発表していただきます。）</a:t>
+            </a:r>
+            <a:endParaRPr lang="en-US" altLang="ja-JP" sz="2000" dirty="0" smtClean="0"/>
+          </a:p>
+          <a:p>
+            <a:pPr marL="0" indent="0">
+              <a:buNone/>
+            </a:pPr>
+            <a:endParaRPr lang="en-US" altLang="zh-CN" dirty="0" smtClean="0"/>
+          </a:p>
+        </p:txBody>
+      </p:sp>
+    </p:spTree>
+    <p:extLst>
+      <p:ext uri="{BB962C8B-B14F-4D97-AF65-F5344CB8AC3E}">
+        <p14:creationId xmlns:p14="http://schemas.microsoft.com/office/powerpoint/2010/main" val="2722310009"/>
+      </p:ext>
+    </p:extLst>
+  </p:cSld>
+  <p:clrMapOvr>
+    <a:masterClrMapping/>
+  </p:clrMapOvr>
+</p:sld>
+</file>
+
+<file path=ppt/slides/slide21.xml><?xml version="1.0" encoding="utf-8"?>
+<p:sld xmlns:a="http://schemas.openxmlformats.org/drawingml/2006/main" xmlns:r="http://schemas.openxmlformats.org/officeDocument/2006/relationships" xmlns:p="http://schemas.openxmlformats.org/presentationml/2006/main">
+  <p:cSld>
+    <p:spTree>
+      <p:nvGrpSpPr>
+        <p:cNvPr id="1" name=""/>
+        <p:cNvGrpSpPr/>
+        <p:nvPr/>
+      </p:nvGrpSpPr>
+      <p:grpSpPr>
+        <a:xfrm>
+          <a:off x="0" y="0"/>
+          <a:ext cx="0" cy="0"/>
+          <a:chOff x="0" y="0"/>
+          <a:chExt cx="0" cy="0"/>
+        </a:xfrm>
+      </p:grpSpPr>
+      <p:sp>
+        <p:nvSpPr>
+          <p:cNvPr id="2" name="标题 1"/>
+          <p:cNvSpPr>
+            <a:spLocks noGrp="1"/>
+          </p:cNvSpPr>
+          <p:nvPr>
+            <p:ph type="title"/>
+          </p:nvPr>
+        </p:nvSpPr>
+        <p:spPr/>
+        <p:txBody>
+          <a:bodyPr/>
+          <a:lstStyle/>
+          <a:p>
+            <a:r>
+              <a:rPr kumimoji="1" lang="ja-JP" altLang="en-US" dirty="0" smtClean="0"/>
+              <a:t>次回予告</a:t>
+            </a:r>
+            <a:endParaRPr kumimoji="1" lang="ja-JP" altLang="en-US" dirty="0"/>
+          </a:p>
+        </p:txBody>
+      </p:sp>
+      <p:sp>
+        <p:nvSpPr>
+          <p:cNvPr id="3" name="内容占位符 2"/>
+          <p:cNvSpPr>
+            <a:spLocks noGrp="1"/>
+          </p:cNvSpPr>
+          <p:nvPr>
+            <p:ph idx="1"/>
+          </p:nvPr>
+        </p:nvSpPr>
+        <p:spPr>
+          <a:xfrm>
+            <a:off x="677334" y="2160589"/>
+            <a:ext cx="9480126" cy="3880773"/>
+          </a:xfrm>
+        </p:spPr>
+        <p:txBody>
+          <a:bodyPr>
+            <a:normAutofit/>
+          </a:bodyPr>
+          <a:lstStyle/>
+          <a:p>
+            <a:pPr marL="0" indent="0">
+              <a:buNone/>
+            </a:pPr>
+            <a:r>
+              <a:rPr kumimoji="1" lang="ja-JP" altLang="en-US" dirty="0" smtClean="0"/>
+              <a:t>第二回目：</a:t>
+            </a:r>
+            <a:r>
+              <a:rPr kumimoji="1" lang="en-US" altLang="ja-JP" dirty="0" smtClean="0"/>
+              <a:t>UiPath</a:t>
+            </a:r>
+            <a:r>
+              <a:rPr kumimoji="1" lang="ja-JP" altLang="en-US" dirty="0" smtClean="0"/>
+              <a:t>でロボットをさくっと作ってみる（</a:t>
+            </a:r>
+            <a:r>
+              <a:rPr kumimoji="1" lang="en-US" altLang="ja-JP" dirty="0" smtClean="0"/>
+              <a:t>3/18 19</a:t>
+            </a:r>
+            <a:r>
+              <a:rPr kumimoji="1" lang="ja-JP" altLang="en-US" dirty="0" smtClean="0"/>
+              <a:t>時）</a:t>
+            </a:r>
+            <a:endParaRPr kumimoji="1" lang="en-US" altLang="ja-JP" dirty="0" smtClean="0"/>
+          </a:p>
+          <a:p>
+            <a:r>
+              <a:rPr kumimoji="1" lang="ja-JP" altLang="en-US" dirty="0" smtClean="0"/>
+              <a:t>変数と引数</a:t>
+            </a:r>
+            <a:endParaRPr kumimoji="1" lang="en-US" altLang="ja-JP" dirty="0" smtClean="0"/>
+          </a:p>
+          <a:p>
+            <a:r>
+              <a:rPr kumimoji="1" lang="ja-JP" altLang="en-US" dirty="0"/>
+              <a:t>フロ</a:t>
+            </a:r>
+            <a:r>
+              <a:rPr kumimoji="1" lang="ja-JP" altLang="en-US" dirty="0" smtClean="0"/>
+              <a:t>ー制御</a:t>
+            </a:r>
+            <a:endParaRPr kumimoji="1" lang="en-US" altLang="ja-JP" dirty="0" smtClean="0"/>
+          </a:p>
+          <a:p>
+            <a:r>
+              <a:rPr kumimoji="1" lang="ja-JP" altLang="en-US" dirty="0"/>
+              <a:t>画面</a:t>
+            </a:r>
+            <a:r>
+              <a:rPr kumimoji="1" lang="ja-JP" altLang="en-US" dirty="0" smtClean="0"/>
+              <a:t>要素識別</a:t>
+            </a:r>
+            <a:endParaRPr kumimoji="1" lang="en-US" altLang="ja-JP" dirty="0" smtClean="0"/>
+          </a:p>
+          <a:p>
+            <a:r>
+              <a:rPr kumimoji="1" lang="en-US" altLang="ja-JP" dirty="0" smtClean="0"/>
+              <a:t>UI</a:t>
+            </a:r>
+            <a:r>
+              <a:rPr kumimoji="1" lang="ja-JP" altLang="en-US" dirty="0" smtClean="0"/>
+              <a:t>操作と正規表現の活用</a:t>
+            </a:r>
+            <a:endParaRPr kumimoji="1" lang="en-US" altLang="ja-JP" dirty="0"/>
+          </a:p>
+          <a:p>
+            <a:endParaRPr kumimoji="1" lang="en-US" altLang="ja-JP" dirty="0" smtClean="0"/>
+          </a:p>
+          <a:p>
+            <a:endParaRPr kumimoji="1" lang="en-US" altLang="ja-JP" dirty="0"/>
+          </a:p>
+          <a:p>
+            <a:pPr marL="0" indent="0">
+              <a:buNone/>
+            </a:pPr>
+            <a:r>
+              <a:rPr kumimoji="1" lang="ja-JP" altLang="en-US" sz="2400" dirty="0" smtClean="0">
+                <a:solidFill>
+                  <a:srgbClr val="FF0000"/>
+                </a:solidFill>
+              </a:rPr>
+              <a:t>次回は本気にロボットを作ります！！</a:t>
+            </a:r>
+            <a:endParaRPr kumimoji="1" lang="en-US" altLang="ja-JP" sz="2400" dirty="0" smtClean="0">
+              <a:solidFill>
+                <a:srgbClr val="FF0000"/>
+              </a:solidFill>
+            </a:endParaRPr>
+          </a:p>
+          <a:p>
+            <a:pPr marL="0" indent="0">
+              <a:buNone/>
+            </a:pPr>
+            <a:r>
+              <a:rPr kumimoji="1" lang="ja-JP" altLang="en-US" sz="2400" dirty="0" smtClean="0">
+                <a:solidFill>
+                  <a:srgbClr val="FF0000"/>
+                </a:solidFill>
+              </a:rPr>
+              <a:t>ご参加お待ちしております！！</a:t>
+            </a:r>
+            <a:endParaRPr kumimoji="1" lang="ja-JP" altLang="en-US" sz="2400" dirty="0">
+              <a:solidFill>
+                <a:srgbClr val="FF0000"/>
+              </a:solidFill>
+            </a:endParaRPr>
+          </a:p>
+        </p:txBody>
+      </p:sp>
+    </p:spTree>
+    <p:extLst>
+      <p:ext uri="{BB962C8B-B14F-4D97-AF65-F5344CB8AC3E}">
+        <p14:creationId xmlns:p14="http://schemas.microsoft.com/office/powerpoint/2010/main" val="206541654"/>
+      </p:ext>
+    </p:extLst>
+  </p:cSld>
+  <p:clrMapOvr>
+    <a:masterClrMapping/>
+  </p:clrMapOvr>
+</p:sld>
+</file>
+
+<file path=ppt/slides/slide22.xml><?xml version="1.0" encoding="utf-8"?>
+<p:sld xmlns:a="http://schemas.openxmlformats.org/drawingml/2006/main" xmlns:r="http://schemas.openxmlformats.org/officeDocument/2006/relationships" xmlns:p="http://schemas.openxmlformats.org/presentationml/2006/main">
+  <p:cSld>
+    <p:spTree>
+      <p:nvGrpSpPr>
+        <p:cNvPr id="1" name=""/>
+        <p:cNvGrpSpPr/>
+        <p:nvPr/>
+      </p:nvGrpSpPr>
+      <p:grpSpPr>
+        <a:xfrm>
+          <a:off x="0" y="0"/>
+          <a:ext cx="0" cy="0"/>
+          <a:chOff x="0" y="0"/>
+          <a:chExt cx="0" cy="0"/>
+        </a:xfrm>
+      </p:grpSpPr>
+      <p:sp>
+        <p:nvSpPr>
+          <p:cNvPr id="2" name="标题 1"/>
+          <p:cNvSpPr>
+            <a:spLocks noGrp="1"/>
+          </p:cNvSpPr>
+          <p:nvPr>
+            <p:ph type="title"/>
+          </p:nvPr>
+        </p:nvSpPr>
+        <p:spPr/>
+        <p:txBody>
+          <a:bodyPr/>
+          <a:lstStyle/>
+          <a:p>
+            <a:r>
+              <a:rPr kumimoji="1" lang="ja-JP" altLang="en-US" dirty="0" smtClean="0"/>
+              <a:t>無料な</a:t>
+            </a:r>
+            <a:r>
+              <a:rPr kumimoji="1" lang="en-US" altLang="ja-JP" dirty="0" smtClean="0"/>
+              <a:t>UiPath</a:t>
+            </a:r>
+            <a:r>
+              <a:rPr kumimoji="1" lang="ja-JP" altLang="en-US" dirty="0" smtClean="0"/>
               <a:t>学習リソース</a:t>
+            </a:r>
+            <a:r>
+              <a:rPr kumimoji="1" lang="en-US" altLang="ja-JP" dirty="0" smtClean="0"/>
+              <a:t/>
+            </a:r>
+            <a:br>
+              <a:rPr kumimoji="1" lang="en-US" altLang="ja-JP" dirty="0" smtClean="0"/>
+            </a:br>
+            <a:r>
+              <a:rPr kumimoji="1" lang="en-US" altLang="ja-JP" sz="2400" dirty="0" smtClean="0"/>
+              <a:t>UiPath</a:t>
+            </a:r>
+            <a:r>
+              <a:rPr kumimoji="1" lang="ja-JP" altLang="en-US" sz="2400" dirty="0" smtClean="0"/>
+              <a:t>アカデミー</a:t>
             </a:r>
             <a:endParaRPr kumimoji="1" lang="ja-JP" altLang="en-US" dirty="0"/>
           </a:p>
@@ -8795,7 +10484,7 @@
         </p:nvSpPr>
         <p:spPr>
           <a:xfrm>
-            <a:off x="677334" y="1412591"/>
+            <a:off x="620578" y="1561068"/>
             <a:ext cx="3316036" cy="369332"/>
           </a:xfrm>
           <a:prstGeom prst="rect">
@@ -8947,7 +10636,7 @@
 </p:sld>
 </file>
 
-<file path=ppt/slides/slide2.xml><?xml version="1.0" encoding="utf-8"?>
+<file path=ppt/slides/slide23.xml><?xml version="1.0" encoding="utf-8"?>
 <p:sld xmlns:a="http://schemas.openxmlformats.org/drawingml/2006/main" xmlns:r="http://schemas.openxmlformats.org/officeDocument/2006/relationships" xmlns:p="http://schemas.openxmlformats.org/presentationml/2006/main">
   <p:cSld>
     <p:spTree>
@@ -8980,10 +10669,17 @@
           <a:lstStyle/>
           <a:p>
             <a:r>
-              <a:rPr lang="ja-JP" altLang="en-US" dirty="0"/>
-              <a:t>アジェンダ</a:t>
-            </a:r>
-            <a:endParaRPr lang="en-US" dirty="0"/>
+              <a:rPr kumimoji="1" lang="ja-JP" altLang="en-US" dirty="0"/>
+              <a:t>無料な</a:t>
+            </a:r>
+            <a:r>
+              <a:rPr kumimoji="1" lang="en-US" altLang="ja-JP" dirty="0"/>
+              <a:t>UiPath</a:t>
+            </a:r>
+            <a:r>
+              <a:rPr kumimoji="1" lang="ja-JP" altLang="en-US" dirty="0"/>
+              <a:t>学習リソース</a:t>
+            </a:r>
           </a:p>
         </p:txBody>
       </p:sp>
@@ -8999,128 +10695,17 @@
         </p:nvSpPr>
         <p:spPr/>
         <p:txBody>
-          <a:bodyPr>
-            <a:normAutofit/>
-          </a:bodyPr>
-          <a:lstStyle/>
-          <a:p>
-            <a:r>
-              <a:rPr lang="en-US" altLang="ja-JP" dirty="0" smtClean="0"/>
-              <a:t>RPA</a:t>
-            </a:r>
-            <a:r>
-              <a:rPr lang="ja-JP" altLang="en-US" dirty="0" smtClean="0"/>
-              <a:t>概要</a:t>
-            </a:r>
-            <a:endParaRPr lang="en-US" altLang="ja-JP" dirty="0" smtClean="0"/>
-          </a:p>
-          <a:p>
-            <a:pPr lvl="1"/>
-            <a:r>
-              <a:rPr lang="en-US" altLang="ja-JP" dirty="0" smtClean="0"/>
-              <a:t>RPA</a:t>
-            </a:r>
-            <a:r>
-              <a:rPr lang="ja-JP" altLang="en-US" dirty="0" smtClean="0"/>
-              <a:t>とは</a:t>
-            </a:r>
-            <a:endParaRPr lang="en-US" altLang="ja-JP" dirty="0" smtClean="0"/>
-          </a:p>
-          <a:p>
-            <a:pPr lvl="1"/>
-            <a:r>
-              <a:rPr lang="en-US" altLang="ja-JP" dirty="0" smtClean="0"/>
-              <a:t>RPA</a:t>
-            </a:r>
-            <a:r>
-              <a:rPr lang="ja-JP" altLang="en-US" dirty="0" smtClean="0"/>
-              <a:t>デモ</a:t>
-            </a:r>
-            <a:endParaRPr lang="en-US" altLang="ja-JP" dirty="0" smtClean="0"/>
-          </a:p>
-          <a:p>
-            <a:pPr lvl="1"/>
-            <a:r>
-              <a:rPr lang="en-US" altLang="ja-JP" dirty="0" smtClean="0"/>
-              <a:t>RPA</a:t>
-            </a:r>
-            <a:r>
-              <a:rPr lang="ja-JP" altLang="en-US" dirty="0" smtClean="0"/>
-              <a:t>の強みと弱み</a:t>
-            </a:r>
-            <a:endParaRPr lang="en-US" altLang="ja-JP" dirty="0" smtClean="0"/>
-          </a:p>
-          <a:p>
-            <a:pPr lvl="1"/>
-            <a:r>
-              <a:rPr lang="en-US" altLang="ja-JP" dirty="0" smtClean="0"/>
-              <a:t>RPA</a:t>
-            </a:r>
-            <a:r>
-              <a:rPr lang="ja-JP" altLang="en-US" dirty="0" smtClean="0"/>
-              <a:t>が求められる背景と理由</a:t>
-            </a:r>
-            <a:endParaRPr lang="en-US" altLang="ja-JP" dirty="0" smtClean="0"/>
-          </a:p>
-          <a:p>
-            <a:pPr lvl="1"/>
-            <a:r>
-              <a:rPr lang="en-US" altLang="ja-JP" dirty="0" smtClean="0"/>
-              <a:t>RPA</a:t>
-            </a:r>
-            <a:r>
-              <a:rPr lang="ja-JP" altLang="en-US" dirty="0" smtClean="0"/>
-              <a:t>の隠れた効果</a:t>
-            </a:r>
-            <a:endParaRPr lang="en-US" altLang="ja-JP" dirty="0" smtClean="0"/>
-          </a:p>
-          <a:p>
-            <a:r>
-              <a:rPr lang="en-US" altLang="ja-JP" dirty="0"/>
-              <a:t>10</a:t>
-            </a:r>
-            <a:r>
-              <a:rPr lang="ja-JP" altLang="en-US" dirty="0"/>
-              <a:t>分で無料な開発環境構築</a:t>
-            </a:r>
-            <a:r>
-              <a:rPr lang="ja-JP" altLang="en-US" dirty="0" smtClean="0"/>
-              <a:t>してみよう（１０分）</a:t>
-            </a:r>
-            <a:endParaRPr lang="en-US" altLang="zh-CN" dirty="0" smtClean="0"/>
-          </a:p>
-          <a:p>
-            <a:r>
-              <a:rPr lang="ja-JP" altLang="en-US" dirty="0"/>
-              <a:t>初めてのロボを作</a:t>
-            </a:r>
-            <a:r>
-              <a:rPr lang="ja-JP" altLang="en-US" dirty="0" smtClean="0"/>
-              <a:t>ってみよう（１０分）</a:t>
-            </a:r>
-            <a:endParaRPr lang="en-US" altLang="zh-CN" dirty="0" smtClean="0"/>
-          </a:p>
-          <a:p>
-            <a:r>
-              <a:rPr lang="ja-JP" altLang="en-US" dirty="0"/>
-              <a:t>宿</a:t>
-            </a:r>
-            <a:r>
-              <a:rPr lang="ja-JP" altLang="en-US" dirty="0" smtClean="0"/>
-              <a:t>題（５分）</a:t>
-            </a:r>
-            <a:endParaRPr lang="en-US" altLang="ja-JP" dirty="0" smtClean="0"/>
-          </a:p>
-          <a:p>
-            <a:pPr lvl="1"/>
-            <a:endParaRPr lang="en-US" dirty="0"/>
+          <a:bodyPr/>
+          <a:lstStyle/>
+          <a:p>
+            <a:endParaRPr kumimoji="1" lang="ja-JP" altLang="en-US"/>
           </a:p>
         </p:txBody>
       </p:sp>
     </p:spTree>
     <p:extLst>
       <p:ext uri="{BB962C8B-B14F-4D97-AF65-F5344CB8AC3E}">
-        <p14:creationId xmlns:p14="http://schemas.microsoft.com/office/powerpoint/2010/main" val="2995343411"/>
+        <p14:creationId xmlns:p14="http://schemas.microsoft.com/office/powerpoint/2010/main" val="2831711277"/>
       </p:ext>
     </p:extLst>
   </p:cSld>
@@ -9163,10 +10748,10 @@
           <a:lstStyle/>
           <a:p>
             <a:r>
-              <a:rPr kumimoji="1" lang="ja-JP" altLang="en-US" dirty="0" smtClean="0"/>
-              <a:t>本日の授業で得られる知識</a:t>
-            </a:r>
-            <a:endParaRPr kumimoji="1" lang="ja-JP" altLang="en-US" dirty="0"/>
+              <a:rPr lang="ja-JP" altLang="en-US" dirty="0"/>
+              <a:t>アジェンダ</a:t>
+            </a:r>
+            <a:endParaRPr lang="en-US" dirty="0"/>
           </a:p>
         </p:txBody>
       </p:sp>
@@ -9182,53 +10767,68 @@
         </p:nvSpPr>
         <p:spPr/>
         <p:txBody>
-          <a:bodyPr/>
-          <a:lstStyle/>
-          <a:p>
-            <a:r>
-              <a:rPr kumimoji="1" lang="en-US" altLang="ja-JP" dirty="0" smtClean="0"/>
+          <a:bodyPr>
+            <a:normAutofit/>
+          </a:bodyPr>
+          <a:lstStyle/>
+          <a:p>
+            <a:r>
+              <a:rPr lang="en-US" altLang="ja-JP" dirty="0" smtClean="0"/>
               <a:t>RPA</a:t>
             </a:r>
             <a:r>
-              <a:rPr kumimoji="1" lang="ja-JP" altLang="en-US" dirty="0" smtClean="0"/>
-              <a:t>概念の理解</a:t>
-            </a:r>
-            <a:endParaRPr kumimoji="1" lang="en-US" altLang="ja-JP" dirty="0" smtClean="0"/>
-          </a:p>
-          <a:p>
-            <a:r>
-              <a:rPr kumimoji="1" lang="en-US" altLang="ja-JP" dirty="0" smtClean="0"/>
-              <a:t>UiPath</a:t>
-            </a:r>
-            <a:r>
-              <a:rPr kumimoji="1" lang="ja-JP" altLang="en-US" dirty="0" smtClean="0"/>
-              <a:t>開</a:t>
-            </a:r>
-            <a:r>
-              <a:rPr kumimoji="1" lang="ja-JP" altLang="en-US" dirty="0"/>
-              <a:t>発環</a:t>
-            </a:r>
-            <a:r>
-              <a:rPr kumimoji="1" lang="ja-JP" altLang="en-US" dirty="0" smtClean="0"/>
-              <a:t>境の構築方法</a:t>
-            </a:r>
-            <a:endParaRPr kumimoji="1" lang="en-US" altLang="ja-JP" dirty="0" smtClean="0"/>
-          </a:p>
-          <a:p>
-            <a:r>
-              <a:rPr kumimoji="1" lang="en-US" altLang="ja-JP" dirty="0" smtClean="0"/>
-              <a:t>UiPath</a:t>
-            </a:r>
-          </a:p>
-          <a:p>
-            <a:endParaRPr kumimoji="1" lang="ja-JP" altLang="en-US" dirty="0"/>
+              <a:rPr lang="ja-JP" altLang="en-US" dirty="0" smtClean="0"/>
+              <a:t>概要</a:t>
+            </a:r>
+            <a:endParaRPr lang="en-US" altLang="ja-JP" dirty="0" smtClean="0"/>
+          </a:p>
+          <a:p>
+            <a:r>
+              <a:rPr lang="en-US" altLang="ja-JP" dirty="0" smtClean="0"/>
+              <a:t>10</a:t>
+            </a:r>
+            <a:r>
+              <a:rPr lang="ja-JP" altLang="en-US" dirty="0"/>
+              <a:t>分で無料な開発環境構築</a:t>
+            </a:r>
+            <a:r>
+              <a:rPr lang="ja-JP" altLang="en-US" dirty="0" smtClean="0"/>
+              <a:t>してみよう</a:t>
+            </a:r>
+            <a:endParaRPr lang="en-US" altLang="zh-CN" dirty="0" smtClean="0"/>
+          </a:p>
+          <a:p>
+            <a:r>
+              <a:rPr lang="ja-JP" altLang="en-US" dirty="0"/>
+              <a:t>初めてのロボを作</a:t>
+            </a:r>
+            <a:r>
+              <a:rPr lang="ja-JP" altLang="en-US" dirty="0" smtClean="0"/>
+              <a:t>ってみよう</a:t>
+            </a:r>
+            <a:endParaRPr lang="en-US" altLang="zh-CN" dirty="0" smtClean="0"/>
+          </a:p>
+          <a:p>
+            <a:r>
+              <a:rPr lang="ja-JP" altLang="en-US" dirty="0"/>
+              <a:t>宿</a:t>
+            </a:r>
+            <a:r>
+              <a:rPr lang="ja-JP" altLang="en-US" dirty="0" smtClean="0"/>
+              <a:t>題など</a:t>
+            </a:r>
+            <a:endParaRPr lang="en-US" altLang="ja-JP" dirty="0" smtClean="0"/>
+          </a:p>
+          <a:p>
+            <a:pPr lvl="1"/>
+            <a:endParaRPr lang="en-US" dirty="0"/>
           </a:p>
         </p:txBody>
       </p:sp>
     </p:spTree>
     <p:extLst>
       <p:ext uri="{BB962C8B-B14F-4D97-AF65-F5344CB8AC3E}">
-        <p14:creationId xmlns:p14="http://schemas.microsoft.com/office/powerpoint/2010/main" val="767005944"/>
+        <p14:creationId xmlns:p14="http://schemas.microsoft.com/office/powerpoint/2010/main" val="2995343411"/>
       </p:ext>
     </p:extLst>
   </p:cSld>
@@ -9304,6 +10904,13 @@
             <a:endParaRPr kumimoji="1" lang="en-US" altLang="ja-JP" dirty="0" smtClean="0"/>
           </a:p>
           <a:p>
+            <a:pPr marL="0" indent="0">
+              <a:buNone/>
+            </a:pPr>
+            <a:r>
+              <a:rPr kumimoji="1" lang="en-US" altLang="ja-JP" dirty="0"/>
+              <a:t>https://github.com/huangweijing/rpastudy/tree/main/030_%E8%AC%9B%E7%BE%A9%E3%81%A8%E8%B3%87%E6%96%99</a:t>
+            </a:r>
             <a:endParaRPr kumimoji="1" lang="en-US" altLang="ja-JP" dirty="0" smtClean="0"/>
           </a:p>
           <a:p>
@@ -9544,7 +11151,7 @@
             </a:r>
             <a:r>
               <a:rPr lang="ja-JP" altLang="en-US" dirty="0" smtClean="0"/>
-              <a:t>デモ</a:t>
+              <a:t>概要</a:t>
             </a:r>
             <a:r>
               <a:rPr lang="en-US" altLang="ja-JP" dirty="0" smtClean="0"/>
@@ -9554,12 +11161,24 @@
               <a:rPr lang="en-US" altLang="ja-JP" dirty="0" smtClean="0"/>
             </a:br>
             <a:r>
+              <a:rPr lang="en-US" altLang="ja-JP" sz="2400" dirty="0"/>
+              <a:t>RPA</a:t>
+            </a:r>
+            <a:r>
+              <a:rPr lang="ja-JP" altLang="en-US" sz="2400" dirty="0" smtClean="0"/>
+              <a:t>デモ：</a:t>
+            </a:r>
+            <a:r>
               <a:rPr lang="en-US" altLang="ja-JP" sz="2400" dirty="0" smtClean="0"/>
               <a:t>WEBSERVE</a:t>
             </a:r>
             <a:r>
               <a:rPr lang="ja-JP" altLang="en-US" sz="2400" dirty="0" smtClean="0"/>
-              <a:t>自動入力ロボ</a:t>
+              <a:t>自動入力</a:t>
+            </a:r>
+            <a:r>
+              <a:rPr lang="ja-JP" altLang="en-US" sz="2400" dirty="0" smtClean="0"/>
+              <a:t>ロボ</a:t>
             </a:r>
             <a:endParaRPr lang="zh-CN" altLang="en-US" sz="2400" dirty="0"/>
           </a:p>
@@ -9660,7 +11279,12 @@
             <p:ph type="title"/>
           </p:nvPr>
         </p:nvSpPr>
-        <p:spPr/>
+        <p:spPr>
+          <a:xfrm>
+            <a:off x="677334" y="609600"/>
+            <a:ext cx="10988886" cy="1320800"/>
+          </a:xfrm>
+        </p:spPr>
         <p:txBody>
           <a:bodyPr/>
           <a:lstStyle/>
@@ -9671,116 +11295,472 @@
             </a:r>
             <a:r>
               <a:rPr lang="ja-JP" altLang="en-US" dirty="0"/>
-              <a:t>が求められる背景と理由</a:t>
+              <a:t>概要</a:t>
+            </a:r>
+            <a:r>
+              <a:rPr kumimoji="1" lang="en-US" altLang="ja-JP" dirty="0" smtClean="0"/>
+              <a:t/>
             </a:r>
             <a:br>
-              <a:rPr lang="ja-JP" altLang="en-US" dirty="0"/>
+              <a:rPr kumimoji="1" lang="en-US" altLang="ja-JP" dirty="0" smtClean="0"/>
             </a:br>
-            <a:endParaRPr lang="zh-CN" altLang="en-US" dirty="0"/>
-          </a:p>
-        </p:txBody>
-      </p:sp>
-      <p:sp>
-        <p:nvSpPr>
-          <p:cNvPr id="3" name="内容占位符 2"/>
-          <p:cNvSpPr>
-            <a:spLocks noGrp="1"/>
-          </p:cNvSpPr>
-          <p:nvPr>
-            <p:ph idx="1"/>
-          </p:nvPr>
-        </p:nvSpPr>
-        <p:spPr/>
-        <p:txBody>
-          <a:bodyPr/>
-          <a:lstStyle/>
-          <a:p>
-            <a:r>
-              <a:rPr lang="ja-JP" altLang="en-US" dirty="0" smtClean="0"/>
-              <a:t>背景</a:t>
-            </a:r>
-            <a:endParaRPr lang="en-US" altLang="ja-JP" dirty="0" smtClean="0"/>
-          </a:p>
-          <a:p>
-            <a:r>
-              <a:rPr lang="ja-JP" altLang="en-US" dirty="0" smtClean="0"/>
-              <a:t>人員不足と働き方改革</a:t>
-            </a:r>
-            <a:endParaRPr lang="en-US" altLang="ja-JP" dirty="0" smtClean="0"/>
-          </a:p>
-          <a:p>
-            <a:r>
-              <a:rPr lang="ja-JP" altLang="en-US" dirty="0" smtClean="0"/>
-              <a:t>システムの乱立とつなぎ業務</a:t>
-            </a:r>
-            <a:endParaRPr lang="en-US" altLang="ja-JP" dirty="0" smtClean="0"/>
-          </a:p>
-          <a:p>
-            <a:r>
-              <a:rPr lang="ja-JP" altLang="en-US" dirty="0" smtClean="0"/>
-              <a:t>製造業の成功</a:t>
-            </a:r>
-            <a:endParaRPr lang="en-US" altLang="ja-JP" dirty="0" smtClean="0"/>
-          </a:p>
-          <a:p>
-            <a:endParaRPr lang="en-US" altLang="zh-CN" dirty="0" smtClean="0"/>
-          </a:p>
-          <a:p>
-            <a:r>
-              <a:rPr lang="ja-JP" altLang="en-US" dirty="0" smtClean="0"/>
-              <a:t>理由</a:t>
-            </a:r>
-            <a:endParaRPr lang="en-US" altLang="ja-JP" dirty="0" smtClean="0"/>
-          </a:p>
-          <a:p>
-            <a:r>
-              <a:rPr lang="ja-JP" altLang="en-US" dirty="0" smtClean="0"/>
-              <a:t>安価に標</a:t>
-            </a:r>
-            <a:r>
-              <a:rPr lang="ja-JP" altLang="en-US" dirty="0"/>
-              <a:t>準</a:t>
-            </a:r>
-            <a:r>
-              <a:rPr lang="ja-JP" altLang="en-US" dirty="0" smtClean="0"/>
-              <a:t>化が進む</a:t>
-            </a:r>
-            <a:endParaRPr lang="en-US" altLang="ja-JP" dirty="0" smtClean="0"/>
-          </a:p>
-          <a:p>
-            <a:r>
-              <a:rPr lang="ja-JP" altLang="en-US" dirty="0"/>
-              <a:t>実務</a:t>
-            </a:r>
-            <a:r>
-              <a:rPr lang="ja-JP" altLang="en-US" dirty="0" smtClean="0"/>
-              <a:t>者が自分達で進められる</a:t>
-            </a:r>
-            <a:endParaRPr lang="en-US" altLang="ja-JP" dirty="0" smtClean="0"/>
-          </a:p>
-          <a:p>
-            <a:r>
-              <a:rPr lang="ja-JP" altLang="en-US" dirty="0"/>
-              <a:t>今</a:t>
-            </a:r>
-            <a:r>
-              <a:rPr lang="ja-JP" altLang="en-US" dirty="0" smtClean="0"/>
-              <a:t>の仕事のやり方を大きく変えずに改善できる。</a:t>
-            </a:r>
-            <a:endParaRPr lang="en-US" altLang="ja-JP" dirty="0" smtClean="0"/>
-          </a:p>
-          <a:p>
-            <a:endParaRPr lang="en-US" altLang="zh-CN" dirty="0"/>
-          </a:p>
-          <a:p>
-            <a:endParaRPr lang="zh-CN" altLang="en-US" dirty="0"/>
-          </a:p>
-        </p:txBody>
-      </p:sp>
+            <a:r>
+              <a:rPr kumimoji="1" lang="ja-JP" altLang="en-US" sz="2400" dirty="0" smtClean="0"/>
+              <a:t>伝統的なプログラミング言語との比較</a:t>
+            </a:r>
+            <a:endParaRPr kumimoji="1" lang="ja-JP" altLang="en-US" dirty="0"/>
+          </a:p>
+        </p:txBody>
+      </p:sp>
+      <p:graphicFrame>
+        <p:nvGraphicFramePr>
+          <p:cNvPr id="4" name="表格 3"/>
+          <p:cNvGraphicFramePr>
+            <a:graphicFrameLocks noGrp="1"/>
+          </p:cNvGraphicFramePr>
+          <p:nvPr>
+            <p:extLst>
+              <p:ext uri="{D42A27DB-BD31-4B8C-83A1-F6EECF244321}">
+                <p14:modId xmlns:p14="http://schemas.microsoft.com/office/powerpoint/2010/main" val="3842521827"/>
+              </p:ext>
+            </p:extLst>
+          </p:nvPr>
+        </p:nvGraphicFramePr>
+        <p:xfrm>
+          <a:off x="677334" y="1658451"/>
+          <a:ext cx="10390125" cy="5020086"/>
+        </p:xfrm>
+        <a:graphic>
+          <a:graphicData uri="http://schemas.openxmlformats.org/drawingml/2006/table">
+            <a:tbl>
+              <a:tblPr firstRow="1" bandRow="1">
+                <a:tableStyleId>{5C22544A-7EE6-4342-B048-85BDC9FD1C3A}</a:tableStyleId>
+              </a:tblPr>
+              <a:tblGrid>
+                <a:gridCol w="2825282"/>
+                <a:gridCol w="3747222"/>
+                <a:gridCol w="3817621"/>
+              </a:tblGrid>
+              <a:tr h="653064">
+                <a:tc>
+                  <a:txBody>
+                    <a:bodyPr/>
+                    <a:lstStyle/>
+                    <a:p>
+                      <a:r>
+                        <a:rPr kumimoji="1" lang="ja-JP" altLang="en-US" dirty="0" smtClean="0"/>
+                        <a:t>比較項目</a:t>
+                      </a:r>
+                      <a:endParaRPr kumimoji="1" lang="ja-JP" altLang="en-US" dirty="0"/>
+                    </a:p>
+                  </a:txBody>
+                  <a:tcPr/>
+                </a:tc>
+                <a:tc>
+                  <a:txBody>
+                    <a:bodyPr/>
+                    <a:lstStyle/>
+                    <a:p>
+                      <a:r>
+                        <a:rPr kumimoji="1" lang="en-US" altLang="ja-JP" dirty="0" smtClean="0"/>
+                        <a:t>UI</a:t>
+                      </a:r>
+                      <a:r>
+                        <a:rPr kumimoji="1" lang="ja-JP" altLang="en-US" dirty="0" smtClean="0"/>
+                        <a:t>操作系の</a:t>
+                      </a:r>
+                      <a:r>
+                        <a:rPr kumimoji="1" lang="en-US" altLang="ja-JP" dirty="0" smtClean="0"/>
+                        <a:t>RPA</a:t>
+                      </a:r>
+                    </a:p>
+                    <a:p>
+                      <a:r>
+                        <a:rPr kumimoji="1" lang="ja-JP" altLang="en-US" dirty="0" smtClean="0"/>
+                        <a:t>（</a:t>
+                      </a:r>
+                      <a:r>
+                        <a:rPr kumimoji="1" lang="en-US" altLang="ja-JP" dirty="0" smtClean="0"/>
+                        <a:t>UiPath</a:t>
+                      </a:r>
+                      <a:r>
+                        <a:rPr kumimoji="1" lang="ja-JP" altLang="en-US" dirty="0" smtClean="0"/>
+                        <a:t>、</a:t>
+                      </a:r>
+                      <a:r>
+                        <a:rPr kumimoji="1" lang="en-US" altLang="ja-JP" dirty="0" smtClean="0"/>
+                        <a:t>…</a:t>
+                      </a:r>
+                      <a:r>
+                        <a:rPr kumimoji="1" lang="ja-JP" altLang="en-US" dirty="0" smtClean="0"/>
+                        <a:t>）</a:t>
+                      </a:r>
+                      <a:endParaRPr kumimoji="1" lang="ja-JP" altLang="en-US" dirty="0"/>
+                    </a:p>
+                  </a:txBody>
+                  <a:tcPr/>
+                </a:tc>
+                <a:tc>
+                  <a:txBody>
+                    <a:bodyPr/>
+                    <a:lstStyle/>
+                    <a:p>
+                      <a:r>
+                        <a:rPr kumimoji="1" lang="ja-JP" altLang="en-US" dirty="0" smtClean="0"/>
+                        <a:t>伝統的なプログラミング言語</a:t>
+                      </a:r>
+                      <a:endParaRPr kumimoji="1" lang="en-US" altLang="ja-JP" dirty="0" smtClean="0"/>
+                    </a:p>
+                    <a:p>
+                      <a:r>
+                        <a:rPr kumimoji="1" lang="ja-JP" altLang="en-US" dirty="0" smtClean="0"/>
+                        <a:t>（</a:t>
+                      </a:r>
+                      <a:r>
+                        <a:rPr kumimoji="1" lang="en-US" altLang="ja-JP" dirty="0" smtClean="0"/>
+                        <a:t>Java</a:t>
+                      </a:r>
+                      <a:r>
+                        <a:rPr kumimoji="1" lang="ja-JP" altLang="en-US" dirty="0" smtClean="0"/>
+                        <a:t>、</a:t>
+                      </a:r>
+                      <a:r>
+                        <a:rPr kumimoji="1" lang="en-US" altLang="ja-JP" dirty="0" smtClean="0"/>
+                        <a:t>C#</a:t>
+                      </a:r>
+                      <a:r>
+                        <a:rPr kumimoji="1" lang="ja-JP" altLang="en-US" dirty="0" smtClean="0"/>
+                        <a:t>、</a:t>
+                      </a:r>
+                      <a:r>
+                        <a:rPr kumimoji="1" lang="en-US" altLang="ja-JP" dirty="0" smtClean="0"/>
+                        <a:t>…</a:t>
+                      </a:r>
+                      <a:r>
+                        <a:rPr kumimoji="1" lang="ja-JP" altLang="en-US" dirty="0" smtClean="0"/>
+                        <a:t>）</a:t>
+                      </a:r>
+                      <a:endParaRPr kumimoji="1" lang="ja-JP" altLang="en-US" dirty="0"/>
+                    </a:p>
+                  </a:txBody>
+                  <a:tcPr/>
+                </a:tc>
+              </a:tr>
+              <a:tr h="1207868">
+                <a:tc>
+                  <a:txBody>
+                    <a:bodyPr/>
+                    <a:lstStyle/>
+                    <a:p>
+                      <a:r>
+                        <a:rPr kumimoji="1" lang="ja-JP" altLang="en-US" dirty="0" smtClean="0"/>
+                        <a:t>開発ハードルの高さ</a:t>
+                      </a:r>
+                      <a:endParaRPr kumimoji="1" lang="ja-JP" altLang="en-US" dirty="0"/>
+                    </a:p>
+                  </a:txBody>
+                  <a:tcPr/>
+                </a:tc>
+                <a:tc>
+                  <a:txBody>
+                    <a:bodyPr/>
+                    <a:lstStyle/>
+                    <a:p>
+                      <a:r>
+                        <a:rPr kumimoji="1" lang="ja-JP" altLang="en-US" dirty="0" smtClean="0"/>
+                        <a:t>やや低い</a:t>
+                      </a:r>
+                      <a:endParaRPr kumimoji="1" lang="en-US" altLang="ja-JP" dirty="0" smtClean="0"/>
+                    </a:p>
+                    <a:p>
+                      <a:r>
+                        <a:rPr kumimoji="1" lang="ja-JP" altLang="en-US" sz="1400" dirty="0" smtClean="0"/>
+                        <a:t>業務担当者自らでも開発可能</a:t>
+                      </a:r>
+                      <a:endParaRPr kumimoji="1" lang="en-US" altLang="ja-JP" sz="1400" dirty="0" smtClean="0"/>
+                    </a:p>
+                    <a:p>
+                      <a:r>
+                        <a:rPr kumimoji="1" lang="ja-JP" altLang="en-US" sz="1400" dirty="0" smtClean="0"/>
+                        <a:t>注：入門が簡単だが、メンテンナンス性、拡張性、安定性の高いロボットを開発するのに、右記の知識が必要になってくる。</a:t>
+                      </a:r>
+                      <a:endParaRPr kumimoji="1" lang="ja-JP" altLang="en-US" sz="1400" dirty="0"/>
+                    </a:p>
+                  </a:txBody>
+                  <a:tcPr/>
+                </a:tc>
+                <a:tc>
+                  <a:txBody>
+                    <a:bodyPr/>
+                    <a:lstStyle/>
+                    <a:p>
+                      <a:r>
+                        <a:rPr kumimoji="1" lang="ja-JP" altLang="en-US" dirty="0" smtClean="0"/>
+                        <a:t>高い</a:t>
+                      </a:r>
+                      <a:endParaRPr kumimoji="1" lang="en-US" altLang="ja-JP" dirty="0" smtClean="0"/>
+                    </a:p>
+                    <a:p>
+                      <a:r>
+                        <a:rPr kumimoji="1" lang="ja-JP" altLang="en-US" sz="1400" dirty="0" smtClean="0"/>
+                        <a:t>コーディング、ソフトウェア設計の知識がないとまずは作れない</a:t>
+                      </a:r>
+                      <a:endParaRPr kumimoji="1" lang="ja-JP" altLang="en-US" sz="1400" dirty="0"/>
+                    </a:p>
+                  </a:txBody>
+                  <a:tcPr/>
+                </a:tc>
+              </a:tr>
+              <a:tr h="1177671">
+                <a:tc>
+                  <a:txBody>
+                    <a:bodyPr/>
+                    <a:lstStyle/>
+                    <a:p>
+                      <a:r>
+                        <a:rPr kumimoji="1" lang="ja-JP" altLang="en-US" dirty="0" smtClean="0"/>
+                        <a:t>移植しやすさ</a:t>
+                      </a:r>
+                      <a:endParaRPr kumimoji="1" lang="ja-JP" altLang="en-US" dirty="0"/>
+                    </a:p>
+                  </a:txBody>
+                  <a:tcPr/>
+                </a:tc>
+                <a:tc>
+                  <a:txBody>
+                    <a:bodyPr/>
+                    <a:lstStyle/>
+                    <a:p>
+                      <a:r>
+                        <a:rPr kumimoji="1" lang="ja-JP" altLang="en-US" dirty="0" smtClean="0"/>
+                        <a:t>移植がやや面倒</a:t>
+                      </a:r>
+                      <a:endParaRPr kumimoji="1" lang="en-US" altLang="ja-JP" dirty="0" smtClean="0"/>
+                    </a:p>
+                    <a:p>
+                      <a:r>
+                        <a:rPr kumimoji="1" lang="ja-JP" altLang="en-US" sz="1400" dirty="0" smtClean="0"/>
+                        <a:t>稼働環境が開発環境との一致性（ソフト、解像度、設定など）を保たないとリリース後に動かない可能性が高い</a:t>
+                      </a:r>
+                      <a:endParaRPr kumimoji="1" lang="ja-JP" altLang="en-US" sz="1400" dirty="0"/>
+                    </a:p>
+                  </a:txBody>
+                  <a:tcPr/>
+                </a:tc>
+                <a:tc>
+                  <a:txBody>
+                    <a:bodyPr/>
+                    <a:lstStyle/>
+                    <a:p>
+                      <a:r>
+                        <a:rPr kumimoji="1" lang="ja-JP" altLang="en-US" dirty="0" smtClean="0"/>
+                        <a:t>移植しやすい</a:t>
+                      </a:r>
+                      <a:endParaRPr kumimoji="1" lang="en-US" altLang="ja-JP" dirty="0" smtClean="0"/>
+                    </a:p>
+                    <a:p>
+                      <a:r>
+                        <a:rPr kumimoji="1" lang="en-US" altLang="ja-JP" sz="1400" dirty="0" smtClean="0"/>
+                        <a:t>Java</a:t>
+                      </a:r>
+                      <a:r>
+                        <a:rPr kumimoji="1" lang="ja-JP" altLang="en-US" sz="1400" dirty="0" smtClean="0"/>
+                        <a:t>なら</a:t>
+                      </a:r>
+                      <a:r>
+                        <a:rPr kumimoji="1" lang="en-US" altLang="ja-JP" sz="1400" dirty="0" smtClean="0"/>
+                        <a:t>JVM</a:t>
+                      </a:r>
+                      <a:r>
+                        <a:rPr kumimoji="1" lang="ja-JP" altLang="en-US" sz="1400" dirty="0" smtClean="0"/>
+                        <a:t>、</a:t>
+                      </a:r>
+                      <a:r>
+                        <a:rPr kumimoji="1" lang="en-US" altLang="ja-JP" sz="1400" dirty="0" smtClean="0"/>
+                        <a:t>.NET</a:t>
+                      </a:r>
+                      <a:r>
+                        <a:rPr kumimoji="1" lang="ja-JP" altLang="en-US" sz="1400" dirty="0" smtClean="0"/>
+                        <a:t>なら</a:t>
+                      </a:r>
+                      <a:r>
+                        <a:rPr kumimoji="1" lang="en-US" altLang="ja-JP" sz="1400" dirty="0" smtClean="0"/>
+                        <a:t>CLR</a:t>
+                      </a:r>
+                      <a:r>
+                        <a:rPr kumimoji="1" lang="ja-JP" altLang="en-US" sz="1400" dirty="0" smtClean="0"/>
+                        <a:t>があればとにかく動く</a:t>
+                      </a:r>
+                      <a:endParaRPr kumimoji="1" lang="ja-JP" altLang="en-US" sz="1400" dirty="0"/>
+                    </a:p>
+                  </a:txBody>
+                  <a:tcPr/>
+                </a:tc>
+              </a:tr>
+              <a:tr h="733339">
+                <a:tc>
+                  <a:txBody>
+                    <a:bodyPr/>
+                    <a:lstStyle/>
+                    <a:p>
+                      <a:r>
+                        <a:rPr kumimoji="1" lang="en-US" altLang="ja-JP" dirty="0" smtClean="0"/>
+                        <a:t>UI</a:t>
+                      </a:r>
+                      <a:r>
+                        <a:rPr kumimoji="1" lang="ja-JP" altLang="en-US" dirty="0" smtClean="0"/>
+                        <a:t>操作</a:t>
+                      </a:r>
+                      <a:endParaRPr kumimoji="1" lang="ja-JP" altLang="en-US" dirty="0"/>
+                    </a:p>
+                  </a:txBody>
+                  <a:tcPr/>
+                </a:tc>
+                <a:tc>
+                  <a:txBody>
+                    <a:bodyPr/>
+                    <a:lstStyle/>
+                    <a:p>
+                      <a:r>
+                        <a:rPr kumimoji="1" lang="ja-JP" altLang="en-US" dirty="0" smtClean="0"/>
+                        <a:t>得意</a:t>
+                      </a:r>
+                      <a:endParaRPr kumimoji="1" lang="en-US" altLang="ja-JP" dirty="0" smtClean="0"/>
+                    </a:p>
+                    <a:p>
+                      <a:r>
+                        <a:rPr kumimoji="1" lang="en-US" altLang="ja-JP" sz="1400" dirty="0" smtClean="0"/>
+                        <a:t>UI</a:t>
+                      </a:r>
+                      <a:r>
+                        <a:rPr kumimoji="1" lang="ja-JP" altLang="en-US" sz="1400" dirty="0" smtClean="0"/>
+                        <a:t>操作のために生まれた技術なので、得意なのは当然</a:t>
+                      </a:r>
+                      <a:endParaRPr kumimoji="1" lang="ja-JP" altLang="en-US" sz="1400" dirty="0"/>
+                    </a:p>
+                  </a:txBody>
+                  <a:tcPr/>
+                </a:tc>
+                <a:tc>
+                  <a:txBody>
+                    <a:bodyPr/>
+                    <a:lstStyle/>
+                    <a:p>
+                      <a:r>
+                        <a:rPr kumimoji="1" lang="ja-JP" altLang="en-US" dirty="0" smtClean="0"/>
+                        <a:t>普通はやらない</a:t>
+                      </a:r>
+                      <a:endParaRPr kumimoji="1" lang="en-US" altLang="ja-JP" dirty="0" smtClean="0"/>
+                    </a:p>
+                    <a:p>
+                      <a:r>
+                        <a:rPr kumimoji="1" lang="en-US" altLang="ja-JP" sz="1400" dirty="0" err="1" smtClean="0"/>
+                        <a:t>.net</a:t>
+                      </a:r>
+                      <a:r>
+                        <a:rPr kumimoji="1" lang="ja-JP" altLang="en-US" sz="1400" dirty="0" smtClean="0"/>
+                        <a:t>ならマウスイベントなどを発生させることもできるのだが、開発がとても難しい</a:t>
+                      </a:r>
+                      <a:endParaRPr kumimoji="1" lang="ja-JP" altLang="en-US" sz="1400" dirty="0"/>
+                    </a:p>
+                  </a:txBody>
+                  <a:tcPr/>
+                </a:tc>
+              </a:tr>
+              <a:tr h="1177671">
+                <a:tc>
+                  <a:txBody>
+                    <a:bodyPr/>
+                    <a:lstStyle/>
+                    <a:p>
+                      <a:r>
+                        <a:rPr kumimoji="1" lang="ja-JP" altLang="en-US" dirty="0" smtClean="0"/>
+                        <a:t>スピード</a:t>
+                      </a:r>
+                      <a:endParaRPr kumimoji="1" lang="ja-JP" altLang="en-US" dirty="0"/>
+                    </a:p>
+                  </a:txBody>
+                  <a:tcPr/>
+                </a:tc>
+                <a:tc>
+                  <a:txBody>
+                    <a:bodyPr/>
+                    <a:lstStyle/>
+                    <a:p>
+                      <a:r>
+                        <a:rPr kumimoji="1" lang="ja-JP" altLang="en-US" dirty="0" smtClean="0"/>
+                        <a:t>遅い</a:t>
+                      </a:r>
+                      <a:endParaRPr kumimoji="1" lang="en-US" altLang="ja-JP" dirty="0" smtClean="0"/>
+                    </a:p>
+                    <a:p>
+                      <a:r>
+                        <a:rPr kumimoji="1" lang="ja-JP" altLang="en-US" sz="1400" dirty="0" smtClean="0"/>
+                        <a:t>人間のように</a:t>
+                      </a:r>
+                      <a:r>
+                        <a:rPr kumimoji="1" lang="en-US" altLang="ja-JP" sz="1400" dirty="0" smtClean="0"/>
+                        <a:t>UI</a:t>
+                      </a:r>
+                      <a:r>
+                        <a:rPr kumimoji="1" lang="ja-JP" altLang="en-US" sz="1400" dirty="0" smtClean="0"/>
+                        <a:t>操作で処理するため、人間の操作と比べ数倍だけ早い。それに実行中に</a:t>
+                      </a:r>
+                      <a:r>
+                        <a:rPr kumimoji="1" lang="en-US" altLang="ja-JP" sz="1400" dirty="0" smtClean="0"/>
+                        <a:t>UI</a:t>
+                      </a:r>
+                      <a:r>
+                        <a:rPr kumimoji="1" lang="ja-JP" altLang="en-US" sz="1400" dirty="0" smtClean="0"/>
+                        <a:t>を占有するため、二重実行が不可。</a:t>
+                      </a:r>
+                      <a:endParaRPr kumimoji="1" lang="en-US" altLang="ja-JP" sz="1400" dirty="0" smtClean="0"/>
+                    </a:p>
+                  </a:txBody>
+                  <a:tcPr/>
+                </a:tc>
+                <a:tc>
+                  <a:txBody>
+                    <a:bodyPr/>
+                    <a:lstStyle/>
+                    <a:p>
+                      <a:r>
+                        <a:rPr kumimoji="1" lang="ja-JP" altLang="en-US" dirty="0" smtClean="0"/>
+                        <a:t>高速</a:t>
+                      </a:r>
+                      <a:endParaRPr kumimoji="1" lang="en-US" altLang="ja-JP" dirty="0" smtClean="0"/>
+                    </a:p>
+                    <a:p>
+                      <a:r>
+                        <a:rPr kumimoji="1" lang="en-US" altLang="ja-JP" sz="1400" dirty="0" smtClean="0"/>
+                        <a:t>CPU</a:t>
+                      </a:r>
+                      <a:r>
+                        <a:rPr kumimoji="1" lang="ja-JP" altLang="en-US" sz="1400" dirty="0" smtClean="0"/>
+                        <a:t>とメモリの世界で動くため、</a:t>
+                      </a:r>
+                      <a:r>
+                        <a:rPr kumimoji="1" lang="en-US" altLang="ja-JP" sz="1400" dirty="0" smtClean="0"/>
+                        <a:t>RPA</a:t>
+                      </a:r>
+                      <a:r>
+                        <a:rPr kumimoji="1" lang="ja-JP" altLang="en-US" sz="1400" dirty="0" smtClean="0"/>
+                        <a:t>の数万倍も速い。マルチスレッド実行も可能。</a:t>
+                      </a:r>
+                      <a:endParaRPr kumimoji="1" lang="ja-JP" altLang="en-US" sz="1400" dirty="0"/>
+                    </a:p>
+                  </a:txBody>
+                  <a:tcPr/>
+                </a:tc>
+              </a:tr>
+            </a:tbl>
+          </a:graphicData>
+        </a:graphic>
+      </p:graphicFrame>
     </p:spTree>
     <p:extLst>
       <p:ext uri="{BB962C8B-B14F-4D97-AF65-F5344CB8AC3E}">
-        <p14:creationId xmlns:p14="http://schemas.microsoft.com/office/powerpoint/2010/main" val="1793497674"/>
+        <p14:creationId xmlns:p14="http://schemas.microsoft.com/office/powerpoint/2010/main" val="2455343104"/>
       </p:ext>
     </p:extLst>
   </p:cSld>
@@ -9819,35 +11799,88 @@
         </p:nvSpPr>
         <p:spPr/>
         <p:txBody>
+          <a:bodyPr>
+            <a:normAutofit/>
+          </a:bodyPr>
+          <a:lstStyle/>
+          <a:p>
+            <a:r>
+              <a:rPr lang="en-US" altLang="ja-JP" dirty="0" smtClean="0"/>
+              <a:t>RPA</a:t>
+            </a:r>
+            <a:r>
+              <a:rPr lang="ja-JP" altLang="en-US" dirty="0" smtClean="0"/>
+              <a:t>概要</a:t>
+            </a:r>
+            <a:r>
+              <a:rPr lang="en-US" altLang="ja-JP" dirty="0" smtClean="0"/>
+              <a:t/>
+            </a:r>
+            <a:br>
+              <a:rPr lang="en-US" altLang="ja-JP" dirty="0" smtClean="0"/>
+            </a:br>
+            <a:r>
+              <a:rPr lang="en-US" altLang="ja-JP" sz="2400" dirty="0" smtClean="0"/>
+              <a:t>RPA</a:t>
+            </a:r>
+            <a:r>
+              <a:rPr lang="ja-JP" altLang="en-US" sz="2400" dirty="0"/>
+              <a:t>が求</a:t>
+            </a:r>
+            <a:r>
+              <a:rPr lang="ja-JP" altLang="en-US" sz="2400" dirty="0" smtClean="0"/>
+              <a:t>められる理由</a:t>
+            </a:r>
+            <a:endParaRPr lang="zh-CN" altLang="en-US" dirty="0"/>
+          </a:p>
+        </p:txBody>
+      </p:sp>
+      <p:sp>
+        <p:nvSpPr>
+          <p:cNvPr id="3" name="内容占位符 2"/>
+          <p:cNvSpPr>
+            <a:spLocks noGrp="1"/>
+          </p:cNvSpPr>
+          <p:nvPr>
+            <p:ph idx="1"/>
+          </p:nvPr>
+        </p:nvSpPr>
+        <p:spPr/>
+        <p:txBody>
           <a:bodyPr/>
           <a:lstStyle/>
           <a:p>
             <a:r>
-              <a:rPr lang="en-US" altLang="zh-CN" dirty="0" smtClean="0"/>
-              <a:t>RPA</a:t>
-            </a:r>
-            <a:r>
               <a:rPr lang="ja-JP" altLang="en-US" dirty="0" smtClean="0"/>
-              <a:t>の事例１</a:t>
-            </a:r>
-            <a:endParaRPr lang="zh-CN" altLang="en-US" dirty="0"/>
-          </a:p>
-        </p:txBody>
-      </p:sp>
-      <p:sp>
-        <p:nvSpPr>
-          <p:cNvPr id="3" name="内容占位符 2"/>
-          <p:cNvSpPr>
-            <a:spLocks noGrp="1"/>
-          </p:cNvSpPr>
-          <p:nvPr>
-            <p:ph idx="1"/>
-          </p:nvPr>
-        </p:nvSpPr>
-        <p:spPr/>
-        <p:txBody>
-          <a:bodyPr/>
-          <a:lstStyle/>
+              <a:t>人</a:t>
+            </a:r>
+            <a:r>
+              <a:rPr lang="ja-JP" altLang="en-US" dirty="0" smtClean="0"/>
+              <a:t>員不足と働き方改革</a:t>
+            </a:r>
+            <a:endParaRPr lang="en-US" altLang="ja-JP" dirty="0" smtClean="0"/>
+          </a:p>
+          <a:p>
+            <a:r>
+              <a:rPr lang="ja-JP" altLang="en-US" dirty="0" smtClean="0"/>
+              <a:t>システムの乱立とつなぎ業務</a:t>
+            </a:r>
+            <a:endParaRPr lang="en-US" altLang="ja-JP" dirty="0" smtClean="0"/>
+          </a:p>
+          <a:p>
+            <a:r>
+              <a:rPr lang="ja-JP" altLang="en-US" dirty="0" smtClean="0"/>
+              <a:t>今</a:t>
+            </a:r>
+            <a:r>
+              <a:rPr lang="ja-JP" altLang="en-US" dirty="0" smtClean="0"/>
+              <a:t>の仕事のやり方を大きく変えずに改善できる。</a:t>
+            </a:r>
+            <a:endParaRPr lang="en-US" altLang="ja-JP" dirty="0" smtClean="0"/>
+          </a:p>
+          <a:p>
+            <a:endParaRPr lang="en-US" altLang="zh-CN" dirty="0"/>
+          </a:p>
           <a:p>
             <a:endParaRPr lang="zh-CN" altLang="en-US" dirty="0"/>
           </a:p>
@@ -9856,7 +11889,7 @@
     </p:spTree>
     <p:extLst>
       <p:ext uri="{BB962C8B-B14F-4D97-AF65-F5344CB8AC3E}">
-        <p14:creationId xmlns:p14="http://schemas.microsoft.com/office/powerpoint/2010/main" val="2758489212"/>
+        <p14:creationId xmlns:p14="http://schemas.microsoft.com/office/powerpoint/2010/main" val="1793497674"/>
       </p:ext>
     </p:extLst>
   </p:cSld>
@@ -9899,302 +11932,135 @@
           <a:lstStyle/>
           <a:p>
             <a:r>
-              <a:rPr lang="en-US" altLang="zh-CN" dirty="0" smtClean="0"/>
+              <a:rPr kumimoji="1" lang="en-US" altLang="ja-JP" dirty="0" smtClean="0"/>
               <a:t>RPA</a:t>
             </a:r>
             <a:r>
-              <a:rPr lang="ja-JP" altLang="en-US" dirty="0" smtClean="0"/>
+              <a:rPr kumimoji="1" lang="ja-JP" altLang="en-US" dirty="0" smtClean="0"/>
               <a:t>概要</a:t>
             </a:r>
+            <a:r>
+              <a:rPr kumimoji="1" lang="en-US" altLang="ja-JP" dirty="0" smtClean="0"/>
+              <a:t/>
+            </a:r>
             <a:br>
-              <a:rPr lang="ja-JP" altLang="en-US" dirty="0" smtClean="0"/>
+              <a:rPr kumimoji="1" lang="en-US" altLang="ja-JP" dirty="0" smtClean="0"/>
             </a:br>
             <a:r>
-              <a:rPr lang="ja-JP" altLang="en-US" sz="2400" dirty="0" smtClean="0"/>
-              <a:t>あなたが日常業務を行う際のステップ</a:t>
-            </a:r>
-            <a:endParaRPr lang="zh-CN" altLang="en-US" dirty="0"/>
-          </a:p>
-        </p:txBody>
-      </p:sp>
-      <p:sp>
-        <p:nvSpPr>
-          <p:cNvPr id="5" name="矩形 4"/>
-          <p:cNvSpPr/>
-          <p:nvPr/>
-        </p:nvSpPr>
-        <p:spPr>
-          <a:xfrm>
-            <a:off x="2179166" y="2438400"/>
-            <a:ext cx="6820746" cy="914400"/>
-          </a:xfrm>
-          <a:prstGeom prst="rect">
-            <a:avLst/>
-          </a:prstGeom>
-        </p:spPr>
-        <p:style>
-          <a:lnRef idx="2">
-            <a:schemeClr val="accent1">
-              <a:shade val="50000"/>
-            </a:schemeClr>
-          </a:lnRef>
-          <a:fillRef idx="1">
-            <a:schemeClr val="accent1"/>
-          </a:fillRef>
-          <a:effectRef idx="0">
-            <a:schemeClr val="accent1"/>
-          </a:effectRef>
-          <a:fontRef idx="minor">
-            <a:schemeClr val="lt1"/>
-          </a:fontRef>
-        </p:style>
-        <p:txBody>
-          <a:bodyPr rtlCol="0" anchor="ctr"/>
-          <a:lstStyle/>
-          <a:p>
-            <a:pPr algn="ctr"/>
-            <a:r>
-              <a:rPr lang="en-US" altLang="ja-JP" sz="2800" dirty="0"/>
-              <a:t>PC</a:t>
-            </a:r>
-            <a:r>
-              <a:rPr lang="ja-JP" altLang="en-US" sz="2800" dirty="0" smtClean="0"/>
-              <a:t>画面を見る</a:t>
-            </a:r>
-            <a:endParaRPr lang="zh-CN" altLang="en-US" sz="2800" dirty="0"/>
-          </a:p>
-        </p:txBody>
-      </p:sp>
-      <p:sp>
-        <p:nvSpPr>
-          <p:cNvPr id="6" name="矩形 5"/>
-          <p:cNvSpPr/>
-          <p:nvPr/>
-        </p:nvSpPr>
-        <p:spPr>
-          <a:xfrm>
-            <a:off x="2179166" y="3624349"/>
-            <a:ext cx="6820746" cy="914400"/>
-          </a:xfrm>
-          <a:prstGeom prst="rect">
-            <a:avLst/>
-          </a:prstGeom>
-        </p:spPr>
-        <p:style>
-          <a:lnRef idx="2">
-            <a:schemeClr val="accent1">
-              <a:shade val="50000"/>
-            </a:schemeClr>
-          </a:lnRef>
-          <a:fillRef idx="1">
-            <a:schemeClr val="accent1"/>
-          </a:fillRef>
-          <a:effectRef idx="0">
-            <a:schemeClr val="accent1"/>
-          </a:effectRef>
-          <a:fontRef idx="minor">
-            <a:schemeClr val="lt1"/>
-          </a:fontRef>
-        </p:style>
-        <p:txBody>
-          <a:bodyPr rtlCol="0" anchor="ctr"/>
-          <a:lstStyle/>
-          <a:p>
-            <a:pPr algn="ctr"/>
-            <a:r>
-              <a:rPr lang="ja-JP" altLang="en-US" sz="2800" dirty="0" smtClean="0"/>
-              <a:t>画面</a:t>
-            </a:r>
-            <a:r>
-              <a:rPr lang="ja-JP" altLang="en-US" sz="2800" smtClean="0"/>
-              <a:t>情報から判断</a:t>
-            </a:r>
-            <a:r>
-              <a:rPr lang="ja-JP" altLang="en-US" sz="2800" dirty="0" smtClean="0"/>
-              <a:t>する</a:t>
-            </a:r>
-            <a:endParaRPr lang="zh-CN" altLang="en-US" sz="2800" dirty="0"/>
-          </a:p>
-        </p:txBody>
-      </p:sp>
-      <p:sp>
-        <p:nvSpPr>
-          <p:cNvPr id="7" name="矩形 6"/>
-          <p:cNvSpPr/>
-          <p:nvPr/>
-        </p:nvSpPr>
-        <p:spPr>
-          <a:xfrm>
-            <a:off x="2179166" y="4810298"/>
-            <a:ext cx="6820746" cy="914400"/>
-          </a:xfrm>
-          <a:prstGeom prst="rect">
-            <a:avLst/>
-          </a:prstGeom>
-        </p:spPr>
-        <p:style>
-          <a:lnRef idx="2">
-            <a:schemeClr val="accent1">
-              <a:shade val="50000"/>
-            </a:schemeClr>
-          </a:lnRef>
-          <a:fillRef idx="1">
-            <a:schemeClr val="accent1"/>
-          </a:fillRef>
-          <a:effectRef idx="0">
-            <a:schemeClr val="accent1"/>
-          </a:effectRef>
-          <a:fontRef idx="minor">
-            <a:schemeClr val="lt1"/>
-          </a:fontRef>
-        </p:style>
-        <p:txBody>
-          <a:bodyPr rtlCol="0" anchor="ctr"/>
-          <a:lstStyle/>
-          <a:p>
-            <a:pPr algn="ctr"/>
-            <a:r>
-              <a:rPr lang="ja-JP" altLang="en-US" sz="2800" dirty="0" smtClean="0"/>
-              <a:t>操作する</a:t>
-            </a:r>
-            <a:endParaRPr lang="zh-CN" altLang="en-US" sz="2800" dirty="0"/>
-          </a:p>
-        </p:txBody>
-      </p:sp>
-      <p:sp>
-        <p:nvSpPr>
-          <p:cNvPr id="8" name="下箭头 7"/>
-          <p:cNvSpPr/>
-          <p:nvPr/>
-        </p:nvSpPr>
-        <p:spPr>
-          <a:xfrm>
-            <a:off x="4621876" y="3280757"/>
-            <a:ext cx="2056014" cy="415636"/>
-          </a:xfrm>
-          <a:prstGeom prst="downArrow">
-            <a:avLst/>
-          </a:prstGeom>
-        </p:spPr>
-        <p:style>
-          <a:lnRef idx="2">
-            <a:schemeClr val="accent3">
-              <a:shade val="50000"/>
-            </a:schemeClr>
-          </a:lnRef>
-          <a:fillRef idx="1">
-            <a:schemeClr val="accent3"/>
-          </a:fillRef>
-          <a:effectRef idx="0">
-            <a:schemeClr val="accent3"/>
-          </a:effectRef>
-          <a:fontRef idx="minor">
-            <a:schemeClr val="lt1"/>
-          </a:fontRef>
-        </p:style>
-        <p:txBody>
-          <a:bodyPr rtlCol="0" anchor="ctr"/>
-          <a:lstStyle/>
-          <a:p>
-            <a:pPr algn="ctr"/>
-            <a:endParaRPr lang="zh-CN" altLang="en-US"/>
-          </a:p>
-        </p:txBody>
-      </p:sp>
-      <p:sp>
-        <p:nvSpPr>
-          <p:cNvPr id="9" name="下箭头 8"/>
-          <p:cNvSpPr/>
-          <p:nvPr/>
-        </p:nvSpPr>
-        <p:spPr>
-          <a:xfrm>
-            <a:off x="4621876" y="4466706"/>
-            <a:ext cx="2056014" cy="415636"/>
-          </a:xfrm>
-          <a:prstGeom prst="downArrow">
-            <a:avLst/>
-          </a:prstGeom>
-        </p:spPr>
-        <p:style>
-          <a:lnRef idx="2">
-            <a:schemeClr val="accent3">
-              <a:shade val="50000"/>
-            </a:schemeClr>
-          </a:lnRef>
-          <a:fillRef idx="1">
-            <a:schemeClr val="accent3"/>
-          </a:fillRef>
-          <a:effectRef idx="0">
-            <a:schemeClr val="accent3"/>
-          </a:effectRef>
-          <a:fontRef idx="minor">
-            <a:schemeClr val="lt1"/>
-          </a:fontRef>
-        </p:style>
-        <p:txBody>
-          <a:bodyPr rtlCol="0" anchor="ctr"/>
-          <a:lstStyle/>
-          <a:p>
-            <a:pPr algn="ctr"/>
-            <a:endParaRPr lang="zh-CN" altLang="en-US"/>
-          </a:p>
-        </p:txBody>
-      </p:sp>
-      <p:sp>
-        <p:nvSpPr>
-          <p:cNvPr id="10" name="手杖形箭头 9"/>
-          <p:cNvSpPr/>
-          <p:nvPr/>
-        </p:nvSpPr>
-        <p:spPr>
-          <a:xfrm rot="16200000">
-            <a:off x="180725" y="3568314"/>
-            <a:ext cx="2970413" cy="1026468"/>
-          </a:xfrm>
-          <a:prstGeom prst="uturnArrow">
-            <a:avLst>
-              <a:gd name="adj1" fmla="val 27242"/>
-              <a:gd name="adj2" fmla="val 25000"/>
-              <a:gd name="adj3" fmla="val 16874"/>
-              <a:gd name="adj4" fmla="val 43750"/>
-              <a:gd name="adj5" fmla="val 100000"/>
-            </a:avLst>
-          </a:prstGeom>
-        </p:spPr>
-        <p:style>
-          <a:lnRef idx="2">
-            <a:schemeClr val="accent3">
-              <a:shade val="50000"/>
-            </a:schemeClr>
-          </a:lnRef>
-          <a:fillRef idx="1">
-            <a:schemeClr val="accent3"/>
-          </a:fillRef>
-          <a:effectRef idx="0">
-            <a:schemeClr val="accent3"/>
-          </a:effectRef>
-          <a:fontRef idx="minor">
-            <a:schemeClr val="lt1"/>
-          </a:fontRef>
-        </p:style>
-        <p:txBody>
-          <a:bodyPr rtlCol="0" anchor="ctr"/>
-          <a:lstStyle/>
-          <a:p>
-            <a:pPr algn="ctr"/>
-            <a:endParaRPr lang="zh-CN" altLang="en-US">
-              <a:solidFill>
-                <a:schemeClr val="tx1"/>
-              </a:solidFill>
-            </a:endParaRPr>
+              <a:rPr kumimoji="1" lang="ja-JP" altLang="en-US" sz="2400" dirty="0" smtClean="0"/>
+              <a:t>事例１：スポ</a:t>
+            </a:r>
+            <a:r>
+              <a:rPr kumimoji="1" lang="ja-JP" altLang="en-US" sz="2400" dirty="0"/>
+              <a:t>ー</a:t>
+            </a:r>
+            <a:r>
+              <a:rPr kumimoji="1" lang="ja-JP" altLang="en-US" sz="2400" dirty="0" smtClean="0"/>
+              <a:t>ツセンターの予約</a:t>
+            </a:r>
+            <a:endParaRPr kumimoji="1" lang="ja-JP" altLang="en-US" dirty="0"/>
+          </a:p>
+        </p:txBody>
+      </p:sp>
+      <p:sp>
+        <p:nvSpPr>
+          <p:cNvPr id="3" name="内容占位符 2"/>
+          <p:cNvSpPr>
+            <a:spLocks noGrp="1"/>
+          </p:cNvSpPr>
+          <p:nvPr>
+            <p:ph idx="1"/>
+          </p:nvPr>
+        </p:nvSpPr>
+        <p:spPr/>
+        <p:txBody>
+          <a:bodyPr/>
+          <a:lstStyle/>
+          <a:p>
+            <a:pPr marL="0" indent="0">
+              <a:buNone/>
+            </a:pPr>
+            <a:r>
+              <a:rPr kumimoji="1" lang="ja-JP" altLang="en-US" dirty="0" smtClean="0"/>
+              <a:t>■課題</a:t>
+            </a:r>
+            <a:endParaRPr kumimoji="1" lang="en-US" altLang="ja-JP" dirty="0" smtClean="0"/>
+          </a:p>
+          <a:p>
+            <a:pPr marL="0" indent="0">
+              <a:buNone/>
+            </a:pPr>
+            <a:r>
+              <a:rPr kumimoji="1" lang="ja-JP" altLang="en-US" dirty="0" smtClean="0"/>
+              <a:t>スポ</a:t>
+            </a:r>
+            <a:r>
+              <a:rPr kumimoji="1" lang="ja-JP" altLang="en-US" dirty="0"/>
+              <a:t>ーツセンタ</a:t>
+            </a:r>
+            <a:r>
+              <a:rPr kumimoji="1" lang="ja-JP" altLang="en-US" dirty="0" smtClean="0"/>
+              <a:t>ーの卓球は三日前から予約の受付が始まるが、土曜日はあまりにも人気のため、水曜の</a:t>
+            </a:r>
+            <a:r>
+              <a:rPr kumimoji="1" lang="ja-JP" altLang="en-US" dirty="0"/>
+              <a:t>０</a:t>
+            </a:r>
+            <a:r>
+              <a:rPr kumimoji="1" lang="ja-JP" altLang="en-US" dirty="0" smtClean="0"/>
+              <a:t>時を過ぎた瞬間にすべての予約が取られてしまい、なかなか卓球がやれない、と課題になっている。</a:t>
+            </a:r>
+            <a:endParaRPr kumimoji="1" lang="en-US" altLang="ja-JP" dirty="0"/>
+          </a:p>
+          <a:p>
+            <a:endParaRPr kumimoji="1" lang="en-US" altLang="ja-JP" dirty="0" smtClean="0"/>
+          </a:p>
+          <a:p>
+            <a:pPr marL="0" indent="0">
+              <a:buNone/>
+            </a:pPr>
+            <a:r>
+              <a:rPr kumimoji="1" lang="ja-JP" altLang="en-US" dirty="0" smtClean="0"/>
+              <a:t>■</a:t>
+            </a:r>
+            <a:r>
+              <a:rPr kumimoji="1" lang="en-US" altLang="ja-JP" dirty="0" smtClean="0"/>
+              <a:t>RPA</a:t>
+            </a:r>
+            <a:r>
+              <a:rPr kumimoji="1" lang="ja-JP" altLang="en-US" dirty="0"/>
+              <a:t>ソリュー</a:t>
+            </a:r>
+            <a:r>
+              <a:rPr kumimoji="1" lang="ja-JP" altLang="en-US" dirty="0" smtClean="0"/>
+              <a:t>ション</a:t>
+            </a:r>
+            <a:endParaRPr kumimoji="1" lang="en-US" altLang="ja-JP" dirty="0" smtClean="0"/>
+          </a:p>
+          <a:p>
+            <a:pPr marL="0" indent="0">
+              <a:buNone/>
+            </a:pPr>
+            <a:r>
+              <a:rPr kumimoji="1" lang="ja-JP" altLang="en-US" dirty="0" smtClean="0"/>
+              <a:t>スポーツセンターの予約システムにアクセスして、空きがあればを予約を取って、結果画面から予約番号を抽出して、携帯にメールを送信するロボットを作る。該当ロボットを</a:t>
+            </a:r>
+            <a:r>
+              <a:rPr kumimoji="1" lang="ja-JP" altLang="en-US" dirty="0"/>
+              <a:t>毎</a:t>
+            </a:r>
+            <a:r>
+              <a:rPr kumimoji="1" lang="ja-JP" altLang="en-US" dirty="0" smtClean="0"/>
+              <a:t>週水曜０時に自動的に稼働するように設定する。</a:t>
+            </a:r>
+            <a:endParaRPr kumimoji="1" lang="ja-JP" altLang="en-US" dirty="0"/>
           </a:p>
         </p:txBody>
       </p:sp>
     </p:spTree>
     <p:extLst>
       <p:ext uri="{BB962C8B-B14F-4D97-AF65-F5344CB8AC3E}">
-        <p14:creationId xmlns:p14="http://schemas.microsoft.com/office/powerpoint/2010/main" val="1777659268"/>
+        <p14:creationId xmlns:p14="http://schemas.microsoft.com/office/powerpoint/2010/main" val="1084415687"/>
       </p:ext>
     </p:extLst>
   </p:cSld>
